--- a/Images/fig3.pptx
+++ b/Images/fig3.pptx
@@ -2,7 +2,7 @@
 <file path=ppt/presentation.xml><?xml version="1.0" encoding="utf-8"?>
 <p:presentation xmlns:a="http://schemas.openxmlformats.org/drawingml/2006/main" xmlns:r="http://schemas.openxmlformats.org/officeDocument/2006/relationships" xmlns:p="http://schemas.openxmlformats.org/presentationml/2006/main" saveSubsetFonts="1">
   <p:sldMasterIdLst>
-    <p:sldMasterId id="2147483756" r:id="rId1"/>
+    <p:sldMasterId id="2147483780" r:id="rId1"/>
   </p:sldMasterIdLst>
   <p:notesMasterIdLst>
     <p:notesMasterId r:id="rId3"/>
@@ -10,7 +10,7 @@
   <p:sldIdLst>
     <p:sldId id="256" r:id="rId2"/>
   </p:sldIdLst>
-  <p:sldSz cx="15087600" cy="22860000"/>
+  <p:sldSz cx="15087600" cy="14630400"/>
   <p:notesSz cx="6858000" cy="9144000"/>
   <p:defaultTextStyle>
     <a:defPPr>
@@ -197,7 +197,7 @@
           <a:p>
             <a:fld id="{D34CEA9E-E5A5-49C8-A578-AF124664FEC0}" type="datetimeFigureOut">
               <a:rPr lang="en-US" smtClean="0"/>
-              <a:t>6/21/2021</a:t>
+              <a:t>7/15/2021</a:t>
             </a:fld>
             <a:endParaRPr lang="en-US"/>
           </a:p>
@@ -215,8 +215,8 @@
         </p:nvSpPr>
         <p:spPr>
           <a:xfrm>
-            <a:off x="2411413" y="1143000"/>
-            <a:ext cx="2035175" cy="3086100"/>
+            <a:off x="1838325" y="1143000"/>
+            <a:ext cx="3181350" cy="3086100"/>
           </a:xfrm>
           <a:prstGeom prst="rect">
             <a:avLst/>
@@ -493,8 +493,8 @@
         </p:nvSpPr>
         <p:spPr>
           <a:xfrm>
-            <a:off x="2411413" y="1143000"/>
-            <a:ext cx="2035175" cy="3086100"/>
+            <a:off x="1838325" y="1143000"/>
+            <a:ext cx="3181350" cy="3086100"/>
           </a:xfrm>
         </p:spPr>
       </p:sp>
@@ -582,8 +582,8 @@
         </p:nvSpPr>
         <p:spPr>
           <a:xfrm>
-            <a:off x="1131570" y="3741210"/>
-            <a:ext cx="12824460" cy="7958667"/>
+            <a:off x="1131570" y="2394374"/>
+            <a:ext cx="12824460" cy="5093547"/>
           </a:xfrm>
         </p:spPr>
         <p:txBody>
@@ -614,8 +614,8 @@
         </p:nvSpPr>
         <p:spPr>
           <a:xfrm>
-            <a:off x="1885950" y="12006793"/>
-            <a:ext cx="11315700" cy="5519207"/>
+            <a:off x="1885950" y="7684348"/>
+            <a:ext cx="11315700" cy="3532292"/>
           </a:xfrm>
         </p:spPr>
         <p:txBody>
@@ -684,7 +684,7 @@
           <a:p>
             <a:fld id="{BA05AF01-4F0E-4718-A4C1-DFCBB47EE5F2}" type="datetimeFigureOut">
               <a:rPr lang="en-US" smtClean="0"/>
-              <a:t>6/21/2021</a:t>
+              <a:t>7/15/2021</a:t>
             </a:fld>
             <a:endParaRPr lang="en-US"/>
           </a:p>
@@ -735,7 +735,7 @@
     </p:spTree>
     <p:extLst>
       <p:ext uri="{BB962C8B-B14F-4D97-AF65-F5344CB8AC3E}">
-        <p14:creationId xmlns:p14="http://schemas.microsoft.com/office/powerpoint/2010/main" val="2435769979"/>
+        <p14:creationId xmlns:p14="http://schemas.microsoft.com/office/powerpoint/2010/main" val="3816803182"/>
       </p:ext>
     </p:extLst>
   </p:cSld>
@@ -854,7 +854,7 @@
           <a:p>
             <a:fld id="{BA05AF01-4F0E-4718-A4C1-DFCBB47EE5F2}" type="datetimeFigureOut">
               <a:rPr lang="en-US" smtClean="0"/>
-              <a:t>6/21/2021</a:t>
+              <a:t>7/15/2021</a:t>
             </a:fld>
             <a:endParaRPr lang="en-US"/>
           </a:p>
@@ -905,7 +905,7 @@
     </p:spTree>
     <p:extLst>
       <p:ext uri="{BB962C8B-B14F-4D97-AF65-F5344CB8AC3E}">
-        <p14:creationId xmlns:p14="http://schemas.microsoft.com/office/powerpoint/2010/main" val="789736356"/>
+        <p14:creationId xmlns:p14="http://schemas.microsoft.com/office/powerpoint/2010/main" val="972669064"/>
       </p:ext>
     </p:extLst>
   </p:cSld>
@@ -944,8 +944,8 @@
         </p:nvSpPr>
         <p:spPr>
           <a:xfrm>
-            <a:off x="10797064" y="1217084"/>
-            <a:ext cx="3253264" cy="19372793"/>
+            <a:off x="10797064" y="778933"/>
+            <a:ext cx="3253264" cy="12398588"/>
           </a:xfrm>
         </p:spPr>
         <p:txBody>
@@ -972,8 +972,8 @@
         </p:nvSpPr>
         <p:spPr>
           <a:xfrm>
-            <a:off x="1037273" y="1217084"/>
-            <a:ext cx="9571196" cy="19372793"/>
+            <a:off x="1037273" y="778933"/>
+            <a:ext cx="9571196" cy="12398588"/>
           </a:xfrm>
         </p:spPr>
         <p:txBody>
@@ -1034,7 +1034,7 @@
           <a:p>
             <a:fld id="{BA05AF01-4F0E-4718-A4C1-DFCBB47EE5F2}" type="datetimeFigureOut">
               <a:rPr lang="en-US" smtClean="0"/>
-              <a:t>6/21/2021</a:t>
+              <a:t>7/15/2021</a:t>
             </a:fld>
             <a:endParaRPr lang="en-US"/>
           </a:p>
@@ -1085,7 +1085,7 @@
     </p:spTree>
     <p:extLst>
       <p:ext uri="{BB962C8B-B14F-4D97-AF65-F5344CB8AC3E}">
-        <p14:creationId xmlns:p14="http://schemas.microsoft.com/office/powerpoint/2010/main" val="1370032562"/>
+        <p14:creationId xmlns:p14="http://schemas.microsoft.com/office/powerpoint/2010/main" val="2149096285"/>
       </p:ext>
     </p:extLst>
   </p:cSld>
@@ -1204,7 +1204,7 @@
           <a:p>
             <a:fld id="{BA05AF01-4F0E-4718-A4C1-DFCBB47EE5F2}" type="datetimeFigureOut">
               <a:rPr lang="en-US" smtClean="0"/>
-              <a:t>6/21/2021</a:t>
+              <a:t>7/15/2021</a:t>
             </a:fld>
             <a:endParaRPr lang="en-US"/>
           </a:p>
@@ -1255,7 +1255,7 @@
     </p:spTree>
     <p:extLst>
       <p:ext uri="{BB962C8B-B14F-4D97-AF65-F5344CB8AC3E}">
-        <p14:creationId xmlns:p14="http://schemas.microsoft.com/office/powerpoint/2010/main" val="1357634914"/>
+        <p14:creationId xmlns:p14="http://schemas.microsoft.com/office/powerpoint/2010/main" val="3568581056"/>
       </p:ext>
     </p:extLst>
   </p:cSld>
@@ -1294,8 +1294,8 @@
         </p:nvSpPr>
         <p:spPr>
           <a:xfrm>
-            <a:off x="1029415" y="5699132"/>
-            <a:ext cx="13013055" cy="9509123"/>
+            <a:off x="1029415" y="3647444"/>
+            <a:ext cx="13013055" cy="6085839"/>
           </a:xfrm>
         </p:spPr>
         <p:txBody>
@@ -1326,8 +1326,8 @@
         </p:nvSpPr>
         <p:spPr>
           <a:xfrm>
-            <a:off x="1029415" y="15298215"/>
-            <a:ext cx="13013055" cy="5000623"/>
+            <a:off x="1029415" y="9790858"/>
+            <a:ext cx="13013055" cy="3200399"/>
           </a:xfrm>
         </p:spPr>
         <p:txBody>
@@ -1448,7 +1448,7 @@
           <a:p>
             <a:fld id="{BA05AF01-4F0E-4718-A4C1-DFCBB47EE5F2}" type="datetimeFigureOut">
               <a:rPr lang="en-US" smtClean="0"/>
-              <a:t>6/21/2021</a:t>
+              <a:t>7/15/2021</a:t>
             </a:fld>
             <a:endParaRPr lang="en-US"/>
           </a:p>
@@ -1499,7 +1499,7 @@
     </p:spTree>
     <p:extLst>
       <p:ext uri="{BB962C8B-B14F-4D97-AF65-F5344CB8AC3E}">
-        <p14:creationId xmlns:p14="http://schemas.microsoft.com/office/powerpoint/2010/main" val="601345318"/>
+        <p14:creationId xmlns:p14="http://schemas.microsoft.com/office/powerpoint/2010/main" val="1294018055"/>
       </p:ext>
     </p:extLst>
   </p:cSld>
@@ -1561,8 +1561,8 @@
         </p:nvSpPr>
         <p:spPr>
           <a:xfrm>
-            <a:off x="1037273" y="6085417"/>
-            <a:ext cx="6412230" cy="14504460"/>
+            <a:off x="1037273" y="3894667"/>
+            <a:ext cx="6412230" cy="9282854"/>
           </a:xfrm>
         </p:spPr>
         <p:txBody>
@@ -1618,8 +1618,8 @@
         </p:nvSpPr>
         <p:spPr>
           <a:xfrm>
-            <a:off x="7638098" y="6085417"/>
-            <a:ext cx="6412230" cy="14504460"/>
+            <a:off x="7638098" y="3894667"/>
+            <a:ext cx="6412230" cy="9282854"/>
           </a:xfrm>
         </p:spPr>
         <p:txBody>
@@ -1680,7 +1680,7 @@
           <a:p>
             <a:fld id="{BA05AF01-4F0E-4718-A4C1-DFCBB47EE5F2}" type="datetimeFigureOut">
               <a:rPr lang="en-US" smtClean="0"/>
-              <a:t>6/21/2021</a:t>
+              <a:t>7/15/2021</a:t>
             </a:fld>
             <a:endParaRPr lang="en-US"/>
           </a:p>
@@ -1731,7 +1731,7 @@
     </p:spTree>
     <p:extLst>
       <p:ext uri="{BB962C8B-B14F-4D97-AF65-F5344CB8AC3E}">
-        <p14:creationId xmlns:p14="http://schemas.microsoft.com/office/powerpoint/2010/main" val="3355175570"/>
+        <p14:creationId xmlns:p14="http://schemas.microsoft.com/office/powerpoint/2010/main" val="3266675228"/>
       </p:ext>
     </p:extLst>
   </p:cSld>
@@ -1770,8 +1770,8 @@
         </p:nvSpPr>
         <p:spPr>
           <a:xfrm>
-            <a:off x="1039238" y="1217089"/>
-            <a:ext cx="13013055" cy="4418543"/>
+            <a:off x="1039238" y="778936"/>
+            <a:ext cx="13013055" cy="2827868"/>
           </a:xfrm>
         </p:spPr>
         <p:txBody>
@@ -1798,8 +1798,8 @@
         </p:nvSpPr>
         <p:spPr>
           <a:xfrm>
-            <a:off x="1039239" y="5603877"/>
-            <a:ext cx="6382761" cy="2746373"/>
+            <a:off x="1039239" y="3586481"/>
+            <a:ext cx="6382761" cy="1757679"/>
           </a:xfrm>
         </p:spPr>
         <p:txBody>
@@ -1863,8 +1863,8 @@
         </p:nvSpPr>
         <p:spPr>
           <a:xfrm>
-            <a:off x="1039239" y="8350250"/>
-            <a:ext cx="6382761" cy="12281960"/>
+            <a:off x="1039239" y="5344160"/>
+            <a:ext cx="6382761" cy="7860454"/>
           </a:xfrm>
         </p:spPr>
         <p:txBody>
@@ -1920,8 +1920,8 @@
         </p:nvSpPr>
         <p:spPr>
           <a:xfrm>
-            <a:off x="7638098" y="5603877"/>
-            <a:ext cx="6414195" cy="2746373"/>
+            <a:off x="7638098" y="3586481"/>
+            <a:ext cx="6414195" cy="1757679"/>
           </a:xfrm>
         </p:spPr>
         <p:txBody>
@@ -1985,8 +1985,8 @@
         </p:nvSpPr>
         <p:spPr>
           <a:xfrm>
-            <a:off x="7638098" y="8350250"/>
-            <a:ext cx="6414195" cy="12281960"/>
+            <a:off x="7638098" y="5344160"/>
+            <a:ext cx="6414195" cy="7860454"/>
           </a:xfrm>
         </p:spPr>
         <p:txBody>
@@ -2047,7 +2047,7 @@
           <a:p>
             <a:fld id="{BA05AF01-4F0E-4718-A4C1-DFCBB47EE5F2}" type="datetimeFigureOut">
               <a:rPr lang="en-US" smtClean="0"/>
-              <a:t>6/21/2021</a:t>
+              <a:t>7/15/2021</a:t>
             </a:fld>
             <a:endParaRPr lang="en-US"/>
           </a:p>
@@ -2098,7 +2098,7 @@
     </p:spTree>
     <p:extLst>
       <p:ext uri="{BB962C8B-B14F-4D97-AF65-F5344CB8AC3E}">
-        <p14:creationId xmlns:p14="http://schemas.microsoft.com/office/powerpoint/2010/main" val="994889607"/>
+        <p14:creationId xmlns:p14="http://schemas.microsoft.com/office/powerpoint/2010/main" val="871992586"/>
       </p:ext>
     </p:extLst>
   </p:cSld>
@@ -2165,7 +2165,7 @@
           <a:p>
             <a:fld id="{BA05AF01-4F0E-4718-A4C1-DFCBB47EE5F2}" type="datetimeFigureOut">
               <a:rPr lang="en-US" smtClean="0"/>
-              <a:t>6/21/2021</a:t>
+              <a:t>7/15/2021</a:t>
             </a:fld>
             <a:endParaRPr lang="en-US"/>
           </a:p>
@@ -2216,7 +2216,7 @@
     </p:spTree>
     <p:extLst>
       <p:ext uri="{BB962C8B-B14F-4D97-AF65-F5344CB8AC3E}">
-        <p14:creationId xmlns:p14="http://schemas.microsoft.com/office/powerpoint/2010/main" val="3913881613"/>
+        <p14:creationId xmlns:p14="http://schemas.microsoft.com/office/powerpoint/2010/main" val="3513373074"/>
       </p:ext>
     </p:extLst>
   </p:cSld>
@@ -2260,7 +2260,7 @@
           <a:p>
             <a:fld id="{BA05AF01-4F0E-4718-A4C1-DFCBB47EE5F2}" type="datetimeFigureOut">
               <a:rPr lang="en-US" smtClean="0"/>
-              <a:t>6/21/2021</a:t>
+              <a:t>7/15/2021</a:t>
             </a:fld>
             <a:endParaRPr lang="en-US"/>
           </a:p>
@@ -2311,7 +2311,7 @@
     </p:spTree>
     <p:extLst>
       <p:ext uri="{BB962C8B-B14F-4D97-AF65-F5344CB8AC3E}">
-        <p14:creationId xmlns:p14="http://schemas.microsoft.com/office/powerpoint/2010/main" val="1061805884"/>
+        <p14:creationId xmlns:p14="http://schemas.microsoft.com/office/powerpoint/2010/main" val="3803120226"/>
       </p:ext>
     </p:extLst>
   </p:cSld>
@@ -2350,8 +2350,8 @@
         </p:nvSpPr>
         <p:spPr>
           <a:xfrm>
-            <a:off x="1039238" y="1524000"/>
-            <a:ext cx="4866144" cy="5334000"/>
+            <a:off x="1039238" y="975360"/>
+            <a:ext cx="4866144" cy="3413760"/>
           </a:xfrm>
         </p:spPr>
         <p:txBody>
@@ -2382,8 +2382,8 @@
         </p:nvSpPr>
         <p:spPr>
           <a:xfrm>
-            <a:off x="6414195" y="3291422"/>
-            <a:ext cx="7638098" cy="16245417"/>
+            <a:off x="6414195" y="2106510"/>
+            <a:ext cx="7638098" cy="10397067"/>
           </a:xfrm>
         </p:spPr>
         <p:txBody>
@@ -2467,8 +2467,8 @@
         </p:nvSpPr>
         <p:spPr>
           <a:xfrm>
-            <a:off x="1039238" y="6858000"/>
-            <a:ext cx="4866144" cy="12705293"/>
+            <a:off x="1039238" y="4389120"/>
+            <a:ext cx="4866144" cy="8131388"/>
           </a:xfrm>
         </p:spPr>
         <p:txBody>
@@ -2537,7 +2537,7 @@
           <a:p>
             <a:fld id="{BA05AF01-4F0E-4718-A4C1-DFCBB47EE5F2}" type="datetimeFigureOut">
               <a:rPr lang="en-US" smtClean="0"/>
-              <a:t>6/21/2021</a:t>
+              <a:t>7/15/2021</a:t>
             </a:fld>
             <a:endParaRPr lang="en-US"/>
           </a:p>
@@ -2588,7 +2588,7 @@
     </p:spTree>
     <p:extLst>
       <p:ext uri="{BB962C8B-B14F-4D97-AF65-F5344CB8AC3E}">
-        <p14:creationId xmlns:p14="http://schemas.microsoft.com/office/powerpoint/2010/main" val="3139118278"/>
+        <p14:creationId xmlns:p14="http://schemas.microsoft.com/office/powerpoint/2010/main" val="3327777620"/>
       </p:ext>
     </p:extLst>
   </p:cSld>
@@ -2627,8 +2627,8 @@
         </p:nvSpPr>
         <p:spPr>
           <a:xfrm>
-            <a:off x="1039238" y="1524000"/>
-            <a:ext cx="4866144" cy="5334000"/>
+            <a:off x="1039238" y="975360"/>
+            <a:ext cx="4866144" cy="3413760"/>
           </a:xfrm>
         </p:spPr>
         <p:txBody>
@@ -2659,8 +2659,8 @@
         </p:nvSpPr>
         <p:spPr>
           <a:xfrm>
-            <a:off x="6414195" y="3291422"/>
-            <a:ext cx="7638098" cy="16245417"/>
+            <a:off x="6414195" y="2106510"/>
+            <a:ext cx="7638098" cy="10397067"/>
           </a:xfrm>
         </p:spPr>
         <p:txBody>
@@ -2724,8 +2724,8 @@
         </p:nvSpPr>
         <p:spPr>
           <a:xfrm>
-            <a:off x="1039238" y="6858000"/>
-            <a:ext cx="4866144" cy="12705293"/>
+            <a:off x="1039238" y="4389120"/>
+            <a:ext cx="4866144" cy="8131388"/>
           </a:xfrm>
         </p:spPr>
         <p:txBody>
@@ -2794,7 +2794,7 @@
           <a:p>
             <a:fld id="{BA05AF01-4F0E-4718-A4C1-DFCBB47EE5F2}" type="datetimeFigureOut">
               <a:rPr lang="en-US" smtClean="0"/>
-              <a:t>6/21/2021</a:t>
+              <a:t>7/15/2021</a:t>
             </a:fld>
             <a:endParaRPr lang="en-US"/>
           </a:p>
@@ -2845,7 +2845,7 @@
     </p:spTree>
     <p:extLst>
       <p:ext uri="{BB962C8B-B14F-4D97-AF65-F5344CB8AC3E}">
-        <p14:creationId xmlns:p14="http://schemas.microsoft.com/office/powerpoint/2010/main" val="63532480"/>
+        <p14:creationId xmlns:p14="http://schemas.microsoft.com/office/powerpoint/2010/main" val="4279627970"/>
       </p:ext>
     </p:extLst>
   </p:cSld>
@@ -2889,8 +2889,8 @@
         </p:nvSpPr>
         <p:spPr>
           <a:xfrm>
-            <a:off x="1037273" y="1217089"/>
-            <a:ext cx="13013055" cy="4418543"/>
+            <a:off x="1037273" y="778936"/>
+            <a:ext cx="13013055" cy="2827868"/>
           </a:xfrm>
           <a:prstGeom prst="rect">
             <a:avLst/>
@@ -2922,8 +2922,8 @@
         </p:nvSpPr>
         <p:spPr>
           <a:xfrm>
-            <a:off x="1037273" y="6085417"/>
-            <a:ext cx="13013055" cy="14504460"/>
+            <a:off x="1037273" y="3894667"/>
+            <a:ext cx="13013055" cy="9282854"/>
           </a:xfrm>
           <a:prstGeom prst="rect">
             <a:avLst/>
@@ -2984,8 +2984,8 @@
         </p:nvSpPr>
         <p:spPr>
           <a:xfrm>
-            <a:off x="1037273" y="21187839"/>
-            <a:ext cx="3394710" cy="1217083"/>
+            <a:off x="1037273" y="13560217"/>
+            <a:ext cx="3394710" cy="778933"/>
           </a:xfrm>
           <a:prstGeom prst="rect">
             <a:avLst/>
@@ -3007,7 +3007,7 @@
           <a:p>
             <a:fld id="{BA05AF01-4F0E-4718-A4C1-DFCBB47EE5F2}" type="datetimeFigureOut">
               <a:rPr lang="en-US" smtClean="0"/>
-              <a:t>6/21/2021</a:t>
+              <a:t>7/15/2021</a:t>
             </a:fld>
             <a:endParaRPr lang="en-US"/>
           </a:p>
@@ -3025,8 +3025,8 @@
         </p:nvSpPr>
         <p:spPr>
           <a:xfrm>
-            <a:off x="4997768" y="21187839"/>
-            <a:ext cx="5092065" cy="1217083"/>
+            <a:off x="4997768" y="13560217"/>
+            <a:ext cx="5092065" cy="778933"/>
           </a:xfrm>
           <a:prstGeom prst="rect">
             <a:avLst/>
@@ -3062,8 +3062,8 @@
         </p:nvSpPr>
         <p:spPr>
           <a:xfrm>
-            <a:off x="10655618" y="21187839"/>
-            <a:ext cx="3394710" cy="1217083"/>
+            <a:off x="10655618" y="13560217"/>
+            <a:ext cx="3394710" cy="778933"/>
           </a:xfrm>
           <a:prstGeom prst="rect">
             <a:avLst/>
@@ -3094,23 +3094,23 @@
     </p:spTree>
     <p:extLst>
       <p:ext uri="{BB962C8B-B14F-4D97-AF65-F5344CB8AC3E}">
-        <p14:creationId xmlns:p14="http://schemas.microsoft.com/office/powerpoint/2010/main" val="1362040613"/>
+        <p14:creationId xmlns:p14="http://schemas.microsoft.com/office/powerpoint/2010/main" val="2423885076"/>
       </p:ext>
     </p:extLst>
   </p:cSld>
   <p:clrMap bg1="lt1" tx1="dk1" bg2="lt2" tx2="dk2" accent1="accent1" accent2="accent2" accent3="accent3" accent4="accent4" accent5="accent5" accent6="accent6" hlink="hlink" folHlink="folHlink"/>
   <p:sldLayoutIdLst>
-    <p:sldLayoutId id="2147483757" r:id="rId1"/>
-    <p:sldLayoutId id="2147483758" r:id="rId2"/>
-    <p:sldLayoutId id="2147483759" r:id="rId3"/>
-    <p:sldLayoutId id="2147483760" r:id="rId4"/>
-    <p:sldLayoutId id="2147483761" r:id="rId5"/>
-    <p:sldLayoutId id="2147483762" r:id="rId6"/>
-    <p:sldLayoutId id="2147483763" r:id="rId7"/>
-    <p:sldLayoutId id="2147483764" r:id="rId8"/>
-    <p:sldLayoutId id="2147483765" r:id="rId9"/>
-    <p:sldLayoutId id="2147483766" r:id="rId10"/>
-    <p:sldLayoutId id="2147483767" r:id="rId11"/>
+    <p:sldLayoutId id="2147483781" r:id="rId1"/>
+    <p:sldLayoutId id="2147483782" r:id="rId2"/>
+    <p:sldLayoutId id="2147483783" r:id="rId3"/>
+    <p:sldLayoutId id="2147483784" r:id="rId4"/>
+    <p:sldLayoutId id="2147483785" r:id="rId5"/>
+    <p:sldLayoutId id="2147483786" r:id="rId6"/>
+    <p:sldLayoutId id="2147483787" r:id="rId7"/>
+    <p:sldLayoutId id="2147483788" r:id="rId8"/>
+    <p:sldLayoutId id="2147483789" r:id="rId9"/>
+    <p:sldLayoutId id="2147483790" r:id="rId10"/>
+    <p:sldLayoutId id="2147483791" r:id="rId11"/>
   </p:sldLayoutIdLst>
   <p:txStyles>
     <p:titleStyle>
@@ -3434,7 +3434,7 @@
         </p:blipFill>
         <p:spPr>
           <a:xfrm>
-            <a:off x="124717" y="5604590"/>
+            <a:off x="207343" y="5515613"/>
             <a:ext cx="3480051" cy="8176812"/>
           </a:xfrm>
           <a:prstGeom prst="rect">
@@ -3456,7 +3456,7 @@
         </p:nvGrpSpPr>
         <p:grpSpPr>
           <a:xfrm>
-            <a:off x="3604768" y="5604590"/>
+            <a:off x="3742636" y="5515613"/>
             <a:ext cx="11158838" cy="8478598"/>
             <a:chOff x="3928762" y="4701489"/>
             <a:chExt cx="11158838" cy="8478598"/>
@@ -3988,181 +3988,6 @@
           </p:spPr>
         </p:pic>
       </p:grpSp>
-      <p:grpSp>
-        <p:nvGrpSpPr>
-          <p:cNvPr id="49" name="Group 48">
-            <a:extLst>
-              <a:ext uri="{FF2B5EF4-FFF2-40B4-BE49-F238E27FC236}">
-                <a16:creationId xmlns:a16="http://schemas.microsoft.com/office/drawing/2014/main" id="{23458FB8-8EE1-42F4-95B8-187D88272BF6}"/>
-              </a:ext>
-            </a:extLst>
-          </p:cNvPr>
-          <p:cNvGrpSpPr/>
-          <p:nvPr/>
-        </p:nvGrpSpPr>
-        <p:grpSpPr>
-          <a:xfrm>
-            <a:off x="213372" y="14064718"/>
-            <a:ext cx="14660855" cy="8283618"/>
-            <a:chOff x="65533" y="13665619"/>
-            <a:chExt cx="14660855" cy="8283618"/>
-          </a:xfrm>
-        </p:grpSpPr>
-        <p:sp>
-          <p:nvSpPr>
-            <p:cNvPr id="43" name="TextBox 42">
-              <a:extLst>
-                <a:ext uri="{FF2B5EF4-FFF2-40B4-BE49-F238E27FC236}">
-                  <a16:creationId xmlns:a16="http://schemas.microsoft.com/office/drawing/2014/main" id="{7DCE2DD7-B4B3-4ACA-A684-527A99BB3185}"/>
-                </a:ext>
-              </a:extLst>
-            </p:cNvPr>
-            <p:cNvSpPr txBox="1"/>
-            <p:nvPr/>
-          </p:nvSpPr>
-          <p:spPr>
-            <a:xfrm>
-              <a:off x="6442762" y="21579905"/>
-              <a:ext cx="2918491" cy="369332"/>
-            </a:xfrm>
-            <a:prstGeom prst="rect">
-              <a:avLst/>
-            </a:prstGeom>
-            <a:solidFill>
-              <a:schemeClr val="bg1"/>
-            </a:solidFill>
-          </p:spPr>
-          <p:txBody>
-            <a:bodyPr wrap="none" rtlCol="0">
-              <a:spAutoFit/>
-            </a:bodyPr>
-            <a:lstStyle/>
-            <a:p>
-              <a:r>
-                <a:rPr lang="en-US" dirty="0">
-                  <a:latin typeface="Times New Roman" panose="02020603050405020304" pitchFamily="18" charset="0"/>
-                  <a:cs typeface="Times New Roman" panose="02020603050405020304" pitchFamily="18" charset="0"/>
-                </a:rPr>
-                <a:t>Binding Affinity in kcal/mole</a:t>
-              </a:r>
-            </a:p>
-          </p:txBody>
-        </p:sp>
-        <p:pic>
-          <p:nvPicPr>
-            <p:cNvPr id="48" name="Picture 47" descr="Chart, histogram&#10;&#10;Description automatically generated">
-              <a:extLst>
-                <a:ext uri="{FF2B5EF4-FFF2-40B4-BE49-F238E27FC236}">
-                  <a16:creationId xmlns:a16="http://schemas.microsoft.com/office/drawing/2014/main" id="{57453497-9906-4B5C-96BA-241A0E86D44C}"/>
-                </a:ext>
-              </a:extLst>
-            </p:cNvPr>
-            <p:cNvPicPr>
-              <a:picLocks noChangeAspect="1"/>
-            </p:cNvPicPr>
-            <p:nvPr/>
-          </p:nvPicPr>
-          <p:blipFill>
-            <a:blip r:embed="rId8">
-              <a:extLst>
-                <a:ext uri="{28A0092B-C50C-407E-A947-70E740481C1C}">
-                  <a14:useLocalDpi xmlns:a14="http://schemas.microsoft.com/office/drawing/2010/main" val="0"/>
-                </a:ext>
-              </a:extLst>
-            </a:blip>
-            <a:stretch>
-              <a:fillRect/>
-            </a:stretch>
-          </p:blipFill>
-          <p:spPr>
-            <a:xfrm>
-              <a:off x="250198" y="13665619"/>
-              <a:ext cx="14476190" cy="7914286"/>
-            </a:xfrm>
-            <a:prstGeom prst="rect">
-              <a:avLst/>
-            </a:prstGeom>
-          </p:spPr>
-        </p:pic>
-        <p:sp>
-          <p:nvSpPr>
-            <p:cNvPr id="120" name="TextBox 119">
-              <a:extLst>
-                <a:ext uri="{FF2B5EF4-FFF2-40B4-BE49-F238E27FC236}">
-                  <a16:creationId xmlns:a16="http://schemas.microsoft.com/office/drawing/2014/main" id="{17ABDFCA-0C28-46A0-A0EC-B0D341154A1D}"/>
-                </a:ext>
-              </a:extLst>
-            </p:cNvPr>
-            <p:cNvSpPr txBox="1"/>
-            <p:nvPr/>
-          </p:nvSpPr>
-          <p:spPr>
-            <a:xfrm rot="16200000">
-              <a:off x="-53731" y="17379995"/>
-              <a:ext cx="607859" cy="369332"/>
-            </a:xfrm>
-            <a:prstGeom prst="rect">
-              <a:avLst/>
-            </a:prstGeom>
-            <a:solidFill>
-              <a:schemeClr val="bg1"/>
-            </a:solidFill>
-          </p:spPr>
-          <p:txBody>
-            <a:bodyPr wrap="none" rtlCol="0">
-              <a:spAutoFit/>
-            </a:bodyPr>
-            <a:lstStyle/>
-            <a:p>
-              <a:r>
-                <a:rPr lang="en-US" dirty="0">
-                  <a:latin typeface="Times New Roman" panose="02020603050405020304" pitchFamily="18" charset="0"/>
-                  <a:cs typeface="Times New Roman" panose="02020603050405020304" pitchFamily="18" charset="0"/>
-                </a:rPr>
-                <a:t>PDF</a:t>
-              </a:r>
-            </a:p>
-          </p:txBody>
-        </p:sp>
-      </p:grpSp>
-      <p:sp>
-        <p:nvSpPr>
-          <p:cNvPr id="52" name="TextBox 51">
-            <a:extLst>
-              <a:ext uri="{FF2B5EF4-FFF2-40B4-BE49-F238E27FC236}">
-                <a16:creationId xmlns:a16="http://schemas.microsoft.com/office/drawing/2014/main" id="{6A078558-F2EC-4075-A219-D678D16B2F8F}"/>
-              </a:ext>
-            </a:extLst>
-          </p:cNvPr>
-          <p:cNvSpPr txBox="1"/>
-          <p:nvPr/>
-        </p:nvSpPr>
-        <p:spPr>
-          <a:xfrm>
-            <a:off x="186657" y="13978214"/>
-            <a:ext cx="792094" cy="523220"/>
-          </a:xfrm>
-          <a:prstGeom prst="rect">
-            <a:avLst/>
-          </a:prstGeom>
-          <a:noFill/>
-        </p:spPr>
-        <p:txBody>
-          <a:bodyPr wrap="square" rtlCol="0">
-            <a:spAutoFit/>
-          </a:bodyPr>
-          <a:lstStyle/>
-          <a:p>
-            <a:r>
-              <a:rPr lang="en-US" sz="2800" b="1" dirty="0">
-                <a:latin typeface="Times New Roman" panose="02020603050405020304" pitchFamily="18" charset="0"/>
-                <a:cs typeface="Times New Roman" panose="02020603050405020304" pitchFamily="18" charset="0"/>
-              </a:rPr>
-              <a:t>d</a:t>
-            </a:r>
-          </a:p>
-        </p:txBody>
-      </p:sp>
       <p:sp>
         <p:nvSpPr>
           <p:cNvPr id="124" name="TextBox 123">
@@ -4177,7 +4002,7 @@
         </p:nvSpPr>
         <p:spPr>
           <a:xfrm>
-            <a:off x="211088" y="5099840"/>
+            <a:off x="47811" y="5254003"/>
             <a:ext cx="385042" cy="523220"/>
           </a:xfrm>
           <a:prstGeom prst="rect">
@@ -4215,7 +4040,7 @@
         </p:nvSpPr>
         <p:spPr>
           <a:xfrm>
-            <a:off x="3645346" y="5076883"/>
+            <a:off x="3640083" y="5272473"/>
             <a:ext cx="343364" cy="523220"/>
           </a:xfrm>
           <a:prstGeom prst="rect">
@@ -4253,7 +4078,7 @@
         </p:nvSpPr>
         <p:spPr>
           <a:xfrm>
-            <a:off x="330853" y="200078"/>
+            <a:off x="90719" y="120388"/>
             <a:ext cx="364202" cy="523220"/>
           </a:xfrm>
           <a:prstGeom prst="rect">
@@ -4292,7 +4117,7 @@
           <p:nvPr/>
         </p:nvPicPr>
         <p:blipFill>
-          <a:blip r:embed="rId9">
+          <a:blip r:embed="rId8">
             <a:extLst>
               <a:ext uri="{28A0092B-C50C-407E-A947-70E740481C1C}">
                 <a14:useLocalDpi xmlns:a14="http://schemas.microsoft.com/office/drawing/2010/main" val="0"/>
@@ -4305,7 +4130,7 @@
         </p:blipFill>
         <p:spPr>
           <a:xfrm>
-            <a:off x="475263" y="726095"/>
+            <a:off x="716361" y="643608"/>
             <a:ext cx="14137073" cy="4277322"/>
           </a:xfrm>
           <a:prstGeom prst="rect">

--- a/Images/fig3.pptx
+++ b/Images/fig3.pptx
@@ -197,7 +197,7 @@
           <a:p>
             <a:fld id="{D34CEA9E-E5A5-49C8-A578-AF124664FEC0}" type="datetimeFigureOut">
               <a:rPr lang="en-US" smtClean="0"/>
-              <a:t>7/15/2021</a:t>
+              <a:t>8/9/2021</a:t>
             </a:fld>
             <a:endParaRPr lang="en-US"/>
           </a:p>
@@ -684,7 +684,7 @@
           <a:p>
             <a:fld id="{BA05AF01-4F0E-4718-A4C1-DFCBB47EE5F2}" type="datetimeFigureOut">
               <a:rPr lang="en-US" smtClean="0"/>
-              <a:t>7/15/2021</a:t>
+              <a:t>8/9/2021</a:t>
             </a:fld>
             <a:endParaRPr lang="en-US"/>
           </a:p>
@@ -854,7 +854,7 @@
           <a:p>
             <a:fld id="{BA05AF01-4F0E-4718-A4C1-DFCBB47EE5F2}" type="datetimeFigureOut">
               <a:rPr lang="en-US" smtClean="0"/>
-              <a:t>7/15/2021</a:t>
+              <a:t>8/9/2021</a:t>
             </a:fld>
             <a:endParaRPr lang="en-US"/>
           </a:p>
@@ -1034,7 +1034,7 @@
           <a:p>
             <a:fld id="{BA05AF01-4F0E-4718-A4C1-DFCBB47EE5F2}" type="datetimeFigureOut">
               <a:rPr lang="en-US" smtClean="0"/>
-              <a:t>7/15/2021</a:t>
+              <a:t>8/9/2021</a:t>
             </a:fld>
             <a:endParaRPr lang="en-US"/>
           </a:p>
@@ -1204,7 +1204,7 @@
           <a:p>
             <a:fld id="{BA05AF01-4F0E-4718-A4C1-DFCBB47EE5F2}" type="datetimeFigureOut">
               <a:rPr lang="en-US" smtClean="0"/>
-              <a:t>7/15/2021</a:t>
+              <a:t>8/9/2021</a:t>
             </a:fld>
             <a:endParaRPr lang="en-US"/>
           </a:p>
@@ -1448,7 +1448,7 @@
           <a:p>
             <a:fld id="{BA05AF01-4F0E-4718-A4C1-DFCBB47EE5F2}" type="datetimeFigureOut">
               <a:rPr lang="en-US" smtClean="0"/>
-              <a:t>7/15/2021</a:t>
+              <a:t>8/9/2021</a:t>
             </a:fld>
             <a:endParaRPr lang="en-US"/>
           </a:p>
@@ -1680,7 +1680,7 @@
           <a:p>
             <a:fld id="{BA05AF01-4F0E-4718-A4C1-DFCBB47EE5F2}" type="datetimeFigureOut">
               <a:rPr lang="en-US" smtClean="0"/>
-              <a:t>7/15/2021</a:t>
+              <a:t>8/9/2021</a:t>
             </a:fld>
             <a:endParaRPr lang="en-US"/>
           </a:p>
@@ -2047,7 +2047,7 @@
           <a:p>
             <a:fld id="{BA05AF01-4F0E-4718-A4C1-DFCBB47EE5F2}" type="datetimeFigureOut">
               <a:rPr lang="en-US" smtClean="0"/>
-              <a:t>7/15/2021</a:t>
+              <a:t>8/9/2021</a:t>
             </a:fld>
             <a:endParaRPr lang="en-US"/>
           </a:p>
@@ -2165,7 +2165,7 @@
           <a:p>
             <a:fld id="{BA05AF01-4F0E-4718-A4C1-DFCBB47EE5F2}" type="datetimeFigureOut">
               <a:rPr lang="en-US" smtClean="0"/>
-              <a:t>7/15/2021</a:t>
+              <a:t>8/9/2021</a:t>
             </a:fld>
             <a:endParaRPr lang="en-US"/>
           </a:p>
@@ -2260,7 +2260,7 @@
           <a:p>
             <a:fld id="{BA05AF01-4F0E-4718-A4C1-DFCBB47EE5F2}" type="datetimeFigureOut">
               <a:rPr lang="en-US" smtClean="0"/>
-              <a:t>7/15/2021</a:t>
+              <a:t>8/9/2021</a:t>
             </a:fld>
             <a:endParaRPr lang="en-US"/>
           </a:p>
@@ -2537,7 +2537,7 @@
           <a:p>
             <a:fld id="{BA05AF01-4F0E-4718-A4C1-DFCBB47EE5F2}" type="datetimeFigureOut">
               <a:rPr lang="en-US" smtClean="0"/>
-              <a:t>7/15/2021</a:t>
+              <a:t>8/9/2021</a:t>
             </a:fld>
             <a:endParaRPr lang="en-US"/>
           </a:p>
@@ -2794,7 +2794,7 @@
           <a:p>
             <a:fld id="{BA05AF01-4F0E-4718-A4C1-DFCBB47EE5F2}" type="datetimeFigureOut">
               <a:rPr lang="en-US" smtClean="0"/>
-              <a:t>7/15/2021</a:t>
+              <a:t>8/9/2021</a:t>
             </a:fld>
             <a:endParaRPr lang="en-US"/>
           </a:p>
@@ -3007,7 +3007,7 @@
           <a:p>
             <a:fld id="{BA05AF01-4F0E-4718-A4C1-DFCBB47EE5F2}" type="datetimeFigureOut">
               <a:rPr lang="en-US" smtClean="0"/>
-              <a:t>7/15/2021</a:t>
+              <a:t>8/9/2021</a:t>
             </a:fld>
             <a:endParaRPr lang="en-US"/>
           </a:p>
@@ -3442,552 +3442,477 @@
           </a:prstGeom>
         </p:spPr>
       </p:pic>
-      <p:grpSp>
-        <p:nvGrpSpPr>
-          <p:cNvPr id="51" name="Group 50">
+      <p:pic>
+        <p:nvPicPr>
+          <p:cNvPr id="34" name="Picture 33" descr="Chart, bar chart&#10;&#10;Description automatically generated">
             <a:extLst>
               <a:ext uri="{FF2B5EF4-FFF2-40B4-BE49-F238E27FC236}">
-                <a16:creationId xmlns:a16="http://schemas.microsoft.com/office/drawing/2014/main" id="{1C7025A5-A4F8-42A2-89A3-12E9C1340EA4}"/>
+                <a16:creationId xmlns:a16="http://schemas.microsoft.com/office/drawing/2014/main" id="{A0409670-5A8C-42AB-ABF2-EC3E79878BD5}"/>
               </a:ext>
             </a:extLst>
           </p:cNvPr>
-          <p:cNvGrpSpPr/>
+          <p:cNvPicPr>
+            <a:picLocks noChangeAspect="1"/>
+          </p:cNvPicPr>
           <p:nvPr/>
-        </p:nvGrpSpPr>
-        <p:grpSpPr>
+        </p:nvPicPr>
+        <p:blipFill>
+          <a:blip r:embed="rId4">
+            <a:extLst>
+              <a:ext uri="{28A0092B-C50C-407E-A947-70E740481C1C}">
+                <a14:useLocalDpi xmlns:a14="http://schemas.microsoft.com/office/drawing/2010/main" val="0"/>
+              </a:ext>
+            </a:extLst>
+          </a:blip>
+          <a:stretch>
+            <a:fillRect/>
+          </a:stretch>
+        </p:blipFill>
+        <p:spPr>
           <a:xfrm>
             <a:off x="3742636" y="5515613"/>
-            <a:ext cx="11158838" cy="8478598"/>
-            <a:chOff x="3928762" y="4701489"/>
-            <a:chExt cx="11158838" cy="8478598"/>
-          </a:xfrm>
-        </p:grpSpPr>
-        <p:pic>
-          <p:nvPicPr>
-            <p:cNvPr id="34" name="Picture 33" descr="Chart, bar chart&#10;&#10;Description automatically generated">
-              <a:extLst>
-                <a:ext uri="{FF2B5EF4-FFF2-40B4-BE49-F238E27FC236}">
-                  <a16:creationId xmlns:a16="http://schemas.microsoft.com/office/drawing/2014/main" id="{A0409670-5A8C-42AB-ABF2-EC3E79878BD5}"/>
-                </a:ext>
-              </a:extLst>
-            </p:cNvPr>
-            <p:cNvPicPr>
-              <a:picLocks noChangeAspect="1"/>
-            </p:cNvPicPr>
-            <p:nvPr/>
-          </p:nvPicPr>
-          <p:blipFill>
-            <a:blip r:embed="rId4">
-              <a:extLst>
-                <a:ext uri="{28A0092B-C50C-407E-A947-70E740481C1C}">
-                  <a14:useLocalDpi xmlns:a14="http://schemas.microsoft.com/office/drawing/2010/main" val="0"/>
-                </a:ext>
-              </a:extLst>
-            </a:blip>
-            <a:stretch>
-              <a:fillRect/>
-            </a:stretch>
-          </p:blipFill>
-          <p:spPr>
-            <a:xfrm>
-              <a:off x="3928762" y="4701489"/>
-              <a:ext cx="5601976" cy="4230064"/>
-            </a:xfrm>
-            <a:prstGeom prst="rect">
-              <a:avLst/>
-            </a:prstGeom>
-          </p:spPr>
-        </p:pic>
-        <p:sp>
-          <p:nvSpPr>
-            <p:cNvPr id="97" name="Rectangle: Rounded Corners 96">
-              <a:extLst>
-                <a:ext uri="{FF2B5EF4-FFF2-40B4-BE49-F238E27FC236}">
-                  <a16:creationId xmlns:a16="http://schemas.microsoft.com/office/drawing/2014/main" id="{5E0DA875-29C0-4A50-BF06-662CF07532B2}"/>
-                </a:ext>
-              </a:extLst>
-            </p:cNvPr>
-            <p:cNvSpPr/>
-            <p:nvPr/>
-          </p:nvSpPr>
-          <p:spPr>
-            <a:xfrm>
-              <a:off x="8017173" y="5607576"/>
-              <a:ext cx="1344080" cy="548569"/>
-            </a:xfrm>
-            <a:prstGeom prst="roundRect">
-              <a:avLst/>
-            </a:prstGeom>
-            <a:noFill/>
-            <a:ln w="38100">
-              <a:solidFill>
-                <a:schemeClr val="accent6">
-                  <a:lumMod val="75000"/>
-                </a:schemeClr>
-              </a:solidFill>
-              <a:prstDash val="sysDash"/>
-            </a:ln>
-          </p:spPr>
-          <p:style>
-            <a:lnRef idx="2">
-              <a:schemeClr val="accent1">
-                <a:shade val="50000"/>
+            <a:ext cx="5601976" cy="4230064"/>
+          </a:xfrm>
+          <a:prstGeom prst="rect">
+            <a:avLst/>
+          </a:prstGeom>
+        </p:spPr>
+      </p:pic>
+      <p:sp>
+        <p:nvSpPr>
+          <p:cNvPr id="97" name="Rectangle: Rounded Corners 96">
+            <a:extLst>
+              <a:ext uri="{FF2B5EF4-FFF2-40B4-BE49-F238E27FC236}">
+                <a16:creationId xmlns:a16="http://schemas.microsoft.com/office/drawing/2014/main" id="{5E0DA875-29C0-4A50-BF06-662CF07532B2}"/>
+              </a:ext>
+            </a:extLst>
+          </p:cNvPr>
+          <p:cNvSpPr/>
+          <p:nvPr/>
+        </p:nvSpPr>
+        <p:spPr>
+          <a:xfrm>
+            <a:off x="7831047" y="6421700"/>
+            <a:ext cx="1344080" cy="548569"/>
+          </a:xfrm>
+          <a:prstGeom prst="roundRect">
+            <a:avLst/>
+          </a:prstGeom>
+          <a:noFill/>
+          <a:ln w="38100">
+            <a:solidFill>
+              <a:schemeClr val="accent6">
+                <a:lumMod val="75000"/>
               </a:schemeClr>
-            </a:lnRef>
-            <a:fillRef idx="1">
-              <a:schemeClr val="accent1"/>
-            </a:fillRef>
-            <a:effectRef idx="0">
-              <a:schemeClr val="accent1"/>
-            </a:effectRef>
-            <a:fontRef idx="minor">
-              <a:schemeClr val="lt1"/>
-            </a:fontRef>
-          </p:style>
-          <p:txBody>
-            <a:bodyPr rtlCol="0" anchor="ctr"/>
-            <a:lstStyle/>
-            <a:p>
-              <a:pPr algn="ctr"/>
-              <a:endParaRPr lang="en-US"/>
-            </a:p>
-          </p:txBody>
-        </p:sp>
-        <p:sp>
-          <p:nvSpPr>
-            <p:cNvPr id="98" name="Arrow: Right 97">
-              <a:extLst>
-                <a:ext uri="{FF2B5EF4-FFF2-40B4-BE49-F238E27FC236}">
-                  <a16:creationId xmlns:a16="http://schemas.microsoft.com/office/drawing/2014/main" id="{0E81B316-D7FA-467A-8F25-990667793F8B}"/>
-                </a:ext>
-              </a:extLst>
-            </p:cNvPr>
-            <p:cNvSpPr/>
-            <p:nvPr/>
-          </p:nvSpPr>
-          <p:spPr>
-            <a:xfrm>
-              <a:off x="9388502" y="5686835"/>
-              <a:ext cx="421017" cy="433137"/>
-            </a:xfrm>
-            <a:prstGeom prst="rightArrow">
-              <a:avLst/>
-            </a:prstGeom>
-            <a:noFill/>
-            <a:ln w="19050">
-              <a:solidFill>
-                <a:schemeClr val="accent6">
-                  <a:lumMod val="75000"/>
-                </a:schemeClr>
-              </a:solidFill>
-            </a:ln>
-          </p:spPr>
-          <p:style>
-            <a:lnRef idx="2">
-              <a:schemeClr val="accent1">
-                <a:shade val="50000"/>
+            </a:solidFill>
+            <a:prstDash val="sysDash"/>
+          </a:ln>
+        </p:spPr>
+        <p:style>
+          <a:lnRef idx="2">
+            <a:schemeClr val="accent1">
+              <a:shade val="50000"/>
+            </a:schemeClr>
+          </a:lnRef>
+          <a:fillRef idx="1">
+            <a:schemeClr val="accent1"/>
+          </a:fillRef>
+          <a:effectRef idx="0">
+            <a:schemeClr val="accent1"/>
+          </a:effectRef>
+          <a:fontRef idx="minor">
+            <a:schemeClr val="lt1"/>
+          </a:fontRef>
+        </p:style>
+        <p:txBody>
+          <a:bodyPr rtlCol="0" anchor="ctr"/>
+          <a:lstStyle/>
+          <a:p>
+            <a:pPr algn="ctr"/>
+            <a:endParaRPr lang="en-US"/>
+          </a:p>
+        </p:txBody>
+      </p:sp>
+      <p:cxnSp>
+        <p:nvCxnSpPr>
+          <p:cNvPr id="99" name="Straight Arrow Connector 98">
+            <a:extLst>
+              <a:ext uri="{FF2B5EF4-FFF2-40B4-BE49-F238E27FC236}">
+                <a16:creationId xmlns:a16="http://schemas.microsoft.com/office/drawing/2014/main" id="{19B7E382-5A49-4C2D-88C6-23EC328ABC6B}"/>
+              </a:ext>
+            </a:extLst>
+          </p:cNvPr>
+          <p:cNvCxnSpPr>
+            <a:cxnSpLocks/>
+          </p:cNvCxnSpPr>
+          <p:nvPr/>
+        </p:nvCxnSpPr>
+        <p:spPr>
+          <a:xfrm flipV="1">
+            <a:off x="5151430" y="7102187"/>
+            <a:ext cx="978568" cy="336884"/>
+          </a:xfrm>
+          <a:prstGeom prst="straightConnector1">
+            <a:avLst/>
+          </a:prstGeom>
+          <a:ln w="12700">
+            <a:solidFill>
+              <a:srgbClr val="00B050"/>
+            </a:solidFill>
+            <a:tailEnd type="triangle"/>
+          </a:ln>
+        </p:spPr>
+        <p:style>
+          <a:lnRef idx="1">
+            <a:schemeClr val="accent1"/>
+          </a:lnRef>
+          <a:fillRef idx="0">
+            <a:schemeClr val="accent1"/>
+          </a:fillRef>
+          <a:effectRef idx="0">
+            <a:schemeClr val="accent1"/>
+          </a:effectRef>
+          <a:fontRef idx="minor">
+            <a:schemeClr val="tx1"/>
+          </a:fontRef>
+        </p:style>
+      </p:cxnSp>
+      <p:sp>
+        <p:nvSpPr>
+          <p:cNvPr id="100" name="TextBox 99">
+            <a:extLst>
+              <a:ext uri="{FF2B5EF4-FFF2-40B4-BE49-F238E27FC236}">
+                <a16:creationId xmlns:a16="http://schemas.microsoft.com/office/drawing/2014/main" id="{20FA8FDC-2779-4CB3-81EB-16A375B8A22A}"/>
+              </a:ext>
+            </a:extLst>
+          </p:cNvPr>
+          <p:cNvSpPr txBox="1"/>
+          <p:nvPr/>
+        </p:nvSpPr>
+        <p:spPr>
+          <a:xfrm>
+            <a:off x="4383608" y="6764819"/>
+            <a:ext cx="1410964" cy="338554"/>
+          </a:xfrm>
+          <a:prstGeom prst="rect">
+            <a:avLst/>
+          </a:prstGeom>
+          <a:noFill/>
+        </p:spPr>
+        <p:txBody>
+          <a:bodyPr wrap="none" rtlCol="0">
+            <a:spAutoFit/>
+          </a:bodyPr>
+          <a:lstStyle/>
+          <a:p>
+            <a:r>
+              <a:rPr lang="en-US" sz="1600" dirty="0">
+                <a:latin typeface="Times New Roman" panose="02020603050405020304" pitchFamily="18" charset="0"/>
+                <a:cs typeface="Times New Roman" panose="02020603050405020304" pitchFamily="18" charset="0"/>
+              </a:rPr>
+              <a:t>Deep Learning</a:t>
+            </a:r>
+          </a:p>
+        </p:txBody>
+      </p:sp>
+      <p:sp>
+        <p:nvSpPr>
+          <p:cNvPr id="101" name="Rectangle: Rounded Corners 100">
+            <a:extLst>
+              <a:ext uri="{FF2B5EF4-FFF2-40B4-BE49-F238E27FC236}">
+                <a16:creationId xmlns:a16="http://schemas.microsoft.com/office/drawing/2014/main" id="{E778A009-BCEB-45EF-A63A-3BA1E5DEBED0}"/>
+              </a:ext>
+            </a:extLst>
+          </p:cNvPr>
+          <p:cNvSpPr/>
+          <p:nvPr/>
+        </p:nvSpPr>
+        <p:spPr>
+          <a:xfrm>
+            <a:off x="4383608" y="6764819"/>
+            <a:ext cx="1410964" cy="338555"/>
+          </a:xfrm>
+          <a:prstGeom prst="roundRect">
+            <a:avLst/>
+          </a:prstGeom>
+          <a:noFill/>
+          <a:ln>
+            <a:solidFill>
+              <a:schemeClr val="accent6">
+                <a:lumMod val="75000"/>
               </a:schemeClr>
-            </a:lnRef>
-            <a:fillRef idx="1">
-              <a:schemeClr val="accent1"/>
-            </a:fillRef>
-            <a:effectRef idx="0">
-              <a:schemeClr val="accent1"/>
-            </a:effectRef>
-            <a:fontRef idx="minor">
-              <a:schemeClr val="lt1"/>
-            </a:fontRef>
-          </p:style>
-          <p:txBody>
-            <a:bodyPr rtlCol="0" anchor="ctr"/>
-            <a:lstStyle/>
-            <a:p>
-              <a:pPr algn="ctr"/>
-              <a:endParaRPr lang="en-US"/>
-            </a:p>
-          </p:txBody>
-        </p:sp>
-        <p:cxnSp>
-          <p:nvCxnSpPr>
-            <p:cNvPr id="99" name="Straight Arrow Connector 98">
-              <a:extLst>
-                <a:ext uri="{FF2B5EF4-FFF2-40B4-BE49-F238E27FC236}">
-                  <a16:creationId xmlns:a16="http://schemas.microsoft.com/office/drawing/2014/main" id="{19B7E382-5A49-4C2D-88C6-23EC328ABC6B}"/>
-                </a:ext>
-              </a:extLst>
-            </p:cNvPr>
-            <p:cNvCxnSpPr>
-              <a:cxnSpLocks/>
-            </p:cNvCxnSpPr>
-            <p:nvPr/>
-          </p:nvCxnSpPr>
-          <p:spPr>
-            <a:xfrm flipV="1">
-              <a:off x="5337556" y="6288063"/>
-              <a:ext cx="978568" cy="336884"/>
-            </a:xfrm>
-            <a:prstGeom prst="straightConnector1">
-              <a:avLst/>
-            </a:prstGeom>
-            <a:ln w="12700">
-              <a:solidFill>
-                <a:srgbClr val="00B050"/>
-              </a:solidFill>
-              <a:tailEnd type="triangle"/>
-            </a:ln>
-          </p:spPr>
-          <p:style>
-            <a:lnRef idx="1">
-              <a:schemeClr val="accent1"/>
-            </a:lnRef>
-            <a:fillRef idx="0">
-              <a:schemeClr val="accent1"/>
-            </a:fillRef>
-            <a:effectRef idx="0">
-              <a:schemeClr val="accent1"/>
-            </a:effectRef>
-            <a:fontRef idx="minor">
-              <a:schemeClr val="tx1"/>
-            </a:fontRef>
-          </p:style>
-        </p:cxnSp>
-        <p:sp>
-          <p:nvSpPr>
-            <p:cNvPr id="100" name="TextBox 99">
-              <a:extLst>
-                <a:ext uri="{FF2B5EF4-FFF2-40B4-BE49-F238E27FC236}">
-                  <a16:creationId xmlns:a16="http://schemas.microsoft.com/office/drawing/2014/main" id="{20FA8FDC-2779-4CB3-81EB-16A375B8A22A}"/>
-                </a:ext>
-              </a:extLst>
-            </p:cNvPr>
-            <p:cNvSpPr txBox="1"/>
-            <p:nvPr/>
-          </p:nvSpPr>
-          <p:spPr>
-            <a:xfrm>
-              <a:off x="4569734" y="5950695"/>
-              <a:ext cx="1410964" cy="338554"/>
-            </a:xfrm>
-            <a:prstGeom prst="rect">
-              <a:avLst/>
-            </a:prstGeom>
-            <a:noFill/>
-          </p:spPr>
-          <p:txBody>
-            <a:bodyPr wrap="none" rtlCol="0">
-              <a:spAutoFit/>
-            </a:bodyPr>
-            <a:lstStyle/>
-            <a:p>
-              <a:r>
-                <a:rPr lang="en-US" sz="1600" dirty="0">
-                  <a:latin typeface="Times New Roman" panose="02020603050405020304" pitchFamily="18" charset="0"/>
-                  <a:cs typeface="Times New Roman" panose="02020603050405020304" pitchFamily="18" charset="0"/>
-                </a:rPr>
-                <a:t>Deep Learning</a:t>
-              </a:r>
-            </a:p>
-          </p:txBody>
-        </p:sp>
-        <p:sp>
-          <p:nvSpPr>
-            <p:cNvPr id="101" name="Rectangle: Rounded Corners 100">
-              <a:extLst>
-                <a:ext uri="{FF2B5EF4-FFF2-40B4-BE49-F238E27FC236}">
-                  <a16:creationId xmlns:a16="http://schemas.microsoft.com/office/drawing/2014/main" id="{E778A009-BCEB-45EF-A63A-3BA1E5DEBED0}"/>
-                </a:ext>
-              </a:extLst>
-            </p:cNvPr>
-            <p:cNvSpPr/>
-            <p:nvPr/>
-          </p:nvSpPr>
-          <p:spPr>
-            <a:xfrm>
-              <a:off x="4569734" y="5950695"/>
-              <a:ext cx="1410964" cy="338555"/>
-            </a:xfrm>
-            <a:prstGeom prst="roundRect">
-              <a:avLst/>
-            </a:prstGeom>
-            <a:noFill/>
-            <a:ln>
-              <a:solidFill>
-                <a:schemeClr val="accent6">
-                  <a:lumMod val="75000"/>
-                </a:schemeClr>
-              </a:solidFill>
-            </a:ln>
-          </p:spPr>
-          <p:style>
-            <a:lnRef idx="2">
-              <a:schemeClr val="accent1">
-                <a:shade val="50000"/>
+            </a:solidFill>
+          </a:ln>
+        </p:spPr>
+        <p:style>
+          <a:lnRef idx="2">
+            <a:schemeClr val="accent1">
+              <a:shade val="50000"/>
+            </a:schemeClr>
+          </a:lnRef>
+          <a:fillRef idx="1">
+            <a:schemeClr val="accent1"/>
+          </a:fillRef>
+          <a:effectRef idx="0">
+            <a:schemeClr val="accent1"/>
+          </a:effectRef>
+          <a:fontRef idx="minor">
+            <a:schemeClr val="lt1"/>
+          </a:fontRef>
+        </p:style>
+        <p:txBody>
+          <a:bodyPr rtlCol="0" anchor="ctr"/>
+          <a:lstStyle/>
+          <a:p>
+            <a:pPr algn="ctr"/>
+            <a:endParaRPr lang="en-US"/>
+          </a:p>
+        </p:txBody>
+      </p:sp>
+      <p:sp>
+        <p:nvSpPr>
+          <p:cNvPr id="102" name="Rectangle: Rounded Corners 101">
+            <a:extLst>
+              <a:ext uri="{FF2B5EF4-FFF2-40B4-BE49-F238E27FC236}">
+                <a16:creationId xmlns:a16="http://schemas.microsoft.com/office/drawing/2014/main" id="{F3CEF733-CBD4-479C-B7A0-16B538BA5F2A}"/>
+              </a:ext>
+            </a:extLst>
+          </p:cNvPr>
+          <p:cNvSpPr/>
+          <p:nvPr/>
+        </p:nvSpPr>
+        <p:spPr>
+          <a:xfrm>
+            <a:off x="5916102" y="6089246"/>
+            <a:ext cx="1410964" cy="548569"/>
+          </a:xfrm>
+          <a:prstGeom prst="roundRect">
+            <a:avLst/>
+          </a:prstGeom>
+          <a:noFill/>
+          <a:ln>
+            <a:solidFill>
+              <a:schemeClr val="accent6">
+                <a:lumMod val="75000"/>
               </a:schemeClr>
-            </a:lnRef>
-            <a:fillRef idx="1">
-              <a:schemeClr val="accent1"/>
-            </a:fillRef>
-            <a:effectRef idx="0">
-              <a:schemeClr val="accent1"/>
-            </a:effectRef>
-            <a:fontRef idx="minor">
-              <a:schemeClr val="lt1"/>
-            </a:fontRef>
-          </p:style>
-          <p:txBody>
-            <a:bodyPr rtlCol="0" anchor="ctr"/>
-            <a:lstStyle/>
-            <a:p>
-              <a:pPr algn="ctr"/>
-              <a:endParaRPr lang="en-US"/>
-            </a:p>
-          </p:txBody>
-        </p:sp>
-        <p:sp>
-          <p:nvSpPr>
-            <p:cNvPr id="102" name="Rectangle: Rounded Corners 101">
-              <a:extLst>
-                <a:ext uri="{FF2B5EF4-FFF2-40B4-BE49-F238E27FC236}">
-                  <a16:creationId xmlns:a16="http://schemas.microsoft.com/office/drawing/2014/main" id="{F3CEF733-CBD4-479C-B7A0-16B538BA5F2A}"/>
-                </a:ext>
-              </a:extLst>
-            </p:cNvPr>
-            <p:cNvSpPr/>
-            <p:nvPr/>
-          </p:nvSpPr>
-          <p:spPr>
-            <a:xfrm>
-              <a:off x="6102228" y="5275122"/>
-              <a:ext cx="1410964" cy="548569"/>
-            </a:xfrm>
-            <a:prstGeom prst="roundRect">
-              <a:avLst/>
-            </a:prstGeom>
-            <a:noFill/>
-            <a:ln>
-              <a:solidFill>
-                <a:schemeClr val="accent6">
-                  <a:lumMod val="75000"/>
-                </a:schemeClr>
-              </a:solidFill>
-            </a:ln>
-          </p:spPr>
-          <p:style>
-            <a:lnRef idx="2">
-              <a:schemeClr val="accent1">
-                <a:shade val="50000"/>
-              </a:schemeClr>
-            </a:lnRef>
-            <a:fillRef idx="1">
-              <a:schemeClr val="accent1"/>
-            </a:fillRef>
-            <a:effectRef idx="0">
-              <a:schemeClr val="accent1"/>
-            </a:effectRef>
-            <a:fontRef idx="minor">
-              <a:schemeClr val="lt1"/>
-            </a:fontRef>
-          </p:style>
-          <p:txBody>
-            <a:bodyPr rtlCol="0" anchor="ctr"/>
-            <a:lstStyle/>
-            <a:p>
-              <a:pPr algn="ctr"/>
-              <a:endParaRPr lang="en-US"/>
-            </a:p>
-          </p:txBody>
-        </p:sp>
-        <p:cxnSp>
-          <p:nvCxnSpPr>
-            <p:cNvPr id="103" name="Straight Arrow Connector 102">
-              <a:extLst>
-                <a:ext uri="{FF2B5EF4-FFF2-40B4-BE49-F238E27FC236}">
-                  <a16:creationId xmlns:a16="http://schemas.microsoft.com/office/drawing/2014/main" id="{28A561D1-AB5F-40FE-834E-F1373865D603}"/>
-                </a:ext>
-              </a:extLst>
-            </p:cNvPr>
-            <p:cNvCxnSpPr>
-              <a:cxnSpLocks/>
-            </p:cNvCxnSpPr>
-            <p:nvPr/>
-          </p:nvCxnSpPr>
-          <p:spPr>
-            <a:xfrm flipV="1">
-              <a:off x="7024431" y="5881860"/>
-              <a:ext cx="978568" cy="336884"/>
-            </a:xfrm>
-            <a:prstGeom prst="straightConnector1">
-              <a:avLst/>
-            </a:prstGeom>
-            <a:ln w="12700">
-              <a:solidFill>
-                <a:srgbClr val="00B050"/>
-              </a:solidFill>
-              <a:tailEnd type="triangle"/>
-            </a:ln>
-          </p:spPr>
-          <p:style>
-            <a:lnRef idx="1">
-              <a:schemeClr val="accent1"/>
-            </a:lnRef>
-            <a:fillRef idx="0">
-              <a:schemeClr val="accent1"/>
-            </a:fillRef>
-            <a:effectRef idx="0">
-              <a:schemeClr val="accent1"/>
-            </a:effectRef>
-            <a:fontRef idx="minor">
-              <a:schemeClr val="tx1"/>
-            </a:fontRef>
-          </p:style>
-        </p:cxnSp>
-        <p:sp>
-          <p:nvSpPr>
-            <p:cNvPr id="104" name="TextBox 103">
-              <a:extLst>
-                <a:ext uri="{FF2B5EF4-FFF2-40B4-BE49-F238E27FC236}">
-                  <a16:creationId xmlns:a16="http://schemas.microsoft.com/office/drawing/2014/main" id="{40E3C3A8-70C8-4ADB-B6FD-0302F0EBAAAE}"/>
-                </a:ext>
-              </a:extLst>
-            </p:cNvPr>
-            <p:cNvSpPr txBox="1"/>
-            <p:nvPr/>
-          </p:nvSpPr>
-          <p:spPr>
-            <a:xfrm>
-              <a:off x="6146025" y="5256652"/>
-              <a:ext cx="1323371" cy="584775"/>
-            </a:xfrm>
-            <a:prstGeom prst="rect">
-              <a:avLst/>
-            </a:prstGeom>
-            <a:noFill/>
-          </p:spPr>
-          <p:txBody>
-            <a:bodyPr wrap="square" rtlCol="0">
-              <a:spAutoFit/>
-            </a:bodyPr>
-            <a:lstStyle/>
-            <a:p>
-              <a:r>
-                <a:rPr lang="en-US" sz="1600" dirty="0">
-                  <a:latin typeface="Times New Roman" panose="02020603050405020304" pitchFamily="18" charset="0"/>
-                  <a:cs typeface="Times New Roman" panose="02020603050405020304" pitchFamily="18" charset="0"/>
-                </a:rPr>
-                <a:t>Unsupervised Pre-training</a:t>
-              </a:r>
-            </a:p>
-          </p:txBody>
-        </p:sp>
-        <p:pic>
-          <p:nvPicPr>
-            <p:cNvPr id="36" name="Picture 35" descr="Chart&#10;&#10;Description automatically generated">
-              <a:extLst>
-                <a:ext uri="{FF2B5EF4-FFF2-40B4-BE49-F238E27FC236}">
-                  <a16:creationId xmlns:a16="http://schemas.microsoft.com/office/drawing/2014/main" id="{7349BC03-F722-432D-86FD-DEDA8F151A44}"/>
-                </a:ext>
-              </a:extLst>
-            </p:cNvPr>
-            <p:cNvPicPr>
-              <a:picLocks noChangeAspect="1"/>
-            </p:cNvPicPr>
-            <p:nvPr/>
-          </p:nvPicPr>
-          <p:blipFill>
-            <a:blip r:embed="rId5">
-              <a:extLst>
-                <a:ext uri="{28A0092B-C50C-407E-A947-70E740481C1C}">
-                  <a14:useLocalDpi xmlns:a14="http://schemas.microsoft.com/office/drawing/2010/main" val="0"/>
-                </a:ext>
-              </a:extLst>
-            </a:blip>
-            <a:stretch>
-              <a:fillRect/>
-            </a:stretch>
-          </p:blipFill>
-          <p:spPr>
-            <a:xfrm>
-              <a:off x="9485624" y="4719959"/>
-              <a:ext cx="5601976" cy="4230064"/>
-            </a:xfrm>
-            <a:prstGeom prst="rect">
-              <a:avLst/>
-            </a:prstGeom>
-          </p:spPr>
-        </p:pic>
-        <p:pic>
-          <p:nvPicPr>
-            <p:cNvPr id="38" name="Picture 37" descr="Chart, bar chart&#10;&#10;Description automatically generated">
-              <a:extLst>
-                <a:ext uri="{FF2B5EF4-FFF2-40B4-BE49-F238E27FC236}">
-                  <a16:creationId xmlns:a16="http://schemas.microsoft.com/office/drawing/2014/main" id="{B3F14CAD-FC92-4381-B956-FD4EC2679303}"/>
-                </a:ext>
-              </a:extLst>
-            </p:cNvPr>
-            <p:cNvPicPr>
-              <a:picLocks noChangeAspect="1"/>
-            </p:cNvPicPr>
-            <p:nvPr/>
-          </p:nvPicPr>
-          <p:blipFill>
-            <a:blip r:embed="rId6">
-              <a:extLst>
-                <a:ext uri="{28A0092B-C50C-407E-A947-70E740481C1C}">
-                  <a14:useLocalDpi xmlns:a14="http://schemas.microsoft.com/office/drawing/2010/main" val="0"/>
-                </a:ext>
-              </a:extLst>
-            </a:blip>
-            <a:stretch>
-              <a:fillRect/>
-            </a:stretch>
-          </p:blipFill>
-          <p:spPr>
-            <a:xfrm>
-              <a:off x="3928762" y="8950023"/>
-              <a:ext cx="5601976" cy="4230064"/>
-            </a:xfrm>
-            <a:prstGeom prst="rect">
-              <a:avLst/>
-            </a:prstGeom>
-          </p:spPr>
-        </p:pic>
-        <p:pic>
-          <p:nvPicPr>
-            <p:cNvPr id="40" name="Picture 39" descr="Chart, bar chart&#10;&#10;Description automatically generated">
-              <a:extLst>
-                <a:ext uri="{FF2B5EF4-FFF2-40B4-BE49-F238E27FC236}">
-                  <a16:creationId xmlns:a16="http://schemas.microsoft.com/office/drawing/2014/main" id="{87E75A4F-4E20-4CC6-9F06-CD68DDA86DF0}"/>
-                </a:ext>
-              </a:extLst>
-            </p:cNvPr>
-            <p:cNvPicPr>
-              <a:picLocks noChangeAspect="1"/>
-            </p:cNvPicPr>
-            <p:nvPr/>
-          </p:nvPicPr>
-          <p:blipFill>
-            <a:blip r:embed="rId7">
-              <a:extLst>
-                <a:ext uri="{28A0092B-C50C-407E-A947-70E740481C1C}">
-                  <a14:useLocalDpi xmlns:a14="http://schemas.microsoft.com/office/drawing/2010/main" val="0"/>
-                </a:ext>
-              </a:extLst>
-            </a:blip>
-            <a:stretch>
-              <a:fillRect/>
-            </a:stretch>
-          </p:blipFill>
-          <p:spPr>
-            <a:xfrm>
-              <a:off x="9485624" y="8950023"/>
-              <a:ext cx="5601976" cy="4230064"/>
-            </a:xfrm>
-            <a:prstGeom prst="rect">
-              <a:avLst/>
-            </a:prstGeom>
-          </p:spPr>
-        </p:pic>
-      </p:grpSp>
+            </a:solidFill>
+          </a:ln>
+        </p:spPr>
+        <p:style>
+          <a:lnRef idx="2">
+            <a:schemeClr val="accent1">
+              <a:shade val="50000"/>
+            </a:schemeClr>
+          </a:lnRef>
+          <a:fillRef idx="1">
+            <a:schemeClr val="accent1"/>
+          </a:fillRef>
+          <a:effectRef idx="0">
+            <a:schemeClr val="accent1"/>
+          </a:effectRef>
+          <a:fontRef idx="minor">
+            <a:schemeClr val="lt1"/>
+          </a:fontRef>
+        </p:style>
+        <p:txBody>
+          <a:bodyPr rtlCol="0" anchor="ctr"/>
+          <a:lstStyle/>
+          <a:p>
+            <a:pPr algn="ctr"/>
+            <a:endParaRPr lang="en-US"/>
+          </a:p>
+        </p:txBody>
+      </p:sp>
+      <p:cxnSp>
+        <p:nvCxnSpPr>
+          <p:cNvPr id="103" name="Straight Arrow Connector 102">
+            <a:extLst>
+              <a:ext uri="{FF2B5EF4-FFF2-40B4-BE49-F238E27FC236}">
+                <a16:creationId xmlns:a16="http://schemas.microsoft.com/office/drawing/2014/main" id="{28A561D1-AB5F-40FE-834E-F1373865D603}"/>
+              </a:ext>
+            </a:extLst>
+          </p:cNvPr>
+          <p:cNvCxnSpPr>
+            <a:cxnSpLocks/>
+          </p:cNvCxnSpPr>
+          <p:nvPr/>
+        </p:nvCxnSpPr>
+        <p:spPr>
+          <a:xfrm flipV="1">
+            <a:off x="6838305" y="6695984"/>
+            <a:ext cx="978568" cy="336884"/>
+          </a:xfrm>
+          <a:prstGeom prst="straightConnector1">
+            <a:avLst/>
+          </a:prstGeom>
+          <a:ln w="12700">
+            <a:solidFill>
+              <a:srgbClr val="00B050"/>
+            </a:solidFill>
+            <a:tailEnd type="triangle"/>
+          </a:ln>
+        </p:spPr>
+        <p:style>
+          <a:lnRef idx="1">
+            <a:schemeClr val="accent1"/>
+          </a:lnRef>
+          <a:fillRef idx="0">
+            <a:schemeClr val="accent1"/>
+          </a:fillRef>
+          <a:effectRef idx="0">
+            <a:schemeClr val="accent1"/>
+          </a:effectRef>
+          <a:fontRef idx="minor">
+            <a:schemeClr val="tx1"/>
+          </a:fontRef>
+        </p:style>
+      </p:cxnSp>
+      <p:sp>
+        <p:nvSpPr>
+          <p:cNvPr id="104" name="TextBox 103">
+            <a:extLst>
+              <a:ext uri="{FF2B5EF4-FFF2-40B4-BE49-F238E27FC236}">
+                <a16:creationId xmlns:a16="http://schemas.microsoft.com/office/drawing/2014/main" id="{40E3C3A8-70C8-4ADB-B6FD-0302F0EBAAAE}"/>
+              </a:ext>
+            </a:extLst>
+          </p:cNvPr>
+          <p:cNvSpPr txBox="1"/>
+          <p:nvPr/>
+        </p:nvSpPr>
+        <p:spPr>
+          <a:xfrm>
+            <a:off x="5959899" y="6070776"/>
+            <a:ext cx="1323371" cy="584775"/>
+          </a:xfrm>
+          <a:prstGeom prst="rect">
+            <a:avLst/>
+          </a:prstGeom>
+          <a:noFill/>
+        </p:spPr>
+        <p:txBody>
+          <a:bodyPr wrap="square" rtlCol="0">
+            <a:spAutoFit/>
+          </a:bodyPr>
+          <a:lstStyle/>
+          <a:p>
+            <a:r>
+              <a:rPr lang="en-US" sz="1600" dirty="0">
+                <a:latin typeface="Times New Roman" panose="02020603050405020304" pitchFamily="18" charset="0"/>
+                <a:cs typeface="Times New Roman" panose="02020603050405020304" pitchFamily="18" charset="0"/>
+              </a:rPr>
+              <a:t>Unsupervised Pre-training</a:t>
+            </a:r>
+          </a:p>
+        </p:txBody>
+      </p:sp>
+      <p:pic>
+        <p:nvPicPr>
+          <p:cNvPr id="36" name="Picture 35" descr="Chart&#10;&#10;Description automatically generated">
+            <a:extLst>
+              <a:ext uri="{FF2B5EF4-FFF2-40B4-BE49-F238E27FC236}">
+                <a16:creationId xmlns:a16="http://schemas.microsoft.com/office/drawing/2014/main" id="{7349BC03-F722-432D-86FD-DEDA8F151A44}"/>
+              </a:ext>
+            </a:extLst>
+          </p:cNvPr>
+          <p:cNvPicPr>
+            <a:picLocks noChangeAspect="1"/>
+          </p:cNvPicPr>
+          <p:nvPr/>
+        </p:nvPicPr>
+        <p:blipFill>
+          <a:blip r:embed="rId5">
+            <a:extLst>
+              <a:ext uri="{28A0092B-C50C-407E-A947-70E740481C1C}">
+                <a14:useLocalDpi xmlns:a14="http://schemas.microsoft.com/office/drawing/2010/main" val="0"/>
+              </a:ext>
+            </a:extLst>
+          </a:blip>
+          <a:stretch>
+            <a:fillRect/>
+          </a:stretch>
+        </p:blipFill>
+        <p:spPr>
+          <a:xfrm>
+            <a:off x="9395491" y="5534083"/>
+            <a:ext cx="5601976" cy="4230064"/>
+          </a:xfrm>
+          <a:prstGeom prst="rect">
+            <a:avLst/>
+          </a:prstGeom>
+        </p:spPr>
+      </p:pic>
+      <p:pic>
+        <p:nvPicPr>
+          <p:cNvPr id="38" name="Picture 37" descr="Chart, bar chart&#10;&#10;Description automatically generated">
+            <a:extLst>
+              <a:ext uri="{FF2B5EF4-FFF2-40B4-BE49-F238E27FC236}">
+                <a16:creationId xmlns:a16="http://schemas.microsoft.com/office/drawing/2014/main" id="{B3F14CAD-FC92-4381-B956-FD4EC2679303}"/>
+              </a:ext>
+            </a:extLst>
+          </p:cNvPr>
+          <p:cNvPicPr>
+            <a:picLocks noChangeAspect="1"/>
+          </p:cNvPicPr>
+          <p:nvPr/>
+        </p:nvPicPr>
+        <p:blipFill>
+          <a:blip r:embed="rId6">
+            <a:extLst>
+              <a:ext uri="{28A0092B-C50C-407E-A947-70E740481C1C}">
+                <a14:useLocalDpi xmlns:a14="http://schemas.microsoft.com/office/drawing/2010/main" val="0"/>
+              </a:ext>
+            </a:extLst>
+          </a:blip>
+          <a:stretch>
+            <a:fillRect/>
+          </a:stretch>
+        </p:blipFill>
+        <p:spPr>
+          <a:xfrm>
+            <a:off x="3742636" y="9764147"/>
+            <a:ext cx="5601976" cy="4230064"/>
+          </a:xfrm>
+          <a:prstGeom prst="rect">
+            <a:avLst/>
+          </a:prstGeom>
+        </p:spPr>
+      </p:pic>
+      <p:pic>
+        <p:nvPicPr>
+          <p:cNvPr id="40" name="Picture 39" descr="Chart, bar chart&#10;&#10;Description automatically generated">
+            <a:extLst>
+              <a:ext uri="{FF2B5EF4-FFF2-40B4-BE49-F238E27FC236}">
+                <a16:creationId xmlns:a16="http://schemas.microsoft.com/office/drawing/2014/main" id="{87E75A4F-4E20-4CC6-9F06-CD68DDA86DF0}"/>
+              </a:ext>
+            </a:extLst>
+          </p:cNvPr>
+          <p:cNvPicPr>
+            <a:picLocks noChangeAspect="1"/>
+          </p:cNvPicPr>
+          <p:nvPr/>
+        </p:nvPicPr>
+        <p:blipFill>
+          <a:blip r:embed="rId7">
+            <a:extLst>
+              <a:ext uri="{28A0092B-C50C-407E-A947-70E740481C1C}">
+                <a14:useLocalDpi xmlns:a14="http://schemas.microsoft.com/office/drawing/2010/main" val="0"/>
+              </a:ext>
+            </a:extLst>
+          </a:blip>
+          <a:stretch>
+            <a:fillRect/>
+          </a:stretch>
+        </p:blipFill>
+        <p:spPr>
+          <a:xfrm>
+            <a:off x="9387661" y="9764147"/>
+            <a:ext cx="5601976" cy="4230064"/>
+          </a:xfrm>
+          <a:prstGeom prst="rect">
+            <a:avLst/>
+          </a:prstGeom>
+        </p:spPr>
+      </p:pic>
       <p:sp>
         <p:nvSpPr>
           <p:cNvPr id="124" name="TextBox 123">
@@ -4079,7 +4004,7 @@
         <p:spPr>
           <a:xfrm>
             <a:off x="90719" y="120388"/>
-            <a:ext cx="364202" cy="523220"/>
+            <a:ext cx="385042" cy="523220"/>
           </a:xfrm>
           <a:prstGeom prst="rect">
             <a:avLst/>
@@ -4087,7 +4012,7 @@
           <a:noFill/>
         </p:spPr>
         <p:txBody>
-          <a:bodyPr wrap="none" rtlCol="0">
+          <a:bodyPr wrap="square" rtlCol="0">
             <a:spAutoFit/>
           </a:bodyPr>
           <a:lstStyle/>
@@ -4138,6 +4063,878 @@
           </a:prstGeom>
         </p:spPr>
       </p:pic>
+      <p:sp>
+        <p:nvSpPr>
+          <p:cNvPr id="2" name="TextBox 1">
+            <a:extLst>
+              <a:ext uri="{FF2B5EF4-FFF2-40B4-BE49-F238E27FC236}">
+                <a16:creationId xmlns:a16="http://schemas.microsoft.com/office/drawing/2014/main" id="{5933312F-6B71-4C93-B27E-4221FF5CF8F2}"/>
+              </a:ext>
+            </a:extLst>
+          </p:cNvPr>
+          <p:cNvSpPr txBox="1"/>
+          <p:nvPr/>
+        </p:nvSpPr>
+        <p:spPr>
+          <a:xfrm>
+            <a:off x="4271210" y="9313096"/>
+            <a:ext cx="1973179" cy="307777"/>
+          </a:xfrm>
+          <a:prstGeom prst="rect">
+            <a:avLst/>
+          </a:prstGeom>
+          <a:solidFill>
+            <a:schemeClr val="bg1"/>
+          </a:solidFill>
+        </p:spPr>
+        <p:txBody>
+          <a:bodyPr wrap="square" rtlCol="0">
+            <a:spAutoFit/>
+          </a:bodyPr>
+          <a:lstStyle/>
+          <a:p>
+            <a:r>
+              <a:rPr lang="en-US" sz="1400" dirty="0">
+                <a:latin typeface="Times New Roman" panose="02020603050405020304" pitchFamily="18" charset="0"/>
+                <a:cs typeface="Times New Roman" panose="02020603050405020304" pitchFamily="18" charset="0"/>
+              </a:rPr>
+              <a:t>Configuration Model</a:t>
+            </a:r>
+          </a:p>
+        </p:txBody>
+      </p:sp>
+      <p:sp>
+        <p:nvSpPr>
+          <p:cNvPr id="21" name="TextBox 20">
+            <a:extLst>
+              <a:ext uri="{FF2B5EF4-FFF2-40B4-BE49-F238E27FC236}">
+                <a16:creationId xmlns:a16="http://schemas.microsoft.com/office/drawing/2014/main" id="{BE444A78-D0E7-4302-B826-C75884636245}"/>
+              </a:ext>
+            </a:extLst>
+          </p:cNvPr>
+          <p:cNvSpPr txBox="1"/>
+          <p:nvPr/>
+        </p:nvSpPr>
+        <p:spPr>
+          <a:xfrm>
+            <a:off x="6287438" y="9313096"/>
+            <a:ext cx="1973179" cy="523220"/>
+          </a:xfrm>
+          <a:prstGeom prst="rect">
+            <a:avLst/>
+          </a:prstGeom>
+          <a:solidFill>
+            <a:schemeClr val="bg1"/>
+          </a:solidFill>
+        </p:spPr>
+        <p:txBody>
+          <a:bodyPr wrap="square" rtlCol="0">
+            <a:spAutoFit/>
+          </a:bodyPr>
+          <a:lstStyle/>
+          <a:p>
+            <a:r>
+              <a:rPr lang="en-US" sz="1400" dirty="0">
+                <a:latin typeface="Times New Roman" panose="02020603050405020304" pitchFamily="18" charset="0"/>
+                <a:cs typeface="Times New Roman" panose="02020603050405020304" pitchFamily="18" charset="0"/>
+              </a:rPr>
+              <a:t>DeepPurpose</a:t>
+            </a:r>
+          </a:p>
+          <a:p>
+            <a:endParaRPr lang="en-US" sz="1400" dirty="0">
+              <a:latin typeface="Times New Roman" panose="02020603050405020304" pitchFamily="18" charset="0"/>
+              <a:cs typeface="Times New Roman" panose="02020603050405020304" pitchFamily="18" charset="0"/>
+            </a:endParaRPr>
+          </a:p>
+        </p:txBody>
+      </p:sp>
+      <p:sp>
+        <p:nvSpPr>
+          <p:cNvPr id="22" name="TextBox 21">
+            <a:extLst>
+              <a:ext uri="{FF2B5EF4-FFF2-40B4-BE49-F238E27FC236}">
+                <a16:creationId xmlns:a16="http://schemas.microsoft.com/office/drawing/2014/main" id="{C0B85C5C-B70F-461C-A1A2-B81BCC5F4CC5}"/>
+              </a:ext>
+            </a:extLst>
+          </p:cNvPr>
+          <p:cNvSpPr txBox="1"/>
+          <p:nvPr/>
+        </p:nvSpPr>
+        <p:spPr>
+          <a:xfrm>
+            <a:off x="8204325" y="9305932"/>
+            <a:ext cx="1237409" cy="307777"/>
+          </a:xfrm>
+          <a:prstGeom prst="rect">
+            <a:avLst/>
+          </a:prstGeom>
+          <a:solidFill>
+            <a:schemeClr val="bg1"/>
+          </a:solidFill>
+        </p:spPr>
+        <p:txBody>
+          <a:bodyPr wrap="square" rtlCol="0">
+            <a:spAutoFit/>
+          </a:bodyPr>
+          <a:lstStyle/>
+          <a:p>
+            <a:r>
+              <a:rPr lang="en-US" sz="1400" dirty="0">
+                <a:latin typeface="Times New Roman" panose="02020603050405020304" pitchFamily="18" charset="0"/>
+                <a:cs typeface="Times New Roman" panose="02020603050405020304" pitchFamily="18" charset="0"/>
+              </a:rPr>
+              <a:t>VecNet</a:t>
+            </a:r>
+          </a:p>
+        </p:txBody>
+      </p:sp>
+      <p:sp>
+        <p:nvSpPr>
+          <p:cNvPr id="23" name="TextBox 22">
+            <a:extLst>
+              <a:ext uri="{FF2B5EF4-FFF2-40B4-BE49-F238E27FC236}">
+                <a16:creationId xmlns:a16="http://schemas.microsoft.com/office/drawing/2014/main" id="{6A0A3FC4-46A9-4556-B652-168BDCAAD2C1}"/>
+              </a:ext>
+            </a:extLst>
+          </p:cNvPr>
+          <p:cNvSpPr txBox="1"/>
+          <p:nvPr/>
+        </p:nvSpPr>
+        <p:spPr>
+          <a:xfrm rot="16200000">
+            <a:off x="2820804" y="7339738"/>
+            <a:ext cx="1973179" cy="307777"/>
+          </a:xfrm>
+          <a:prstGeom prst="rect">
+            <a:avLst/>
+          </a:prstGeom>
+          <a:solidFill>
+            <a:schemeClr val="bg1"/>
+          </a:solidFill>
+        </p:spPr>
+        <p:txBody>
+          <a:bodyPr wrap="square" rtlCol="0">
+            <a:spAutoFit/>
+          </a:bodyPr>
+          <a:lstStyle/>
+          <a:p>
+            <a:r>
+              <a:rPr lang="en-US" sz="1400" dirty="0">
+                <a:latin typeface="Times New Roman" panose="02020603050405020304" pitchFamily="18" charset="0"/>
+                <a:cs typeface="Times New Roman" panose="02020603050405020304" pitchFamily="18" charset="0"/>
+              </a:rPr>
+              <a:t>Average Performance</a:t>
+            </a:r>
+          </a:p>
+        </p:txBody>
+      </p:sp>
+      <p:sp>
+        <p:nvSpPr>
+          <p:cNvPr id="24" name="TextBox 23">
+            <a:extLst>
+              <a:ext uri="{FF2B5EF4-FFF2-40B4-BE49-F238E27FC236}">
+                <a16:creationId xmlns:a16="http://schemas.microsoft.com/office/drawing/2014/main" id="{F07DF731-236A-4E64-A16E-E90C430F0940}"/>
+              </a:ext>
+            </a:extLst>
+          </p:cNvPr>
+          <p:cNvSpPr txBox="1"/>
+          <p:nvPr/>
+        </p:nvSpPr>
+        <p:spPr>
+          <a:xfrm>
+            <a:off x="10652005" y="9332994"/>
+            <a:ext cx="1237409" cy="307777"/>
+          </a:xfrm>
+          <a:prstGeom prst="rect">
+            <a:avLst/>
+          </a:prstGeom>
+          <a:solidFill>
+            <a:schemeClr val="bg1"/>
+          </a:solidFill>
+        </p:spPr>
+        <p:txBody>
+          <a:bodyPr wrap="square" rtlCol="0">
+            <a:spAutoFit/>
+          </a:bodyPr>
+          <a:lstStyle/>
+          <a:p>
+            <a:r>
+              <a:rPr lang="en-US" sz="1400" dirty="0">
+                <a:latin typeface="Times New Roman" panose="02020603050405020304" pitchFamily="18" charset="0"/>
+                <a:cs typeface="Times New Roman" panose="02020603050405020304" pitchFamily="18" charset="0"/>
+              </a:rPr>
+              <a:t>Drugs</a:t>
+            </a:r>
+          </a:p>
+        </p:txBody>
+      </p:sp>
+      <p:sp>
+        <p:nvSpPr>
+          <p:cNvPr id="25" name="TextBox 24">
+            <a:extLst>
+              <a:ext uri="{FF2B5EF4-FFF2-40B4-BE49-F238E27FC236}">
+                <a16:creationId xmlns:a16="http://schemas.microsoft.com/office/drawing/2014/main" id="{F3A74740-28B4-4AC7-B939-2D7B193AC94A}"/>
+              </a:ext>
+            </a:extLst>
+          </p:cNvPr>
+          <p:cNvSpPr txBox="1"/>
+          <p:nvPr/>
+        </p:nvSpPr>
+        <p:spPr>
+          <a:xfrm>
+            <a:off x="13079809" y="9332994"/>
+            <a:ext cx="1800448" cy="307777"/>
+          </a:xfrm>
+          <a:prstGeom prst="rect">
+            <a:avLst/>
+          </a:prstGeom>
+          <a:solidFill>
+            <a:schemeClr val="bg1"/>
+          </a:solidFill>
+        </p:spPr>
+        <p:txBody>
+          <a:bodyPr wrap="square" rtlCol="0">
+            <a:spAutoFit/>
+          </a:bodyPr>
+          <a:lstStyle/>
+          <a:p>
+            <a:r>
+              <a:rPr lang="en-US" sz="1400" dirty="0">
+                <a:latin typeface="Times New Roman" panose="02020603050405020304" pitchFamily="18" charset="0"/>
+                <a:cs typeface="Times New Roman" panose="02020603050405020304" pitchFamily="18" charset="0"/>
+              </a:rPr>
+              <a:t>Natural Compounds</a:t>
+            </a:r>
+          </a:p>
+        </p:txBody>
+      </p:sp>
+      <p:sp>
+        <p:nvSpPr>
+          <p:cNvPr id="26" name="TextBox 25">
+            <a:extLst>
+              <a:ext uri="{FF2B5EF4-FFF2-40B4-BE49-F238E27FC236}">
+                <a16:creationId xmlns:a16="http://schemas.microsoft.com/office/drawing/2014/main" id="{9DC9D2B1-EC97-406D-B638-AC1CB91090A7}"/>
+              </a:ext>
+            </a:extLst>
+          </p:cNvPr>
+          <p:cNvSpPr txBox="1"/>
+          <p:nvPr/>
+        </p:nvSpPr>
+        <p:spPr>
+          <a:xfrm rot="16200000">
+            <a:off x="8529578" y="7285182"/>
+            <a:ext cx="1973179" cy="307777"/>
+          </a:xfrm>
+          <a:prstGeom prst="rect">
+            <a:avLst/>
+          </a:prstGeom>
+          <a:solidFill>
+            <a:schemeClr val="bg1"/>
+          </a:solidFill>
+        </p:spPr>
+        <p:txBody>
+          <a:bodyPr wrap="square" rtlCol="0">
+            <a:spAutoFit/>
+          </a:bodyPr>
+          <a:lstStyle/>
+          <a:p>
+            <a:r>
+              <a:rPr lang="en-US" sz="1400" dirty="0">
+                <a:latin typeface="Times New Roman" panose="02020603050405020304" pitchFamily="18" charset="0"/>
+                <a:cs typeface="Times New Roman" panose="02020603050405020304" pitchFamily="18" charset="0"/>
+              </a:rPr>
+              <a:t>Average Performance</a:t>
+            </a:r>
+          </a:p>
+        </p:txBody>
+      </p:sp>
+      <p:sp>
+        <p:nvSpPr>
+          <p:cNvPr id="27" name="Arrow: Right 26">
+            <a:extLst>
+              <a:ext uri="{FF2B5EF4-FFF2-40B4-BE49-F238E27FC236}">
+                <a16:creationId xmlns:a16="http://schemas.microsoft.com/office/drawing/2014/main" id="{0492B8FF-7A6F-43C3-88EB-3D822E67BCB6}"/>
+              </a:ext>
+            </a:extLst>
+          </p:cNvPr>
+          <p:cNvSpPr/>
+          <p:nvPr/>
+        </p:nvSpPr>
+        <p:spPr>
+          <a:xfrm>
+            <a:off x="9248614" y="6499373"/>
+            <a:ext cx="307778" cy="312356"/>
+          </a:xfrm>
+          <a:prstGeom prst="rightArrow">
+            <a:avLst/>
+          </a:prstGeom>
+          <a:noFill/>
+          <a:ln w="19050">
+            <a:solidFill>
+              <a:schemeClr val="accent6">
+                <a:lumMod val="75000"/>
+              </a:schemeClr>
+            </a:solidFill>
+          </a:ln>
+        </p:spPr>
+        <p:style>
+          <a:lnRef idx="2">
+            <a:schemeClr val="accent1">
+              <a:shade val="50000"/>
+            </a:schemeClr>
+          </a:lnRef>
+          <a:fillRef idx="1">
+            <a:schemeClr val="accent1"/>
+          </a:fillRef>
+          <a:effectRef idx="0">
+            <a:schemeClr val="accent1"/>
+          </a:effectRef>
+          <a:fontRef idx="minor">
+            <a:schemeClr val="lt1"/>
+          </a:fontRef>
+        </p:style>
+        <p:txBody>
+          <a:bodyPr rtlCol="0" anchor="ctr"/>
+          <a:lstStyle/>
+          <a:p>
+            <a:pPr algn="ctr"/>
+            <a:endParaRPr lang="en-US"/>
+          </a:p>
+        </p:txBody>
+      </p:sp>
+      <p:sp>
+        <p:nvSpPr>
+          <p:cNvPr id="28" name="TextBox 27">
+            <a:extLst>
+              <a:ext uri="{FF2B5EF4-FFF2-40B4-BE49-F238E27FC236}">
+                <a16:creationId xmlns:a16="http://schemas.microsoft.com/office/drawing/2014/main" id="{0DB8B9AD-AFBF-4DC7-8A44-5600715333DD}"/>
+              </a:ext>
+            </a:extLst>
+          </p:cNvPr>
+          <p:cNvSpPr txBox="1"/>
+          <p:nvPr/>
+        </p:nvSpPr>
+        <p:spPr>
+          <a:xfrm>
+            <a:off x="6133768" y="5476182"/>
+            <a:ext cx="2082242" cy="307777"/>
+          </a:xfrm>
+          <a:prstGeom prst="rect">
+            <a:avLst/>
+          </a:prstGeom>
+          <a:solidFill>
+            <a:schemeClr val="bg1"/>
+          </a:solidFill>
+        </p:spPr>
+        <p:txBody>
+          <a:bodyPr wrap="square" rtlCol="0">
+            <a:spAutoFit/>
+          </a:bodyPr>
+          <a:lstStyle/>
+          <a:p>
+            <a:r>
+              <a:rPr lang="en-US" sz="1400" dirty="0">
+                <a:latin typeface="Times New Roman" panose="02020603050405020304" pitchFamily="18" charset="0"/>
+                <a:cs typeface="Times New Roman" panose="02020603050405020304" pitchFamily="18" charset="0"/>
+              </a:rPr>
+              <a:t>Unseen Nodes</a:t>
+            </a:r>
+          </a:p>
+        </p:txBody>
+      </p:sp>
+      <p:sp>
+        <p:nvSpPr>
+          <p:cNvPr id="29" name="TextBox 28">
+            <a:extLst>
+              <a:ext uri="{FF2B5EF4-FFF2-40B4-BE49-F238E27FC236}">
+                <a16:creationId xmlns:a16="http://schemas.microsoft.com/office/drawing/2014/main" id="{5FA7876D-B796-4B42-8B22-96E0D6AA2BC3}"/>
+              </a:ext>
+            </a:extLst>
+          </p:cNvPr>
+          <p:cNvSpPr txBox="1"/>
+          <p:nvPr/>
+        </p:nvSpPr>
+        <p:spPr>
+          <a:xfrm>
+            <a:off x="11690630" y="5464651"/>
+            <a:ext cx="2082242" cy="307777"/>
+          </a:xfrm>
+          <a:prstGeom prst="rect">
+            <a:avLst/>
+          </a:prstGeom>
+          <a:solidFill>
+            <a:schemeClr val="bg1"/>
+          </a:solidFill>
+        </p:spPr>
+        <p:txBody>
+          <a:bodyPr wrap="square" rtlCol="0">
+            <a:spAutoFit/>
+          </a:bodyPr>
+          <a:lstStyle/>
+          <a:p>
+            <a:r>
+              <a:rPr lang="en-US" sz="1400" dirty="0">
+                <a:latin typeface="Times New Roman" panose="02020603050405020304" pitchFamily="18" charset="0"/>
+                <a:cs typeface="Times New Roman" panose="02020603050405020304" pitchFamily="18" charset="0"/>
+              </a:rPr>
+              <a:t>Unseen Nodes</a:t>
+            </a:r>
+          </a:p>
+        </p:txBody>
+      </p:sp>
+      <p:sp>
+        <p:nvSpPr>
+          <p:cNvPr id="30" name="TextBox 29">
+            <a:extLst>
+              <a:ext uri="{FF2B5EF4-FFF2-40B4-BE49-F238E27FC236}">
+                <a16:creationId xmlns:a16="http://schemas.microsoft.com/office/drawing/2014/main" id="{35D27CC4-A346-45D8-A90D-D85DB37B8EE1}"/>
+              </a:ext>
+            </a:extLst>
+          </p:cNvPr>
+          <p:cNvSpPr txBox="1"/>
+          <p:nvPr/>
+        </p:nvSpPr>
+        <p:spPr>
+          <a:xfrm>
+            <a:off x="6148514" y="9719299"/>
+            <a:ext cx="2082242" cy="307777"/>
+          </a:xfrm>
+          <a:prstGeom prst="rect">
+            <a:avLst/>
+          </a:prstGeom>
+          <a:solidFill>
+            <a:schemeClr val="bg1"/>
+          </a:solidFill>
+        </p:spPr>
+        <p:txBody>
+          <a:bodyPr wrap="square" rtlCol="0">
+            <a:spAutoFit/>
+          </a:bodyPr>
+          <a:lstStyle/>
+          <a:p>
+            <a:r>
+              <a:rPr lang="en-US" sz="1400" dirty="0">
+                <a:latin typeface="Times New Roman" panose="02020603050405020304" pitchFamily="18" charset="0"/>
+                <a:cs typeface="Times New Roman" panose="02020603050405020304" pitchFamily="18" charset="0"/>
+              </a:rPr>
+              <a:t>Unseen Targets</a:t>
+            </a:r>
+          </a:p>
+        </p:txBody>
+      </p:sp>
+      <p:sp>
+        <p:nvSpPr>
+          <p:cNvPr id="31" name="TextBox 30">
+            <a:extLst>
+              <a:ext uri="{FF2B5EF4-FFF2-40B4-BE49-F238E27FC236}">
+                <a16:creationId xmlns:a16="http://schemas.microsoft.com/office/drawing/2014/main" id="{ED1D8148-7FC7-481C-A13D-6A4F04E85DE5}"/>
+              </a:ext>
+            </a:extLst>
+          </p:cNvPr>
+          <p:cNvSpPr txBox="1"/>
+          <p:nvPr/>
+        </p:nvSpPr>
+        <p:spPr>
+          <a:xfrm>
+            <a:off x="11705376" y="9745677"/>
+            <a:ext cx="2082242" cy="307777"/>
+          </a:xfrm>
+          <a:prstGeom prst="rect">
+            <a:avLst/>
+          </a:prstGeom>
+          <a:solidFill>
+            <a:schemeClr val="bg1"/>
+          </a:solidFill>
+        </p:spPr>
+        <p:txBody>
+          <a:bodyPr wrap="square" rtlCol="0">
+            <a:spAutoFit/>
+          </a:bodyPr>
+          <a:lstStyle/>
+          <a:p>
+            <a:r>
+              <a:rPr lang="en-US" sz="1400" dirty="0">
+                <a:latin typeface="Times New Roman" panose="02020603050405020304" pitchFamily="18" charset="0"/>
+                <a:cs typeface="Times New Roman" panose="02020603050405020304" pitchFamily="18" charset="0"/>
+              </a:rPr>
+              <a:t>Unseen Edges</a:t>
+            </a:r>
+          </a:p>
+        </p:txBody>
+      </p:sp>
+      <p:sp>
+        <p:nvSpPr>
+          <p:cNvPr id="32" name="TextBox 31">
+            <a:extLst>
+              <a:ext uri="{FF2B5EF4-FFF2-40B4-BE49-F238E27FC236}">
+                <a16:creationId xmlns:a16="http://schemas.microsoft.com/office/drawing/2014/main" id="{3432905A-A157-4137-A1B3-19983BCB4578}"/>
+              </a:ext>
+            </a:extLst>
+          </p:cNvPr>
+          <p:cNvSpPr txBox="1"/>
+          <p:nvPr/>
+        </p:nvSpPr>
+        <p:spPr>
+          <a:xfrm rot="16200000">
+            <a:off x="2842969" y="11414433"/>
+            <a:ext cx="1973179" cy="307777"/>
+          </a:xfrm>
+          <a:prstGeom prst="rect">
+            <a:avLst/>
+          </a:prstGeom>
+          <a:solidFill>
+            <a:schemeClr val="bg1"/>
+          </a:solidFill>
+        </p:spPr>
+        <p:txBody>
+          <a:bodyPr wrap="square" rtlCol="0">
+            <a:spAutoFit/>
+          </a:bodyPr>
+          <a:lstStyle/>
+          <a:p>
+            <a:r>
+              <a:rPr lang="en-US" sz="1400" dirty="0">
+                <a:latin typeface="Times New Roman" panose="02020603050405020304" pitchFamily="18" charset="0"/>
+                <a:cs typeface="Times New Roman" panose="02020603050405020304" pitchFamily="18" charset="0"/>
+              </a:rPr>
+              <a:t>Average Performance</a:t>
+            </a:r>
+          </a:p>
+        </p:txBody>
+      </p:sp>
+      <p:sp>
+        <p:nvSpPr>
+          <p:cNvPr id="33" name="TextBox 32">
+            <a:extLst>
+              <a:ext uri="{FF2B5EF4-FFF2-40B4-BE49-F238E27FC236}">
+                <a16:creationId xmlns:a16="http://schemas.microsoft.com/office/drawing/2014/main" id="{C3A5EB90-8569-4A66-A35F-6A57235650EC}"/>
+              </a:ext>
+            </a:extLst>
+          </p:cNvPr>
+          <p:cNvSpPr txBox="1"/>
+          <p:nvPr/>
+        </p:nvSpPr>
+        <p:spPr>
+          <a:xfrm rot="16200000">
+            <a:off x="8502322" y="11414432"/>
+            <a:ext cx="1973179" cy="307777"/>
+          </a:xfrm>
+          <a:prstGeom prst="rect">
+            <a:avLst/>
+          </a:prstGeom>
+          <a:solidFill>
+            <a:schemeClr val="bg1"/>
+          </a:solidFill>
+        </p:spPr>
+        <p:txBody>
+          <a:bodyPr wrap="square" rtlCol="0">
+            <a:spAutoFit/>
+          </a:bodyPr>
+          <a:lstStyle/>
+          <a:p>
+            <a:r>
+              <a:rPr lang="en-US" sz="1400" dirty="0">
+                <a:latin typeface="Times New Roman" panose="02020603050405020304" pitchFamily="18" charset="0"/>
+                <a:cs typeface="Times New Roman" panose="02020603050405020304" pitchFamily="18" charset="0"/>
+              </a:rPr>
+              <a:t>Average Performance</a:t>
+            </a:r>
+          </a:p>
+        </p:txBody>
+      </p:sp>
+      <p:sp>
+        <p:nvSpPr>
+          <p:cNvPr id="37" name="TextBox 36">
+            <a:extLst>
+              <a:ext uri="{FF2B5EF4-FFF2-40B4-BE49-F238E27FC236}">
+                <a16:creationId xmlns:a16="http://schemas.microsoft.com/office/drawing/2014/main" id="{46BF0DD0-D9F6-4CFF-8840-49698AB97F85}"/>
+              </a:ext>
+            </a:extLst>
+          </p:cNvPr>
+          <p:cNvSpPr txBox="1"/>
+          <p:nvPr/>
+        </p:nvSpPr>
+        <p:spPr>
+          <a:xfrm>
+            <a:off x="4206594" y="13538536"/>
+            <a:ext cx="1973179" cy="307777"/>
+          </a:xfrm>
+          <a:prstGeom prst="rect">
+            <a:avLst/>
+          </a:prstGeom>
+          <a:solidFill>
+            <a:schemeClr val="bg1"/>
+          </a:solidFill>
+        </p:spPr>
+        <p:txBody>
+          <a:bodyPr wrap="square" rtlCol="0">
+            <a:spAutoFit/>
+          </a:bodyPr>
+          <a:lstStyle/>
+          <a:p>
+            <a:r>
+              <a:rPr lang="en-US" sz="1400" dirty="0">
+                <a:latin typeface="Times New Roman" panose="02020603050405020304" pitchFamily="18" charset="0"/>
+                <a:cs typeface="Times New Roman" panose="02020603050405020304" pitchFamily="18" charset="0"/>
+              </a:rPr>
+              <a:t>Configuration Model</a:t>
+            </a:r>
+          </a:p>
+        </p:txBody>
+      </p:sp>
+      <p:sp>
+        <p:nvSpPr>
+          <p:cNvPr id="39" name="TextBox 38">
+            <a:extLst>
+              <a:ext uri="{FF2B5EF4-FFF2-40B4-BE49-F238E27FC236}">
+                <a16:creationId xmlns:a16="http://schemas.microsoft.com/office/drawing/2014/main" id="{8D22A34C-1D5C-4047-8FC2-D7AF08A3BBFF}"/>
+              </a:ext>
+            </a:extLst>
+          </p:cNvPr>
+          <p:cNvSpPr txBox="1"/>
+          <p:nvPr/>
+        </p:nvSpPr>
+        <p:spPr>
+          <a:xfrm>
+            <a:off x="6188275" y="13543160"/>
+            <a:ext cx="1973179" cy="523220"/>
+          </a:xfrm>
+          <a:prstGeom prst="rect">
+            <a:avLst/>
+          </a:prstGeom>
+          <a:solidFill>
+            <a:schemeClr val="bg1"/>
+          </a:solidFill>
+        </p:spPr>
+        <p:txBody>
+          <a:bodyPr wrap="square" rtlCol="0">
+            <a:spAutoFit/>
+          </a:bodyPr>
+          <a:lstStyle/>
+          <a:p>
+            <a:r>
+              <a:rPr lang="en-US" sz="1400" dirty="0">
+                <a:latin typeface="Times New Roman" panose="02020603050405020304" pitchFamily="18" charset="0"/>
+                <a:cs typeface="Times New Roman" panose="02020603050405020304" pitchFamily="18" charset="0"/>
+              </a:rPr>
+              <a:t>DeepPurpose</a:t>
+            </a:r>
+          </a:p>
+          <a:p>
+            <a:endParaRPr lang="en-US" sz="1400" dirty="0">
+              <a:latin typeface="Times New Roman" panose="02020603050405020304" pitchFamily="18" charset="0"/>
+              <a:cs typeface="Times New Roman" panose="02020603050405020304" pitchFamily="18" charset="0"/>
+            </a:endParaRPr>
+          </a:p>
+        </p:txBody>
+      </p:sp>
+      <p:sp>
+        <p:nvSpPr>
+          <p:cNvPr id="41" name="TextBox 40">
+            <a:extLst>
+              <a:ext uri="{FF2B5EF4-FFF2-40B4-BE49-F238E27FC236}">
+                <a16:creationId xmlns:a16="http://schemas.microsoft.com/office/drawing/2014/main" id="{93744987-6302-411E-9C3A-A0D9E0290086}"/>
+              </a:ext>
+            </a:extLst>
+          </p:cNvPr>
+          <p:cNvSpPr txBox="1"/>
+          <p:nvPr/>
+        </p:nvSpPr>
+        <p:spPr>
+          <a:xfrm>
+            <a:off x="8150252" y="13549158"/>
+            <a:ext cx="1237409" cy="307777"/>
+          </a:xfrm>
+          <a:prstGeom prst="rect">
+            <a:avLst/>
+          </a:prstGeom>
+          <a:solidFill>
+            <a:schemeClr val="bg1"/>
+          </a:solidFill>
+        </p:spPr>
+        <p:txBody>
+          <a:bodyPr wrap="square" rtlCol="0">
+            <a:spAutoFit/>
+          </a:bodyPr>
+          <a:lstStyle/>
+          <a:p>
+            <a:r>
+              <a:rPr lang="en-US" sz="1400" dirty="0">
+                <a:latin typeface="Times New Roman" panose="02020603050405020304" pitchFamily="18" charset="0"/>
+                <a:cs typeface="Times New Roman" panose="02020603050405020304" pitchFamily="18" charset="0"/>
+              </a:rPr>
+              <a:t>VecNet</a:t>
+            </a:r>
+          </a:p>
+        </p:txBody>
+      </p:sp>
+      <p:sp>
+        <p:nvSpPr>
+          <p:cNvPr id="42" name="TextBox 41">
+            <a:extLst>
+              <a:ext uri="{FF2B5EF4-FFF2-40B4-BE49-F238E27FC236}">
+                <a16:creationId xmlns:a16="http://schemas.microsoft.com/office/drawing/2014/main" id="{8A406C75-5E2D-49F5-8641-5147905CC1FE}"/>
+              </a:ext>
+            </a:extLst>
+          </p:cNvPr>
+          <p:cNvSpPr txBox="1"/>
+          <p:nvPr/>
+        </p:nvSpPr>
+        <p:spPr>
+          <a:xfrm>
+            <a:off x="9873186" y="13549158"/>
+            <a:ext cx="1973179" cy="307777"/>
+          </a:xfrm>
+          <a:prstGeom prst="rect">
+            <a:avLst/>
+          </a:prstGeom>
+          <a:solidFill>
+            <a:schemeClr val="bg1"/>
+          </a:solidFill>
+        </p:spPr>
+        <p:txBody>
+          <a:bodyPr wrap="square" rtlCol="0">
+            <a:spAutoFit/>
+          </a:bodyPr>
+          <a:lstStyle/>
+          <a:p>
+            <a:r>
+              <a:rPr lang="en-US" sz="1400" dirty="0">
+                <a:latin typeface="Times New Roman" panose="02020603050405020304" pitchFamily="18" charset="0"/>
+                <a:cs typeface="Times New Roman" panose="02020603050405020304" pitchFamily="18" charset="0"/>
+              </a:rPr>
+              <a:t>Configuration Model</a:t>
+            </a:r>
+          </a:p>
+        </p:txBody>
+      </p:sp>
+      <p:sp>
+        <p:nvSpPr>
+          <p:cNvPr id="43" name="TextBox 42">
+            <a:extLst>
+              <a:ext uri="{FF2B5EF4-FFF2-40B4-BE49-F238E27FC236}">
+                <a16:creationId xmlns:a16="http://schemas.microsoft.com/office/drawing/2014/main" id="{D0D5D858-4747-4C09-B268-8259D0DEAA9A}"/>
+              </a:ext>
+            </a:extLst>
+          </p:cNvPr>
+          <p:cNvSpPr txBox="1"/>
+          <p:nvPr/>
+        </p:nvSpPr>
+        <p:spPr>
+          <a:xfrm>
+            <a:off x="11889414" y="13538536"/>
+            <a:ext cx="1973179" cy="523220"/>
+          </a:xfrm>
+          <a:prstGeom prst="rect">
+            <a:avLst/>
+          </a:prstGeom>
+          <a:solidFill>
+            <a:schemeClr val="bg1"/>
+          </a:solidFill>
+        </p:spPr>
+        <p:txBody>
+          <a:bodyPr wrap="square" rtlCol="0">
+            <a:spAutoFit/>
+          </a:bodyPr>
+          <a:lstStyle/>
+          <a:p>
+            <a:r>
+              <a:rPr lang="en-US" sz="1400" dirty="0">
+                <a:latin typeface="Times New Roman" panose="02020603050405020304" pitchFamily="18" charset="0"/>
+                <a:cs typeface="Times New Roman" panose="02020603050405020304" pitchFamily="18" charset="0"/>
+              </a:rPr>
+              <a:t>DeepPurpose</a:t>
+            </a:r>
+          </a:p>
+          <a:p>
+            <a:endParaRPr lang="en-US" sz="1400" dirty="0">
+              <a:latin typeface="Times New Roman" panose="02020603050405020304" pitchFamily="18" charset="0"/>
+              <a:cs typeface="Times New Roman" panose="02020603050405020304" pitchFamily="18" charset="0"/>
+            </a:endParaRPr>
+          </a:p>
+        </p:txBody>
+      </p:sp>
+      <p:sp>
+        <p:nvSpPr>
+          <p:cNvPr id="44" name="TextBox 43">
+            <a:extLst>
+              <a:ext uri="{FF2B5EF4-FFF2-40B4-BE49-F238E27FC236}">
+                <a16:creationId xmlns:a16="http://schemas.microsoft.com/office/drawing/2014/main" id="{4860491E-77C9-4A5A-B866-219F8F265AB9}"/>
+              </a:ext>
+            </a:extLst>
+          </p:cNvPr>
+          <p:cNvSpPr txBox="1"/>
+          <p:nvPr/>
+        </p:nvSpPr>
+        <p:spPr>
+          <a:xfrm>
+            <a:off x="13807411" y="13540595"/>
+            <a:ext cx="1237409" cy="307777"/>
+          </a:xfrm>
+          <a:prstGeom prst="rect">
+            <a:avLst/>
+          </a:prstGeom>
+          <a:solidFill>
+            <a:schemeClr val="bg1"/>
+          </a:solidFill>
+        </p:spPr>
+        <p:txBody>
+          <a:bodyPr wrap="square" rtlCol="0">
+            <a:spAutoFit/>
+          </a:bodyPr>
+          <a:lstStyle/>
+          <a:p>
+            <a:r>
+              <a:rPr lang="en-US" sz="1400" dirty="0">
+                <a:latin typeface="Times New Roman" panose="02020603050405020304" pitchFamily="18" charset="0"/>
+                <a:cs typeface="Times New Roman" panose="02020603050405020304" pitchFamily="18" charset="0"/>
+              </a:rPr>
+              <a:t>VecNet</a:t>
+            </a:r>
+          </a:p>
+        </p:txBody>
+      </p:sp>
+      <p:sp>
+        <p:nvSpPr>
+          <p:cNvPr id="45" name="TextBox 44">
+            <a:extLst>
+              <a:ext uri="{FF2B5EF4-FFF2-40B4-BE49-F238E27FC236}">
+                <a16:creationId xmlns:a16="http://schemas.microsoft.com/office/drawing/2014/main" id="{C481605D-84DA-475C-93CC-B4BE53AA438B}"/>
+              </a:ext>
+            </a:extLst>
+          </p:cNvPr>
+          <p:cNvSpPr txBox="1"/>
+          <p:nvPr/>
+        </p:nvSpPr>
+        <p:spPr>
+          <a:xfrm>
+            <a:off x="11904215" y="9447135"/>
+            <a:ext cx="1237409" cy="307777"/>
+          </a:xfrm>
+          <a:prstGeom prst="rect">
+            <a:avLst/>
+          </a:prstGeom>
+          <a:solidFill>
+            <a:schemeClr val="bg1"/>
+          </a:solidFill>
+        </p:spPr>
+        <p:txBody>
+          <a:bodyPr wrap="square" rtlCol="0">
+            <a:spAutoFit/>
+          </a:bodyPr>
+          <a:lstStyle/>
+          <a:p>
+            <a:r>
+              <a:rPr lang="en-US" sz="1400" dirty="0">
+                <a:latin typeface="Times New Roman" panose="02020603050405020304" pitchFamily="18" charset="0"/>
+                <a:cs typeface="Times New Roman" panose="02020603050405020304" pitchFamily="18" charset="0"/>
+              </a:rPr>
+              <a:t>Ligand Type</a:t>
+            </a:r>
+          </a:p>
+        </p:txBody>
+      </p:sp>
     </p:spTree>
     <p:extLst>
       <p:ext uri="{BB962C8B-B14F-4D97-AF65-F5344CB8AC3E}">

--- a/Images/fig3.pptx
+++ b/Images/fig3.pptx
@@ -197,7 +197,7 @@
           <a:p>
             <a:fld id="{D34CEA9E-E5A5-49C8-A578-AF124664FEC0}" type="datetimeFigureOut">
               <a:rPr lang="en-US" smtClean="0"/>
-              <a:t>8/9/2021</a:t>
+              <a:t>8/23/2021</a:t>
             </a:fld>
             <a:endParaRPr lang="en-US"/>
           </a:p>
@@ -684,7 +684,7 @@
           <a:p>
             <a:fld id="{BA05AF01-4F0E-4718-A4C1-DFCBB47EE5F2}" type="datetimeFigureOut">
               <a:rPr lang="en-US" smtClean="0"/>
-              <a:t>8/9/2021</a:t>
+              <a:t>8/23/2021</a:t>
             </a:fld>
             <a:endParaRPr lang="en-US"/>
           </a:p>
@@ -854,7 +854,7 @@
           <a:p>
             <a:fld id="{BA05AF01-4F0E-4718-A4C1-DFCBB47EE5F2}" type="datetimeFigureOut">
               <a:rPr lang="en-US" smtClean="0"/>
-              <a:t>8/9/2021</a:t>
+              <a:t>8/23/2021</a:t>
             </a:fld>
             <a:endParaRPr lang="en-US"/>
           </a:p>
@@ -1034,7 +1034,7 @@
           <a:p>
             <a:fld id="{BA05AF01-4F0E-4718-A4C1-DFCBB47EE5F2}" type="datetimeFigureOut">
               <a:rPr lang="en-US" smtClean="0"/>
-              <a:t>8/9/2021</a:t>
+              <a:t>8/23/2021</a:t>
             </a:fld>
             <a:endParaRPr lang="en-US"/>
           </a:p>
@@ -1204,7 +1204,7 @@
           <a:p>
             <a:fld id="{BA05AF01-4F0E-4718-A4C1-DFCBB47EE5F2}" type="datetimeFigureOut">
               <a:rPr lang="en-US" smtClean="0"/>
-              <a:t>8/9/2021</a:t>
+              <a:t>8/23/2021</a:t>
             </a:fld>
             <a:endParaRPr lang="en-US"/>
           </a:p>
@@ -1448,7 +1448,7 @@
           <a:p>
             <a:fld id="{BA05AF01-4F0E-4718-A4C1-DFCBB47EE5F2}" type="datetimeFigureOut">
               <a:rPr lang="en-US" smtClean="0"/>
-              <a:t>8/9/2021</a:t>
+              <a:t>8/23/2021</a:t>
             </a:fld>
             <a:endParaRPr lang="en-US"/>
           </a:p>
@@ -1680,7 +1680,7 @@
           <a:p>
             <a:fld id="{BA05AF01-4F0E-4718-A4C1-DFCBB47EE5F2}" type="datetimeFigureOut">
               <a:rPr lang="en-US" smtClean="0"/>
-              <a:t>8/9/2021</a:t>
+              <a:t>8/23/2021</a:t>
             </a:fld>
             <a:endParaRPr lang="en-US"/>
           </a:p>
@@ -2047,7 +2047,7 @@
           <a:p>
             <a:fld id="{BA05AF01-4F0E-4718-A4C1-DFCBB47EE5F2}" type="datetimeFigureOut">
               <a:rPr lang="en-US" smtClean="0"/>
-              <a:t>8/9/2021</a:t>
+              <a:t>8/23/2021</a:t>
             </a:fld>
             <a:endParaRPr lang="en-US"/>
           </a:p>
@@ -2165,7 +2165,7 @@
           <a:p>
             <a:fld id="{BA05AF01-4F0E-4718-A4C1-DFCBB47EE5F2}" type="datetimeFigureOut">
               <a:rPr lang="en-US" smtClean="0"/>
-              <a:t>8/9/2021</a:t>
+              <a:t>8/23/2021</a:t>
             </a:fld>
             <a:endParaRPr lang="en-US"/>
           </a:p>
@@ -2260,7 +2260,7 @@
           <a:p>
             <a:fld id="{BA05AF01-4F0E-4718-A4C1-DFCBB47EE5F2}" type="datetimeFigureOut">
               <a:rPr lang="en-US" smtClean="0"/>
-              <a:t>8/9/2021</a:t>
+              <a:t>8/23/2021</a:t>
             </a:fld>
             <a:endParaRPr lang="en-US"/>
           </a:p>
@@ -2537,7 +2537,7 @@
           <a:p>
             <a:fld id="{BA05AF01-4F0E-4718-A4C1-DFCBB47EE5F2}" type="datetimeFigureOut">
               <a:rPr lang="en-US" smtClean="0"/>
-              <a:t>8/9/2021</a:t>
+              <a:t>8/23/2021</a:t>
             </a:fld>
             <a:endParaRPr lang="en-US"/>
           </a:p>
@@ -2794,7 +2794,7 @@
           <a:p>
             <a:fld id="{BA05AF01-4F0E-4718-A4C1-DFCBB47EE5F2}" type="datetimeFigureOut">
               <a:rPr lang="en-US" smtClean="0"/>
-              <a:t>8/9/2021</a:t>
+              <a:t>8/23/2021</a:t>
             </a:fld>
             <a:endParaRPr lang="en-US"/>
           </a:p>
@@ -3007,7 +3007,7 @@
           <a:p>
             <a:fld id="{BA05AF01-4F0E-4718-A4C1-DFCBB47EE5F2}" type="datetimeFigureOut">
               <a:rPr lang="en-US" smtClean="0"/>
-              <a:t>8/9/2021</a:t>
+              <a:t>8/23/2021</a:t>
             </a:fld>
             <a:endParaRPr lang="en-US"/>
           </a:p>
@@ -3927,7 +3927,7 @@
         </p:nvSpPr>
         <p:spPr>
           <a:xfrm>
-            <a:off x="47811" y="5254003"/>
+            <a:off x="14822" y="5095319"/>
             <a:ext cx="385042" cy="523220"/>
           </a:xfrm>
           <a:prstGeom prst="rect">
@@ -3936,7 +3936,7 @@
           <a:noFill/>
         </p:spPr>
         <p:txBody>
-          <a:bodyPr wrap="none" rtlCol="0">
+          <a:bodyPr wrap="square" rtlCol="0">
             <a:spAutoFit/>
           </a:bodyPr>
           <a:lstStyle/>
@@ -3946,7 +3946,7 @@
                 <a:latin typeface="Times New Roman" panose="02020603050405020304" pitchFamily="18" charset="0"/>
                 <a:cs typeface="Times New Roman" panose="02020603050405020304" pitchFamily="18" charset="0"/>
               </a:rPr>
-              <a:t>b</a:t>
+              <a:t>B</a:t>
             </a:r>
           </a:p>
         </p:txBody>
@@ -3965,8 +3965,8 @@
         </p:nvSpPr>
         <p:spPr>
           <a:xfrm>
-            <a:off x="3640083" y="5272473"/>
-            <a:ext cx="343364" cy="523220"/>
+            <a:off x="3585217" y="5117360"/>
+            <a:ext cx="444352" cy="523220"/>
           </a:xfrm>
           <a:prstGeom prst="rect">
             <a:avLst/>
@@ -3984,7 +3984,7 @@
                 <a:latin typeface="Times New Roman" panose="02020603050405020304" pitchFamily="18" charset="0"/>
                 <a:cs typeface="Times New Roman" panose="02020603050405020304" pitchFamily="18" charset="0"/>
               </a:rPr>
-              <a:t>c</a:t>
+              <a:t>C</a:t>
             </a:r>
           </a:p>
         </p:txBody>
@@ -4022,7 +4022,7 @@
                 <a:latin typeface="Times New Roman" panose="02020603050405020304" pitchFamily="18" charset="0"/>
                 <a:cs typeface="Times New Roman" panose="02020603050405020304" pitchFamily="18" charset="0"/>
               </a:rPr>
-              <a:t>a</a:t>
+              <a:t>A</a:t>
             </a:r>
           </a:p>
         </p:txBody>
@@ -4931,6 +4931,120 @@
                 <a:cs typeface="Times New Roman" panose="02020603050405020304" pitchFamily="18" charset="0"/>
               </a:rPr>
               <a:t>Ligand Type</a:t>
+            </a:r>
+          </a:p>
+        </p:txBody>
+      </p:sp>
+      <p:sp>
+        <p:nvSpPr>
+          <p:cNvPr id="46" name="TextBox 45">
+            <a:extLst>
+              <a:ext uri="{FF2B5EF4-FFF2-40B4-BE49-F238E27FC236}">
+                <a16:creationId xmlns:a16="http://schemas.microsoft.com/office/drawing/2014/main" id="{3E8FF862-00A5-4FF4-B8C3-66E1AB2CDC4A}"/>
+              </a:ext>
+            </a:extLst>
+          </p:cNvPr>
+          <p:cNvSpPr txBox="1"/>
+          <p:nvPr/>
+        </p:nvSpPr>
+        <p:spPr>
+          <a:xfrm>
+            <a:off x="9248614" y="5135197"/>
+            <a:ext cx="444352" cy="523220"/>
+          </a:xfrm>
+          <a:prstGeom prst="rect">
+            <a:avLst/>
+          </a:prstGeom>
+          <a:noFill/>
+        </p:spPr>
+        <p:txBody>
+          <a:bodyPr wrap="none" rtlCol="0">
+            <a:spAutoFit/>
+          </a:bodyPr>
+          <a:lstStyle/>
+          <a:p>
+            <a:r>
+              <a:rPr lang="en-US" sz="2800" b="1" dirty="0">
+                <a:latin typeface="Times New Roman" panose="02020603050405020304" pitchFamily="18" charset="0"/>
+                <a:cs typeface="Times New Roman" panose="02020603050405020304" pitchFamily="18" charset="0"/>
+              </a:rPr>
+              <a:t>D</a:t>
+            </a:r>
+          </a:p>
+        </p:txBody>
+      </p:sp>
+      <p:sp>
+        <p:nvSpPr>
+          <p:cNvPr id="47" name="TextBox 46">
+            <a:extLst>
+              <a:ext uri="{FF2B5EF4-FFF2-40B4-BE49-F238E27FC236}">
+                <a16:creationId xmlns:a16="http://schemas.microsoft.com/office/drawing/2014/main" id="{22EF8DB5-1EF9-4FA8-980A-615E98FEEE59}"/>
+              </a:ext>
+            </a:extLst>
+          </p:cNvPr>
+          <p:cNvSpPr txBox="1"/>
+          <p:nvPr/>
+        </p:nvSpPr>
+        <p:spPr>
+          <a:xfrm>
+            <a:off x="3664317" y="9502537"/>
+            <a:ext cx="423514" cy="523220"/>
+          </a:xfrm>
+          <a:prstGeom prst="rect">
+            <a:avLst/>
+          </a:prstGeom>
+          <a:noFill/>
+        </p:spPr>
+        <p:txBody>
+          <a:bodyPr wrap="none" rtlCol="0">
+            <a:spAutoFit/>
+          </a:bodyPr>
+          <a:lstStyle/>
+          <a:p>
+            <a:r>
+              <a:rPr lang="en-US" sz="2800" b="1" dirty="0">
+                <a:latin typeface="Times New Roman" panose="02020603050405020304" pitchFamily="18" charset="0"/>
+                <a:cs typeface="Times New Roman" panose="02020603050405020304" pitchFamily="18" charset="0"/>
+              </a:rPr>
+              <a:t>E</a:t>
+            </a:r>
+          </a:p>
+        </p:txBody>
+      </p:sp>
+      <p:sp>
+        <p:nvSpPr>
+          <p:cNvPr id="48" name="TextBox 47">
+            <a:extLst>
+              <a:ext uri="{FF2B5EF4-FFF2-40B4-BE49-F238E27FC236}">
+                <a16:creationId xmlns:a16="http://schemas.microsoft.com/office/drawing/2014/main" id="{1D4B13BD-E0B8-49E0-BA93-51D78B0BB6CB}"/>
+              </a:ext>
+            </a:extLst>
+          </p:cNvPr>
+          <p:cNvSpPr txBox="1"/>
+          <p:nvPr/>
+        </p:nvSpPr>
+        <p:spPr>
+          <a:xfrm>
+            <a:off x="9305815" y="9515333"/>
+            <a:ext cx="404278" cy="523220"/>
+          </a:xfrm>
+          <a:prstGeom prst="rect">
+            <a:avLst/>
+          </a:prstGeom>
+          <a:noFill/>
+        </p:spPr>
+        <p:txBody>
+          <a:bodyPr wrap="none" rtlCol="0">
+            <a:spAutoFit/>
+          </a:bodyPr>
+          <a:lstStyle/>
+          <a:p>
+            <a:r>
+              <a:rPr lang="en-US" sz="2800" b="1" dirty="0">
+                <a:latin typeface="Times New Roman" panose="02020603050405020304" pitchFamily="18" charset="0"/>
+                <a:cs typeface="Times New Roman" panose="02020603050405020304" pitchFamily="18" charset="0"/>
+              </a:rPr>
+              <a:t>F</a:t>
             </a:r>
           </a:p>
         </p:txBody>

--- a/Images/fig3.pptx
+++ b/Images/fig3.pptx
@@ -197,7 +197,7 @@
           <a:p>
             <a:fld id="{D34CEA9E-E5A5-49C8-A578-AF124664FEC0}" type="datetimeFigureOut">
               <a:rPr lang="en-US" smtClean="0"/>
-              <a:t>8/23/2021</a:t>
+              <a:t>9/23/2021</a:t>
             </a:fld>
             <a:endParaRPr lang="en-US"/>
           </a:p>
@@ -684,7 +684,7 @@
           <a:p>
             <a:fld id="{BA05AF01-4F0E-4718-A4C1-DFCBB47EE5F2}" type="datetimeFigureOut">
               <a:rPr lang="en-US" smtClean="0"/>
-              <a:t>8/23/2021</a:t>
+              <a:t>9/23/2021</a:t>
             </a:fld>
             <a:endParaRPr lang="en-US"/>
           </a:p>
@@ -854,7 +854,7 @@
           <a:p>
             <a:fld id="{BA05AF01-4F0E-4718-A4C1-DFCBB47EE5F2}" type="datetimeFigureOut">
               <a:rPr lang="en-US" smtClean="0"/>
-              <a:t>8/23/2021</a:t>
+              <a:t>9/23/2021</a:t>
             </a:fld>
             <a:endParaRPr lang="en-US"/>
           </a:p>
@@ -1034,7 +1034,7 @@
           <a:p>
             <a:fld id="{BA05AF01-4F0E-4718-A4C1-DFCBB47EE5F2}" type="datetimeFigureOut">
               <a:rPr lang="en-US" smtClean="0"/>
-              <a:t>8/23/2021</a:t>
+              <a:t>9/23/2021</a:t>
             </a:fld>
             <a:endParaRPr lang="en-US"/>
           </a:p>
@@ -1204,7 +1204,7 @@
           <a:p>
             <a:fld id="{BA05AF01-4F0E-4718-A4C1-DFCBB47EE5F2}" type="datetimeFigureOut">
               <a:rPr lang="en-US" smtClean="0"/>
-              <a:t>8/23/2021</a:t>
+              <a:t>9/23/2021</a:t>
             </a:fld>
             <a:endParaRPr lang="en-US"/>
           </a:p>
@@ -1448,7 +1448,7 @@
           <a:p>
             <a:fld id="{BA05AF01-4F0E-4718-A4C1-DFCBB47EE5F2}" type="datetimeFigureOut">
               <a:rPr lang="en-US" smtClean="0"/>
-              <a:t>8/23/2021</a:t>
+              <a:t>9/23/2021</a:t>
             </a:fld>
             <a:endParaRPr lang="en-US"/>
           </a:p>
@@ -1680,7 +1680,7 @@
           <a:p>
             <a:fld id="{BA05AF01-4F0E-4718-A4C1-DFCBB47EE5F2}" type="datetimeFigureOut">
               <a:rPr lang="en-US" smtClean="0"/>
-              <a:t>8/23/2021</a:t>
+              <a:t>9/23/2021</a:t>
             </a:fld>
             <a:endParaRPr lang="en-US"/>
           </a:p>
@@ -2047,7 +2047,7 @@
           <a:p>
             <a:fld id="{BA05AF01-4F0E-4718-A4C1-DFCBB47EE5F2}" type="datetimeFigureOut">
               <a:rPr lang="en-US" smtClean="0"/>
-              <a:t>8/23/2021</a:t>
+              <a:t>9/23/2021</a:t>
             </a:fld>
             <a:endParaRPr lang="en-US"/>
           </a:p>
@@ -2165,7 +2165,7 @@
           <a:p>
             <a:fld id="{BA05AF01-4F0E-4718-A4C1-DFCBB47EE5F2}" type="datetimeFigureOut">
               <a:rPr lang="en-US" smtClean="0"/>
-              <a:t>8/23/2021</a:t>
+              <a:t>9/23/2021</a:t>
             </a:fld>
             <a:endParaRPr lang="en-US"/>
           </a:p>
@@ -2260,7 +2260,7 @@
           <a:p>
             <a:fld id="{BA05AF01-4F0E-4718-A4C1-DFCBB47EE5F2}" type="datetimeFigureOut">
               <a:rPr lang="en-US" smtClean="0"/>
-              <a:t>8/23/2021</a:t>
+              <a:t>9/23/2021</a:t>
             </a:fld>
             <a:endParaRPr lang="en-US"/>
           </a:p>
@@ -2537,7 +2537,7 @@
           <a:p>
             <a:fld id="{BA05AF01-4F0E-4718-A4C1-DFCBB47EE5F2}" type="datetimeFigureOut">
               <a:rPr lang="en-US" smtClean="0"/>
-              <a:t>8/23/2021</a:t>
+              <a:t>9/23/2021</a:t>
             </a:fld>
             <a:endParaRPr lang="en-US"/>
           </a:p>
@@ -2794,7 +2794,7 @@
           <a:p>
             <a:fld id="{BA05AF01-4F0E-4718-A4C1-DFCBB47EE5F2}" type="datetimeFigureOut">
               <a:rPr lang="en-US" smtClean="0"/>
-              <a:t>8/23/2021</a:t>
+              <a:t>9/23/2021</a:t>
             </a:fld>
             <a:endParaRPr lang="en-US"/>
           </a:p>
@@ -3007,7 +3007,7 @@
           <a:p>
             <a:fld id="{BA05AF01-4F0E-4718-A4C1-DFCBB47EE5F2}" type="datetimeFigureOut">
               <a:rPr lang="en-US" smtClean="0"/>
-              <a:t>8/23/2021</a:t>
+              <a:t>9/23/2021</a:t>
             </a:fld>
             <a:endParaRPr lang="en-US"/>
           </a:p>
@@ -4027,42 +4027,6 @@
           </a:p>
         </p:txBody>
       </p:sp>
-      <p:pic>
-        <p:nvPicPr>
-          <p:cNvPr id="55" name="Picture 54" descr="Diagram&#10;&#10;Description automatically generated">
-            <a:extLst>
-              <a:ext uri="{FF2B5EF4-FFF2-40B4-BE49-F238E27FC236}">
-                <a16:creationId xmlns:a16="http://schemas.microsoft.com/office/drawing/2014/main" id="{839B9D02-BA80-42A9-9128-71B75A8B228F}"/>
-              </a:ext>
-            </a:extLst>
-          </p:cNvPr>
-          <p:cNvPicPr>
-            <a:picLocks noChangeAspect="1"/>
-          </p:cNvPicPr>
-          <p:nvPr/>
-        </p:nvPicPr>
-        <p:blipFill>
-          <a:blip r:embed="rId8">
-            <a:extLst>
-              <a:ext uri="{28A0092B-C50C-407E-A947-70E740481C1C}">
-                <a14:useLocalDpi xmlns:a14="http://schemas.microsoft.com/office/drawing/2010/main" val="0"/>
-              </a:ext>
-            </a:extLst>
-          </a:blip>
-          <a:stretch>
-            <a:fillRect/>
-          </a:stretch>
-        </p:blipFill>
-        <p:spPr>
-          <a:xfrm>
-            <a:off x="716361" y="643608"/>
-            <a:ext cx="14137073" cy="4277322"/>
-          </a:xfrm>
-          <a:prstGeom prst="rect">
-            <a:avLst/>
-          </a:prstGeom>
-        </p:spPr>
-      </p:pic>
       <p:sp>
         <p:nvSpPr>
           <p:cNvPr id="2" name="TextBox 1">
@@ -4323,8 +4287,8 @@
         </p:nvSpPr>
         <p:spPr>
           <a:xfrm rot="16200000">
-            <a:off x="8529578" y="7285182"/>
-            <a:ext cx="1973179" cy="307777"/>
+            <a:off x="8179681" y="7380165"/>
+            <a:ext cx="2641702" cy="307777"/>
           </a:xfrm>
           <a:prstGeom prst="rect">
             <a:avLst/>
@@ -4344,62 +4308,8 @@
                 <a:latin typeface="Times New Roman" panose="02020603050405020304" pitchFamily="18" charset="0"/>
                 <a:cs typeface="Times New Roman" panose="02020603050405020304" pitchFamily="18" charset="0"/>
               </a:rPr>
-              <a:t>Average Performance</a:t>
-            </a:r>
-          </a:p>
-        </p:txBody>
-      </p:sp>
-      <p:sp>
-        <p:nvSpPr>
-          <p:cNvPr id="27" name="Arrow: Right 26">
-            <a:extLst>
-              <a:ext uri="{FF2B5EF4-FFF2-40B4-BE49-F238E27FC236}">
-                <a16:creationId xmlns:a16="http://schemas.microsoft.com/office/drawing/2014/main" id="{0492B8FF-7A6F-43C3-88EB-3D822E67BCB6}"/>
-              </a:ext>
-            </a:extLst>
-          </p:cNvPr>
-          <p:cNvSpPr/>
-          <p:nvPr/>
-        </p:nvSpPr>
-        <p:spPr>
-          <a:xfrm>
-            <a:off x="9248614" y="6499373"/>
-            <a:ext cx="307778" cy="312356"/>
-          </a:xfrm>
-          <a:prstGeom prst="rightArrow">
-            <a:avLst/>
-          </a:prstGeom>
-          <a:noFill/>
-          <a:ln w="19050">
-            <a:solidFill>
-              <a:schemeClr val="accent6">
-                <a:lumMod val="75000"/>
-              </a:schemeClr>
-            </a:solidFill>
-          </a:ln>
-        </p:spPr>
-        <p:style>
-          <a:lnRef idx="2">
-            <a:schemeClr val="accent1">
-              <a:shade val="50000"/>
-            </a:schemeClr>
-          </a:lnRef>
-          <a:fillRef idx="1">
-            <a:schemeClr val="accent1"/>
-          </a:fillRef>
-          <a:effectRef idx="0">
-            <a:schemeClr val="accent1"/>
-          </a:effectRef>
-          <a:fontRef idx="minor">
-            <a:schemeClr val="lt1"/>
-          </a:fontRef>
-        </p:style>
-        <p:txBody>
-          <a:bodyPr rtlCol="0" anchor="ctr"/>
-          <a:lstStyle/>
-          <a:p>
-            <a:pPr algn="ctr"/>
-            <a:endParaRPr lang="en-US"/>
+              <a:t>Average Performance of VecNet</a:t>
+            </a:r>
           </a:p>
         </p:txBody>
       </p:sp>
@@ -5049,6 +4959,1411 @@
           </a:p>
         </p:txBody>
       </p:sp>
+      <p:cxnSp>
+        <p:nvCxnSpPr>
+          <p:cNvPr id="4" name="Straight Arrow Connector 3">
+            <a:extLst>
+              <a:ext uri="{FF2B5EF4-FFF2-40B4-BE49-F238E27FC236}">
+                <a16:creationId xmlns:a16="http://schemas.microsoft.com/office/drawing/2014/main" id="{EB11A17F-C40B-429D-BB9F-0009FF0DDBB9}"/>
+              </a:ext>
+            </a:extLst>
+          </p:cNvPr>
+          <p:cNvCxnSpPr>
+            <a:cxnSpLocks/>
+          </p:cNvCxnSpPr>
+          <p:nvPr/>
+        </p:nvCxnSpPr>
+        <p:spPr>
+          <a:xfrm>
+            <a:off x="9204626" y="6699228"/>
+            <a:ext cx="190865" cy="0"/>
+          </a:xfrm>
+          <a:prstGeom prst="straightConnector1">
+            <a:avLst/>
+          </a:prstGeom>
+          <a:ln w="19050">
+            <a:solidFill>
+              <a:srgbClr val="548235"/>
+            </a:solidFill>
+            <a:tailEnd type="triangle"/>
+          </a:ln>
+        </p:spPr>
+        <p:style>
+          <a:lnRef idx="1">
+            <a:schemeClr val="accent1"/>
+          </a:lnRef>
+          <a:fillRef idx="0">
+            <a:schemeClr val="accent1"/>
+          </a:fillRef>
+          <a:effectRef idx="0">
+            <a:schemeClr val="accent1"/>
+          </a:effectRef>
+          <a:fontRef idx="minor">
+            <a:schemeClr val="tx1"/>
+          </a:fontRef>
+        </p:style>
+      </p:cxnSp>
+      <p:grpSp>
+        <p:nvGrpSpPr>
+          <p:cNvPr id="50" name="Group 49">
+            <a:extLst>
+              <a:ext uri="{FF2B5EF4-FFF2-40B4-BE49-F238E27FC236}">
+                <a16:creationId xmlns:a16="http://schemas.microsoft.com/office/drawing/2014/main" id="{D7630B7B-2283-40DD-AB2A-0B91FC118A98}"/>
+              </a:ext>
+            </a:extLst>
+          </p:cNvPr>
+          <p:cNvGrpSpPr/>
+          <p:nvPr/>
+        </p:nvGrpSpPr>
+        <p:grpSpPr>
+          <a:xfrm>
+            <a:off x="1140526" y="380123"/>
+            <a:ext cx="13352693" cy="4637892"/>
+            <a:chOff x="0" y="638029"/>
+            <a:chExt cx="11612876" cy="4329183"/>
+          </a:xfrm>
+        </p:grpSpPr>
+        <p:sp>
+          <p:nvSpPr>
+            <p:cNvPr id="51" name="Rectangle: Rounded Corners 50">
+              <a:extLst>
+                <a:ext uri="{FF2B5EF4-FFF2-40B4-BE49-F238E27FC236}">
+                  <a16:creationId xmlns:a16="http://schemas.microsoft.com/office/drawing/2014/main" id="{F3E016D5-D6B3-4DD0-A954-157DCA48B4A0}"/>
+                </a:ext>
+              </a:extLst>
+            </p:cNvPr>
+            <p:cNvSpPr/>
+            <p:nvPr/>
+          </p:nvSpPr>
+          <p:spPr>
+            <a:xfrm>
+              <a:off x="1015039" y="638029"/>
+              <a:ext cx="1523995" cy="770020"/>
+            </a:xfrm>
+            <a:prstGeom prst="roundRect">
+              <a:avLst/>
+            </a:prstGeom>
+            <a:noFill/>
+            <a:ln>
+              <a:solidFill>
+                <a:schemeClr val="tx1"/>
+              </a:solidFill>
+            </a:ln>
+          </p:spPr>
+          <p:style>
+            <a:lnRef idx="0">
+              <a:scrgbClr r="0" g="0" b="0"/>
+            </a:lnRef>
+            <a:fillRef idx="0">
+              <a:scrgbClr r="0" g="0" b="0"/>
+            </a:fillRef>
+            <a:effectRef idx="0">
+              <a:scrgbClr r="0" g="0" b="0"/>
+            </a:effectRef>
+            <a:fontRef idx="minor">
+              <a:schemeClr val="lt1"/>
+            </a:fontRef>
+          </p:style>
+          <p:txBody>
+            <a:bodyPr rtlCol="0" anchor="ctr"/>
+            <a:lstStyle/>
+            <a:p>
+              <a:pPr algn="ctr"/>
+              <a:r>
+                <a:rPr lang="en-US" dirty="0">
+                  <a:solidFill>
+                    <a:schemeClr val="tx1"/>
+                  </a:solidFill>
+                  <a:latin typeface="Times New Roman" panose="02020603050405020304" pitchFamily="18" charset="0"/>
+                  <a:cs typeface="Times New Roman" panose="02020603050405020304" pitchFamily="18" charset="0"/>
+                </a:rPr>
+                <a:t>Drugs from DrugBank</a:t>
+              </a:r>
+            </a:p>
+          </p:txBody>
+        </p:sp>
+        <p:sp>
+          <p:nvSpPr>
+            <p:cNvPr id="52" name="Rectangle: Rounded Corners 51">
+              <a:extLst>
+                <a:ext uri="{FF2B5EF4-FFF2-40B4-BE49-F238E27FC236}">
+                  <a16:creationId xmlns:a16="http://schemas.microsoft.com/office/drawing/2014/main" id="{3671A2B0-9379-4F15-A6E5-1AFC4052E915}"/>
+                </a:ext>
+              </a:extLst>
+            </p:cNvPr>
+            <p:cNvSpPr/>
+            <p:nvPr/>
+          </p:nvSpPr>
+          <p:spPr>
+            <a:xfrm>
+              <a:off x="1010604" y="1509838"/>
+              <a:ext cx="1523993" cy="850231"/>
+            </a:xfrm>
+            <a:prstGeom prst="roundRect">
+              <a:avLst/>
+            </a:prstGeom>
+            <a:noFill/>
+            <a:ln>
+              <a:solidFill>
+                <a:schemeClr val="tx1"/>
+              </a:solidFill>
+            </a:ln>
+          </p:spPr>
+          <p:style>
+            <a:lnRef idx="0">
+              <a:scrgbClr r="0" g="0" b="0"/>
+            </a:lnRef>
+            <a:fillRef idx="0">
+              <a:scrgbClr r="0" g="0" b="0"/>
+            </a:fillRef>
+            <a:effectRef idx="0">
+              <a:scrgbClr r="0" g="0" b="0"/>
+            </a:effectRef>
+            <a:fontRef idx="minor">
+              <a:schemeClr val="lt1"/>
+            </a:fontRef>
+          </p:style>
+          <p:txBody>
+            <a:bodyPr rtlCol="0" anchor="ctr"/>
+            <a:lstStyle/>
+            <a:p>
+              <a:pPr algn="ctr"/>
+              <a:r>
+                <a:rPr lang="en-US" dirty="0">
+                  <a:solidFill>
+                    <a:schemeClr val="tx1"/>
+                  </a:solidFill>
+                  <a:latin typeface="Times New Roman" panose="02020603050405020304" pitchFamily="18" charset="0"/>
+                  <a:cs typeface="Times New Roman" panose="02020603050405020304" pitchFamily="18" charset="0"/>
+                </a:rPr>
+                <a:t>Natural Compounds from NCFD</a:t>
+              </a:r>
+            </a:p>
+          </p:txBody>
+        </p:sp>
+        <p:sp>
+          <p:nvSpPr>
+            <p:cNvPr id="53" name="Rectangle: Rounded Corners 52">
+              <a:extLst>
+                <a:ext uri="{FF2B5EF4-FFF2-40B4-BE49-F238E27FC236}">
+                  <a16:creationId xmlns:a16="http://schemas.microsoft.com/office/drawing/2014/main" id="{8AB8278A-C747-4799-8A69-8AF597EB0DF4}"/>
+                </a:ext>
+              </a:extLst>
+            </p:cNvPr>
+            <p:cNvSpPr/>
+            <p:nvPr/>
+          </p:nvSpPr>
+          <p:spPr>
+            <a:xfrm>
+              <a:off x="1015039" y="3065545"/>
+              <a:ext cx="1549079" cy="770020"/>
+            </a:xfrm>
+            <a:prstGeom prst="roundRect">
+              <a:avLst/>
+            </a:prstGeom>
+            <a:noFill/>
+            <a:ln>
+              <a:solidFill>
+                <a:schemeClr val="tx1"/>
+              </a:solidFill>
+            </a:ln>
+          </p:spPr>
+          <p:style>
+            <a:lnRef idx="0">
+              <a:scrgbClr r="0" g="0" b="0"/>
+            </a:lnRef>
+            <a:fillRef idx="0">
+              <a:scrgbClr r="0" g="0" b="0"/>
+            </a:fillRef>
+            <a:effectRef idx="0">
+              <a:scrgbClr r="0" g="0" b="0"/>
+            </a:effectRef>
+            <a:fontRef idx="minor">
+              <a:schemeClr val="lt1"/>
+            </a:fontRef>
+          </p:style>
+          <p:txBody>
+            <a:bodyPr rtlCol="0" anchor="ctr"/>
+            <a:lstStyle/>
+            <a:p>
+              <a:pPr algn="ctr"/>
+              <a:r>
+                <a:rPr lang="en-US" dirty="0">
+                  <a:solidFill>
+                    <a:schemeClr val="tx1"/>
+                  </a:solidFill>
+                  <a:latin typeface="Times New Roman" panose="02020603050405020304" pitchFamily="18" charset="0"/>
+                  <a:cs typeface="Times New Roman" panose="02020603050405020304" pitchFamily="18" charset="0"/>
+                </a:rPr>
+                <a:t>Novel Protein Targets</a:t>
+              </a:r>
+            </a:p>
+          </p:txBody>
+        </p:sp>
+        <p:cxnSp>
+          <p:nvCxnSpPr>
+            <p:cNvPr id="54" name="Straight Arrow Connector 53">
+              <a:extLst>
+                <a:ext uri="{FF2B5EF4-FFF2-40B4-BE49-F238E27FC236}">
+                  <a16:creationId xmlns:a16="http://schemas.microsoft.com/office/drawing/2014/main" id="{10FFE111-C3D5-4428-B8D4-17302ED0DCD5}"/>
+                </a:ext>
+              </a:extLst>
+            </p:cNvPr>
+            <p:cNvCxnSpPr>
+              <a:cxnSpLocks/>
+              <a:stCxn id="51" idx="3"/>
+              <a:endCxn id="63" idx="1"/>
+            </p:cNvCxnSpPr>
+            <p:nvPr/>
+          </p:nvCxnSpPr>
+          <p:spPr>
+            <a:xfrm>
+              <a:off x="2539034" y="1023039"/>
+              <a:ext cx="431625" cy="508085"/>
+            </a:xfrm>
+            <a:prstGeom prst="straightConnector1">
+              <a:avLst/>
+            </a:prstGeom>
+            <a:ln>
+              <a:solidFill>
+                <a:schemeClr val="tx1"/>
+              </a:solidFill>
+              <a:tailEnd type="triangle"/>
+            </a:ln>
+          </p:spPr>
+          <p:style>
+            <a:lnRef idx="1">
+              <a:schemeClr val="accent1"/>
+            </a:lnRef>
+            <a:fillRef idx="0">
+              <a:schemeClr val="accent1"/>
+            </a:fillRef>
+            <a:effectRef idx="0">
+              <a:schemeClr val="accent1"/>
+            </a:effectRef>
+            <a:fontRef idx="minor">
+              <a:schemeClr val="tx1"/>
+            </a:fontRef>
+          </p:style>
+        </p:cxnSp>
+        <p:cxnSp>
+          <p:nvCxnSpPr>
+            <p:cNvPr id="56" name="Straight Arrow Connector 55">
+              <a:extLst>
+                <a:ext uri="{FF2B5EF4-FFF2-40B4-BE49-F238E27FC236}">
+                  <a16:creationId xmlns:a16="http://schemas.microsoft.com/office/drawing/2014/main" id="{4DF2A576-7916-4CAB-A0E1-B4E42C60826B}"/>
+                </a:ext>
+              </a:extLst>
+            </p:cNvPr>
+            <p:cNvCxnSpPr>
+              <a:cxnSpLocks/>
+              <a:stCxn id="52" idx="3"/>
+              <a:endCxn id="63" idx="1"/>
+            </p:cNvCxnSpPr>
+            <p:nvPr/>
+          </p:nvCxnSpPr>
+          <p:spPr>
+            <a:xfrm flipV="1">
+              <a:off x="2534597" y="1531124"/>
+              <a:ext cx="436062" cy="403830"/>
+            </a:xfrm>
+            <a:prstGeom prst="straightConnector1">
+              <a:avLst/>
+            </a:prstGeom>
+            <a:ln>
+              <a:solidFill>
+                <a:schemeClr val="tx1"/>
+              </a:solidFill>
+              <a:tailEnd type="triangle"/>
+            </a:ln>
+          </p:spPr>
+          <p:style>
+            <a:lnRef idx="1">
+              <a:schemeClr val="accent1"/>
+            </a:lnRef>
+            <a:fillRef idx="0">
+              <a:schemeClr val="accent1"/>
+            </a:fillRef>
+            <a:effectRef idx="0">
+              <a:schemeClr val="accent1"/>
+            </a:effectRef>
+            <a:fontRef idx="minor">
+              <a:schemeClr val="tx1"/>
+            </a:fontRef>
+          </p:style>
+        </p:cxnSp>
+        <p:cxnSp>
+          <p:nvCxnSpPr>
+            <p:cNvPr id="57" name="Straight Arrow Connector 56">
+              <a:extLst>
+                <a:ext uri="{FF2B5EF4-FFF2-40B4-BE49-F238E27FC236}">
+                  <a16:creationId xmlns:a16="http://schemas.microsoft.com/office/drawing/2014/main" id="{726F516C-1393-4169-946B-1EB2E0C9DB5E}"/>
+                </a:ext>
+              </a:extLst>
+            </p:cNvPr>
+            <p:cNvCxnSpPr>
+              <a:cxnSpLocks/>
+              <a:stCxn id="63" idx="3"/>
+            </p:cNvCxnSpPr>
+            <p:nvPr/>
+          </p:nvCxnSpPr>
+          <p:spPr>
+            <a:xfrm>
+              <a:off x="4494655" y="1531124"/>
+              <a:ext cx="406520" cy="457200"/>
+            </a:xfrm>
+            <a:prstGeom prst="straightConnector1">
+              <a:avLst/>
+            </a:prstGeom>
+            <a:ln>
+              <a:solidFill>
+                <a:schemeClr val="tx1"/>
+              </a:solidFill>
+              <a:tailEnd type="triangle"/>
+            </a:ln>
+          </p:spPr>
+          <p:style>
+            <a:lnRef idx="1">
+              <a:schemeClr val="accent1"/>
+            </a:lnRef>
+            <a:fillRef idx="0">
+              <a:schemeClr val="accent1"/>
+            </a:fillRef>
+            <a:effectRef idx="0">
+              <a:schemeClr val="accent1"/>
+            </a:effectRef>
+            <a:fontRef idx="minor">
+              <a:schemeClr val="tx1"/>
+            </a:fontRef>
+          </p:style>
+        </p:cxnSp>
+        <p:cxnSp>
+          <p:nvCxnSpPr>
+            <p:cNvPr id="58" name="Straight Arrow Connector 57">
+              <a:extLst>
+                <a:ext uri="{FF2B5EF4-FFF2-40B4-BE49-F238E27FC236}">
+                  <a16:creationId xmlns:a16="http://schemas.microsoft.com/office/drawing/2014/main" id="{684DE8C3-FE51-4675-AEA3-1CCAC6C89627}"/>
+                </a:ext>
+              </a:extLst>
+            </p:cNvPr>
+            <p:cNvCxnSpPr>
+              <a:cxnSpLocks/>
+              <a:stCxn id="53" idx="3"/>
+              <a:endCxn id="64" idx="1"/>
+            </p:cNvCxnSpPr>
+            <p:nvPr/>
+          </p:nvCxnSpPr>
+          <p:spPr>
+            <a:xfrm>
+              <a:off x="2564118" y="3450555"/>
+              <a:ext cx="342264" cy="0"/>
+            </a:xfrm>
+            <a:prstGeom prst="straightConnector1">
+              <a:avLst/>
+            </a:prstGeom>
+            <a:ln>
+              <a:solidFill>
+                <a:schemeClr val="tx1"/>
+              </a:solidFill>
+              <a:tailEnd type="triangle"/>
+            </a:ln>
+          </p:spPr>
+          <p:style>
+            <a:lnRef idx="1">
+              <a:schemeClr val="accent1"/>
+            </a:lnRef>
+            <a:fillRef idx="0">
+              <a:schemeClr val="accent1"/>
+            </a:fillRef>
+            <a:effectRef idx="0">
+              <a:schemeClr val="accent1"/>
+            </a:effectRef>
+            <a:fontRef idx="minor">
+              <a:schemeClr val="tx1"/>
+            </a:fontRef>
+          </p:style>
+        </p:cxnSp>
+        <p:sp>
+          <p:nvSpPr>
+            <p:cNvPr id="59" name="Rectangle: Rounded Corners 58">
+              <a:extLst>
+                <a:ext uri="{FF2B5EF4-FFF2-40B4-BE49-F238E27FC236}">
+                  <a16:creationId xmlns:a16="http://schemas.microsoft.com/office/drawing/2014/main" id="{A00B9F74-7CC6-4F80-A55D-31DE035DBE26}"/>
+                </a:ext>
+              </a:extLst>
+            </p:cNvPr>
+            <p:cNvSpPr/>
+            <p:nvPr/>
+          </p:nvSpPr>
+          <p:spPr>
+            <a:xfrm>
+              <a:off x="10504324" y="2249059"/>
+              <a:ext cx="1108552" cy="593534"/>
+            </a:xfrm>
+            <a:prstGeom prst="roundRect">
+              <a:avLst/>
+            </a:prstGeom>
+            <a:noFill/>
+            <a:ln w="9525" cap="flat" cmpd="sng" algn="ctr">
+              <a:solidFill>
+                <a:schemeClr val="tx1"/>
+              </a:solidFill>
+              <a:prstDash val="solid"/>
+              <a:round/>
+              <a:headEnd type="none" w="med" len="med"/>
+              <a:tailEnd type="none" w="med" len="med"/>
+            </a:ln>
+          </p:spPr>
+          <p:style>
+            <a:lnRef idx="0">
+              <a:scrgbClr r="0" g="0" b="0"/>
+            </a:lnRef>
+            <a:fillRef idx="0">
+              <a:scrgbClr r="0" g="0" b="0"/>
+            </a:fillRef>
+            <a:effectRef idx="0">
+              <a:scrgbClr r="0" g="0" b="0"/>
+            </a:effectRef>
+            <a:fontRef idx="minor">
+              <a:schemeClr val="accent6"/>
+            </a:fontRef>
+          </p:style>
+          <p:txBody>
+            <a:bodyPr rtlCol="0" anchor="ctr"/>
+            <a:lstStyle/>
+            <a:p>
+              <a:pPr algn="ctr"/>
+              <a:r>
+                <a:rPr lang="en-US" dirty="0">
+                  <a:solidFill>
+                    <a:schemeClr val="tx1"/>
+                  </a:solidFill>
+                  <a:latin typeface="Times New Roman" panose="02020603050405020304" pitchFamily="18" charset="0"/>
+                  <a:cs typeface="Times New Roman" panose="02020603050405020304" pitchFamily="18" charset="0"/>
+                </a:rPr>
+                <a:t>Potential Ligands</a:t>
+              </a:r>
+            </a:p>
+          </p:txBody>
+        </p:sp>
+        <p:pic>
+          <p:nvPicPr>
+            <p:cNvPr id="60" name="Picture 59">
+              <a:extLst>
+                <a:ext uri="{FF2B5EF4-FFF2-40B4-BE49-F238E27FC236}">
+                  <a16:creationId xmlns:a16="http://schemas.microsoft.com/office/drawing/2014/main" id="{C43A0CA4-8CDA-4600-8733-393757952DDE}"/>
+                </a:ext>
+              </a:extLst>
+            </p:cNvPr>
+            <p:cNvPicPr>
+              <a:picLocks noChangeAspect="1"/>
+            </p:cNvPicPr>
+            <p:nvPr/>
+          </p:nvPicPr>
+          <p:blipFill>
+            <a:blip r:embed="rId8"/>
+            <a:stretch>
+              <a:fillRect/>
+            </a:stretch>
+          </p:blipFill>
+          <p:spPr>
+            <a:xfrm>
+              <a:off x="0" y="1151205"/>
+              <a:ext cx="977523" cy="745783"/>
+            </a:xfrm>
+            <a:prstGeom prst="rect">
+              <a:avLst/>
+            </a:prstGeom>
+          </p:spPr>
+        </p:pic>
+        <p:pic>
+          <p:nvPicPr>
+            <p:cNvPr id="61" name="Picture 60">
+              <a:extLst>
+                <a:ext uri="{FF2B5EF4-FFF2-40B4-BE49-F238E27FC236}">
+                  <a16:creationId xmlns:a16="http://schemas.microsoft.com/office/drawing/2014/main" id="{1D5C0EA1-FAE1-4C72-B501-71F1CB0E9A8D}"/>
+                </a:ext>
+              </a:extLst>
+            </p:cNvPr>
+            <p:cNvPicPr>
+              <a:picLocks noChangeAspect="1"/>
+            </p:cNvPicPr>
+            <p:nvPr/>
+          </p:nvPicPr>
+          <p:blipFill>
+            <a:blip r:embed="rId9"/>
+            <a:stretch>
+              <a:fillRect/>
+            </a:stretch>
+          </p:blipFill>
+          <p:spPr>
+            <a:xfrm>
+              <a:off x="15992" y="2927689"/>
+              <a:ext cx="961532" cy="1153971"/>
+            </a:xfrm>
+            <a:prstGeom prst="rect">
+              <a:avLst/>
+            </a:prstGeom>
+          </p:spPr>
+        </p:pic>
+        <p:pic>
+          <p:nvPicPr>
+            <p:cNvPr id="62" name="Picture 61">
+              <a:extLst>
+                <a:ext uri="{FF2B5EF4-FFF2-40B4-BE49-F238E27FC236}">
+                  <a16:creationId xmlns:a16="http://schemas.microsoft.com/office/drawing/2014/main" id="{BFF1A4D1-4EE7-44D2-B19D-1C343C3DF462}"/>
+                </a:ext>
+              </a:extLst>
+            </p:cNvPr>
+            <p:cNvPicPr>
+              <a:picLocks noChangeAspect="1"/>
+            </p:cNvPicPr>
+            <p:nvPr/>
+          </p:nvPicPr>
+          <p:blipFill>
+            <a:blip r:embed="rId10"/>
+            <a:stretch>
+              <a:fillRect/>
+            </a:stretch>
+          </p:blipFill>
+          <p:spPr>
+            <a:xfrm>
+              <a:off x="10504324" y="845607"/>
+              <a:ext cx="1108552" cy="1347552"/>
+            </a:xfrm>
+            <a:prstGeom prst="rect">
+              <a:avLst/>
+            </a:prstGeom>
+          </p:spPr>
+        </p:pic>
+        <p:sp>
+          <p:nvSpPr>
+            <p:cNvPr id="63" name="Rectangle: Rounded Corners 62">
+              <a:extLst>
+                <a:ext uri="{FF2B5EF4-FFF2-40B4-BE49-F238E27FC236}">
+                  <a16:creationId xmlns:a16="http://schemas.microsoft.com/office/drawing/2014/main" id="{90156FC3-62BD-4762-9E8F-72A23E4F1BAE}"/>
+                </a:ext>
+              </a:extLst>
+            </p:cNvPr>
+            <p:cNvSpPr/>
+            <p:nvPr/>
+          </p:nvSpPr>
+          <p:spPr>
+            <a:xfrm>
+              <a:off x="2970659" y="1073924"/>
+              <a:ext cx="1523996" cy="914400"/>
+            </a:xfrm>
+            <a:prstGeom prst="roundRect">
+              <a:avLst/>
+            </a:prstGeom>
+            <a:noFill/>
+            <a:ln w="3175">
+              <a:solidFill>
+                <a:schemeClr val="tx1"/>
+              </a:solidFill>
+            </a:ln>
+          </p:spPr>
+          <p:style>
+            <a:lnRef idx="2">
+              <a:schemeClr val="accent1">
+                <a:shade val="50000"/>
+              </a:schemeClr>
+            </a:lnRef>
+            <a:fillRef idx="1">
+              <a:schemeClr val="accent1"/>
+            </a:fillRef>
+            <a:effectRef idx="0">
+              <a:schemeClr val="accent1"/>
+            </a:effectRef>
+            <a:fontRef idx="minor">
+              <a:schemeClr val="lt1"/>
+            </a:fontRef>
+          </p:style>
+          <p:txBody>
+            <a:bodyPr rtlCol="0" anchor="ctr"/>
+            <a:lstStyle/>
+            <a:p>
+              <a:pPr algn="ctr"/>
+              <a:r>
+                <a:rPr lang="en-US" dirty="0">
+                  <a:solidFill>
+                    <a:schemeClr val="tx1"/>
+                  </a:solidFill>
+                  <a:latin typeface="Times New Roman" panose="02020603050405020304" pitchFamily="18" charset="0"/>
+                  <a:cs typeface="Times New Roman" panose="02020603050405020304" pitchFamily="18" charset="0"/>
+                </a:rPr>
+                <a:t>Pre-trained Chemical Embeddings</a:t>
+              </a:r>
+            </a:p>
+          </p:txBody>
+        </p:sp>
+        <p:sp>
+          <p:nvSpPr>
+            <p:cNvPr id="64" name="Rectangle: Rounded Corners 63">
+              <a:extLst>
+                <a:ext uri="{FF2B5EF4-FFF2-40B4-BE49-F238E27FC236}">
+                  <a16:creationId xmlns:a16="http://schemas.microsoft.com/office/drawing/2014/main" id="{37AA8FAC-26A8-42C7-B723-44417C739D23}"/>
+                </a:ext>
+              </a:extLst>
+            </p:cNvPr>
+            <p:cNvSpPr/>
+            <p:nvPr/>
+          </p:nvSpPr>
+          <p:spPr>
+            <a:xfrm>
+              <a:off x="2906382" y="2993355"/>
+              <a:ext cx="1523996" cy="914400"/>
+            </a:xfrm>
+            <a:prstGeom prst="roundRect">
+              <a:avLst/>
+            </a:prstGeom>
+            <a:noFill/>
+            <a:ln w="3175">
+              <a:solidFill>
+                <a:schemeClr val="tx1"/>
+              </a:solidFill>
+            </a:ln>
+          </p:spPr>
+          <p:style>
+            <a:lnRef idx="2">
+              <a:schemeClr val="accent1">
+                <a:shade val="50000"/>
+              </a:schemeClr>
+            </a:lnRef>
+            <a:fillRef idx="1">
+              <a:schemeClr val="accent1"/>
+            </a:fillRef>
+            <a:effectRef idx="0">
+              <a:schemeClr val="accent1"/>
+            </a:effectRef>
+            <a:fontRef idx="minor">
+              <a:schemeClr val="lt1"/>
+            </a:fontRef>
+          </p:style>
+          <p:txBody>
+            <a:bodyPr rtlCol="0" anchor="ctr"/>
+            <a:lstStyle/>
+            <a:p>
+              <a:pPr algn="ctr"/>
+              <a:r>
+                <a:rPr lang="en-US" dirty="0">
+                  <a:solidFill>
+                    <a:schemeClr val="tx1"/>
+                  </a:solidFill>
+                  <a:latin typeface="Times New Roman" panose="02020603050405020304" pitchFamily="18" charset="0"/>
+                  <a:cs typeface="Times New Roman" panose="02020603050405020304" pitchFamily="18" charset="0"/>
+                </a:rPr>
+                <a:t>Pre-trained Protein Embeddings</a:t>
+              </a:r>
+            </a:p>
+          </p:txBody>
+        </p:sp>
+        <p:sp>
+          <p:nvSpPr>
+            <p:cNvPr id="65" name="Rectangle: Rounded Corners 64">
+              <a:extLst>
+                <a:ext uri="{FF2B5EF4-FFF2-40B4-BE49-F238E27FC236}">
+                  <a16:creationId xmlns:a16="http://schemas.microsoft.com/office/drawing/2014/main" id="{7FED84ED-FD28-4981-A67A-DF7D13BAF45A}"/>
+                </a:ext>
+              </a:extLst>
+            </p:cNvPr>
+            <p:cNvSpPr/>
+            <p:nvPr/>
+          </p:nvSpPr>
+          <p:spPr>
+            <a:xfrm>
+              <a:off x="4843328" y="1896240"/>
+              <a:ext cx="1938458" cy="1355557"/>
+            </a:xfrm>
+            <a:prstGeom prst="roundRect">
+              <a:avLst/>
+            </a:prstGeom>
+            <a:noFill/>
+            <a:ln w="3175">
+              <a:solidFill>
+                <a:schemeClr val="tx1"/>
+              </a:solidFill>
+            </a:ln>
+          </p:spPr>
+          <p:style>
+            <a:lnRef idx="2">
+              <a:schemeClr val="accent1">
+                <a:shade val="50000"/>
+              </a:schemeClr>
+            </a:lnRef>
+            <a:fillRef idx="1">
+              <a:schemeClr val="accent1"/>
+            </a:fillRef>
+            <a:effectRef idx="0">
+              <a:schemeClr val="accent1"/>
+            </a:effectRef>
+            <a:fontRef idx="minor">
+              <a:schemeClr val="lt1"/>
+            </a:fontRef>
+          </p:style>
+          <p:txBody>
+            <a:bodyPr rtlCol="0" anchor="ctr"/>
+            <a:lstStyle/>
+            <a:p>
+              <a:pPr algn="ctr"/>
+              <a:r>
+                <a:rPr lang="en-US" dirty="0">
+                  <a:solidFill>
+                    <a:schemeClr val="tx1"/>
+                  </a:solidFill>
+                  <a:latin typeface="Times New Roman" panose="02020603050405020304" pitchFamily="18" charset="0"/>
+                  <a:cs typeface="Times New Roman" panose="02020603050405020304" pitchFamily="18" charset="0"/>
+                </a:rPr>
+                <a:t>Neural Network trained on Network-Derived Negatives</a:t>
+              </a:r>
+            </a:p>
+          </p:txBody>
+        </p:sp>
+        <p:cxnSp>
+          <p:nvCxnSpPr>
+            <p:cNvPr id="66" name="Straight Arrow Connector 65">
+              <a:extLst>
+                <a:ext uri="{FF2B5EF4-FFF2-40B4-BE49-F238E27FC236}">
+                  <a16:creationId xmlns:a16="http://schemas.microsoft.com/office/drawing/2014/main" id="{0CBEC940-495B-41A9-BDB8-ED73A7FBFE58}"/>
+                </a:ext>
+              </a:extLst>
+            </p:cNvPr>
+            <p:cNvCxnSpPr>
+              <a:cxnSpLocks/>
+            </p:cNvCxnSpPr>
+            <p:nvPr/>
+          </p:nvCxnSpPr>
+          <p:spPr>
+            <a:xfrm flipV="1">
+              <a:off x="4416860" y="3075291"/>
+              <a:ext cx="449559" cy="404302"/>
+            </a:xfrm>
+            <a:prstGeom prst="straightConnector1">
+              <a:avLst/>
+            </a:prstGeom>
+            <a:ln>
+              <a:solidFill>
+                <a:schemeClr val="tx1"/>
+              </a:solidFill>
+              <a:tailEnd type="triangle"/>
+            </a:ln>
+          </p:spPr>
+          <p:style>
+            <a:lnRef idx="1">
+              <a:schemeClr val="accent1"/>
+            </a:lnRef>
+            <a:fillRef idx="0">
+              <a:schemeClr val="accent1"/>
+            </a:fillRef>
+            <a:effectRef idx="0">
+              <a:schemeClr val="accent1"/>
+            </a:effectRef>
+            <a:fontRef idx="minor">
+              <a:schemeClr val="tx1"/>
+            </a:fontRef>
+          </p:style>
+        </p:cxnSp>
+        <p:sp>
+          <p:nvSpPr>
+            <p:cNvPr id="67" name="Flowchart: Decision 66">
+              <a:extLst>
+                <a:ext uri="{FF2B5EF4-FFF2-40B4-BE49-F238E27FC236}">
+                  <a16:creationId xmlns:a16="http://schemas.microsoft.com/office/drawing/2014/main" id="{4809463A-5E2B-4A47-9B08-177C5DD6EC4D}"/>
+                </a:ext>
+              </a:extLst>
+            </p:cNvPr>
+            <p:cNvSpPr/>
+            <p:nvPr/>
+          </p:nvSpPr>
+          <p:spPr>
+            <a:xfrm>
+              <a:off x="6970294" y="1893028"/>
+              <a:ext cx="1523995" cy="1355558"/>
+            </a:xfrm>
+            <a:prstGeom prst="flowChartDecision">
+              <a:avLst/>
+            </a:prstGeom>
+            <a:noFill/>
+            <a:ln w="3175">
+              <a:solidFill>
+                <a:schemeClr val="tx1"/>
+              </a:solidFill>
+            </a:ln>
+          </p:spPr>
+          <p:style>
+            <a:lnRef idx="2">
+              <a:schemeClr val="accent1">
+                <a:shade val="50000"/>
+              </a:schemeClr>
+            </a:lnRef>
+            <a:fillRef idx="1">
+              <a:schemeClr val="accent1"/>
+            </a:fillRef>
+            <a:effectRef idx="0">
+              <a:schemeClr val="accent1"/>
+            </a:effectRef>
+            <a:fontRef idx="minor">
+              <a:schemeClr val="lt1"/>
+            </a:fontRef>
+          </p:style>
+          <p:txBody>
+            <a:bodyPr rtlCol="0" anchor="ctr"/>
+            <a:lstStyle/>
+            <a:p>
+              <a:pPr algn="ctr"/>
+              <a:r>
+                <a:rPr lang="en-US" dirty="0">
+                  <a:solidFill>
+                    <a:schemeClr val="tx1"/>
+                  </a:solidFill>
+                  <a:latin typeface="Times New Roman" panose="02020603050405020304" pitchFamily="18" charset="0"/>
+                  <a:cs typeface="Times New Roman" panose="02020603050405020304" pitchFamily="18" charset="0"/>
+                </a:rPr>
+                <a:t>Select top-N pairs</a:t>
+              </a:r>
+            </a:p>
+          </p:txBody>
+        </p:sp>
+        <p:cxnSp>
+          <p:nvCxnSpPr>
+            <p:cNvPr id="68" name="Straight Arrow Connector 67">
+              <a:extLst>
+                <a:ext uri="{FF2B5EF4-FFF2-40B4-BE49-F238E27FC236}">
+                  <a16:creationId xmlns:a16="http://schemas.microsoft.com/office/drawing/2014/main" id="{1721C1E7-ED9C-4CEF-9254-EB9EABB14111}"/>
+                </a:ext>
+              </a:extLst>
+            </p:cNvPr>
+            <p:cNvCxnSpPr>
+              <a:cxnSpLocks/>
+              <a:stCxn id="65" idx="3"/>
+              <a:endCxn id="67" idx="1"/>
+            </p:cNvCxnSpPr>
+            <p:nvPr/>
+          </p:nvCxnSpPr>
+          <p:spPr>
+            <a:xfrm flipV="1">
+              <a:off x="6781786" y="2570807"/>
+              <a:ext cx="188508" cy="3212"/>
+            </a:xfrm>
+            <a:prstGeom prst="straightConnector1">
+              <a:avLst/>
+            </a:prstGeom>
+            <a:ln>
+              <a:solidFill>
+                <a:schemeClr val="tx1"/>
+              </a:solidFill>
+              <a:tailEnd type="triangle"/>
+            </a:ln>
+          </p:spPr>
+          <p:style>
+            <a:lnRef idx="1">
+              <a:schemeClr val="accent1"/>
+            </a:lnRef>
+            <a:fillRef idx="0">
+              <a:schemeClr val="accent1"/>
+            </a:fillRef>
+            <a:effectRef idx="0">
+              <a:schemeClr val="accent1"/>
+            </a:effectRef>
+            <a:fontRef idx="minor">
+              <a:schemeClr val="tx1"/>
+            </a:fontRef>
+          </p:style>
+        </p:cxnSp>
+        <p:sp>
+          <p:nvSpPr>
+            <p:cNvPr id="69" name="Rectangle: Rounded Corners 68">
+              <a:extLst>
+                <a:ext uri="{FF2B5EF4-FFF2-40B4-BE49-F238E27FC236}">
+                  <a16:creationId xmlns:a16="http://schemas.microsoft.com/office/drawing/2014/main" id="{244ED1DB-38E3-476A-9FA4-E3A8F7BB1A14}"/>
+                </a:ext>
+              </a:extLst>
+            </p:cNvPr>
+            <p:cNvSpPr/>
+            <p:nvPr/>
+          </p:nvSpPr>
+          <p:spPr>
+            <a:xfrm>
+              <a:off x="8659732" y="1952000"/>
+              <a:ext cx="1523995" cy="1236042"/>
+            </a:xfrm>
+            <a:prstGeom prst="roundRect">
+              <a:avLst/>
+            </a:prstGeom>
+            <a:noFill/>
+            <a:ln w="3175">
+              <a:solidFill>
+                <a:schemeClr val="tx1"/>
+              </a:solidFill>
+            </a:ln>
+          </p:spPr>
+          <p:style>
+            <a:lnRef idx="2">
+              <a:schemeClr val="accent1">
+                <a:shade val="50000"/>
+              </a:schemeClr>
+            </a:lnRef>
+            <a:fillRef idx="1">
+              <a:schemeClr val="accent1"/>
+            </a:fillRef>
+            <a:effectRef idx="0">
+              <a:schemeClr val="accent1"/>
+            </a:effectRef>
+            <a:fontRef idx="minor">
+              <a:schemeClr val="lt1"/>
+            </a:fontRef>
+          </p:style>
+          <p:txBody>
+            <a:bodyPr rtlCol="0" anchor="ctr"/>
+            <a:lstStyle/>
+            <a:p>
+              <a:pPr algn="ctr"/>
+              <a:r>
+                <a:rPr lang="en-US" dirty="0">
+                  <a:solidFill>
+                    <a:schemeClr val="tx1"/>
+                  </a:solidFill>
+                  <a:latin typeface="Times New Roman" panose="02020603050405020304" pitchFamily="18" charset="0"/>
+                  <a:cs typeface="Times New Roman" panose="02020603050405020304" pitchFamily="18" charset="0"/>
+                </a:rPr>
+                <a:t>Blind Auto Docking and Thresholding</a:t>
+              </a:r>
+            </a:p>
+          </p:txBody>
+        </p:sp>
+        <p:cxnSp>
+          <p:nvCxnSpPr>
+            <p:cNvPr id="70" name="Straight Arrow Connector 69">
+              <a:extLst>
+                <a:ext uri="{FF2B5EF4-FFF2-40B4-BE49-F238E27FC236}">
+                  <a16:creationId xmlns:a16="http://schemas.microsoft.com/office/drawing/2014/main" id="{A7A50AF3-732A-4E65-A67E-F6BEEA641781}"/>
+                </a:ext>
+              </a:extLst>
+            </p:cNvPr>
+            <p:cNvCxnSpPr>
+              <a:cxnSpLocks/>
+              <a:stCxn id="67" idx="3"/>
+              <a:endCxn id="69" idx="1"/>
+            </p:cNvCxnSpPr>
+            <p:nvPr/>
+          </p:nvCxnSpPr>
+          <p:spPr>
+            <a:xfrm flipV="1">
+              <a:off x="8494289" y="2570021"/>
+              <a:ext cx="165443" cy="786"/>
+            </a:xfrm>
+            <a:prstGeom prst="straightConnector1">
+              <a:avLst/>
+            </a:prstGeom>
+            <a:ln>
+              <a:solidFill>
+                <a:schemeClr val="tx1"/>
+              </a:solidFill>
+              <a:tailEnd type="triangle"/>
+            </a:ln>
+          </p:spPr>
+          <p:style>
+            <a:lnRef idx="1">
+              <a:schemeClr val="accent1"/>
+            </a:lnRef>
+            <a:fillRef idx="0">
+              <a:schemeClr val="accent1"/>
+            </a:fillRef>
+            <a:effectRef idx="0">
+              <a:schemeClr val="accent1"/>
+            </a:effectRef>
+            <a:fontRef idx="minor">
+              <a:schemeClr val="tx1"/>
+            </a:fontRef>
+          </p:style>
+        </p:cxnSp>
+        <p:cxnSp>
+          <p:nvCxnSpPr>
+            <p:cNvPr id="71" name="Straight Arrow Connector 70">
+              <a:extLst>
+                <a:ext uri="{FF2B5EF4-FFF2-40B4-BE49-F238E27FC236}">
+                  <a16:creationId xmlns:a16="http://schemas.microsoft.com/office/drawing/2014/main" id="{6B37855C-3203-44D5-A664-3358304114F0}"/>
+                </a:ext>
+              </a:extLst>
+            </p:cNvPr>
+            <p:cNvCxnSpPr>
+              <a:cxnSpLocks/>
+              <a:endCxn id="59" idx="1"/>
+            </p:cNvCxnSpPr>
+            <p:nvPr/>
+          </p:nvCxnSpPr>
+          <p:spPr>
+            <a:xfrm>
+              <a:off x="10183727" y="2545826"/>
+              <a:ext cx="320597" cy="0"/>
+            </a:xfrm>
+            <a:prstGeom prst="straightConnector1">
+              <a:avLst/>
+            </a:prstGeom>
+            <a:ln>
+              <a:solidFill>
+                <a:schemeClr val="tx1"/>
+              </a:solidFill>
+              <a:tailEnd type="triangle"/>
+            </a:ln>
+          </p:spPr>
+          <p:style>
+            <a:lnRef idx="1">
+              <a:schemeClr val="accent1"/>
+            </a:lnRef>
+            <a:fillRef idx="0">
+              <a:schemeClr val="accent1"/>
+            </a:fillRef>
+            <a:effectRef idx="0">
+              <a:schemeClr val="accent1"/>
+            </a:effectRef>
+            <a:fontRef idx="minor">
+              <a:schemeClr val="tx1"/>
+            </a:fontRef>
+          </p:style>
+        </p:cxnSp>
+        <p:sp>
+          <p:nvSpPr>
+            <p:cNvPr id="72" name="TextBox 71">
+              <a:extLst>
+                <a:ext uri="{FF2B5EF4-FFF2-40B4-BE49-F238E27FC236}">
+                  <a16:creationId xmlns:a16="http://schemas.microsoft.com/office/drawing/2014/main" id="{E279F4B8-A2BE-43B6-B877-59BB8610A3AD}"/>
+                </a:ext>
+              </a:extLst>
+            </p:cNvPr>
+            <p:cNvSpPr txBox="1"/>
+            <p:nvPr/>
+          </p:nvSpPr>
+          <p:spPr>
+            <a:xfrm>
+              <a:off x="2725551" y="2011925"/>
+              <a:ext cx="2127377" cy="461665"/>
+            </a:xfrm>
+            <a:prstGeom prst="rect">
+              <a:avLst/>
+            </a:prstGeom>
+            <a:noFill/>
+          </p:spPr>
+          <p:txBody>
+            <a:bodyPr wrap="none" rtlCol="0">
+              <a:spAutoFit/>
+            </a:bodyPr>
+            <a:lstStyle/>
+            <a:p>
+              <a:r>
+                <a:rPr lang="en-US" sz="1200" i="1" dirty="0">
+                  <a:latin typeface="Times New Roman" panose="02020603050405020304" pitchFamily="18" charset="0"/>
+                  <a:cs typeface="Times New Roman" panose="02020603050405020304" pitchFamily="18" charset="0"/>
+                </a:rPr>
+                <a:t>e.g., Mol2vec, VAE embedding</a:t>
+              </a:r>
+            </a:p>
+            <a:p>
+              <a:r>
+                <a:rPr lang="en-US" sz="1200" i="1" dirty="0">
+                  <a:latin typeface="Times New Roman" panose="02020603050405020304" pitchFamily="18" charset="0"/>
+                  <a:cs typeface="Times New Roman" panose="02020603050405020304" pitchFamily="18" charset="0"/>
+                </a:rPr>
+                <a:t>Siamese embedding</a:t>
+              </a:r>
+            </a:p>
+          </p:txBody>
+        </p:sp>
+        <p:sp>
+          <p:nvSpPr>
+            <p:cNvPr id="73" name="TextBox 72">
+              <a:extLst>
+                <a:ext uri="{FF2B5EF4-FFF2-40B4-BE49-F238E27FC236}">
+                  <a16:creationId xmlns:a16="http://schemas.microsoft.com/office/drawing/2014/main" id="{C8A39B68-2AA3-4949-A904-3276638CF624}"/>
+                </a:ext>
+              </a:extLst>
+            </p:cNvPr>
+            <p:cNvSpPr txBox="1"/>
+            <p:nvPr/>
+          </p:nvSpPr>
+          <p:spPr>
+            <a:xfrm>
+              <a:off x="2717530" y="3928871"/>
+              <a:ext cx="2288383" cy="461665"/>
+            </a:xfrm>
+            <a:prstGeom prst="rect">
+              <a:avLst/>
+            </a:prstGeom>
+            <a:noFill/>
+          </p:spPr>
+          <p:txBody>
+            <a:bodyPr wrap="none" rtlCol="0">
+              <a:spAutoFit/>
+            </a:bodyPr>
+            <a:lstStyle/>
+            <a:p>
+              <a:r>
+                <a:rPr lang="en-US" sz="1200" i="1" dirty="0">
+                  <a:latin typeface="Times New Roman" panose="02020603050405020304" pitchFamily="18" charset="0"/>
+                  <a:cs typeface="Times New Roman" panose="02020603050405020304" pitchFamily="18" charset="0"/>
+                </a:rPr>
+                <a:t>e.g., ProtVec, Siamese embedding</a:t>
+              </a:r>
+            </a:p>
+            <a:p>
+              <a:endParaRPr lang="en-US" sz="1200" i="1" dirty="0">
+                <a:latin typeface="Times New Roman" panose="02020603050405020304" pitchFamily="18" charset="0"/>
+                <a:cs typeface="Times New Roman" panose="02020603050405020304" pitchFamily="18" charset="0"/>
+              </a:endParaRPr>
+            </a:p>
+          </p:txBody>
+        </p:sp>
+        <p:sp>
+          <p:nvSpPr>
+            <p:cNvPr id="74" name="TextBox 73">
+              <a:extLst>
+                <a:ext uri="{FF2B5EF4-FFF2-40B4-BE49-F238E27FC236}">
+                  <a16:creationId xmlns:a16="http://schemas.microsoft.com/office/drawing/2014/main" id="{FFBBEE41-A870-4185-B4C9-5E779B7743E7}"/>
+                </a:ext>
+              </a:extLst>
+            </p:cNvPr>
+            <p:cNvSpPr txBox="1"/>
+            <p:nvPr/>
+          </p:nvSpPr>
+          <p:spPr>
+            <a:xfrm>
+              <a:off x="4811176" y="3188042"/>
+              <a:ext cx="2561214" cy="276999"/>
+            </a:xfrm>
+            <a:prstGeom prst="rect">
+              <a:avLst/>
+            </a:prstGeom>
+            <a:noFill/>
+          </p:spPr>
+          <p:txBody>
+            <a:bodyPr wrap="none" rtlCol="0">
+              <a:spAutoFit/>
+            </a:bodyPr>
+            <a:lstStyle/>
+            <a:p>
+              <a:r>
+                <a:rPr lang="en-US" sz="1200" i="1" dirty="0">
+                  <a:latin typeface="Times New Roman" panose="02020603050405020304" pitchFamily="18" charset="0"/>
+                  <a:cs typeface="Times New Roman" panose="02020603050405020304" pitchFamily="18" charset="0"/>
+                </a:rPr>
+                <a:t>e.g., VecNet, VAENet, Siamese Model</a:t>
+              </a:r>
+            </a:p>
+          </p:txBody>
+        </p:sp>
+        <p:sp>
+          <p:nvSpPr>
+            <p:cNvPr id="75" name="TextBox 74">
+              <a:extLst>
+                <a:ext uri="{FF2B5EF4-FFF2-40B4-BE49-F238E27FC236}">
+                  <a16:creationId xmlns:a16="http://schemas.microsoft.com/office/drawing/2014/main" id="{FFCE8083-A875-42CA-AEDF-3F93AE962A45}"/>
+                </a:ext>
+              </a:extLst>
+            </p:cNvPr>
+            <p:cNvSpPr txBox="1"/>
+            <p:nvPr/>
+          </p:nvSpPr>
+          <p:spPr>
+            <a:xfrm>
+              <a:off x="8582259" y="3190431"/>
+              <a:ext cx="1922065" cy="646331"/>
+            </a:xfrm>
+            <a:prstGeom prst="rect">
+              <a:avLst/>
+            </a:prstGeom>
+            <a:noFill/>
+          </p:spPr>
+          <p:txBody>
+            <a:bodyPr wrap="square" rtlCol="0">
+              <a:spAutoFit/>
+            </a:bodyPr>
+            <a:lstStyle/>
+            <a:p>
+              <a:r>
+                <a:rPr lang="en-US" sz="1200" i="1" dirty="0">
+                  <a:latin typeface="Times New Roman" panose="02020603050405020304" pitchFamily="18" charset="0"/>
+                  <a:cs typeface="Times New Roman" panose="02020603050405020304" pitchFamily="18" charset="0"/>
+                </a:rPr>
+                <a:t>Pairs with binding affinity less than -1.75 kcal/mole are selected</a:t>
+              </a:r>
+            </a:p>
+          </p:txBody>
+        </p:sp>
+        <p:sp>
+          <p:nvSpPr>
+            <p:cNvPr id="76" name="Left Brace 75">
+              <a:extLst>
+                <a:ext uri="{FF2B5EF4-FFF2-40B4-BE49-F238E27FC236}">
+                  <a16:creationId xmlns:a16="http://schemas.microsoft.com/office/drawing/2014/main" id="{23A7CAFF-B190-42D4-9339-26E1D2504ED5}"/>
+                </a:ext>
+              </a:extLst>
+            </p:cNvPr>
+            <p:cNvSpPr/>
+            <p:nvPr/>
+          </p:nvSpPr>
+          <p:spPr>
+            <a:xfrm rot="16200000">
+              <a:off x="3515651" y="3481732"/>
+              <a:ext cx="388570" cy="1975958"/>
+            </a:xfrm>
+            <a:prstGeom prst="leftBrace">
+              <a:avLst/>
+            </a:prstGeom>
+            <a:ln>
+              <a:solidFill>
+                <a:schemeClr val="tx1"/>
+              </a:solidFill>
+            </a:ln>
+          </p:spPr>
+          <p:style>
+            <a:lnRef idx="1">
+              <a:schemeClr val="accent1"/>
+            </a:lnRef>
+            <a:fillRef idx="0">
+              <a:schemeClr val="accent1"/>
+            </a:fillRef>
+            <a:effectRef idx="0">
+              <a:schemeClr val="accent1"/>
+            </a:effectRef>
+            <a:fontRef idx="minor">
+              <a:schemeClr val="tx1"/>
+            </a:fontRef>
+          </p:style>
+          <p:txBody>
+            <a:bodyPr rtlCol="0" anchor="ctr"/>
+            <a:lstStyle/>
+            <a:p>
+              <a:pPr algn="ctr"/>
+              <a:endParaRPr lang="en-US"/>
+            </a:p>
+          </p:txBody>
+        </p:sp>
+        <p:sp>
+          <p:nvSpPr>
+            <p:cNvPr id="77" name="Left Brace 76">
+              <a:extLst>
+                <a:ext uri="{FF2B5EF4-FFF2-40B4-BE49-F238E27FC236}">
+                  <a16:creationId xmlns:a16="http://schemas.microsoft.com/office/drawing/2014/main" id="{7670E122-2771-40C0-A7B4-DC493DF6070E}"/>
+                </a:ext>
+              </a:extLst>
+            </p:cNvPr>
+            <p:cNvSpPr/>
+            <p:nvPr/>
+          </p:nvSpPr>
+          <p:spPr>
+            <a:xfrm rot="16200000">
+              <a:off x="5739858" y="3499012"/>
+              <a:ext cx="388570" cy="1975958"/>
+            </a:xfrm>
+            <a:prstGeom prst="leftBrace">
+              <a:avLst/>
+            </a:prstGeom>
+            <a:ln>
+              <a:solidFill>
+                <a:schemeClr val="tx1"/>
+              </a:solidFill>
+            </a:ln>
+          </p:spPr>
+          <p:style>
+            <a:lnRef idx="1">
+              <a:schemeClr val="accent1"/>
+            </a:lnRef>
+            <a:fillRef idx="0">
+              <a:schemeClr val="accent1"/>
+            </a:fillRef>
+            <a:effectRef idx="0">
+              <a:schemeClr val="accent1"/>
+            </a:effectRef>
+            <a:fontRef idx="minor">
+              <a:schemeClr val="tx1"/>
+            </a:fontRef>
+          </p:style>
+          <p:txBody>
+            <a:bodyPr rtlCol="0" anchor="ctr"/>
+            <a:lstStyle/>
+            <a:p>
+              <a:pPr algn="ctr"/>
+              <a:endParaRPr lang="en-US"/>
+            </a:p>
+          </p:txBody>
+        </p:sp>
+        <p:sp>
+          <p:nvSpPr>
+            <p:cNvPr id="78" name="TextBox 77">
+              <a:extLst>
+                <a:ext uri="{FF2B5EF4-FFF2-40B4-BE49-F238E27FC236}">
+                  <a16:creationId xmlns:a16="http://schemas.microsoft.com/office/drawing/2014/main" id="{A0454310-BB7C-4FB0-B0B3-DD5FD1D91569}"/>
+                </a:ext>
+              </a:extLst>
+            </p:cNvPr>
+            <p:cNvSpPr txBox="1"/>
+            <p:nvPr/>
+          </p:nvSpPr>
+          <p:spPr>
+            <a:xfrm>
+              <a:off x="2823846" y="4690213"/>
+              <a:ext cx="1930785" cy="276999"/>
+            </a:xfrm>
+            <a:prstGeom prst="rect">
+              <a:avLst/>
+            </a:prstGeom>
+            <a:noFill/>
+          </p:spPr>
+          <p:txBody>
+            <a:bodyPr wrap="none" rtlCol="0">
+              <a:spAutoFit/>
+            </a:bodyPr>
+            <a:lstStyle/>
+            <a:p>
+              <a:r>
+                <a:rPr lang="en-US" sz="1200" b="1" dirty="0">
+                  <a:latin typeface="Times New Roman" panose="02020603050405020304" pitchFamily="18" charset="0"/>
+                  <a:cs typeface="Times New Roman" panose="02020603050405020304" pitchFamily="18" charset="0"/>
+                </a:rPr>
+                <a:t>Unsupervised Pre-training</a:t>
+              </a:r>
+            </a:p>
+          </p:txBody>
+        </p:sp>
+        <p:sp>
+          <p:nvSpPr>
+            <p:cNvPr id="79" name="TextBox 78">
+              <a:extLst>
+                <a:ext uri="{FF2B5EF4-FFF2-40B4-BE49-F238E27FC236}">
+                  <a16:creationId xmlns:a16="http://schemas.microsoft.com/office/drawing/2014/main" id="{10CFC081-72FE-4624-9AD1-5E72AB115E24}"/>
+                </a:ext>
+              </a:extLst>
+            </p:cNvPr>
+            <p:cNvSpPr txBox="1"/>
+            <p:nvPr/>
+          </p:nvSpPr>
+          <p:spPr>
+            <a:xfrm>
+              <a:off x="5221705" y="4690213"/>
+              <a:ext cx="1556836" cy="276999"/>
+            </a:xfrm>
+            <a:prstGeom prst="rect">
+              <a:avLst/>
+            </a:prstGeom>
+            <a:noFill/>
+          </p:spPr>
+          <p:txBody>
+            <a:bodyPr wrap="none" rtlCol="0">
+              <a:spAutoFit/>
+            </a:bodyPr>
+            <a:lstStyle/>
+            <a:p>
+              <a:r>
+                <a:rPr lang="en-US" sz="1200" b="1" dirty="0">
+                  <a:latin typeface="Times New Roman" panose="02020603050405020304" pitchFamily="18" charset="0"/>
+                  <a:cs typeface="Times New Roman" panose="02020603050405020304" pitchFamily="18" charset="0"/>
+                </a:rPr>
+                <a:t>Supervised Learning</a:t>
+              </a:r>
+            </a:p>
+          </p:txBody>
+        </p:sp>
+      </p:grpSp>
     </p:spTree>
     <p:extLst>
       <p:ext uri="{BB962C8B-B14F-4D97-AF65-F5344CB8AC3E}">

--- a/Images/fig3.pptx
+++ b/Images/fig3.pptx
@@ -2,7 +2,7 @@
 <file path=ppt/presentation.xml><?xml version="1.0" encoding="utf-8"?>
 <p:presentation xmlns:a="http://schemas.openxmlformats.org/drawingml/2006/main" xmlns:r="http://schemas.openxmlformats.org/officeDocument/2006/relationships" xmlns:p="http://schemas.openxmlformats.org/presentationml/2006/main" saveSubsetFonts="1">
   <p:sldMasterIdLst>
-    <p:sldMasterId id="2147483780" r:id="rId1"/>
+    <p:sldMasterId id="2147483840" r:id="rId1"/>
   </p:sldMasterIdLst>
   <p:notesMasterIdLst>
     <p:notesMasterId r:id="rId3"/>
@@ -10,7 +10,7 @@
   <p:sldIdLst>
     <p:sldId id="256" r:id="rId2"/>
   </p:sldIdLst>
-  <p:sldSz cx="15087600" cy="14630400"/>
+  <p:sldSz cx="13716000" cy="15544800"/>
   <p:notesSz cx="6858000" cy="9144000"/>
   <p:defaultTextStyle>
     <a:defPPr>
@@ -197,7 +197,7 @@
           <a:p>
             <a:fld id="{D34CEA9E-E5A5-49C8-A578-AF124664FEC0}" type="datetimeFigureOut">
               <a:rPr lang="en-US" smtClean="0"/>
-              <a:t>9/23/2021</a:t>
+              <a:t>11/9/2021</a:t>
             </a:fld>
             <a:endParaRPr lang="en-US"/>
           </a:p>
@@ -215,8 +215,8 @@
         </p:nvSpPr>
         <p:spPr>
           <a:xfrm>
-            <a:off x="1838325" y="1143000"/>
-            <a:ext cx="3181350" cy="3086100"/>
+            <a:off x="2068513" y="1143000"/>
+            <a:ext cx="2720975" cy="3086100"/>
           </a:xfrm>
           <a:prstGeom prst="rect">
             <a:avLst/>
@@ -493,8 +493,8 @@
         </p:nvSpPr>
         <p:spPr>
           <a:xfrm>
-            <a:off x="1838325" y="1143000"/>
-            <a:ext cx="3181350" cy="3086100"/>
+            <a:off x="2068513" y="1143000"/>
+            <a:ext cx="2720975" cy="3086100"/>
           </a:xfrm>
         </p:spPr>
       </p:sp>
@@ -582,15 +582,15 @@
         </p:nvSpPr>
         <p:spPr>
           <a:xfrm>
-            <a:off x="1131570" y="2394374"/>
-            <a:ext cx="12824460" cy="5093547"/>
+            <a:off x="1028700" y="2544023"/>
+            <a:ext cx="11658600" cy="5411893"/>
           </a:xfrm>
         </p:spPr>
         <p:txBody>
           <a:bodyPr anchor="b"/>
           <a:lstStyle>
             <a:lvl1pPr algn="ctr">
-              <a:defRPr sz="9900"/>
+              <a:defRPr sz="9000"/>
             </a:lvl1pPr>
           </a:lstStyle>
           <a:p>
@@ -614,8 +614,8 @@
         </p:nvSpPr>
         <p:spPr>
           <a:xfrm>
-            <a:off x="1885950" y="7684348"/>
-            <a:ext cx="11315700" cy="3532292"/>
+            <a:off x="1714500" y="8164619"/>
+            <a:ext cx="10287000" cy="3753061"/>
           </a:xfrm>
         </p:spPr>
         <p:txBody>
@@ -623,39 +623,39 @@
           <a:lstStyle>
             <a:lvl1pPr marL="0" indent="0" algn="ctr">
               <a:buNone/>
-              <a:defRPr sz="3960"/>
+              <a:defRPr sz="3600"/>
             </a:lvl1pPr>
-            <a:lvl2pPr marL="754380" indent="0" algn="ctr">
+            <a:lvl2pPr marL="685800" indent="0" algn="ctr">
               <a:buNone/>
-              <a:defRPr sz="3300"/>
+              <a:defRPr sz="3000"/>
             </a:lvl2pPr>
-            <a:lvl3pPr marL="1508760" indent="0" algn="ctr">
+            <a:lvl3pPr marL="1371600" indent="0" algn="ctr">
               <a:buNone/>
-              <a:defRPr sz="2970"/>
+              <a:defRPr sz="2700"/>
             </a:lvl3pPr>
-            <a:lvl4pPr marL="2263140" indent="0" algn="ctr">
+            <a:lvl4pPr marL="2057400" indent="0" algn="ctr">
               <a:buNone/>
-              <a:defRPr sz="2640"/>
+              <a:defRPr sz="2400"/>
             </a:lvl4pPr>
-            <a:lvl5pPr marL="3017520" indent="0" algn="ctr">
+            <a:lvl5pPr marL="2743200" indent="0" algn="ctr">
               <a:buNone/>
-              <a:defRPr sz="2640"/>
+              <a:defRPr sz="2400"/>
             </a:lvl5pPr>
-            <a:lvl6pPr marL="3771900" indent="0" algn="ctr">
+            <a:lvl6pPr marL="3429000" indent="0" algn="ctr">
               <a:buNone/>
-              <a:defRPr sz="2640"/>
+              <a:defRPr sz="2400"/>
             </a:lvl6pPr>
-            <a:lvl7pPr marL="4526280" indent="0" algn="ctr">
+            <a:lvl7pPr marL="4114800" indent="0" algn="ctr">
               <a:buNone/>
-              <a:defRPr sz="2640"/>
+              <a:defRPr sz="2400"/>
             </a:lvl7pPr>
-            <a:lvl8pPr marL="5280660" indent="0" algn="ctr">
+            <a:lvl8pPr marL="4800600" indent="0" algn="ctr">
               <a:buNone/>
-              <a:defRPr sz="2640"/>
+              <a:defRPr sz="2400"/>
             </a:lvl8pPr>
-            <a:lvl9pPr marL="6035040" indent="0" algn="ctr">
+            <a:lvl9pPr marL="5486400" indent="0" algn="ctr">
               <a:buNone/>
-              <a:defRPr sz="2640"/>
+              <a:defRPr sz="2400"/>
             </a:lvl9pPr>
           </a:lstStyle>
           <a:p>
@@ -684,7 +684,7 @@
           <a:p>
             <a:fld id="{BA05AF01-4F0E-4718-A4C1-DFCBB47EE5F2}" type="datetimeFigureOut">
               <a:rPr lang="en-US" smtClean="0"/>
-              <a:t>9/23/2021</a:t>
+              <a:t>11/9/2021</a:t>
             </a:fld>
             <a:endParaRPr lang="en-US"/>
           </a:p>
@@ -735,7 +735,7 @@
     </p:spTree>
     <p:extLst>
       <p:ext uri="{BB962C8B-B14F-4D97-AF65-F5344CB8AC3E}">
-        <p14:creationId xmlns:p14="http://schemas.microsoft.com/office/powerpoint/2010/main" val="3816803182"/>
+        <p14:creationId xmlns:p14="http://schemas.microsoft.com/office/powerpoint/2010/main" val="448627885"/>
       </p:ext>
     </p:extLst>
   </p:cSld>
@@ -854,7 +854,7 @@
           <a:p>
             <a:fld id="{BA05AF01-4F0E-4718-A4C1-DFCBB47EE5F2}" type="datetimeFigureOut">
               <a:rPr lang="en-US" smtClean="0"/>
-              <a:t>9/23/2021</a:t>
+              <a:t>11/9/2021</a:t>
             </a:fld>
             <a:endParaRPr lang="en-US"/>
           </a:p>
@@ -905,7 +905,7 @@
     </p:spTree>
     <p:extLst>
       <p:ext uri="{BB962C8B-B14F-4D97-AF65-F5344CB8AC3E}">
-        <p14:creationId xmlns:p14="http://schemas.microsoft.com/office/powerpoint/2010/main" val="972669064"/>
+        <p14:creationId xmlns:p14="http://schemas.microsoft.com/office/powerpoint/2010/main" val="779796582"/>
       </p:ext>
     </p:extLst>
   </p:cSld>
@@ -944,8 +944,8 @@
         </p:nvSpPr>
         <p:spPr>
           <a:xfrm>
-            <a:off x="10797064" y="778933"/>
-            <a:ext cx="3253264" cy="12398588"/>
+            <a:off x="9815513" y="827617"/>
+            <a:ext cx="2957513" cy="13173499"/>
           </a:xfrm>
         </p:spPr>
         <p:txBody>
@@ -972,8 +972,8 @@
         </p:nvSpPr>
         <p:spPr>
           <a:xfrm>
-            <a:off x="1037273" y="778933"/>
-            <a:ext cx="9571196" cy="12398588"/>
+            <a:off x="942976" y="827617"/>
+            <a:ext cx="8701088" cy="13173499"/>
           </a:xfrm>
         </p:spPr>
         <p:txBody>
@@ -1034,7 +1034,7 @@
           <a:p>
             <a:fld id="{BA05AF01-4F0E-4718-A4C1-DFCBB47EE5F2}" type="datetimeFigureOut">
               <a:rPr lang="en-US" smtClean="0"/>
-              <a:t>9/23/2021</a:t>
+              <a:t>11/9/2021</a:t>
             </a:fld>
             <a:endParaRPr lang="en-US"/>
           </a:p>
@@ -1085,7 +1085,7 @@
     </p:spTree>
     <p:extLst>
       <p:ext uri="{BB962C8B-B14F-4D97-AF65-F5344CB8AC3E}">
-        <p14:creationId xmlns:p14="http://schemas.microsoft.com/office/powerpoint/2010/main" val="2149096285"/>
+        <p14:creationId xmlns:p14="http://schemas.microsoft.com/office/powerpoint/2010/main" val="287823736"/>
       </p:ext>
     </p:extLst>
   </p:cSld>
@@ -1204,7 +1204,7 @@
           <a:p>
             <a:fld id="{BA05AF01-4F0E-4718-A4C1-DFCBB47EE5F2}" type="datetimeFigureOut">
               <a:rPr lang="en-US" smtClean="0"/>
-              <a:t>9/23/2021</a:t>
+              <a:t>11/9/2021</a:t>
             </a:fld>
             <a:endParaRPr lang="en-US"/>
           </a:p>
@@ -1255,7 +1255,7 @@
     </p:spTree>
     <p:extLst>
       <p:ext uri="{BB962C8B-B14F-4D97-AF65-F5344CB8AC3E}">
-        <p14:creationId xmlns:p14="http://schemas.microsoft.com/office/powerpoint/2010/main" val="3568581056"/>
+        <p14:creationId xmlns:p14="http://schemas.microsoft.com/office/powerpoint/2010/main" val="3500283950"/>
       </p:ext>
     </p:extLst>
   </p:cSld>
@@ -1294,15 +1294,15 @@
         </p:nvSpPr>
         <p:spPr>
           <a:xfrm>
-            <a:off x="1029415" y="3647444"/>
-            <a:ext cx="13013055" cy="6085839"/>
+            <a:off x="935832" y="3875409"/>
+            <a:ext cx="11830050" cy="6466204"/>
           </a:xfrm>
         </p:spPr>
         <p:txBody>
           <a:bodyPr anchor="b"/>
           <a:lstStyle>
             <a:lvl1pPr>
-              <a:defRPr sz="9900"/>
+              <a:defRPr sz="9000"/>
             </a:lvl1pPr>
           </a:lstStyle>
           <a:p>
@@ -1326,8 +1326,8 @@
         </p:nvSpPr>
         <p:spPr>
           <a:xfrm>
-            <a:off x="1029415" y="9790858"/>
-            <a:ext cx="13013055" cy="3200399"/>
+            <a:off x="935832" y="10402786"/>
+            <a:ext cx="11830050" cy="3400424"/>
           </a:xfrm>
         </p:spPr>
         <p:txBody>
@@ -1335,15 +1335,15 @@
           <a:lstStyle>
             <a:lvl1pPr marL="0" indent="0">
               <a:buNone/>
-              <a:defRPr sz="3960">
+              <a:defRPr sz="3600">
                 <a:solidFill>
                   <a:schemeClr val="tx1"/>
                 </a:solidFill>
               </a:defRPr>
             </a:lvl1pPr>
-            <a:lvl2pPr marL="754380" indent="0">
+            <a:lvl2pPr marL="685800" indent="0">
               <a:buNone/>
-              <a:defRPr sz="3300">
+              <a:defRPr sz="3000">
                 <a:solidFill>
                   <a:schemeClr val="tx1">
                     <a:tint val="75000"/>
@@ -1351,9 +1351,9 @@
                 </a:solidFill>
               </a:defRPr>
             </a:lvl2pPr>
-            <a:lvl3pPr marL="1508760" indent="0">
+            <a:lvl3pPr marL="1371600" indent="0">
               <a:buNone/>
-              <a:defRPr sz="2970">
+              <a:defRPr sz="2700">
                 <a:solidFill>
                   <a:schemeClr val="tx1">
                     <a:tint val="75000"/>
@@ -1361,9 +1361,9 @@
                 </a:solidFill>
               </a:defRPr>
             </a:lvl3pPr>
-            <a:lvl4pPr marL="2263140" indent="0">
+            <a:lvl4pPr marL="2057400" indent="0">
               <a:buNone/>
-              <a:defRPr sz="2640">
+              <a:defRPr sz="2400">
                 <a:solidFill>
                   <a:schemeClr val="tx1">
                     <a:tint val="75000"/>
@@ -1371,9 +1371,9 @@
                 </a:solidFill>
               </a:defRPr>
             </a:lvl4pPr>
-            <a:lvl5pPr marL="3017520" indent="0">
+            <a:lvl5pPr marL="2743200" indent="0">
               <a:buNone/>
-              <a:defRPr sz="2640">
+              <a:defRPr sz="2400">
                 <a:solidFill>
                   <a:schemeClr val="tx1">
                     <a:tint val="75000"/>
@@ -1381,9 +1381,9 @@
                 </a:solidFill>
               </a:defRPr>
             </a:lvl5pPr>
-            <a:lvl6pPr marL="3771900" indent="0">
+            <a:lvl6pPr marL="3429000" indent="0">
               <a:buNone/>
-              <a:defRPr sz="2640">
+              <a:defRPr sz="2400">
                 <a:solidFill>
                   <a:schemeClr val="tx1">
                     <a:tint val="75000"/>
@@ -1391,9 +1391,9 @@
                 </a:solidFill>
               </a:defRPr>
             </a:lvl6pPr>
-            <a:lvl7pPr marL="4526280" indent="0">
+            <a:lvl7pPr marL="4114800" indent="0">
               <a:buNone/>
-              <a:defRPr sz="2640">
+              <a:defRPr sz="2400">
                 <a:solidFill>
                   <a:schemeClr val="tx1">
                     <a:tint val="75000"/>
@@ -1401,9 +1401,9 @@
                 </a:solidFill>
               </a:defRPr>
             </a:lvl7pPr>
-            <a:lvl8pPr marL="5280660" indent="0">
+            <a:lvl8pPr marL="4800600" indent="0">
               <a:buNone/>
-              <a:defRPr sz="2640">
+              <a:defRPr sz="2400">
                 <a:solidFill>
                   <a:schemeClr val="tx1">
                     <a:tint val="75000"/>
@@ -1411,9 +1411,9 @@
                 </a:solidFill>
               </a:defRPr>
             </a:lvl8pPr>
-            <a:lvl9pPr marL="6035040" indent="0">
+            <a:lvl9pPr marL="5486400" indent="0">
               <a:buNone/>
-              <a:defRPr sz="2640">
+              <a:defRPr sz="2400">
                 <a:solidFill>
                   <a:schemeClr val="tx1">
                     <a:tint val="75000"/>
@@ -1448,7 +1448,7 @@
           <a:p>
             <a:fld id="{BA05AF01-4F0E-4718-A4C1-DFCBB47EE5F2}" type="datetimeFigureOut">
               <a:rPr lang="en-US" smtClean="0"/>
-              <a:t>9/23/2021</a:t>
+              <a:t>11/9/2021</a:t>
             </a:fld>
             <a:endParaRPr lang="en-US"/>
           </a:p>
@@ -1499,7 +1499,7 @@
     </p:spTree>
     <p:extLst>
       <p:ext uri="{BB962C8B-B14F-4D97-AF65-F5344CB8AC3E}">
-        <p14:creationId xmlns:p14="http://schemas.microsoft.com/office/powerpoint/2010/main" val="1294018055"/>
+        <p14:creationId xmlns:p14="http://schemas.microsoft.com/office/powerpoint/2010/main" val="3352062588"/>
       </p:ext>
     </p:extLst>
   </p:cSld>
@@ -1561,8 +1561,8 @@
         </p:nvSpPr>
         <p:spPr>
           <a:xfrm>
-            <a:off x="1037273" y="3894667"/>
-            <a:ext cx="6412230" cy="9282854"/>
+            <a:off x="942975" y="4138083"/>
+            <a:ext cx="5829300" cy="9863033"/>
           </a:xfrm>
         </p:spPr>
         <p:txBody>
@@ -1618,8 +1618,8 @@
         </p:nvSpPr>
         <p:spPr>
           <a:xfrm>
-            <a:off x="7638098" y="3894667"/>
-            <a:ext cx="6412230" cy="9282854"/>
+            <a:off x="6943725" y="4138083"/>
+            <a:ext cx="5829300" cy="9863033"/>
           </a:xfrm>
         </p:spPr>
         <p:txBody>
@@ -1680,7 +1680,7 @@
           <a:p>
             <a:fld id="{BA05AF01-4F0E-4718-A4C1-DFCBB47EE5F2}" type="datetimeFigureOut">
               <a:rPr lang="en-US" smtClean="0"/>
-              <a:t>9/23/2021</a:t>
+              <a:t>11/9/2021</a:t>
             </a:fld>
             <a:endParaRPr lang="en-US"/>
           </a:p>
@@ -1731,7 +1731,7 @@
     </p:spTree>
     <p:extLst>
       <p:ext uri="{BB962C8B-B14F-4D97-AF65-F5344CB8AC3E}">
-        <p14:creationId xmlns:p14="http://schemas.microsoft.com/office/powerpoint/2010/main" val="3266675228"/>
+        <p14:creationId xmlns:p14="http://schemas.microsoft.com/office/powerpoint/2010/main" val="3231140106"/>
       </p:ext>
     </p:extLst>
   </p:cSld>
@@ -1770,8 +1770,8 @@
         </p:nvSpPr>
         <p:spPr>
           <a:xfrm>
-            <a:off x="1039238" y="778936"/>
-            <a:ext cx="13013055" cy="2827868"/>
+            <a:off x="944762" y="827620"/>
+            <a:ext cx="11830050" cy="3004609"/>
           </a:xfrm>
         </p:spPr>
         <p:txBody>
@@ -1798,8 +1798,8 @@
         </p:nvSpPr>
         <p:spPr>
           <a:xfrm>
-            <a:off x="1039239" y="3586481"/>
-            <a:ext cx="6382761" cy="1757679"/>
+            <a:off x="944763" y="3810636"/>
+            <a:ext cx="5802510" cy="1867534"/>
           </a:xfrm>
         </p:spPr>
         <p:txBody>
@@ -1807,39 +1807,39 @@
           <a:lstStyle>
             <a:lvl1pPr marL="0" indent="0">
               <a:buNone/>
-              <a:defRPr sz="3960" b="1"/>
+              <a:defRPr sz="3600" b="1"/>
             </a:lvl1pPr>
-            <a:lvl2pPr marL="754380" indent="0">
+            <a:lvl2pPr marL="685800" indent="0">
               <a:buNone/>
-              <a:defRPr sz="3300" b="1"/>
+              <a:defRPr sz="3000" b="1"/>
             </a:lvl2pPr>
-            <a:lvl3pPr marL="1508760" indent="0">
+            <a:lvl3pPr marL="1371600" indent="0">
               <a:buNone/>
-              <a:defRPr sz="2970" b="1"/>
+              <a:defRPr sz="2700" b="1"/>
             </a:lvl3pPr>
-            <a:lvl4pPr marL="2263140" indent="0">
+            <a:lvl4pPr marL="2057400" indent="0">
               <a:buNone/>
-              <a:defRPr sz="2640" b="1"/>
+              <a:defRPr sz="2400" b="1"/>
             </a:lvl4pPr>
-            <a:lvl5pPr marL="3017520" indent="0">
+            <a:lvl5pPr marL="2743200" indent="0">
               <a:buNone/>
-              <a:defRPr sz="2640" b="1"/>
+              <a:defRPr sz="2400" b="1"/>
             </a:lvl5pPr>
-            <a:lvl6pPr marL="3771900" indent="0">
+            <a:lvl6pPr marL="3429000" indent="0">
               <a:buNone/>
-              <a:defRPr sz="2640" b="1"/>
+              <a:defRPr sz="2400" b="1"/>
             </a:lvl6pPr>
-            <a:lvl7pPr marL="4526280" indent="0">
+            <a:lvl7pPr marL="4114800" indent="0">
               <a:buNone/>
-              <a:defRPr sz="2640" b="1"/>
+              <a:defRPr sz="2400" b="1"/>
             </a:lvl7pPr>
-            <a:lvl8pPr marL="5280660" indent="0">
+            <a:lvl8pPr marL="4800600" indent="0">
               <a:buNone/>
-              <a:defRPr sz="2640" b="1"/>
+              <a:defRPr sz="2400" b="1"/>
             </a:lvl8pPr>
-            <a:lvl9pPr marL="6035040" indent="0">
+            <a:lvl9pPr marL="5486400" indent="0">
               <a:buNone/>
-              <a:defRPr sz="2640" b="1"/>
+              <a:defRPr sz="2400" b="1"/>
             </a:lvl9pPr>
           </a:lstStyle>
           <a:p>
@@ -1863,8 +1863,8 @@
         </p:nvSpPr>
         <p:spPr>
           <a:xfrm>
-            <a:off x="1039239" y="5344160"/>
-            <a:ext cx="6382761" cy="7860454"/>
+            <a:off x="944763" y="5678170"/>
+            <a:ext cx="5802510" cy="8351733"/>
           </a:xfrm>
         </p:spPr>
         <p:txBody>
@@ -1920,8 +1920,8 @@
         </p:nvSpPr>
         <p:spPr>
           <a:xfrm>
-            <a:off x="7638098" y="3586481"/>
-            <a:ext cx="6414195" cy="1757679"/>
+            <a:off x="6943726" y="3810636"/>
+            <a:ext cx="5831087" cy="1867534"/>
           </a:xfrm>
         </p:spPr>
         <p:txBody>
@@ -1929,39 +1929,39 @@
           <a:lstStyle>
             <a:lvl1pPr marL="0" indent="0">
               <a:buNone/>
-              <a:defRPr sz="3960" b="1"/>
+              <a:defRPr sz="3600" b="1"/>
             </a:lvl1pPr>
-            <a:lvl2pPr marL="754380" indent="0">
+            <a:lvl2pPr marL="685800" indent="0">
               <a:buNone/>
-              <a:defRPr sz="3300" b="1"/>
+              <a:defRPr sz="3000" b="1"/>
             </a:lvl2pPr>
-            <a:lvl3pPr marL="1508760" indent="0">
+            <a:lvl3pPr marL="1371600" indent="0">
               <a:buNone/>
-              <a:defRPr sz="2970" b="1"/>
+              <a:defRPr sz="2700" b="1"/>
             </a:lvl3pPr>
-            <a:lvl4pPr marL="2263140" indent="0">
+            <a:lvl4pPr marL="2057400" indent="0">
               <a:buNone/>
-              <a:defRPr sz="2640" b="1"/>
+              <a:defRPr sz="2400" b="1"/>
             </a:lvl4pPr>
-            <a:lvl5pPr marL="3017520" indent="0">
+            <a:lvl5pPr marL="2743200" indent="0">
               <a:buNone/>
-              <a:defRPr sz="2640" b="1"/>
+              <a:defRPr sz="2400" b="1"/>
             </a:lvl5pPr>
-            <a:lvl6pPr marL="3771900" indent="0">
+            <a:lvl6pPr marL="3429000" indent="0">
               <a:buNone/>
-              <a:defRPr sz="2640" b="1"/>
+              <a:defRPr sz="2400" b="1"/>
             </a:lvl6pPr>
-            <a:lvl7pPr marL="4526280" indent="0">
+            <a:lvl7pPr marL="4114800" indent="0">
               <a:buNone/>
-              <a:defRPr sz="2640" b="1"/>
+              <a:defRPr sz="2400" b="1"/>
             </a:lvl7pPr>
-            <a:lvl8pPr marL="5280660" indent="0">
+            <a:lvl8pPr marL="4800600" indent="0">
               <a:buNone/>
-              <a:defRPr sz="2640" b="1"/>
+              <a:defRPr sz="2400" b="1"/>
             </a:lvl8pPr>
-            <a:lvl9pPr marL="6035040" indent="0">
+            <a:lvl9pPr marL="5486400" indent="0">
               <a:buNone/>
-              <a:defRPr sz="2640" b="1"/>
+              <a:defRPr sz="2400" b="1"/>
             </a:lvl9pPr>
           </a:lstStyle>
           <a:p>
@@ -1985,8 +1985,8 @@
         </p:nvSpPr>
         <p:spPr>
           <a:xfrm>
-            <a:off x="7638098" y="5344160"/>
-            <a:ext cx="6414195" cy="7860454"/>
+            <a:off x="6943726" y="5678170"/>
+            <a:ext cx="5831087" cy="8351733"/>
           </a:xfrm>
         </p:spPr>
         <p:txBody>
@@ -2047,7 +2047,7 @@
           <a:p>
             <a:fld id="{BA05AF01-4F0E-4718-A4C1-DFCBB47EE5F2}" type="datetimeFigureOut">
               <a:rPr lang="en-US" smtClean="0"/>
-              <a:t>9/23/2021</a:t>
+              <a:t>11/9/2021</a:t>
             </a:fld>
             <a:endParaRPr lang="en-US"/>
           </a:p>
@@ -2098,7 +2098,7 @@
     </p:spTree>
     <p:extLst>
       <p:ext uri="{BB962C8B-B14F-4D97-AF65-F5344CB8AC3E}">
-        <p14:creationId xmlns:p14="http://schemas.microsoft.com/office/powerpoint/2010/main" val="871992586"/>
+        <p14:creationId xmlns:p14="http://schemas.microsoft.com/office/powerpoint/2010/main" val="3442565355"/>
       </p:ext>
     </p:extLst>
   </p:cSld>
@@ -2165,7 +2165,7 @@
           <a:p>
             <a:fld id="{BA05AF01-4F0E-4718-A4C1-DFCBB47EE5F2}" type="datetimeFigureOut">
               <a:rPr lang="en-US" smtClean="0"/>
-              <a:t>9/23/2021</a:t>
+              <a:t>11/9/2021</a:t>
             </a:fld>
             <a:endParaRPr lang="en-US"/>
           </a:p>
@@ -2216,7 +2216,7 @@
     </p:spTree>
     <p:extLst>
       <p:ext uri="{BB962C8B-B14F-4D97-AF65-F5344CB8AC3E}">
-        <p14:creationId xmlns:p14="http://schemas.microsoft.com/office/powerpoint/2010/main" val="3513373074"/>
+        <p14:creationId xmlns:p14="http://schemas.microsoft.com/office/powerpoint/2010/main" val="3527066443"/>
       </p:ext>
     </p:extLst>
   </p:cSld>
@@ -2260,7 +2260,7 @@
           <a:p>
             <a:fld id="{BA05AF01-4F0E-4718-A4C1-DFCBB47EE5F2}" type="datetimeFigureOut">
               <a:rPr lang="en-US" smtClean="0"/>
-              <a:t>9/23/2021</a:t>
+              <a:t>11/9/2021</a:t>
             </a:fld>
             <a:endParaRPr lang="en-US"/>
           </a:p>
@@ -2311,7 +2311,7 @@
     </p:spTree>
     <p:extLst>
       <p:ext uri="{BB962C8B-B14F-4D97-AF65-F5344CB8AC3E}">
-        <p14:creationId xmlns:p14="http://schemas.microsoft.com/office/powerpoint/2010/main" val="3803120226"/>
+        <p14:creationId xmlns:p14="http://schemas.microsoft.com/office/powerpoint/2010/main" val="922102066"/>
       </p:ext>
     </p:extLst>
   </p:cSld>
@@ -2350,15 +2350,15 @@
         </p:nvSpPr>
         <p:spPr>
           <a:xfrm>
-            <a:off x="1039238" y="975360"/>
-            <a:ext cx="4866144" cy="3413760"/>
+            <a:off x="944762" y="1036320"/>
+            <a:ext cx="4423767" cy="3627120"/>
           </a:xfrm>
         </p:spPr>
         <p:txBody>
           <a:bodyPr anchor="b"/>
           <a:lstStyle>
             <a:lvl1pPr>
-              <a:defRPr sz="5280"/>
+              <a:defRPr sz="4800"/>
             </a:lvl1pPr>
           </a:lstStyle>
           <a:p>
@@ -2382,39 +2382,39 @@
         </p:nvSpPr>
         <p:spPr>
           <a:xfrm>
-            <a:off x="6414195" y="2106510"/>
-            <a:ext cx="7638098" cy="10397067"/>
+            <a:off x="5831087" y="2238167"/>
+            <a:ext cx="6943725" cy="11046883"/>
           </a:xfrm>
         </p:spPr>
         <p:txBody>
           <a:bodyPr/>
           <a:lstStyle>
             <a:lvl1pPr>
-              <a:defRPr sz="5280"/>
+              <a:defRPr sz="4800"/>
             </a:lvl1pPr>
             <a:lvl2pPr>
-              <a:defRPr sz="4620"/>
+              <a:defRPr sz="4200"/>
             </a:lvl2pPr>
             <a:lvl3pPr>
-              <a:defRPr sz="3960"/>
+              <a:defRPr sz="3600"/>
             </a:lvl3pPr>
             <a:lvl4pPr>
-              <a:defRPr sz="3300"/>
+              <a:defRPr sz="3000"/>
             </a:lvl4pPr>
             <a:lvl5pPr>
-              <a:defRPr sz="3300"/>
+              <a:defRPr sz="3000"/>
             </a:lvl5pPr>
             <a:lvl6pPr>
-              <a:defRPr sz="3300"/>
+              <a:defRPr sz="3000"/>
             </a:lvl6pPr>
             <a:lvl7pPr>
-              <a:defRPr sz="3300"/>
+              <a:defRPr sz="3000"/>
             </a:lvl7pPr>
             <a:lvl8pPr>
-              <a:defRPr sz="3300"/>
+              <a:defRPr sz="3000"/>
             </a:lvl8pPr>
             <a:lvl9pPr>
-              <a:defRPr sz="3300"/>
+              <a:defRPr sz="3000"/>
             </a:lvl9pPr>
           </a:lstStyle>
           <a:p>
@@ -2467,8 +2467,8 @@
         </p:nvSpPr>
         <p:spPr>
           <a:xfrm>
-            <a:off x="1039238" y="4389120"/>
-            <a:ext cx="4866144" cy="8131388"/>
+            <a:off x="944762" y="4663440"/>
+            <a:ext cx="4423767" cy="8639599"/>
           </a:xfrm>
         </p:spPr>
         <p:txBody>
@@ -2476,39 +2476,39 @@
           <a:lstStyle>
             <a:lvl1pPr marL="0" indent="0">
               <a:buNone/>
-              <a:defRPr sz="2640"/>
+              <a:defRPr sz="2400"/>
             </a:lvl1pPr>
-            <a:lvl2pPr marL="754380" indent="0">
+            <a:lvl2pPr marL="685800" indent="0">
               <a:buNone/>
-              <a:defRPr sz="2310"/>
+              <a:defRPr sz="2100"/>
             </a:lvl2pPr>
-            <a:lvl3pPr marL="1508760" indent="0">
+            <a:lvl3pPr marL="1371600" indent="0">
               <a:buNone/>
-              <a:defRPr sz="1980"/>
+              <a:defRPr sz="1800"/>
             </a:lvl3pPr>
-            <a:lvl4pPr marL="2263140" indent="0">
+            <a:lvl4pPr marL="2057400" indent="0">
               <a:buNone/>
-              <a:defRPr sz="1650"/>
+              <a:defRPr sz="1500"/>
             </a:lvl4pPr>
-            <a:lvl5pPr marL="3017520" indent="0">
+            <a:lvl5pPr marL="2743200" indent="0">
               <a:buNone/>
-              <a:defRPr sz="1650"/>
+              <a:defRPr sz="1500"/>
             </a:lvl5pPr>
-            <a:lvl6pPr marL="3771900" indent="0">
+            <a:lvl6pPr marL="3429000" indent="0">
               <a:buNone/>
-              <a:defRPr sz="1650"/>
+              <a:defRPr sz="1500"/>
             </a:lvl6pPr>
-            <a:lvl7pPr marL="4526280" indent="0">
+            <a:lvl7pPr marL="4114800" indent="0">
               <a:buNone/>
-              <a:defRPr sz="1650"/>
+              <a:defRPr sz="1500"/>
             </a:lvl7pPr>
-            <a:lvl8pPr marL="5280660" indent="0">
+            <a:lvl8pPr marL="4800600" indent="0">
               <a:buNone/>
-              <a:defRPr sz="1650"/>
+              <a:defRPr sz="1500"/>
             </a:lvl8pPr>
-            <a:lvl9pPr marL="6035040" indent="0">
+            <a:lvl9pPr marL="5486400" indent="0">
               <a:buNone/>
-              <a:defRPr sz="1650"/>
+              <a:defRPr sz="1500"/>
             </a:lvl9pPr>
           </a:lstStyle>
           <a:p>
@@ -2537,7 +2537,7 @@
           <a:p>
             <a:fld id="{BA05AF01-4F0E-4718-A4C1-DFCBB47EE5F2}" type="datetimeFigureOut">
               <a:rPr lang="en-US" smtClean="0"/>
-              <a:t>9/23/2021</a:t>
+              <a:t>11/9/2021</a:t>
             </a:fld>
             <a:endParaRPr lang="en-US"/>
           </a:p>
@@ -2588,7 +2588,7 @@
     </p:spTree>
     <p:extLst>
       <p:ext uri="{BB962C8B-B14F-4D97-AF65-F5344CB8AC3E}">
-        <p14:creationId xmlns:p14="http://schemas.microsoft.com/office/powerpoint/2010/main" val="3327777620"/>
+        <p14:creationId xmlns:p14="http://schemas.microsoft.com/office/powerpoint/2010/main" val="1189709047"/>
       </p:ext>
     </p:extLst>
   </p:cSld>
@@ -2627,15 +2627,15 @@
         </p:nvSpPr>
         <p:spPr>
           <a:xfrm>
-            <a:off x="1039238" y="975360"/>
-            <a:ext cx="4866144" cy="3413760"/>
+            <a:off x="944762" y="1036320"/>
+            <a:ext cx="4423767" cy="3627120"/>
           </a:xfrm>
         </p:spPr>
         <p:txBody>
           <a:bodyPr anchor="b"/>
           <a:lstStyle>
             <a:lvl1pPr>
-              <a:defRPr sz="5280"/>
+              <a:defRPr sz="4800"/>
             </a:lvl1pPr>
           </a:lstStyle>
           <a:p>
@@ -2659,8 +2659,8 @@
         </p:nvSpPr>
         <p:spPr>
           <a:xfrm>
-            <a:off x="6414195" y="2106510"/>
-            <a:ext cx="7638098" cy="10397067"/>
+            <a:off x="5831087" y="2238167"/>
+            <a:ext cx="6943725" cy="11046883"/>
           </a:xfrm>
         </p:spPr>
         <p:txBody>
@@ -2668,39 +2668,39 @@
           <a:lstStyle>
             <a:lvl1pPr marL="0" indent="0">
               <a:buNone/>
-              <a:defRPr sz="5280"/>
+              <a:defRPr sz="4800"/>
             </a:lvl1pPr>
-            <a:lvl2pPr marL="754380" indent="0">
+            <a:lvl2pPr marL="685800" indent="0">
               <a:buNone/>
-              <a:defRPr sz="4620"/>
+              <a:defRPr sz="4200"/>
             </a:lvl2pPr>
-            <a:lvl3pPr marL="1508760" indent="0">
+            <a:lvl3pPr marL="1371600" indent="0">
               <a:buNone/>
-              <a:defRPr sz="3960"/>
+              <a:defRPr sz="3600"/>
             </a:lvl3pPr>
-            <a:lvl4pPr marL="2263140" indent="0">
+            <a:lvl4pPr marL="2057400" indent="0">
               <a:buNone/>
-              <a:defRPr sz="3300"/>
+              <a:defRPr sz="3000"/>
             </a:lvl4pPr>
-            <a:lvl5pPr marL="3017520" indent="0">
+            <a:lvl5pPr marL="2743200" indent="0">
               <a:buNone/>
-              <a:defRPr sz="3300"/>
+              <a:defRPr sz="3000"/>
             </a:lvl5pPr>
-            <a:lvl6pPr marL="3771900" indent="0">
+            <a:lvl6pPr marL="3429000" indent="0">
               <a:buNone/>
-              <a:defRPr sz="3300"/>
+              <a:defRPr sz="3000"/>
             </a:lvl6pPr>
-            <a:lvl7pPr marL="4526280" indent="0">
+            <a:lvl7pPr marL="4114800" indent="0">
               <a:buNone/>
-              <a:defRPr sz="3300"/>
+              <a:defRPr sz="3000"/>
             </a:lvl7pPr>
-            <a:lvl8pPr marL="5280660" indent="0">
+            <a:lvl8pPr marL="4800600" indent="0">
               <a:buNone/>
-              <a:defRPr sz="3300"/>
+              <a:defRPr sz="3000"/>
             </a:lvl8pPr>
-            <a:lvl9pPr marL="6035040" indent="0">
+            <a:lvl9pPr marL="5486400" indent="0">
               <a:buNone/>
-              <a:defRPr sz="3300"/>
+              <a:defRPr sz="3000"/>
             </a:lvl9pPr>
           </a:lstStyle>
           <a:p>
@@ -2724,8 +2724,8 @@
         </p:nvSpPr>
         <p:spPr>
           <a:xfrm>
-            <a:off x="1039238" y="4389120"/>
-            <a:ext cx="4866144" cy="8131388"/>
+            <a:off x="944762" y="4663440"/>
+            <a:ext cx="4423767" cy="8639599"/>
           </a:xfrm>
         </p:spPr>
         <p:txBody>
@@ -2733,39 +2733,39 @@
           <a:lstStyle>
             <a:lvl1pPr marL="0" indent="0">
               <a:buNone/>
-              <a:defRPr sz="2640"/>
+              <a:defRPr sz="2400"/>
             </a:lvl1pPr>
-            <a:lvl2pPr marL="754380" indent="0">
+            <a:lvl2pPr marL="685800" indent="0">
               <a:buNone/>
-              <a:defRPr sz="2310"/>
+              <a:defRPr sz="2100"/>
             </a:lvl2pPr>
-            <a:lvl3pPr marL="1508760" indent="0">
+            <a:lvl3pPr marL="1371600" indent="0">
               <a:buNone/>
-              <a:defRPr sz="1980"/>
+              <a:defRPr sz="1800"/>
             </a:lvl3pPr>
-            <a:lvl4pPr marL="2263140" indent="0">
+            <a:lvl4pPr marL="2057400" indent="0">
               <a:buNone/>
-              <a:defRPr sz="1650"/>
+              <a:defRPr sz="1500"/>
             </a:lvl4pPr>
-            <a:lvl5pPr marL="3017520" indent="0">
+            <a:lvl5pPr marL="2743200" indent="0">
               <a:buNone/>
-              <a:defRPr sz="1650"/>
+              <a:defRPr sz="1500"/>
             </a:lvl5pPr>
-            <a:lvl6pPr marL="3771900" indent="0">
+            <a:lvl6pPr marL="3429000" indent="0">
               <a:buNone/>
-              <a:defRPr sz="1650"/>
+              <a:defRPr sz="1500"/>
             </a:lvl6pPr>
-            <a:lvl7pPr marL="4526280" indent="0">
+            <a:lvl7pPr marL="4114800" indent="0">
               <a:buNone/>
-              <a:defRPr sz="1650"/>
+              <a:defRPr sz="1500"/>
             </a:lvl7pPr>
-            <a:lvl8pPr marL="5280660" indent="0">
+            <a:lvl8pPr marL="4800600" indent="0">
               <a:buNone/>
-              <a:defRPr sz="1650"/>
+              <a:defRPr sz="1500"/>
             </a:lvl8pPr>
-            <a:lvl9pPr marL="6035040" indent="0">
+            <a:lvl9pPr marL="5486400" indent="0">
               <a:buNone/>
-              <a:defRPr sz="1650"/>
+              <a:defRPr sz="1500"/>
             </a:lvl9pPr>
           </a:lstStyle>
           <a:p>
@@ -2794,7 +2794,7 @@
           <a:p>
             <a:fld id="{BA05AF01-4F0E-4718-A4C1-DFCBB47EE5F2}" type="datetimeFigureOut">
               <a:rPr lang="en-US" smtClean="0"/>
-              <a:t>9/23/2021</a:t>
+              <a:t>11/9/2021</a:t>
             </a:fld>
             <a:endParaRPr lang="en-US"/>
           </a:p>
@@ -2845,7 +2845,7 @@
     </p:spTree>
     <p:extLst>
       <p:ext uri="{BB962C8B-B14F-4D97-AF65-F5344CB8AC3E}">
-        <p14:creationId xmlns:p14="http://schemas.microsoft.com/office/powerpoint/2010/main" val="4279627970"/>
+        <p14:creationId xmlns:p14="http://schemas.microsoft.com/office/powerpoint/2010/main" val="2741242237"/>
       </p:ext>
     </p:extLst>
   </p:cSld>
@@ -2889,8 +2889,8 @@
         </p:nvSpPr>
         <p:spPr>
           <a:xfrm>
-            <a:off x="1037273" y="778936"/>
-            <a:ext cx="13013055" cy="2827868"/>
+            <a:off x="942975" y="827620"/>
+            <a:ext cx="11830050" cy="3004609"/>
           </a:xfrm>
           <a:prstGeom prst="rect">
             <a:avLst/>
@@ -2922,8 +2922,8 @@
         </p:nvSpPr>
         <p:spPr>
           <a:xfrm>
-            <a:off x="1037273" y="3894667"/>
-            <a:ext cx="13013055" cy="9282854"/>
+            <a:off x="942975" y="4138083"/>
+            <a:ext cx="11830050" cy="9863033"/>
           </a:xfrm>
           <a:prstGeom prst="rect">
             <a:avLst/>
@@ -2984,8 +2984,8 @@
         </p:nvSpPr>
         <p:spPr>
           <a:xfrm>
-            <a:off x="1037273" y="13560217"/>
-            <a:ext cx="3394710" cy="778933"/>
+            <a:off x="942975" y="14407730"/>
+            <a:ext cx="3086100" cy="827617"/>
           </a:xfrm>
           <a:prstGeom prst="rect">
             <a:avLst/>
@@ -2995,7 +2995,7 @@
           <a:bodyPr vert="horz" lIns="91440" tIns="45720" rIns="91440" bIns="45720" rtlCol="0" anchor="ctr"/>
           <a:lstStyle>
             <a:lvl1pPr algn="l">
-              <a:defRPr sz="1980">
+              <a:defRPr sz="1800">
                 <a:solidFill>
                   <a:schemeClr val="tx1">
                     <a:tint val="75000"/>
@@ -3007,7 +3007,7 @@
           <a:p>
             <a:fld id="{BA05AF01-4F0E-4718-A4C1-DFCBB47EE5F2}" type="datetimeFigureOut">
               <a:rPr lang="en-US" smtClean="0"/>
-              <a:t>9/23/2021</a:t>
+              <a:t>11/9/2021</a:t>
             </a:fld>
             <a:endParaRPr lang="en-US"/>
           </a:p>
@@ -3025,8 +3025,8 @@
         </p:nvSpPr>
         <p:spPr>
           <a:xfrm>
-            <a:off x="4997768" y="13560217"/>
-            <a:ext cx="5092065" cy="778933"/>
+            <a:off x="4543425" y="14407730"/>
+            <a:ext cx="4629150" cy="827617"/>
           </a:xfrm>
           <a:prstGeom prst="rect">
             <a:avLst/>
@@ -3036,7 +3036,7 @@
           <a:bodyPr vert="horz" lIns="91440" tIns="45720" rIns="91440" bIns="45720" rtlCol="0" anchor="ctr"/>
           <a:lstStyle>
             <a:lvl1pPr algn="ctr">
-              <a:defRPr sz="1980">
+              <a:defRPr sz="1800">
                 <a:solidFill>
                   <a:schemeClr val="tx1">
                     <a:tint val="75000"/>
@@ -3062,8 +3062,8 @@
         </p:nvSpPr>
         <p:spPr>
           <a:xfrm>
-            <a:off x="10655618" y="13560217"/>
-            <a:ext cx="3394710" cy="778933"/>
+            <a:off x="9686925" y="14407730"/>
+            <a:ext cx="3086100" cy="827617"/>
           </a:xfrm>
           <a:prstGeom prst="rect">
             <a:avLst/>
@@ -3073,7 +3073,7 @@
           <a:bodyPr vert="horz" lIns="91440" tIns="45720" rIns="91440" bIns="45720" rtlCol="0" anchor="ctr"/>
           <a:lstStyle>
             <a:lvl1pPr algn="r">
-              <a:defRPr sz="1980">
+              <a:defRPr sz="1800">
                 <a:solidFill>
                   <a:schemeClr val="tx1">
                     <a:tint val="75000"/>
@@ -3094,27 +3094,27 @@
     </p:spTree>
     <p:extLst>
       <p:ext uri="{BB962C8B-B14F-4D97-AF65-F5344CB8AC3E}">
-        <p14:creationId xmlns:p14="http://schemas.microsoft.com/office/powerpoint/2010/main" val="2423885076"/>
+        <p14:creationId xmlns:p14="http://schemas.microsoft.com/office/powerpoint/2010/main" val="696831522"/>
       </p:ext>
     </p:extLst>
   </p:cSld>
   <p:clrMap bg1="lt1" tx1="dk1" bg2="lt2" tx2="dk2" accent1="accent1" accent2="accent2" accent3="accent3" accent4="accent4" accent5="accent5" accent6="accent6" hlink="hlink" folHlink="folHlink"/>
   <p:sldLayoutIdLst>
-    <p:sldLayoutId id="2147483781" r:id="rId1"/>
-    <p:sldLayoutId id="2147483782" r:id="rId2"/>
-    <p:sldLayoutId id="2147483783" r:id="rId3"/>
-    <p:sldLayoutId id="2147483784" r:id="rId4"/>
-    <p:sldLayoutId id="2147483785" r:id="rId5"/>
-    <p:sldLayoutId id="2147483786" r:id="rId6"/>
-    <p:sldLayoutId id="2147483787" r:id="rId7"/>
-    <p:sldLayoutId id="2147483788" r:id="rId8"/>
-    <p:sldLayoutId id="2147483789" r:id="rId9"/>
-    <p:sldLayoutId id="2147483790" r:id="rId10"/>
-    <p:sldLayoutId id="2147483791" r:id="rId11"/>
+    <p:sldLayoutId id="2147483841" r:id="rId1"/>
+    <p:sldLayoutId id="2147483842" r:id="rId2"/>
+    <p:sldLayoutId id="2147483843" r:id="rId3"/>
+    <p:sldLayoutId id="2147483844" r:id="rId4"/>
+    <p:sldLayoutId id="2147483845" r:id="rId5"/>
+    <p:sldLayoutId id="2147483846" r:id="rId6"/>
+    <p:sldLayoutId id="2147483847" r:id="rId7"/>
+    <p:sldLayoutId id="2147483848" r:id="rId8"/>
+    <p:sldLayoutId id="2147483849" r:id="rId9"/>
+    <p:sldLayoutId id="2147483850" r:id="rId10"/>
+    <p:sldLayoutId id="2147483851" r:id="rId11"/>
   </p:sldLayoutIdLst>
   <p:txStyles>
     <p:titleStyle>
-      <a:lvl1pPr algn="l" defTabSz="1508760" rtl="0" eaLnBrk="1" latinLnBrk="0" hangingPunct="1">
+      <a:lvl1pPr algn="l" defTabSz="1371600" rtl="0" eaLnBrk="1" latinLnBrk="0" hangingPunct="1">
         <a:lnSpc>
           <a:spcPct val="90000"/>
         </a:lnSpc>
@@ -3122,7 +3122,7 @@
           <a:spcPct val="0"/>
         </a:spcBef>
         <a:buNone/>
-        <a:defRPr sz="7260" kern="1200">
+        <a:defRPr sz="6600" kern="1200">
           <a:solidFill>
             <a:schemeClr val="tx1"/>
           </a:solidFill>
@@ -3133,16 +3133,16 @@
       </a:lvl1pPr>
     </p:titleStyle>
     <p:bodyStyle>
-      <a:lvl1pPr marL="377190" indent="-377190" algn="l" defTabSz="1508760" rtl="0" eaLnBrk="1" latinLnBrk="0" hangingPunct="1">
+      <a:lvl1pPr marL="342900" indent="-342900" algn="l" defTabSz="1371600" rtl="0" eaLnBrk="1" latinLnBrk="0" hangingPunct="1">
         <a:lnSpc>
           <a:spcPct val="90000"/>
         </a:lnSpc>
         <a:spcBef>
-          <a:spcPts val="1650"/>
+          <a:spcPts val="1500"/>
         </a:spcBef>
         <a:buFont typeface="Arial" panose="020B0604020202020204" pitchFamily="34" charset="0"/>
         <a:buChar char="•"/>
-        <a:defRPr sz="4620" kern="1200">
+        <a:defRPr sz="4200" kern="1200">
           <a:solidFill>
             <a:schemeClr val="tx1"/>
           </a:solidFill>
@@ -3151,16 +3151,16 @@
           <a:cs typeface="+mn-cs"/>
         </a:defRPr>
       </a:lvl1pPr>
-      <a:lvl2pPr marL="1131570" indent="-377190" algn="l" defTabSz="1508760" rtl="0" eaLnBrk="1" latinLnBrk="0" hangingPunct="1">
+      <a:lvl2pPr marL="1028700" indent="-342900" algn="l" defTabSz="1371600" rtl="0" eaLnBrk="1" latinLnBrk="0" hangingPunct="1">
         <a:lnSpc>
           <a:spcPct val="90000"/>
         </a:lnSpc>
         <a:spcBef>
-          <a:spcPts val="825"/>
+          <a:spcPts val="750"/>
         </a:spcBef>
         <a:buFont typeface="Arial" panose="020B0604020202020204" pitchFamily="34" charset="0"/>
         <a:buChar char="•"/>
-        <a:defRPr sz="3960" kern="1200">
+        <a:defRPr sz="3600" kern="1200">
           <a:solidFill>
             <a:schemeClr val="tx1"/>
           </a:solidFill>
@@ -3169,16 +3169,16 @@
           <a:cs typeface="+mn-cs"/>
         </a:defRPr>
       </a:lvl2pPr>
-      <a:lvl3pPr marL="1885950" indent="-377190" algn="l" defTabSz="1508760" rtl="0" eaLnBrk="1" latinLnBrk="0" hangingPunct="1">
+      <a:lvl3pPr marL="1714500" indent="-342900" algn="l" defTabSz="1371600" rtl="0" eaLnBrk="1" latinLnBrk="0" hangingPunct="1">
         <a:lnSpc>
           <a:spcPct val="90000"/>
         </a:lnSpc>
         <a:spcBef>
-          <a:spcPts val="825"/>
+          <a:spcPts val="750"/>
         </a:spcBef>
         <a:buFont typeface="Arial" panose="020B0604020202020204" pitchFamily="34" charset="0"/>
         <a:buChar char="•"/>
-        <a:defRPr sz="3300" kern="1200">
+        <a:defRPr sz="3000" kern="1200">
           <a:solidFill>
             <a:schemeClr val="tx1"/>
           </a:solidFill>
@@ -3187,16 +3187,16 @@
           <a:cs typeface="+mn-cs"/>
         </a:defRPr>
       </a:lvl3pPr>
-      <a:lvl4pPr marL="2640330" indent="-377190" algn="l" defTabSz="1508760" rtl="0" eaLnBrk="1" latinLnBrk="0" hangingPunct="1">
+      <a:lvl4pPr marL="2400300" indent="-342900" algn="l" defTabSz="1371600" rtl="0" eaLnBrk="1" latinLnBrk="0" hangingPunct="1">
         <a:lnSpc>
           <a:spcPct val="90000"/>
         </a:lnSpc>
         <a:spcBef>
-          <a:spcPts val="825"/>
+          <a:spcPts val="750"/>
         </a:spcBef>
         <a:buFont typeface="Arial" panose="020B0604020202020204" pitchFamily="34" charset="0"/>
         <a:buChar char="•"/>
-        <a:defRPr sz="2970" kern="1200">
+        <a:defRPr sz="2700" kern="1200">
           <a:solidFill>
             <a:schemeClr val="tx1"/>
           </a:solidFill>
@@ -3205,16 +3205,16 @@
           <a:cs typeface="+mn-cs"/>
         </a:defRPr>
       </a:lvl4pPr>
-      <a:lvl5pPr marL="3394710" indent="-377190" algn="l" defTabSz="1508760" rtl="0" eaLnBrk="1" latinLnBrk="0" hangingPunct="1">
+      <a:lvl5pPr marL="3086100" indent="-342900" algn="l" defTabSz="1371600" rtl="0" eaLnBrk="1" latinLnBrk="0" hangingPunct="1">
         <a:lnSpc>
           <a:spcPct val="90000"/>
         </a:lnSpc>
         <a:spcBef>
-          <a:spcPts val="825"/>
+          <a:spcPts val="750"/>
         </a:spcBef>
         <a:buFont typeface="Arial" panose="020B0604020202020204" pitchFamily="34" charset="0"/>
         <a:buChar char="•"/>
-        <a:defRPr sz="2970" kern="1200">
+        <a:defRPr sz="2700" kern="1200">
           <a:solidFill>
             <a:schemeClr val="tx1"/>
           </a:solidFill>
@@ -3223,16 +3223,16 @@
           <a:cs typeface="+mn-cs"/>
         </a:defRPr>
       </a:lvl5pPr>
-      <a:lvl6pPr marL="4149090" indent="-377190" algn="l" defTabSz="1508760" rtl="0" eaLnBrk="1" latinLnBrk="0" hangingPunct="1">
+      <a:lvl6pPr marL="3771900" indent="-342900" algn="l" defTabSz="1371600" rtl="0" eaLnBrk="1" latinLnBrk="0" hangingPunct="1">
         <a:lnSpc>
           <a:spcPct val="90000"/>
         </a:lnSpc>
         <a:spcBef>
-          <a:spcPts val="825"/>
+          <a:spcPts val="750"/>
         </a:spcBef>
         <a:buFont typeface="Arial" panose="020B0604020202020204" pitchFamily="34" charset="0"/>
         <a:buChar char="•"/>
-        <a:defRPr sz="2970" kern="1200">
+        <a:defRPr sz="2700" kern="1200">
           <a:solidFill>
             <a:schemeClr val="tx1"/>
           </a:solidFill>
@@ -3241,16 +3241,16 @@
           <a:cs typeface="+mn-cs"/>
         </a:defRPr>
       </a:lvl6pPr>
-      <a:lvl7pPr marL="4903470" indent="-377190" algn="l" defTabSz="1508760" rtl="0" eaLnBrk="1" latinLnBrk="0" hangingPunct="1">
+      <a:lvl7pPr marL="4457700" indent="-342900" algn="l" defTabSz="1371600" rtl="0" eaLnBrk="1" latinLnBrk="0" hangingPunct="1">
         <a:lnSpc>
           <a:spcPct val="90000"/>
         </a:lnSpc>
         <a:spcBef>
-          <a:spcPts val="825"/>
+          <a:spcPts val="750"/>
         </a:spcBef>
         <a:buFont typeface="Arial" panose="020B0604020202020204" pitchFamily="34" charset="0"/>
         <a:buChar char="•"/>
-        <a:defRPr sz="2970" kern="1200">
+        <a:defRPr sz="2700" kern="1200">
           <a:solidFill>
             <a:schemeClr val="tx1"/>
           </a:solidFill>
@@ -3259,16 +3259,16 @@
           <a:cs typeface="+mn-cs"/>
         </a:defRPr>
       </a:lvl7pPr>
-      <a:lvl8pPr marL="5657850" indent="-377190" algn="l" defTabSz="1508760" rtl="0" eaLnBrk="1" latinLnBrk="0" hangingPunct="1">
+      <a:lvl8pPr marL="5143500" indent="-342900" algn="l" defTabSz="1371600" rtl="0" eaLnBrk="1" latinLnBrk="0" hangingPunct="1">
         <a:lnSpc>
           <a:spcPct val="90000"/>
         </a:lnSpc>
         <a:spcBef>
-          <a:spcPts val="825"/>
+          <a:spcPts val="750"/>
         </a:spcBef>
         <a:buFont typeface="Arial" panose="020B0604020202020204" pitchFamily="34" charset="0"/>
         <a:buChar char="•"/>
-        <a:defRPr sz="2970" kern="1200">
+        <a:defRPr sz="2700" kern="1200">
           <a:solidFill>
             <a:schemeClr val="tx1"/>
           </a:solidFill>
@@ -3277,16 +3277,16 @@
           <a:cs typeface="+mn-cs"/>
         </a:defRPr>
       </a:lvl8pPr>
-      <a:lvl9pPr marL="6412230" indent="-377190" algn="l" defTabSz="1508760" rtl="0" eaLnBrk="1" latinLnBrk="0" hangingPunct="1">
+      <a:lvl9pPr marL="5829300" indent="-342900" algn="l" defTabSz="1371600" rtl="0" eaLnBrk="1" latinLnBrk="0" hangingPunct="1">
         <a:lnSpc>
           <a:spcPct val="90000"/>
         </a:lnSpc>
         <a:spcBef>
-          <a:spcPts val="825"/>
+          <a:spcPts val="750"/>
         </a:spcBef>
         <a:buFont typeface="Arial" panose="020B0604020202020204" pitchFamily="34" charset="0"/>
         <a:buChar char="•"/>
-        <a:defRPr sz="2970" kern="1200">
+        <a:defRPr sz="2700" kern="1200">
           <a:solidFill>
             <a:schemeClr val="tx1"/>
           </a:solidFill>
@@ -3300,8 +3300,8 @@
       <a:defPPr>
         <a:defRPr lang="en-US"/>
       </a:defPPr>
-      <a:lvl1pPr marL="0" algn="l" defTabSz="1508760" rtl="0" eaLnBrk="1" latinLnBrk="0" hangingPunct="1">
-        <a:defRPr sz="2970" kern="1200">
+      <a:lvl1pPr marL="0" algn="l" defTabSz="1371600" rtl="0" eaLnBrk="1" latinLnBrk="0" hangingPunct="1">
+        <a:defRPr sz="2700" kern="1200">
           <a:solidFill>
             <a:schemeClr val="tx1"/>
           </a:solidFill>
@@ -3310,8 +3310,8 @@
           <a:cs typeface="+mn-cs"/>
         </a:defRPr>
       </a:lvl1pPr>
-      <a:lvl2pPr marL="754380" algn="l" defTabSz="1508760" rtl="0" eaLnBrk="1" latinLnBrk="0" hangingPunct="1">
-        <a:defRPr sz="2970" kern="1200">
+      <a:lvl2pPr marL="685800" algn="l" defTabSz="1371600" rtl="0" eaLnBrk="1" latinLnBrk="0" hangingPunct="1">
+        <a:defRPr sz="2700" kern="1200">
           <a:solidFill>
             <a:schemeClr val="tx1"/>
           </a:solidFill>
@@ -3320,8 +3320,8 @@
           <a:cs typeface="+mn-cs"/>
         </a:defRPr>
       </a:lvl2pPr>
-      <a:lvl3pPr marL="1508760" algn="l" defTabSz="1508760" rtl="0" eaLnBrk="1" latinLnBrk="0" hangingPunct="1">
-        <a:defRPr sz="2970" kern="1200">
+      <a:lvl3pPr marL="1371600" algn="l" defTabSz="1371600" rtl="0" eaLnBrk="1" latinLnBrk="0" hangingPunct="1">
+        <a:defRPr sz="2700" kern="1200">
           <a:solidFill>
             <a:schemeClr val="tx1"/>
           </a:solidFill>
@@ -3330,8 +3330,8 @@
           <a:cs typeface="+mn-cs"/>
         </a:defRPr>
       </a:lvl3pPr>
-      <a:lvl4pPr marL="2263140" algn="l" defTabSz="1508760" rtl="0" eaLnBrk="1" latinLnBrk="0" hangingPunct="1">
-        <a:defRPr sz="2970" kern="1200">
+      <a:lvl4pPr marL="2057400" algn="l" defTabSz="1371600" rtl="0" eaLnBrk="1" latinLnBrk="0" hangingPunct="1">
+        <a:defRPr sz="2700" kern="1200">
           <a:solidFill>
             <a:schemeClr val="tx1"/>
           </a:solidFill>
@@ -3340,8 +3340,8 @@
           <a:cs typeface="+mn-cs"/>
         </a:defRPr>
       </a:lvl4pPr>
-      <a:lvl5pPr marL="3017520" algn="l" defTabSz="1508760" rtl="0" eaLnBrk="1" latinLnBrk="0" hangingPunct="1">
-        <a:defRPr sz="2970" kern="1200">
+      <a:lvl5pPr marL="2743200" algn="l" defTabSz="1371600" rtl="0" eaLnBrk="1" latinLnBrk="0" hangingPunct="1">
+        <a:defRPr sz="2700" kern="1200">
           <a:solidFill>
             <a:schemeClr val="tx1"/>
           </a:solidFill>
@@ -3350,8 +3350,8 @@
           <a:cs typeface="+mn-cs"/>
         </a:defRPr>
       </a:lvl5pPr>
-      <a:lvl6pPr marL="3771900" algn="l" defTabSz="1508760" rtl="0" eaLnBrk="1" latinLnBrk="0" hangingPunct="1">
-        <a:defRPr sz="2970" kern="1200">
+      <a:lvl6pPr marL="3429000" algn="l" defTabSz="1371600" rtl="0" eaLnBrk="1" latinLnBrk="0" hangingPunct="1">
+        <a:defRPr sz="2700" kern="1200">
           <a:solidFill>
             <a:schemeClr val="tx1"/>
           </a:solidFill>
@@ -3360,8 +3360,8 @@
           <a:cs typeface="+mn-cs"/>
         </a:defRPr>
       </a:lvl6pPr>
-      <a:lvl7pPr marL="4526280" algn="l" defTabSz="1508760" rtl="0" eaLnBrk="1" latinLnBrk="0" hangingPunct="1">
-        <a:defRPr sz="2970" kern="1200">
+      <a:lvl7pPr marL="4114800" algn="l" defTabSz="1371600" rtl="0" eaLnBrk="1" latinLnBrk="0" hangingPunct="1">
+        <a:defRPr sz="2700" kern="1200">
           <a:solidFill>
             <a:schemeClr val="tx1"/>
           </a:solidFill>
@@ -3370,8 +3370,8 @@
           <a:cs typeface="+mn-cs"/>
         </a:defRPr>
       </a:lvl7pPr>
-      <a:lvl8pPr marL="5280660" algn="l" defTabSz="1508760" rtl="0" eaLnBrk="1" latinLnBrk="0" hangingPunct="1">
-        <a:defRPr sz="2970" kern="1200">
+      <a:lvl8pPr marL="4800600" algn="l" defTabSz="1371600" rtl="0" eaLnBrk="1" latinLnBrk="0" hangingPunct="1">
+        <a:defRPr sz="2700" kern="1200">
           <a:solidFill>
             <a:schemeClr val="tx1"/>
           </a:solidFill>
@@ -3380,8 +3380,8 @@
           <a:cs typeface="+mn-cs"/>
         </a:defRPr>
       </a:lvl8pPr>
-      <a:lvl9pPr marL="6035040" algn="l" defTabSz="1508760" rtl="0" eaLnBrk="1" latinLnBrk="0" hangingPunct="1">
-        <a:defRPr sz="2970" kern="1200">
+      <a:lvl9pPr marL="5486400" algn="l" defTabSz="1371600" rtl="0" eaLnBrk="1" latinLnBrk="0" hangingPunct="1">
+        <a:defRPr sz="2700" kern="1200">
           <a:solidFill>
             <a:schemeClr val="tx1"/>
           </a:solidFill>
@@ -3414,10 +3414,10 @@
       </p:grpSpPr>
       <p:pic>
         <p:nvPicPr>
-          <p:cNvPr id="5" name="Picture 4">
-            <a:extLst>
-              <a:ext uri="{FF2B5EF4-FFF2-40B4-BE49-F238E27FC236}">
-                <a16:creationId xmlns:a16="http://schemas.microsoft.com/office/drawing/2014/main" id="{C46B4CDE-0A3D-4C56-9C9F-1D5B7013A97D}"/>
+          <p:cNvPr id="38" name="Picture 37" descr="Chart, bar chart&#10;&#10;Description automatically generated">
+            <a:extLst>
+              <a:ext uri="{FF2B5EF4-FFF2-40B4-BE49-F238E27FC236}">
+                <a16:creationId xmlns:a16="http://schemas.microsoft.com/office/drawing/2014/main" id="{B3F14CAD-FC92-4381-B956-FD4EC2679303}"/>
               </a:ext>
             </a:extLst>
           </p:cNvPr>
@@ -3427,37 +3427,7 @@
           <p:nvPr/>
         </p:nvPicPr>
         <p:blipFill>
-          <a:blip r:embed="rId3"/>
-          <a:stretch>
-            <a:fillRect/>
-          </a:stretch>
-        </p:blipFill>
-        <p:spPr>
-          <a:xfrm>
-            <a:off x="207343" y="5515613"/>
-            <a:ext cx="3480051" cy="8176812"/>
-          </a:xfrm>
-          <a:prstGeom prst="rect">
-            <a:avLst/>
-          </a:prstGeom>
-        </p:spPr>
-      </p:pic>
-      <p:pic>
-        <p:nvPicPr>
-          <p:cNvPr id="34" name="Picture 33" descr="Chart, bar chart&#10;&#10;Description automatically generated">
-            <a:extLst>
-              <a:ext uri="{FF2B5EF4-FFF2-40B4-BE49-F238E27FC236}">
-                <a16:creationId xmlns:a16="http://schemas.microsoft.com/office/drawing/2014/main" id="{A0409670-5A8C-42AB-ABF2-EC3E79878BD5}"/>
-              </a:ext>
-            </a:extLst>
-          </p:cNvPr>
-          <p:cNvPicPr>
-            <a:picLocks noChangeAspect="1"/>
-          </p:cNvPicPr>
-          <p:nvPr/>
-        </p:nvPicPr>
-        <p:blipFill>
-          <a:blip r:embed="rId4">
+          <a:blip r:embed="rId3">
             <a:extLst>
               <a:ext uri="{28A0092B-C50C-407E-A947-70E740481C1C}">
                 <a14:useLocalDpi xmlns:a14="http://schemas.microsoft.com/office/drawing/2010/main" val="0"/>
@@ -3470,14 +3440,132 @@
         </p:blipFill>
         <p:spPr>
           <a:xfrm>
-            <a:off x="3742636" y="5515613"/>
-            <a:ext cx="5601976" cy="4230064"/>
+            <a:off x="1460248" y="11816390"/>
+            <a:ext cx="4699932" cy="3585934"/>
           </a:xfrm>
           <a:prstGeom prst="rect">
             <a:avLst/>
           </a:prstGeom>
         </p:spPr>
       </p:pic>
+      <p:pic>
+        <p:nvPicPr>
+          <p:cNvPr id="40" name="Picture 39" descr="Chart, bar chart&#10;&#10;Description automatically generated">
+            <a:extLst>
+              <a:ext uri="{FF2B5EF4-FFF2-40B4-BE49-F238E27FC236}">
+                <a16:creationId xmlns:a16="http://schemas.microsoft.com/office/drawing/2014/main" id="{87E75A4F-4E20-4CC6-9F06-CD68DDA86DF0}"/>
+              </a:ext>
+            </a:extLst>
+          </p:cNvPr>
+          <p:cNvPicPr>
+            <a:picLocks noChangeAspect="1"/>
+          </p:cNvPicPr>
+          <p:nvPr/>
+        </p:nvPicPr>
+        <p:blipFill>
+          <a:blip r:embed="rId4">
+            <a:extLst>
+              <a:ext uri="{28A0092B-C50C-407E-A947-70E740481C1C}">
+                <a14:useLocalDpi xmlns:a14="http://schemas.microsoft.com/office/drawing/2010/main" val="0"/>
+              </a:ext>
+            </a:extLst>
+          </a:blip>
+          <a:stretch>
+            <a:fillRect/>
+          </a:stretch>
+        </p:blipFill>
+        <p:spPr>
+          <a:xfrm>
+            <a:off x="7812707" y="11777050"/>
+            <a:ext cx="4699932" cy="3585934"/>
+          </a:xfrm>
+          <a:prstGeom prst="rect">
+            <a:avLst/>
+          </a:prstGeom>
+        </p:spPr>
+      </p:pic>
+      <p:sp>
+        <p:nvSpPr>
+          <p:cNvPr id="43" name="TextBox 42">
+            <a:extLst>
+              <a:ext uri="{FF2B5EF4-FFF2-40B4-BE49-F238E27FC236}">
+                <a16:creationId xmlns:a16="http://schemas.microsoft.com/office/drawing/2014/main" id="{D0D5D858-4747-4C09-B268-8259D0DEAA9A}"/>
+              </a:ext>
+            </a:extLst>
+          </p:cNvPr>
+          <p:cNvSpPr txBox="1"/>
+          <p:nvPr/>
+        </p:nvSpPr>
+        <p:spPr>
+          <a:xfrm>
+            <a:off x="9911623" y="14976699"/>
+            <a:ext cx="1655453" cy="430631"/>
+          </a:xfrm>
+          <a:prstGeom prst="rect">
+            <a:avLst/>
+          </a:prstGeom>
+          <a:solidFill>
+            <a:schemeClr val="bg1"/>
+          </a:solidFill>
+        </p:spPr>
+        <p:txBody>
+          <a:bodyPr wrap="square" rtlCol="0">
+            <a:spAutoFit/>
+          </a:bodyPr>
+          <a:lstStyle/>
+          <a:p>
+            <a:r>
+              <a:rPr lang="en-US" sz="1099" dirty="0">
+                <a:latin typeface="Times New Roman" panose="02020603050405020304" pitchFamily="18" charset="0"/>
+                <a:cs typeface="Times New Roman" panose="02020603050405020304" pitchFamily="18" charset="0"/>
+              </a:rPr>
+              <a:t>DeepPurpose</a:t>
+            </a:r>
+          </a:p>
+          <a:p>
+            <a:endParaRPr lang="en-US" sz="1099" dirty="0">
+              <a:latin typeface="Times New Roman" panose="02020603050405020304" pitchFamily="18" charset="0"/>
+              <a:cs typeface="Times New Roman" panose="02020603050405020304" pitchFamily="18" charset="0"/>
+            </a:endParaRPr>
+          </a:p>
+        </p:txBody>
+      </p:sp>
+      <p:pic>
+        <p:nvPicPr>
+          <p:cNvPr id="34" name="Picture 33" descr="Chart, bar chart&#10;&#10;Description automatically generated">
+            <a:extLst>
+              <a:ext uri="{FF2B5EF4-FFF2-40B4-BE49-F238E27FC236}">
+                <a16:creationId xmlns:a16="http://schemas.microsoft.com/office/drawing/2014/main" id="{A0409670-5A8C-42AB-ABF2-EC3E79878BD5}"/>
+              </a:ext>
+            </a:extLst>
+          </p:cNvPr>
+          <p:cNvPicPr>
+            <a:picLocks noChangeAspect="1"/>
+          </p:cNvPicPr>
+          <p:nvPr/>
+        </p:nvPicPr>
+        <p:blipFill>
+          <a:blip r:embed="rId5">
+            <a:extLst>
+              <a:ext uri="{28A0092B-C50C-407E-A947-70E740481C1C}">
+                <a14:useLocalDpi xmlns:a14="http://schemas.microsoft.com/office/drawing/2010/main" val="0"/>
+              </a:ext>
+            </a:extLst>
+          </a:blip>
+          <a:stretch>
+            <a:fillRect/>
+          </a:stretch>
+        </p:blipFill>
+        <p:spPr>
+          <a:xfrm>
+            <a:off x="1460248" y="7905138"/>
+            <a:ext cx="4699932" cy="3585934"/>
+          </a:xfrm>
+          <a:prstGeom prst="rect">
+            <a:avLst/>
+          </a:prstGeom>
+        </p:spPr>
+      </p:pic>
       <p:sp>
         <p:nvSpPr>
           <p:cNvPr id="97" name="Rectangle: Rounded Corners 96">
@@ -3492,8 +3580,8 @@
         </p:nvSpPr>
         <p:spPr>
           <a:xfrm>
-            <a:off x="7831047" y="6421700"/>
-            <a:ext cx="1344080" cy="548569"/>
+            <a:off x="4890335" y="8673252"/>
+            <a:ext cx="1127653" cy="465036"/>
           </a:xfrm>
           <a:prstGeom prst="roundRect">
             <a:avLst/>
@@ -3529,7 +3617,7 @@
           <a:lstStyle/>
           <a:p>
             <a:pPr algn="ctr"/>
-            <a:endParaRPr lang="en-US"/>
+            <a:endParaRPr lang="en-US" sz="1413"/>
           </a:p>
         </p:txBody>
       </p:sp>
@@ -3549,8 +3637,8 @@
         </p:nvCxnSpPr>
         <p:spPr>
           <a:xfrm flipV="1">
-            <a:off x="5151430" y="7102187"/>
-            <a:ext cx="978568" cy="336884"/>
+            <a:off x="2642197" y="9250120"/>
+            <a:ext cx="820997" cy="285585"/>
           </a:xfrm>
           <a:prstGeom prst="straightConnector1">
             <a:avLst/>
@@ -3591,8 +3679,8 @@
         </p:nvSpPr>
         <p:spPr>
           <a:xfrm>
-            <a:off x="4383608" y="6764819"/>
-            <a:ext cx="1410964" cy="338554"/>
+            <a:off x="1998009" y="8964124"/>
+            <a:ext cx="1146468" cy="285591"/>
           </a:xfrm>
           <a:prstGeom prst="rect">
             <a:avLst/>
@@ -3606,7 +3694,7 @@
           <a:lstStyle/>
           <a:p>
             <a:r>
-              <a:rPr lang="en-US" sz="1600" dirty="0">
+              <a:rPr lang="en-US" sz="1256" dirty="0">
                 <a:latin typeface="Times New Roman" panose="02020603050405020304" pitchFamily="18" charset="0"/>
                 <a:cs typeface="Times New Roman" panose="02020603050405020304" pitchFamily="18" charset="0"/>
               </a:rPr>
@@ -3629,8 +3717,8 @@
         </p:nvSpPr>
         <p:spPr>
           <a:xfrm>
-            <a:off x="4383608" y="6764819"/>
-            <a:ext cx="1410964" cy="338555"/>
+            <a:off x="1998011" y="8964122"/>
+            <a:ext cx="1183767" cy="287002"/>
           </a:xfrm>
           <a:prstGeom prst="roundRect">
             <a:avLst/>
@@ -3665,7 +3753,7 @@
           <a:lstStyle/>
           <a:p>
             <a:pPr algn="ctr"/>
-            <a:endParaRPr lang="en-US"/>
+            <a:endParaRPr lang="en-US" sz="1413"/>
           </a:p>
         </p:txBody>
       </p:sp>
@@ -3683,8 +3771,8 @@
         </p:nvSpPr>
         <p:spPr>
           <a:xfrm>
-            <a:off x="5916102" y="6089246"/>
-            <a:ext cx="1410964" cy="548569"/>
+            <a:off x="3283739" y="8391422"/>
+            <a:ext cx="1183767" cy="465036"/>
           </a:xfrm>
           <a:prstGeom prst="roundRect">
             <a:avLst/>
@@ -3719,7 +3807,7 @@
           <a:lstStyle/>
           <a:p>
             <a:pPr algn="ctr"/>
-            <a:endParaRPr lang="en-US"/>
+            <a:endParaRPr lang="en-US" sz="1413"/>
           </a:p>
         </p:txBody>
       </p:sp>
@@ -3739,8 +3827,8 @@
         </p:nvCxnSpPr>
         <p:spPr>
           <a:xfrm flipV="1">
-            <a:off x="6838305" y="6695984"/>
-            <a:ext cx="978568" cy="336884"/>
+            <a:off x="4057447" y="8905771"/>
+            <a:ext cx="820997" cy="285585"/>
           </a:xfrm>
           <a:prstGeom prst="straightConnector1">
             <a:avLst/>
@@ -3781,8 +3869,8 @@
         </p:nvSpPr>
         <p:spPr>
           <a:xfrm>
-            <a:off x="5959899" y="6070776"/>
-            <a:ext cx="1323371" cy="584775"/>
+            <a:off x="3320483" y="8375766"/>
+            <a:ext cx="1110279" cy="478849"/>
           </a:xfrm>
           <a:prstGeom prst="rect">
             <a:avLst/>
@@ -3796,7 +3884,7 @@
           <a:lstStyle/>
           <a:p>
             <a:r>
-              <a:rPr lang="en-US" sz="1600" dirty="0">
+              <a:rPr lang="en-US" sz="1256" dirty="0">
                 <a:latin typeface="Times New Roman" panose="02020603050405020304" pitchFamily="18" charset="0"/>
                 <a:cs typeface="Times New Roman" panose="02020603050405020304" pitchFamily="18" charset="0"/>
               </a:rPr>
@@ -3820,7 +3908,7 @@
           <p:nvPr/>
         </p:nvPicPr>
         <p:blipFill>
-          <a:blip r:embed="rId5">
+          <a:blip r:embed="rId6">
             <a:extLst>
               <a:ext uri="{28A0092B-C50C-407E-A947-70E740481C1C}">
                 <a14:useLocalDpi xmlns:a14="http://schemas.microsoft.com/office/drawing/2010/main" val="0"/>
@@ -3833,107 +3921,75 @@
         </p:blipFill>
         <p:spPr>
           <a:xfrm>
-            <a:off x="9395491" y="5534083"/>
-            <a:ext cx="5601976" cy="4230064"/>
+            <a:off x="7844357" y="7855474"/>
+            <a:ext cx="4699932" cy="3585934"/>
           </a:xfrm>
           <a:prstGeom prst="rect">
             <a:avLst/>
           </a:prstGeom>
         </p:spPr>
       </p:pic>
-      <p:pic>
-        <p:nvPicPr>
-          <p:cNvPr id="38" name="Picture 37" descr="Chart, bar chart&#10;&#10;Description automatically generated">
-            <a:extLst>
-              <a:ext uri="{FF2B5EF4-FFF2-40B4-BE49-F238E27FC236}">
-                <a16:creationId xmlns:a16="http://schemas.microsoft.com/office/drawing/2014/main" id="{B3F14CAD-FC92-4381-B956-FD4EC2679303}"/>
-              </a:ext>
-            </a:extLst>
-          </p:cNvPr>
-          <p:cNvPicPr>
-            <a:picLocks noChangeAspect="1"/>
-          </p:cNvPicPr>
-          <p:nvPr/>
-        </p:nvPicPr>
-        <p:blipFill>
-          <a:blip r:embed="rId6">
-            <a:extLst>
-              <a:ext uri="{28A0092B-C50C-407E-A947-70E740481C1C}">
-                <a14:useLocalDpi xmlns:a14="http://schemas.microsoft.com/office/drawing/2010/main" val="0"/>
-              </a:ext>
-            </a:extLst>
-          </a:blip>
-          <a:stretch>
-            <a:fillRect/>
-          </a:stretch>
-        </p:blipFill>
-        <p:spPr>
-          <a:xfrm>
-            <a:off x="3742636" y="9764147"/>
-            <a:ext cx="5601976" cy="4230064"/>
+      <p:sp>
+        <p:nvSpPr>
+          <p:cNvPr id="125" name="TextBox 124">
+            <a:extLst>
+              <a:ext uri="{FF2B5EF4-FFF2-40B4-BE49-F238E27FC236}">
+                <a16:creationId xmlns:a16="http://schemas.microsoft.com/office/drawing/2014/main" id="{8C9BC685-9773-4820-8F6D-7E75F29D542F}"/>
+              </a:ext>
+            </a:extLst>
+          </p:cNvPr>
+          <p:cNvSpPr txBox="1"/>
+          <p:nvPr/>
+        </p:nvSpPr>
+        <p:spPr>
+          <a:xfrm>
+            <a:off x="632692" y="7772400"/>
+            <a:ext cx="388248" cy="430567"/>
           </a:xfrm>
           <a:prstGeom prst="rect">
             <a:avLst/>
           </a:prstGeom>
-        </p:spPr>
-      </p:pic>
-      <p:pic>
-        <p:nvPicPr>
-          <p:cNvPr id="40" name="Picture 39" descr="Chart, bar chart&#10;&#10;Description automatically generated">
-            <a:extLst>
-              <a:ext uri="{FF2B5EF4-FFF2-40B4-BE49-F238E27FC236}">
-                <a16:creationId xmlns:a16="http://schemas.microsoft.com/office/drawing/2014/main" id="{87E75A4F-4E20-4CC6-9F06-CD68DDA86DF0}"/>
-              </a:ext>
-            </a:extLst>
-          </p:cNvPr>
-          <p:cNvPicPr>
-            <a:picLocks noChangeAspect="1"/>
-          </p:cNvPicPr>
-          <p:nvPr/>
-        </p:nvPicPr>
-        <p:blipFill>
-          <a:blip r:embed="rId7">
-            <a:extLst>
-              <a:ext uri="{28A0092B-C50C-407E-A947-70E740481C1C}">
-                <a14:useLocalDpi xmlns:a14="http://schemas.microsoft.com/office/drawing/2010/main" val="0"/>
-              </a:ext>
-            </a:extLst>
-          </a:blip>
-          <a:stretch>
-            <a:fillRect/>
-          </a:stretch>
-        </p:blipFill>
-        <p:spPr>
-          <a:xfrm>
-            <a:off x="9387661" y="9764147"/>
-            <a:ext cx="5601976" cy="4230064"/>
+          <a:noFill/>
+        </p:spPr>
+        <p:txBody>
+          <a:bodyPr wrap="none" rtlCol="0">
+            <a:spAutoFit/>
+          </a:bodyPr>
+          <a:lstStyle/>
+          <a:p>
+            <a:r>
+              <a:rPr lang="en-US" sz="2198" b="1" dirty="0">
+                <a:latin typeface="Times New Roman" panose="02020603050405020304" pitchFamily="18" charset="0"/>
+                <a:cs typeface="Times New Roman" panose="02020603050405020304" pitchFamily="18" charset="0"/>
+              </a:rPr>
+              <a:t>C</a:t>
+            </a:r>
+          </a:p>
+        </p:txBody>
+      </p:sp>
+      <p:sp>
+        <p:nvSpPr>
+          <p:cNvPr id="2" name="TextBox 1">
+            <a:extLst>
+              <a:ext uri="{FF2B5EF4-FFF2-40B4-BE49-F238E27FC236}">
+                <a16:creationId xmlns:a16="http://schemas.microsoft.com/office/drawing/2014/main" id="{5933312F-6B71-4C93-B27E-4221FF5CF8F2}"/>
+              </a:ext>
+            </a:extLst>
+          </p:cNvPr>
+          <p:cNvSpPr txBox="1"/>
+          <p:nvPr/>
+        </p:nvSpPr>
+        <p:spPr>
+          <a:xfrm>
+            <a:off x="1903712" y="11124362"/>
+            <a:ext cx="1655453" cy="261482"/>
           </a:xfrm>
           <a:prstGeom prst="rect">
             <a:avLst/>
           </a:prstGeom>
-        </p:spPr>
-      </p:pic>
-      <p:sp>
-        <p:nvSpPr>
-          <p:cNvPr id="124" name="TextBox 123">
-            <a:extLst>
-              <a:ext uri="{FF2B5EF4-FFF2-40B4-BE49-F238E27FC236}">
-                <a16:creationId xmlns:a16="http://schemas.microsoft.com/office/drawing/2014/main" id="{33E174C2-B777-4408-B990-B2704EF66828}"/>
-              </a:ext>
-            </a:extLst>
-          </p:cNvPr>
-          <p:cNvSpPr txBox="1"/>
-          <p:nvPr/>
-        </p:nvSpPr>
-        <p:spPr>
-          <a:xfrm>
-            <a:off x="14822" y="5095319"/>
-            <a:ext cx="385042" cy="523220"/>
-          </a:xfrm>
-          <a:prstGeom prst="rect">
-            <a:avLst/>
-          </a:prstGeom>
-          <a:noFill/>
+          <a:solidFill>
+            <a:schemeClr val="bg1"/>
+          </a:solidFill>
         </p:spPr>
         <p:txBody>
           <a:bodyPr wrap="square" rtlCol="0">
@@ -3942,7 +3998,845 @@
           <a:lstStyle/>
           <a:p>
             <a:r>
-              <a:rPr lang="en-US" sz="2800" b="1" dirty="0">
+              <a:rPr lang="en-US" sz="1099" dirty="0">
+                <a:latin typeface="Times New Roman" panose="02020603050405020304" pitchFamily="18" charset="0"/>
+                <a:cs typeface="Times New Roman" panose="02020603050405020304" pitchFamily="18" charset="0"/>
+              </a:rPr>
+              <a:t>Configuration Model</a:t>
+            </a:r>
+          </a:p>
+        </p:txBody>
+      </p:sp>
+      <p:sp>
+        <p:nvSpPr>
+          <p:cNvPr id="21" name="TextBox 20">
+            <a:extLst>
+              <a:ext uri="{FF2B5EF4-FFF2-40B4-BE49-F238E27FC236}">
+                <a16:creationId xmlns:a16="http://schemas.microsoft.com/office/drawing/2014/main" id="{BE444A78-D0E7-4302-B826-C75884636245}"/>
+              </a:ext>
+            </a:extLst>
+          </p:cNvPr>
+          <p:cNvSpPr txBox="1"/>
+          <p:nvPr/>
+        </p:nvSpPr>
+        <p:spPr>
+          <a:xfrm>
+            <a:off x="3520968" y="11127671"/>
+            <a:ext cx="1655453" cy="430631"/>
+          </a:xfrm>
+          <a:prstGeom prst="rect">
+            <a:avLst/>
+          </a:prstGeom>
+          <a:solidFill>
+            <a:schemeClr val="bg1"/>
+          </a:solidFill>
+        </p:spPr>
+        <p:txBody>
+          <a:bodyPr wrap="square" rtlCol="0">
+            <a:spAutoFit/>
+          </a:bodyPr>
+          <a:lstStyle/>
+          <a:p>
+            <a:r>
+              <a:rPr lang="en-US" sz="1099" dirty="0">
+                <a:latin typeface="Times New Roman" panose="02020603050405020304" pitchFamily="18" charset="0"/>
+                <a:cs typeface="Times New Roman" panose="02020603050405020304" pitchFamily="18" charset="0"/>
+              </a:rPr>
+              <a:t>DeepPurpose</a:t>
+            </a:r>
+          </a:p>
+          <a:p>
+            <a:endParaRPr lang="en-US" sz="1099" dirty="0">
+              <a:latin typeface="Times New Roman" panose="02020603050405020304" pitchFamily="18" charset="0"/>
+              <a:cs typeface="Times New Roman" panose="02020603050405020304" pitchFamily="18" charset="0"/>
+            </a:endParaRPr>
+          </a:p>
+        </p:txBody>
+      </p:sp>
+      <p:sp>
+        <p:nvSpPr>
+          <p:cNvPr id="22" name="TextBox 21">
+            <a:extLst>
+              <a:ext uri="{FF2B5EF4-FFF2-40B4-BE49-F238E27FC236}">
+                <a16:creationId xmlns:a16="http://schemas.microsoft.com/office/drawing/2014/main" id="{C0B85C5C-B70F-461C-A1A2-B81BCC5F4CC5}"/>
+              </a:ext>
+            </a:extLst>
+          </p:cNvPr>
+          <p:cNvSpPr txBox="1"/>
+          <p:nvPr/>
+        </p:nvSpPr>
+        <p:spPr>
+          <a:xfrm>
+            <a:off x="5196803" y="11139709"/>
+            <a:ext cx="1038157" cy="261482"/>
+          </a:xfrm>
+          <a:prstGeom prst="rect">
+            <a:avLst/>
+          </a:prstGeom>
+          <a:solidFill>
+            <a:schemeClr val="bg1"/>
+          </a:solidFill>
+        </p:spPr>
+        <p:txBody>
+          <a:bodyPr wrap="square" rtlCol="0">
+            <a:spAutoFit/>
+          </a:bodyPr>
+          <a:lstStyle/>
+          <a:p>
+            <a:r>
+              <a:rPr lang="en-US" sz="1099" dirty="0">
+                <a:latin typeface="Times New Roman" panose="02020603050405020304" pitchFamily="18" charset="0"/>
+                <a:cs typeface="Times New Roman" panose="02020603050405020304" pitchFamily="18" charset="0"/>
+              </a:rPr>
+              <a:t>VecNet</a:t>
+            </a:r>
+          </a:p>
+        </p:txBody>
+      </p:sp>
+      <p:sp>
+        <p:nvSpPr>
+          <p:cNvPr id="23" name="TextBox 22">
+            <a:extLst>
+              <a:ext uri="{FF2B5EF4-FFF2-40B4-BE49-F238E27FC236}">
+                <a16:creationId xmlns:a16="http://schemas.microsoft.com/office/drawing/2014/main" id="{6A0A3FC4-46A9-4556-B652-168BDCAAD2C1}"/>
+              </a:ext>
+            </a:extLst>
+          </p:cNvPr>
+          <p:cNvSpPr txBox="1"/>
+          <p:nvPr/>
+        </p:nvSpPr>
+        <p:spPr>
+          <a:xfrm rot="16200000">
+            <a:off x="678223" y="9451212"/>
+            <a:ext cx="1672715" cy="261482"/>
+          </a:xfrm>
+          <a:prstGeom prst="rect">
+            <a:avLst/>
+          </a:prstGeom>
+          <a:solidFill>
+            <a:schemeClr val="bg1"/>
+          </a:solidFill>
+        </p:spPr>
+        <p:txBody>
+          <a:bodyPr wrap="square" rtlCol="0">
+            <a:spAutoFit/>
+          </a:bodyPr>
+          <a:lstStyle/>
+          <a:p>
+            <a:r>
+              <a:rPr lang="en-US" sz="1099" dirty="0">
+                <a:latin typeface="Times New Roman" panose="02020603050405020304" pitchFamily="18" charset="0"/>
+                <a:cs typeface="Times New Roman" panose="02020603050405020304" pitchFamily="18" charset="0"/>
+              </a:rPr>
+              <a:t>Average Performance</a:t>
+            </a:r>
+          </a:p>
+        </p:txBody>
+      </p:sp>
+      <p:sp>
+        <p:nvSpPr>
+          <p:cNvPr id="24" name="TextBox 23">
+            <a:extLst>
+              <a:ext uri="{FF2B5EF4-FFF2-40B4-BE49-F238E27FC236}">
+                <a16:creationId xmlns:a16="http://schemas.microsoft.com/office/drawing/2014/main" id="{F07DF731-236A-4E64-A16E-E90C430F0940}"/>
+              </a:ext>
+            </a:extLst>
+          </p:cNvPr>
+          <p:cNvSpPr txBox="1"/>
+          <p:nvPr/>
+        </p:nvSpPr>
+        <p:spPr>
+          <a:xfrm>
+            <a:off x="8954242" y="11090871"/>
+            <a:ext cx="1038157" cy="261482"/>
+          </a:xfrm>
+          <a:prstGeom prst="rect">
+            <a:avLst/>
+          </a:prstGeom>
+          <a:solidFill>
+            <a:schemeClr val="bg1"/>
+          </a:solidFill>
+        </p:spPr>
+        <p:txBody>
+          <a:bodyPr wrap="square" rtlCol="0">
+            <a:spAutoFit/>
+          </a:bodyPr>
+          <a:lstStyle/>
+          <a:p>
+            <a:r>
+              <a:rPr lang="en-US" sz="1099" dirty="0">
+                <a:latin typeface="Times New Roman" panose="02020603050405020304" pitchFamily="18" charset="0"/>
+                <a:cs typeface="Times New Roman" panose="02020603050405020304" pitchFamily="18" charset="0"/>
+              </a:rPr>
+              <a:t>Drugs</a:t>
+            </a:r>
+          </a:p>
+        </p:txBody>
+      </p:sp>
+      <p:sp>
+        <p:nvSpPr>
+          <p:cNvPr id="25" name="TextBox 24">
+            <a:extLst>
+              <a:ext uri="{FF2B5EF4-FFF2-40B4-BE49-F238E27FC236}">
+                <a16:creationId xmlns:a16="http://schemas.microsoft.com/office/drawing/2014/main" id="{F3A74740-28B4-4AC7-B939-2D7B193AC94A}"/>
+              </a:ext>
+            </a:extLst>
+          </p:cNvPr>
+          <p:cNvSpPr txBox="1"/>
+          <p:nvPr/>
+        </p:nvSpPr>
+        <p:spPr>
+          <a:xfrm>
+            <a:off x="10935419" y="11075908"/>
+            <a:ext cx="1510535" cy="261482"/>
+          </a:xfrm>
+          <a:prstGeom prst="rect">
+            <a:avLst/>
+          </a:prstGeom>
+          <a:solidFill>
+            <a:schemeClr val="bg1"/>
+          </a:solidFill>
+        </p:spPr>
+        <p:txBody>
+          <a:bodyPr wrap="square" rtlCol="0">
+            <a:spAutoFit/>
+          </a:bodyPr>
+          <a:lstStyle/>
+          <a:p>
+            <a:r>
+              <a:rPr lang="en-US" sz="1099" dirty="0">
+                <a:latin typeface="Times New Roman" panose="02020603050405020304" pitchFamily="18" charset="0"/>
+                <a:cs typeface="Times New Roman" panose="02020603050405020304" pitchFamily="18" charset="0"/>
+              </a:rPr>
+              <a:t>Natural Compounds</a:t>
+            </a:r>
+          </a:p>
+        </p:txBody>
+      </p:sp>
+      <p:sp>
+        <p:nvSpPr>
+          <p:cNvPr id="26" name="TextBox 25">
+            <a:extLst>
+              <a:ext uri="{FF2B5EF4-FFF2-40B4-BE49-F238E27FC236}">
+                <a16:creationId xmlns:a16="http://schemas.microsoft.com/office/drawing/2014/main" id="{9DC9D2B1-EC97-406D-B638-AC1CB91090A7}"/>
+              </a:ext>
+            </a:extLst>
+          </p:cNvPr>
+          <p:cNvSpPr txBox="1"/>
+          <p:nvPr/>
+        </p:nvSpPr>
+        <p:spPr>
+          <a:xfrm rot="16200000">
+            <a:off x="6770755" y="9445218"/>
+            <a:ext cx="2239438" cy="261482"/>
+          </a:xfrm>
+          <a:prstGeom prst="rect">
+            <a:avLst/>
+          </a:prstGeom>
+          <a:solidFill>
+            <a:schemeClr val="bg1"/>
+          </a:solidFill>
+        </p:spPr>
+        <p:txBody>
+          <a:bodyPr wrap="square" rtlCol="0">
+            <a:spAutoFit/>
+          </a:bodyPr>
+          <a:lstStyle/>
+          <a:p>
+            <a:r>
+              <a:rPr lang="en-US" sz="1099" dirty="0">
+                <a:latin typeface="Times New Roman" panose="02020603050405020304" pitchFamily="18" charset="0"/>
+                <a:cs typeface="Times New Roman" panose="02020603050405020304" pitchFamily="18" charset="0"/>
+              </a:rPr>
+              <a:t>Average Performance of VecNet</a:t>
+            </a:r>
+          </a:p>
+        </p:txBody>
+      </p:sp>
+      <p:sp>
+        <p:nvSpPr>
+          <p:cNvPr id="28" name="TextBox 27">
+            <a:extLst>
+              <a:ext uri="{FF2B5EF4-FFF2-40B4-BE49-F238E27FC236}">
+                <a16:creationId xmlns:a16="http://schemas.microsoft.com/office/drawing/2014/main" id="{0DB8B9AD-AFBF-4DC7-8A44-5600715333DD}"/>
+              </a:ext>
+            </a:extLst>
+          </p:cNvPr>
+          <p:cNvSpPr txBox="1"/>
+          <p:nvPr/>
+        </p:nvSpPr>
+        <p:spPr>
+          <a:xfrm>
+            <a:off x="3466354" y="7871712"/>
+            <a:ext cx="1746954" cy="261482"/>
+          </a:xfrm>
+          <a:prstGeom prst="rect">
+            <a:avLst/>
+          </a:prstGeom>
+          <a:solidFill>
+            <a:schemeClr val="bg1"/>
+          </a:solidFill>
+        </p:spPr>
+        <p:txBody>
+          <a:bodyPr wrap="square" rtlCol="0">
+            <a:spAutoFit/>
+          </a:bodyPr>
+          <a:lstStyle/>
+          <a:p>
+            <a:r>
+              <a:rPr lang="en-US" sz="1099" dirty="0">
+                <a:latin typeface="Times New Roman" panose="02020603050405020304" pitchFamily="18" charset="0"/>
+                <a:cs typeface="Times New Roman" panose="02020603050405020304" pitchFamily="18" charset="0"/>
+              </a:rPr>
+              <a:t>Unseen Nodes</a:t>
+            </a:r>
+          </a:p>
+        </p:txBody>
+      </p:sp>
+      <p:sp>
+        <p:nvSpPr>
+          <p:cNvPr id="29" name="TextBox 28">
+            <a:extLst>
+              <a:ext uri="{FF2B5EF4-FFF2-40B4-BE49-F238E27FC236}">
+                <a16:creationId xmlns:a16="http://schemas.microsoft.com/office/drawing/2014/main" id="{5FA7876D-B796-4B42-8B22-96E0D6AA2BC3}"/>
+              </a:ext>
+            </a:extLst>
+          </p:cNvPr>
+          <p:cNvSpPr txBox="1"/>
+          <p:nvPr/>
+        </p:nvSpPr>
+        <p:spPr>
+          <a:xfrm>
+            <a:off x="9769926" y="7796615"/>
+            <a:ext cx="1746954" cy="261482"/>
+          </a:xfrm>
+          <a:prstGeom prst="rect">
+            <a:avLst/>
+          </a:prstGeom>
+          <a:solidFill>
+            <a:schemeClr val="bg1"/>
+          </a:solidFill>
+        </p:spPr>
+        <p:txBody>
+          <a:bodyPr wrap="square" rtlCol="0">
+            <a:spAutoFit/>
+          </a:bodyPr>
+          <a:lstStyle/>
+          <a:p>
+            <a:r>
+              <a:rPr lang="en-US" sz="1099" dirty="0">
+                <a:latin typeface="Times New Roman" panose="02020603050405020304" pitchFamily="18" charset="0"/>
+                <a:cs typeface="Times New Roman" panose="02020603050405020304" pitchFamily="18" charset="0"/>
+              </a:rPr>
+              <a:t>Unseen Nodes</a:t>
+            </a:r>
+          </a:p>
+        </p:txBody>
+      </p:sp>
+      <p:sp>
+        <p:nvSpPr>
+          <p:cNvPr id="30" name="TextBox 29">
+            <a:extLst>
+              <a:ext uri="{FF2B5EF4-FFF2-40B4-BE49-F238E27FC236}">
+                <a16:creationId xmlns:a16="http://schemas.microsoft.com/office/drawing/2014/main" id="{35D27CC4-A346-45D8-A90D-D85DB37B8EE1}"/>
+              </a:ext>
+            </a:extLst>
+          </p:cNvPr>
+          <p:cNvSpPr txBox="1"/>
+          <p:nvPr/>
+        </p:nvSpPr>
+        <p:spPr>
+          <a:xfrm>
+            <a:off x="3402294" y="11772886"/>
+            <a:ext cx="1746954" cy="261482"/>
+          </a:xfrm>
+          <a:prstGeom prst="rect">
+            <a:avLst/>
+          </a:prstGeom>
+          <a:solidFill>
+            <a:schemeClr val="bg1"/>
+          </a:solidFill>
+        </p:spPr>
+        <p:txBody>
+          <a:bodyPr wrap="square" rtlCol="0">
+            <a:spAutoFit/>
+          </a:bodyPr>
+          <a:lstStyle/>
+          <a:p>
+            <a:r>
+              <a:rPr lang="en-US" sz="1099" dirty="0">
+                <a:latin typeface="Times New Roman" panose="02020603050405020304" pitchFamily="18" charset="0"/>
+                <a:cs typeface="Times New Roman" panose="02020603050405020304" pitchFamily="18" charset="0"/>
+              </a:rPr>
+              <a:t>Unseen Targets</a:t>
+            </a:r>
+          </a:p>
+        </p:txBody>
+      </p:sp>
+      <p:sp>
+        <p:nvSpPr>
+          <p:cNvPr id="31" name="TextBox 30">
+            <a:extLst>
+              <a:ext uri="{FF2B5EF4-FFF2-40B4-BE49-F238E27FC236}">
+                <a16:creationId xmlns:a16="http://schemas.microsoft.com/office/drawing/2014/main" id="{ED1D8148-7FC7-481C-A13D-6A4F04E85DE5}"/>
+              </a:ext>
+            </a:extLst>
+          </p:cNvPr>
+          <p:cNvSpPr txBox="1"/>
+          <p:nvPr/>
+        </p:nvSpPr>
+        <p:spPr>
+          <a:xfrm>
+            <a:off x="9860426" y="11720932"/>
+            <a:ext cx="1746954" cy="261482"/>
+          </a:xfrm>
+          <a:prstGeom prst="rect">
+            <a:avLst/>
+          </a:prstGeom>
+          <a:solidFill>
+            <a:schemeClr val="bg1"/>
+          </a:solidFill>
+        </p:spPr>
+        <p:txBody>
+          <a:bodyPr wrap="square" rtlCol="0">
+            <a:spAutoFit/>
+          </a:bodyPr>
+          <a:lstStyle/>
+          <a:p>
+            <a:r>
+              <a:rPr lang="en-US" sz="1099" dirty="0">
+                <a:latin typeface="Times New Roman" panose="02020603050405020304" pitchFamily="18" charset="0"/>
+                <a:cs typeface="Times New Roman" panose="02020603050405020304" pitchFamily="18" charset="0"/>
+              </a:rPr>
+              <a:t>Unseen Edges</a:t>
+            </a:r>
+          </a:p>
+        </p:txBody>
+      </p:sp>
+      <p:sp>
+        <p:nvSpPr>
+          <p:cNvPr id="32" name="TextBox 31">
+            <a:extLst>
+              <a:ext uri="{FF2B5EF4-FFF2-40B4-BE49-F238E27FC236}">
+                <a16:creationId xmlns:a16="http://schemas.microsoft.com/office/drawing/2014/main" id="{3432905A-A157-4137-A1B3-19983BCB4578}"/>
+              </a:ext>
+            </a:extLst>
+          </p:cNvPr>
+          <p:cNvSpPr txBox="1"/>
+          <p:nvPr/>
+        </p:nvSpPr>
+        <p:spPr>
+          <a:xfrm rot="16200000">
+            <a:off x="724328" y="13256671"/>
+            <a:ext cx="1672715" cy="261482"/>
+          </a:xfrm>
+          <a:prstGeom prst="rect">
+            <a:avLst/>
+          </a:prstGeom>
+          <a:solidFill>
+            <a:schemeClr val="bg1"/>
+          </a:solidFill>
+        </p:spPr>
+        <p:txBody>
+          <a:bodyPr wrap="square" rtlCol="0">
+            <a:spAutoFit/>
+          </a:bodyPr>
+          <a:lstStyle/>
+          <a:p>
+            <a:r>
+              <a:rPr lang="en-US" sz="1099" dirty="0">
+                <a:latin typeface="Times New Roman" panose="02020603050405020304" pitchFamily="18" charset="0"/>
+                <a:cs typeface="Times New Roman" panose="02020603050405020304" pitchFamily="18" charset="0"/>
+              </a:rPr>
+              <a:t>Average Performance</a:t>
+            </a:r>
+          </a:p>
+        </p:txBody>
+      </p:sp>
+      <p:sp>
+        <p:nvSpPr>
+          <p:cNvPr id="33" name="TextBox 32">
+            <a:extLst>
+              <a:ext uri="{FF2B5EF4-FFF2-40B4-BE49-F238E27FC236}">
+                <a16:creationId xmlns:a16="http://schemas.microsoft.com/office/drawing/2014/main" id="{C3A5EB90-8569-4A66-A35F-6A57235650EC}"/>
+              </a:ext>
+            </a:extLst>
+          </p:cNvPr>
+          <p:cNvSpPr txBox="1"/>
+          <p:nvPr/>
+        </p:nvSpPr>
+        <p:spPr>
+          <a:xfrm rot="16200000">
+            <a:off x="7061298" y="13175754"/>
+            <a:ext cx="1672715" cy="261482"/>
+          </a:xfrm>
+          <a:prstGeom prst="rect">
+            <a:avLst/>
+          </a:prstGeom>
+          <a:solidFill>
+            <a:schemeClr val="bg1"/>
+          </a:solidFill>
+        </p:spPr>
+        <p:txBody>
+          <a:bodyPr wrap="square" rtlCol="0">
+            <a:spAutoFit/>
+          </a:bodyPr>
+          <a:lstStyle/>
+          <a:p>
+            <a:r>
+              <a:rPr lang="en-US" sz="1099" dirty="0">
+                <a:latin typeface="Times New Roman" panose="02020603050405020304" pitchFamily="18" charset="0"/>
+                <a:cs typeface="Times New Roman" panose="02020603050405020304" pitchFamily="18" charset="0"/>
+              </a:rPr>
+              <a:t>Average Performance</a:t>
+            </a:r>
+          </a:p>
+        </p:txBody>
+      </p:sp>
+      <p:sp>
+        <p:nvSpPr>
+          <p:cNvPr id="37" name="TextBox 36">
+            <a:extLst>
+              <a:ext uri="{FF2B5EF4-FFF2-40B4-BE49-F238E27FC236}">
+                <a16:creationId xmlns:a16="http://schemas.microsoft.com/office/drawing/2014/main" id="{46BF0DD0-D9F6-4CFF-8840-49698AB97F85}"/>
+              </a:ext>
+            </a:extLst>
+          </p:cNvPr>
+          <p:cNvSpPr txBox="1"/>
+          <p:nvPr/>
+        </p:nvSpPr>
+        <p:spPr>
+          <a:xfrm>
+            <a:off x="1881327" y="15045843"/>
+            <a:ext cx="1655453" cy="261482"/>
+          </a:xfrm>
+          <a:prstGeom prst="rect">
+            <a:avLst/>
+          </a:prstGeom>
+          <a:solidFill>
+            <a:schemeClr val="bg1"/>
+          </a:solidFill>
+        </p:spPr>
+        <p:txBody>
+          <a:bodyPr wrap="square" rtlCol="0">
+            <a:spAutoFit/>
+          </a:bodyPr>
+          <a:lstStyle/>
+          <a:p>
+            <a:r>
+              <a:rPr lang="en-US" sz="1099" dirty="0">
+                <a:latin typeface="Times New Roman" panose="02020603050405020304" pitchFamily="18" charset="0"/>
+                <a:cs typeface="Times New Roman" panose="02020603050405020304" pitchFamily="18" charset="0"/>
+              </a:rPr>
+              <a:t>Configuration Model</a:t>
+            </a:r>
+          </a:p>
+        </p:txBody>
+      </p:sp>
+      <p:sp>
+        <p:nvSpPr>
+          <p:cNvPr id="41" name="TextBox 40">
+            <a:extLst>
+              <a:ext uri="{FF2B5EF4-FFF2-40B4-BE49-F238E27FC236}">
+                <a16:creationId xmlns:a16="http://schemas.microsoft.com/office/drawing/2014/main" id="{93744987-6302-411E-9C3A-A0D9E0290086}"/>
+              </a:ext>
+            </a:extLst>
+          </p:cNvPr>
+          <p:cNvSpPr txBox="1"/>
+          <p:nvPr/>
+        </p:nvSpPr>
+        <p:spPr>
+          <a:xfrm>
+            <a:off x="5140084" y="15067911"/>
+            <a:ext cx="1038157" cy="261482"/>
+          </a:xfrm>
+          <a:prstGeom prst="rect">
+            <a:avLst/>
+          </a:prstGeom>
+          <a:solidFill>
+            <a:schemeClr val="bg1"/>
+          </a:solidFill>
+        </p:spPr>
+        <p:txBody>
+          <a:bodyPr wrap="square" rtlCol="0">
+            <a:spAutoFit/>
+          </a:bodyPr>
+          <a:lstStyle/>
+          <a:p>
+            <a:r>
+              <a:rPr lang="en-US" sz="1099" dirty="0">
+                <a:latin typeface="Times New Roman" panose="02020603050405020304" pitchFamily="18" charset="0"/>
+                <a:cs typeface="Times New Roman" panose="02020603050405020304" pitchFamily="18" charset="0"/>
+              </a:rPr>
+              <a:t>VecNet</a:t>
+            </a:r>
+          </a:p>
+        </p:txBody>
+      </p:sp>
+      <p:sp>
+        <p:nvSpPr>
+          <p:cNvPr id="42" name="TextBox 41">
+            <a:extLst>
+              <a:ext uri="{FF2B5EF4-FFF2-40B4-BE49-F238E27FC236}">
+                <a16:creationId xmlns:a16="http://schemas.microsoft.com/office/drawing/2014/main" id="{8A406C75-5E2D-49F5-8641-5147905CC1FE}"/>
+              </a:ext>
+            </a:extLst>
+          </p:cNvPr>
+          <p:cNvSpPr txBox="1"/>
+          <p:nvPr/>
+        </p:nvSpPr>
+        <p:spPr>
+          <a:xfrm>
+            <a:off x="8220052" y="14985703"/>
+            <a:ext cx="1655453" cy="261482"/>
+          </a:xfrm>
+          <a:prstGeom prst="rect">
+            <a:avLst/>
+          </a:prstGeom>
+          <a:solidFill>
+            <a:schemeClr val="bg1"/>
+          </a:solidFill>
+        </p:spPr>
+        <p:txBody>
+          <a:bodyPr wrap="square" rtlCol="0">
+            <a:spAutoFit/>
+          </a:bodyPr>
+          <a:lstStyle/>
+          <a:p>
+            <a:r>
+              <a:rPr lang="en-US" sz="1099" dirty="0">
+                <a:latin typeface="Times New Roman" panose="02020603050405020304" pitchFamily="18" charset="0"/>
+                <a:cs typeface="Times New Roman" panose="02020603050405020304" pitchFamily="18" charset="0"/>
+              </a:rPr>
+              <a:t>Configuration Model</a:t>
+            </a:r>
+          </a:p>
+        </p:txBody>
+      </p:sp>
+      <p:sp>
+        <p:nvSpPr>
+          <p:cNvPr id="44" name="TextBox 43">
+            <a:extLst>
+              <a:ext uri="{FF2B5EF4-FFF2-40B4-BE49-F238E27FC236}">
+                <a16:creationId xmlns:a16="http://schemas.microsoft.com/office/drawing/2014/main" id="{4860491E-77C9-4A5A-B866-219F8F265AB9}"/>
+              </a:ext>
+            </a:extLst>
+          </p:cNvPr>
+          <p:cNvSpPr txBox="1"/>
+          <p:nvPr/>
+        </p:nvSpPr>
+        <p:spPr>
+          <a:xfrm>
+            <a:off x="11520781" y="14978443"/>
+            <a:ext cx="1038157" cy="261482"/>
+          </a:xfrm>
+          <a:prstGeom prst="rect">
+            <a:avLst/>
+          </a:prstGeom>
+          <a:solidFill>
+            <a:schemeClr val="bg1"/>
+          </a:solidFill>
+        </p:spPr>
+        <p:txBody>
+          <a:bodyPr wrap="square" rtlCol="0">
+            <a:spAutoFit/>
+          </a:bodyPr>
+          <a:lstStyle/>
+          <a:p>
+            <a:r>
+              <a:rPr lang="en-US" sz="1099" dirty="0">
+                <a:latin typeface="Times New Roman" panose="02020603050405020304" pitchFamily="18" charset="0"/>
+                <a:cs typeface="Times New Roman" panose="02020603050405020304" pitchFamily="18" charset="0"/>
+              </a:rPr>
+              <a:t>VecNet</a:t>
+            </a:r>
+          </a:p>
+        </p:txBody>
+      </p:sp>
+      <p:sp>
+        <p:nvSpPr>
+          <p:cNvPr id="45" name="TextBox 44">
+            <a:extLst>
+              <a:ext uri="{FF2B5EF4-FFF2-40B4-BE49-F238E27FC236}">
+                <a16:creationId xmlns:a16="http://schemas.microsoft.com/office/drawing/2014/main" id="{C481605D-84DA-475C-93CC-B4BE53AA438B}"/>
+              </a:ext>
+            </a:extLst>
+          </p:cNvPr>
+          <p:cNvSpPr txBox="1"/>
+          <p:nvPr/>
+        </p:nvSpPr>
+        <p:spPr>
+          <a:xfrm>
+            <a:off x="9945698" y="11183680"/>
+            <a:ext cx="1038157" cy="261482"/>
+          </a:xfrm>
+          <a:prstGeom prst="rect">
+            <a:avLst/>
+          </a:prstGeom>
+          <a:solidFill>
+            <a:schemeClr val="bg1"/>
+          </a:solidFill>
+        </p:spPr>
+        <p:txBody>
+          <a:bodyPr wrap="square" rtlCol="0">
+            <a:spAutoFit/>
+          </a:bodyPr>
+          <a:lstStyle/>
+          <a:p>
+            <a:r>
+              <a:rPr lang="en-US" sz="1099" dirty="0">
+                <a:latin typeface="Times New Roman" panose="02020603050405020304" pitchFamily="18" charset="0"/>
+                <a:cs typeface="Times New Roman" panose="02020603050405020304" pitchFamily="18" charset="0"/>
+              </a:rPr>
+              <a:t>Ligand Type</a:t>
+            </a:r>
+          </a:p>
+        </p:txBody>
+      </p:sp>
+      <p:sp>
+        <p:nvSpPr>
+          <p:cNvPr id="46" name="TextBox 45">
+            <a:extLst>
+              <a:ext uri="{FF2B5EF4-FFF2-40B4-BE49-F238E27FC236}">
+                <a16:creationId xmlns:a16="http://schemas.microsoft.com/office/drawing/2014/main" id="{3E8FF862-00A5-4FF4-B8C3-66E1AB2CDC4A}"/>
+              </a:ext>
+            </a:extLst>
+          </p:cNvPr>
+          <p:cNvSpPr txBox="1"/>
+          <p:nvPr/>
+        </p:nvSpPr>
+        <p:spPr>
+          <a:xfrm>
+            <a:off x="6974492" y="7742644"/>
+            <a:ext cx="388248" cy="430567"/>
+          </a:xfrm>
+          <a:prstGeom prst="rect">
+            <a:avLst/>
+          </a:prstGeom>
+          <a:noFill/>
+        </p:spPr>
+        <p:txBody>
+          <a:bodyPr wrap="none" rtlCol="0">
+            <a:spAutoFit/>
+          </a:bodyPr>
+          <a:lstStyle/>
+          <a:p>
+            <a:r>
+              <a:rPr lang="en-US" sz="2198" b="1" dirty="0">
+                <a:latin typeface="Times New Roman" panose="02020603050405020304" pitchFamily="18" charset="0"/>
+                <a:cs typeface="Times New Roman" panose="02020603050405020304" pitchFamily="18" charset="0"/>
+              </a:rPr>
+              <a:t>D</a:t>
+            </a:r>
+          </a:p>
+        </p:txBody>
+      </p:sp>
+      <p:sp>
+        <p:nvSpPr>
+          <p:cNvPr id="47" name="TextBox 46">
+            <a:extLst>
+              <a:ext uri="{FF2B5EF4-FFF2-40B4-BE49-F238E27FC236}">
+                <a16:creationId xmlns:a16="http://schemas.microsoft.com/office/drawing/2014/main" id="{22EF8DB5-1EF9-4FA8-980A-615E98FEEE59}"/>
+              </a:ext>
+            </a:extLst>
+          </p:cNvPr>
+          <p:cNvSpPr txBox="1"/>
+          <p:nvPr/>
+        </p:nvSpPr>
+        <p:spPr>
+          <a:xfrm>
+            <a:off x="742745" y="11551847"/>
+            <a:ext cx="372218" cy="430567"/>
+          </a:xfrm>
+          <a:prstGeom prst="rect">
+            <a:avLst/>
+          </a:prstGeom>
+          <a:noFill/>
+        </p:spPr>
+        <p:txBody>
+          <a:bodyPr wrap="none" rtlCol="0">
+            <a:spAutoFit/>
+          </a:bodyPr>
+          <a:lstStyle/>
+          <a:p>
+            <a:r>
+              <a:rPr lang="en-US" sz="2198" b="1" dirty="0">
+                <a:latin typeface="Times New Roman" panose="02020603050405020304" pitchFamily="18" charset="0"/>
+                <a:cs typeface="Times New Roman" panose="02020603050405020304" pitchFamily="18" charset="0"/>
+              </a:rPr>
+              <a:t>E</a:t>
+            </a:r>
+          </a:p>
+        </p:txBody>
+      </p:sp>
+      <p:sp>
+        <p:nvSpPr>
+          <p:cNvPr id="48" name="TextBox 47">
+            <a:extLst>
+              <a:ext uri="{FF2B5EF4-FFF2-40B4-BE49-F238E27FC236}">
+                <a16:creationId xmlns:a16="http://schemas.microsoft.com/office/drawing/2014/main" id="{1D4B13BD-E0B8-49E0-BA93-51D78B0BB6CB}"/>
+              </a:ext>
+            </a:extLst>
+          </p:cNvPr>
+          <p:cNvSpPr txBox="1"/>
+          <p:nvPr/>
+        </p:nvSpPr>
+        <p:spPr>
+          <a:xfrm>
+            <a:off x="7015269" y="11559746"/>
+            <a:ext cx="356188" cy="430567"/>
+          </a:xfrm>
+          <a:prstGeom prst="rect">
+            <a:avLst/>
+          </a:prstGeom>
+          <a:noFill/>
+        </p:spPr>
+        <p:txBody>
+          <a:bodyPr wrap="none" rtlCol="0">
+            <a:spAutoFit/>
+          </a:bodyPr>
+          <a:lstStyle/>
+          <a:p>
+            <a:r>
+              <a:rPr lang="en-US" sz="2198" b="1" dirty="0">
+                <a:latin typeface="Times New Roman" panose="02020603050405020304" pitchFamily="18" charset="0"/>
+                <a:cs typeface="Times New Roman" panose="02020603050405020304" pitchFamily="18" charset="0"/>
+              </a:rPr>
+              <a:t>F</a:t>
+            </a:r>
+          </a:p>
+        </p:txBody>
+      </p:sp>
+      <p:sp>
+        <p:nvSpPr>
+          <p:cNvPr id="124" name="TextBox 123">
+            <a:extLst>
+              <a:ext uri="{FF2B5EF4-FFF2-40B4-BE49-F238E27FC236}">
+                <a16:creationId xmlns:a16="http://schemas.microsoft.com/office/drawing/2014/main" id="{33E174C2-B777-4408-B990-B2704EF66828}"/>
+              </a:ext>
+            </a:extLst>
+          </p:cNvPr>
+          <p:cNvSpPr txBox="1"/>
+          <p:nvPr/>
+        </p:nvSpPr>
+        <p:spPr>
+          <a:xfrm>
+            <a:off x="667822" y="4572732"/>
+            <a:ext cx="485892" cy="430567"/>
+          </a:xfrm>
+          <a:prstGeom prst="rect">
+            <a:avLst/>
+          </a:prstGeom>
+          <a:noFill/>
+        </p:spPr>
+        <p:txBody>
+          <a:bodyPr wrap="square" rtlCol="0">
+            <a:spAutoFit/>
+          </a:bodyPr>
+          <a:lstStyle/>
+          <a:p>
+            <a:r>
+              <a:rPr lang="en-US" sz="2198" b="1" dirty="0">
                 <a:latin typeface="Times New Roman" panose="02020603050405020304" pitchFamily="18" charset="0"/>
                 <a:cs typeface="Times New Roman" panose="02020603050405020304" pitchFamily="18" charset="0"/>
               </a:rPr>
@@ -3953,10 +4847,10 @@
       </p:sp>
       <p:sp>
         <p:nvSpPr>
-          <p:cNvPr id="125" name="TextBox 124">
-            <a:extLst>
-              <a:ext uri="{FF2B5EF4-FFF2-40B4-BE49-F238E27FC236}">
-                <a16:creationId xmlns:a16="http://schemas.microsoft.com/office/drawing/2014/main" id="{8C9BC685-9773-4820-8F6D-7E75F29D542F}"/>
+          <p:cNvPr id="126" name="TextBox 125">
+            <a:extLst>
+              <a:ext uri="{FF2B5EF4-FFF2-40B4-BE49-F238E27FC236}">
+                <a16:creationId xmlns:a16="http://schemas.microsoft.com/office/drawing/2014/main" id="{6EBC5D22-5CCC-46AA-844A-70BB6BB8C572}"/>
               </a:ext>
             </a:extLst>
           </p:cNvPr>
@@ -3965,46 +4859,8 @@
         </p:nvSpPr>
         <p:spPr>
           <a:xfrm>
-            <a:off x="3585217" y="5117360"/>
-            <a:ext cx="444352" cy="523220"/>
-          </a:xfrm>
-          <a:prstGeom prst="rect">
-            <a:avLst/>
-          </a:prstGeom>
-          <a:noFill/>
-        </p:spPr>
-        <p:txBody>
-          <a:bodyPr wrap="none" rtlCol="0">
-            <a:spAutoFit/>
-          </a:bodyPr>
-          <a:lstStyle/>
-          <a:p>
-            <a:r>
-              <a:rPr lang="en-US" sz="2800" b="1" dirty="0">
-                <a:latin typeface="Times New Roman" panose="02020603050405020304" pitchFamily="18" charset="0"/>
-                <a:cs typeface="Times New Roman" panose="02020603050405020304" pitchFamily="18" charset="0"/>
-              </a:rPr>
-              <a:t>C</a:t>
-            </a:r>
-          </a:p>
-        </p:txBody>
-      </p:sp>
-      <p:sp>
-        <p:nvSpPr>
-          <p:cNvPr id="126" name="TextBox 125">
-            <a:extLst>
-              <a:ext uri="{FF2B5EF4-FFF2-40B4-BE49-F238E27FC236}">
-                <a16:creationId xmlns:a16="http://schemas.microsoft.com/office/drawing/2014/main" id="{6EBC5D22-5CCC-46AA-844A-70BB6BB8C572}"/>
-              </a:ext>
-            </a:extLst>
-          </p:cNvPr>
-          <p:cNvSpPr txBox="1"/>
-          <p:nvPr/>
-        </p:nvSpPr>
-        <p:spPr>
-          <a:xfrm>
-            <a:off x="90719" y="120388"/>
-            <a:ext cx="385042" cy="523220"/>
+            <a:off x="637360" y="31204"/>
+            <a:ext cx="310651" cy="430567"/>
           </a:xfrm>
           <a:prstGeom prst="rect">
             <a:avLst/>
@@ -4018,7 +4874,7 @@
           <a:lstStyle/>
           <a:p>
             <a:r>
-              <a:rPr lang="en-US" sz="2800" b="1" dirty="0">
+              <a:rPr lang="en-US" sz="2198" b="1" dirty="0">
                 <a:latin typeface="Times New Roman" panose="02020603050405020304" pitchFamily="18" charset="0"/>
                 <a:cs typeface="Times New Roman" panose="02020603050405020304" pitchFamily="18" charset="0"/>
               </a:rPr>
@@ -4029,961 +4885,208 @@
       </p:sp>
       <p:sp>
         <p:nvSpPr>
-          <p:cNvPr id="2" name="TextBox 1">
-            <a:extLst>
-              <a:ext uri="{FF2B5EF4-FFF2-40B4-BE49-F238E27FC236}">
-                <a16:creationId xmlns:a16="http://schemas.microsoft.com/office/drawing/2014/main" id="{5933312F-6B71-4C93-B27E-4221FF5CF8F2}"/>
-              </a:ext>
-            </a:extLst>
-          </p:cNvPr>
-          <p:cNvSpPr txBox="1"/>
-          <p:nvPr/>
-        </p:nvSpPr>
-        <p:spPr>
-          <a:xfrm>
-            <a:off x="4271210" y="9313096"/>
-            <a:ext cx="1973179" cy="307777"/>
-          </a:xfrm>
-          <a:prstGeom prst="rect">
-            <a:avLst/>
-          </a:prstGeom>
-          <a:solidFill>
-            <a:schemeClr val="bg1"/>
-          </a:solidFill>
-        </p:spPr>
-        <p:txBody>
-          <a:bodyPr wrap="square" rtlCol="0">
-            <a:spAutoFit/>
-          </a:bodyPr>
-          <a:lstStyle/>
-          <a:p>
-            <a:r>
-              <a:rPr lang="en-US" sz="1400" dirty="0">
+          <p:cNvPr id="51" name="Rectangle: Rounded Corners 50">
+            <a:extLst>
+              <a:ext uri="{FF2B5EF4-FFF2-40B4-BE49-F238E27FC236}">
+                <a16:creationId xmlns:a16="http://schemas.microsoft.com/office/drawing/2014/main" id="{F3E016D5-D6B3-4DD0-A954-157DCA48B4A0}"/>
+              </a:ext>
+            </a:extLst>
+          </p:cNvPr>
+          <p:cNvSpPr/>
+          <p:nvPr/>
+        </p:nvSpPr>
+        <p:spPr>
+          <a:xfrm>
+            <a:off x="2909307" y="17110"/>
+            <a:ext cx="1413768" cy="676062"/>
+          </a:xfrm>
+          <a:prstGeom prst="roundRect">
+            <a:avLst/>
+          </a:prstGeom>
+          <a:noFill/>
+          <a:ln>
+            <a:solidFill>
+              <a:schemeClr val="tx1"/>
+            </a:solidFill>
+          </a:ln>
+        </p:spPr>
+        <p:style>
+          <a:lnRef idx="0">
+            <a:scrgbClr r="0" g="0" b="0"/>
+          </a:lnRef>
+          <a:fillRef idx="0">
+            <a:scrgbClr r="0" g="0" b="0"/>
+          </a:fillRef>
+          <a:effectRef idx="0">
+            <a:scrgbClr r="0" g="0" b="0"/>
+          </a:effectRef>
+          <a:fontRef idx="minor">
+            <a:schemeClr val="lt1"/>
+          </a:fontRef>
+        </p:style>
+        <p:txBody>
+          <a:bodyPr rtlCol="0" anchor="ctr"/>
+          <a:lstStyle/>
+          <a:p>
+            <a:pPr algn="ctr"/>
+            <a:r>
+              <a:rPr lang="en-US" sz="1413" dirty="0">
+                <a:solidFill>
+                  <a:schemeClr val="tx1"/>
+                </a:solidFill>
                 <a:latin typeface="Times New Roman" panose="02020603050405020304" pitchFamily="18" charset="0"/>
                 <a:cs typeface="Times New Roman" panose="02020603050405020304" pitchFamily="18" charset="0"/>
               </a:rPr>
-              <a:t>Configuration Model</a:t>
-            </a:r>
-          </a:p>
-        </p:txBody>
-      </p:sp>
-      <p:sp>
-        <p:nvSpPr>
-          <p:cNvPr id="21" name="TextBox 20">
-            <a:extLst>
-              <a:ext uri="{FF2B5EF4-FFF2-40B4-BE49-F238E27FC236}">
-                <a16:creationId xmlns:a16="http://schemas.microsoft.com/office/drawing/2014/main" id="{BE444A78-D0E7-4302-B826-C75884636245}"/>
-              </a:ext>
-            </a:extLst>
-          </p:cNvPr>
-          <p:cNvSpPr txBox="1"/>
-          <p:nvPr/>
-        </p:nvSpPr>
-        <p:spPr>
-          <a:xfrm>
-            <a:off x="6287438" y="9313096"/>
-            <a:ext cx="1973179" cy="523220"/>
-          </a:xfrm>
-          <a:prstGeom prst="rect">
-            <a:avLst/>
-          </a:prstGeom>
-          <a:solidFill>
-            <a:schemeClr val="bg1"/>
-          </a:solidFill>
-        </p:spPr>
-        <p:txBody>
-          <a:bodyPr wrap="square" rtlCol="0">
-            <a:spAutoFit/>
-          </a:bodyPr>
-          <a:lstStyle/>
-          <a:p>
-            <a:r>
-              <a:rPr lang="en-US" sz="1400" dirty="0">
+              <a:t>Drugs from DrugBank</a:t>
+            </a:r>
+          </a:p>
+        </p:txBody>
+      </p:sp>
+      <p:sp>
+        <p:nvSpPr>
+          <p:cNvPr id="52" name="Rectangle: Rounded Corners 51">
+            <a:extLst>
+              <a:ext uri="{FF2B5EF4-FFF2-40B4-BE49-F238E27FC236}">
+                <a16:creationId xmlns:a16="http://schemas.microsoft.com/office/drawing/2014/main" id="{3671A2B0-9379-4F15-A6E5-1AFC4052E915}"/>
+              </a:ext>
+            </a:extLst>
+          </p:cNvPr>
+          <p:cNvSpPr/>
+          <p:nvPr/>
+        </p:nvSpPr>
+        <p:spPr>
+          <a:xfrm>
+            <a:off x="2924146" y="737862"/>
+            <a:ext cx="1413766" cy="746485"/>
+          </a:xfrm>
+          <a:prstGeom prst="roundRect">
+            <a:avLst/>
+          </a:prstGeom>
+          <a:noFill/>
+          <a:ln>
+            <a:solidFill>
+              <a:schemeClr val="tx1"/>
+            </a:solidFill>
+          </a:ln>
+        </p:spPr>
+        <p:style>
+          <a:lnRef idx="0">
+            <a:scrgbClr r="0" g="0" b="0"/>
+          </a:lnRef>
+          <a:fillRef idx="0">
+            <a:scrgbClr r="0" g="0" b="0"/>
+          </a:fillRef>
+          <a:effectRef idx="0">
+            <a:scrgbClr r="0" g="0" b="0"/>
+          </a:effectRef>
+          <a:fontRef idx="minor">
+            <a:schemeClr val="lt1"/>
+          </a:fontRef>
+        </p:style>
+        <p:txBody>
+          <a:bodyPr rtlCol="0" anchor="ctr"/>
+          <a:lstStyle/>
+          <a:p>
+            <a:pPr algn="ctr"/>
+            <a:r>
+              <a:rPr lang="en-US" sz="1413" dirty="0">
+                <a:solidFill>
+                  <a:schemeClr val="tx1"/>
+                </a:solidFill>
                 <a:latin typeface="Times New Roman" panose="02020603050405020304" pitchFamily="18" charset="0"/>
                 <a:cs typeface="Times New Roman" panose="02020603050405020304" pitchFamily="18" charset="0"/>
               </a:rPr>
-              <a:t>DeepPurpose</a:t>
-            </a:r>
-          </a:p>
-          <a:p>
-            <a:endParaRPr lang="en-US" sz="1400" dirty="0">
-              <a:latin typeface="Times New Roman" panose="02020603050405020304" pitchFamily="18" charset="0"/>
-              <a:cs typeface="Times New Roman" panose="02020603050405020304" pitchFamily="18" charset="0"/>
-            </a:endParaRPr>
-          </a:p>
-        </p:txBody>
-      </p:sp>
-      <p:sp>
-        <p:nvSpPr>
-          <p:cNvPr id="22" name="TextBox 21">
-            <a:extLst>
-              <a:ext uri="{FF2B5EF4-FFF2-40B4-BE49-F238E27FC236}">
-                <a16:creationId xmlns:a16="http://schemas.microsoft.com/office/drawing/2014/main" id="{C0B85C5C-B70F-461C-A1A2-B81BCC5F4CC5}"/>
-              </a:ext>
-            </a:extLst>
-          </p:cNvPr>
-          <p:cNvSpPr txBox="1"/>
-          <p:nvPr/>
-        </p:nvSpPr>
-        <p:spPr>
-          <a:xfrm>
-            <a:off x="8204325" y="9305932"/>
-            <a:ext cx="1237409" cy="307777"/>
-          </a:xfrm>
-          <a:prstGeom prst="rect">
-            <a:avLst/>
-          </a:prstGeom>
-          <a:solidFill>
-            <a:schemeClr val="bg1"/>
-          </a:solidFill>
-        </p:spPr>
-        <p:txBody>
-          <a:bodyPr wrap="square" rtlCol="0">
-            <a:spAutoFit/>
-          </a:bodyPr>
-          <a:lstStyle/>
-          <a:p>
-            <a:r>
-              <a:rPr lang="en-US" sz="1400" dirty="0">
+              <a:t>Natural Compounds from NCFD</a:t>
+            </a:r>
+          </a:p>
+        </p:txBody>
+      </p:sp>
+      <p:sp>
+        <p:nvSpPr>
+          <p:cNvPr id="53" name="Rectangle: Rounded Corners 52">
+            <a:extLst>
+              <a:ext uri="{FF2B5EF4-FFF2-40B4-BE49-F238E27FC236}">
+                <a16:creationId xmlns:a16="http://schemas.microsoft.com/office/drawing/2014/main" id="{8AB8278A-C747-4799-8A69-8AF597EB0DF4}"/>
+              </a:ext>
+            </a:extLst>
+          </p:cNvPr>
+          <p:cNvSpPr/>
+          <p:nvPr/>
+        </p:nvSpPr>
+        <p:spPr>
+          <a:xfrm>
+            <a:off x="2928262" y="2103743"/>
+            <a:ext cx="1437038" cy="676062"/>
+          </a:xfrm>
+          <a:prstGeom prst="roundRect">
+            <a:avLst/>
+          </a:prstGeom>
+          <a:noFill/>
+          <a:ln>
+            <a:solidFill>
+              <a:schemeClr val="tx1"/>
+            </a:solidFill>
+          </a:ln>
+        </p:spPr>
+        <p:style>
+          <a:lnRef idx="0">
+            <a:scrgbClr r="0" g="0" b="0"/>
+          </a:lnRef>
+          <a:fillRef idx="0">
+            <a:scrgbClr r="0" g="0" b="0"/>
+          </a:fillRef>
+          <a:effectRef idx="0">
+            <a:scrgbClr r="0" g="0" b="0"/>
+          </a:effectRef>
+          <a:fontRef idx="minor">
+            <a:schemeClr val="lt1"/>
+          </a:fontRef>
+        </p:style>
+        <p:txBody>
+          <a:bodyPr rtlCol="0" anchor="ctr"/>
+          <a:lstStyle/>
+          <a:p>
+            <a:pPr algn="ctr"/>
+            <a:r>
+              <a:rPr lang="en-US" sz="1413" dirty="0">
+                <a:solidFill>
+                  <a:schemeClr val="tx1"/>
+                </a:solidFill>
                 <a:latin typeface="Times New Roman" panose="02020603050405020304" pitchFamily="18" charset="0"/>
                 <a:cs typeface="Times New Roman" panose="02020603050405020304" pitchFamily="18" charset="0"/>
               </a:rPr>
-              <a:t>VecNet</a:t>
-            </a:r>
-          </a:p>
-        </p:txBody>
-      </p:sp>
-      <p:sp>
-        <p:nvSpPr>
-          <p:cNvPr id="23" name="TextBox 22">
-            <a:extLst>
-              <a:ext uri="{FF2B5EF4-FFF2-40B4-BE49-F238E27FC236}">
-                <a16:creationId xmlns:a16="http://schemas.microsoft.com/office/drawing/2014/main" id="{6A0A3FC4-46A9-4556-B652-168BDCAAD2C1}"/>
-              </a:ext>
-            </a:extLst>
-          </p:cNvPr>
-          <p:cNvSpPr txBox="1"/>
-          <p:nvPr/>
-        </p:nvSpPr>
-        <p:spPr>
-          <a:xfrm rot="16200000">
-            <a:off x="2820804" y="7339738"/>
-            <a:ext cx="1973179" cy="307777"/>
-          </a:xfrm>
-          <a:prstGeom prst="rect">
-            <a:avLst/>
-          </a:prstGeom>
-          <a:solidFill>
-            <a:schemeClr val="bg1"/>
-          </a:solidFill>
-        </p:spPr>
-        <p:txBody>
-          <a:bodyPr wrap="square" rtlCol="0">
-            <a:spAutoFit/>
-          </a:bodyPr>
-          <a:lstStyle/>
-          <a:p>
-            <a:r>
-              <a:rPr lang="en-US" sz="1400" dirty="0">
-                <a:latin typeface="Times New Roman" panose="02020603050405020304" pitchFamily="18" charset="0"/>
-                <a:cs typeface="Times New Roman" panose="02020603050405020304" pitchFamily="18" charset="0"/>
-              </a:rPr>
-              <a:t>Average Performance</a:t>
-            </a:r>
-          </a:p>
-        </p:txBody>
-      </p:sp>
-      <p:sp>
-        <p:nvSpPr>
-          <p:cNvPr id="24" name="TextBox 23">
-            <a:extLst>
-              <a:ext uri="{FF2B5EF4-FFF2-40B4-BE49-F238E27FC236}">
-                <a16:creationId xmlns:a16="http://schemas.microsoft.com/office/drawing/2014/main" id="{F07DF731-236A-4E64-A16E-E90C430F0940}"/>
-              </a:ext>
-            </a:extLst>
-          </p:cNvPr>
-          <p:cNvSpPr txBox="1"/>
-          <p:nvPr/>
-        </p:nvSpPr>
-        <p:spPr>
-          <a:xfrm>
-            <a:off x="10652005" y="9332994"/>
-            <a:ext cx="1237409" cy="307777"/>
-          </a:xfrm>
-          <a:prstGeom prst="rect">
-            <a:avLst/>
-          </a:prstGeom>
-          <a:solidFill>
-            <a:schemeClr val="bg1"/>
-          </a:solidFill>
-        </p:spPr>
-        <p:txBody>
-          <a:bodyPr wrap="square" rtlCol="0">
-            <a:spAutoFit/>
-          </a:bodyPr>
-          <a:lstStyle/>
-          <a:p>
-            <a:r>
-              <a:rPr lang="en-US" sz="1400" dirty="0">
-                <a:latin typeface="Times New Roman" panose="02020603050405020304" pitchFamily="18" charset="0"/>
-                <a:cs typeface="Times New Roman" panose="02020603050405020304" pitchFamily="18" charset="0"/>
-              </a:rPr>
-              <a:t>Drugs</a:t>
-            </a:r>
-          </a:p>
-        </p:txBody>
-      </p:sp>
-      <p:sp>
-        <p:nvSpPr>
-          <p:cNvPr id="25" name="TextBox 24">
-            <a:extLst>
-              <a:ext uri="{FF2B5EF4-FFF2-40B4-BE49-F238E27FC236}">
-                <a16:creationId xmlns:a16="http://schemas.microsoft.com/office/drawing/2014/main" id="{F3A74740-28B4-4AC7-B939-2D7B193AC94A}"/>
-              </a:ext>
-            </a:extLst>
-          </p:cNvPr>
-          <p:cNvSpPr txBox="1"/>
-          <p:nvPr/>
-        </p:nvSpPr>
-        <p:spPr>
-          <a:xfrm>
-            <a:off x="13079809" y="9332994"/>
-            <a:ext cx="1800448" cy="307777"/>
-          </a:xfrm>
-          <a:prstGeom prst="rect">
-            <a:avLst/>
-          </a:prstGeom>
-          <a:solidFill>
-            <a:schemeClr val="bg1"/>
-          </a:solidFill>
-        </p:spPr>
-        <p:txBody>
-          <a:bodyPr wrap="square" rtlCol="0">
-            <a:spAutoFit/>
-          </a:bodyPr>
-          <a:lstStyle/>
-          <a:p>
-            <a:r>
-              <a:rPr lang="en-US" sz="1400" dirty="0">
-                <a:latin typeface="Times New Roman" panose="02020603050405020304" pitchFamily="18" charset="0"/>
-                <a:cs typeface="Times New Roman" panose="02020603050405020304" pitchFamily="18" charset="0"/>
-              </a:rPr>
-              <a:t>Natural Compounds</a:t>
-            </a:r>
-          </a:p>
-        </p:txBody>
-      </p:sp>
-      <p:sp>
-        <p:nvSpPr>
-          <p:cNvPr id="26" name="TextBox 25">
-            <a:extLst>
-              <a:ext uri="{FF2B5EF4-FFF2-40B4-BE49-F238E27FC236}">
-                <a16:creationId xmlns:a16="http://schemas.microsoft.com/office/drawing/2014/main" id="{9DC9D2B1-EC97-406D-B638-AC1CB91090A7}"/>
-              </a:ext>
-            </a:extLst>
-          </p:cNvPr>
-          <p:cNvSpPr txBox="1"/>
-          <p:nvPr/>
-        </p:nvSpPr>
-        <p:spPr>
-          <a:xfrm rot="16200000">
-            <a:off x="8179681" y="7380165"/>
-            <a:ext cx="2641702" cy="307777"/>
-          </a:xfrm>
-          <a:prstGeom prst="rect">
-            <a:avLst/>
-          </a:prstGeom>
-          <a:solidFill>
-            <a:schemeClr val="bg1"/>
-          </a:solidFill>
-        </p:spPr>
-        <p:txBody>
-          <a:bodyPr wrap="square" rtlCol="0">
-            <a:spAutoFit/>
-          </a:bodyPr>
-          <a:lstStyle/>
-          <a:p>
-            <a:r>
-              <a:rPr lang="en-US" sz="1400" dirty="0">
-                <a:latin typeface="Times New Roman" panose="02020603050405020304" pitchFamily="18" charset="0"/>
-                <a:cs typeface="Times New Roman" panose="02020603050405020304" pitchFamily="18" charset="0"/>
-              </a:rPr>
-              <a:t>Average Performance of VecNet</a:t>
-            </a:r>
-          </a:p>
-        </p:txBody>
-      </p:sp>
-      <p:sp>
-        <p:nvSpPr>
-          <p:cNvPr id="28" name="TextBox 27">
-            <a:extLst>
-              <a:ext uri="{FF2B5EF4-FFF2-40B4-BE49-F238E27FC236}">
-                <a16:creationId xmlns:a16="http://schemas.microsoft.com/office/drawing/2014/main" id="{0DB8B9AD-AFBF-4DC7-8A44-5600715333DD}"/>
-              </a:ext>
-            </a:extLst>
-          </p:cNvPr>
-          <p:cNvSpPr txBox="1"/>
-          <p:nvPr/>
-        </p:nvSpPr>
-        <p:spPr>
-          <a:xfrm>
-            <a:off x="6133768" y="5476182"/>
-            <a:ext cx="2082242" cy="307777"/>
-          </a:xfrm>
-          <a:prstGeom prst="rect">
-            <a:avLst/>
-          </a:prstGeom>
-          <a:solidFill>
-            <a:schemeClr val="bg1"/>
-          </a:solidFill>
-        </p:spPr>
-        <p:txBody>
-          <a:bodyPr wrap="square" rtlCol="0">
-            <a:spAutoFit/>
-          </a:bodyPr>
-          <a:lstStyle/>
-          <a:p>
-            <a:r>
-              <a:rPr lang="en-US" sz="1400" dirty="0">
-                <a:latin typeface="Times New Roman" panose="02020603050405020304" pitchFamily="18" charset="0"/>
-                <a:cs typeface="Times New Roman" panose="02020603050405020304" pitchFamily="18" charset="0"/>
-              </a:rPr>
-              <a:t>Unseen Nodes</a:t>
-            </a:r>
-          </a:p>
-        </p:txBody>
-      </p:sp>
-      <p:sp>
-        <p:nvSpPr>
-          <p:cNvPr id="29" name="TextBox 28">
-            <a:extLst>
-              <a:ext uri="{FF2B5EF4-FFF2-40B4-BE49-F238E27FC236}">
-                <a16:creationId xmlns:a16="http://schemas.microsoft.com/office/drawing/2014/main" id="{5FA7876D-B796-4B42-8B22-96E0D6AA2BC3}"/>
-              </a:ext>
-            </a:extLst>
-          </p:cNvPr>
-          <p:cNvSpPr txBox="1"/>
-          <p:nvPr/>
-        </p:nvSpPr>
-        <p:spPr>
-          <a:xfrm>
-            <a:off x="11690630" y="5464651"/>
-            <a:ext cx="2082242" cy="307777"/>
-          </a:xfrm>
-          <a:prstGeom prst="rect">
-            <a:avLst/>
-          </a:prstGeom>
-          <a:solidFill>
-            <a:schemeClr val="bg1"/>
-          </a:solidFill>
-        </p:spPr>
-        <p:txBody>
-          <a:bodyPr wrap="square" rtlCol="0">
-            <a:spAutoFit/>
-          </a:bodyPr>
-          <a:lstStyle/>
-          <a:p>
-            <a:r>
-              <a:rPr lang="en-US" sz="1400" dirty="0">
-                <a:latin typeface="Times New Roman" panose="02020603050405020304" pitchFamily="18" charset="0"/>
-                <a:cs typeface="Times New Roman" panose="02020603050405020304" pitchFamily="18" charset="0"/>
-              </a:rPr>
-              <a:t>Unseen Nodes</a:t>
-            </a:r>
-          </a:p>
-        </p:txBody>
-      </p:sp>
-      <p:sp>
-        <p:nvSpPr>
-          <p:cNvPr id="30" name="TextBox 29">
-            <a:extLst>
-              <a:ext uri="{FF2B5EF4-FFF2-40B4-BE49-F238E27FC236}">
-                <a16:creationId xmlns:a16="http://schemas.microsoft.com/office/drawing/2014/main" id="{35D27CC4-A346-45D8-A90D-D85DB37B8EE1}"/>
-              </a:ext>
-            </a:extLst>
-          </p:cNvPr>
-          <p:cNvSpPr txBox="1"/>
-          <p:nvPr/>
-        </p:nvSpPr>
-        <p:spPr>
-          <a:xfrm>
-            <a:off x="6148514" y="9719299"/>
-            <a:ext cx="2082242" cy="307777"/>
-          </a:xfrm>
-          <a:prstGeom prst="rect">
-            <a:avLst/>
-          </a:prstGeom>
-          <a:solidFill>
-            <a:schemeClr val="bg1"/>
-          </a:solidFill>
-        </p:spPr>
-        <p:txBody>
-          <a:bodyPr wrap="square" rtlCol="0">
-            <a:spAutoFit/>
-          </a:bodyPr>
-          <a:lstStyle/>
-          <a:p>
-            <a:r>
-              <a:rPr lang="en-US" sz="1400" dirty="0">
-                <a:latin typeface="Times New Roman" panose="02020603050405020304" pitchFamily="18" charset="0"/>
-                <a:cs typeface="Times New Roman" panose="02020603050405020304" pitchFamily="18" charset="0"/>
-              </a:rPr>
-              <a:t>Unseen Targets</a:t>
-            </a:r>
-          </a:p>
-        </p:txBody>
-      </p:sp>
-      <p:sp>
-        <p:nvSpPr>
-          <p:cNvPr id="31" name="TextBox 30">
-            <a:extLst>
-              <a:ext uri="{FF2B5EF4-FFF2-40B4-BE49-F238E27FC236}">
-                <a16:creationId xmlns:a16="http://schemas.microsoft.com/office/drawing/2014/main" id="{ED1D8148-7FC7-481C-A13D-6A4F04E85DE5}"/>
-              </a:ext>
-            </a:extLst>
-          </p:cNvPr>
-          <p:cNvSpPr txBox="1"/>
-          <p:nvPr/>
-        </p:nvSpPr>
-        <p:spPr>
-          <a:xfrm>
-            <a:off x="11705376" y="9745677"/>
-            <a:ext cx="2082242" cy="307777"/>
-          </a:xfrm>
-          <a:prstGeom prst="rect">
-            <a:avLst/>
-          </a:prstGeom>
-          <a:solidFill>
-            <a:schemeClr val="bg1"/>
-          </a:solidFill>
-        </p:spPr>
-        <p:txBody>
-          <a:bodyPr wrap="square" rtlCol="0">
-            <a:spAutoFit/>
-          </a:bodyPr>
-          <a:lstStyle/>
-          <a:p>
-            <a:r>
-              <a:rPr lang="en-US" sz="1400" dirty="0">
-                <a:latin typeface="Times New Roman" panose="02020603050405020304" pitchFamily="18" charset="0"/>
-                <a:cs typeface="Times New Roman" panose="02020603050405020304" pitchFamily="18" charset="0"/>
-              </a:rPr>
-              <a:t>Unseen Edges</a:t>
-            </a:r>
-          </a:p>
-        </p:txBody>
-      </p:sp>
-      <p:sp>
-        <p:nvSpPr>
-          <p:cNvPr id="32" name="TextBox 31">
-            <a:extLst>
-              <a:ext uri="{FF2B5EF4-FFF2-40B4-BE49-F238E27FC236}">
-                <a16:creationId xmlns:a16="http://schemas.microsoft.com/office/drawing/2014/main" id="{3432905A-A157-4137-A1B3-19983BCB4578}"/>
-              </a:ext>
-            </a:extLst>
-          </p:cNvPr>
-          <p:cNvSpPr txBox="1"/>
-          <p:nvPr/>
-        </p:nvSpPr>
-        <p:spPr>
-          <a:xfrm rot="16200000">
-            <a:off x="2842969" y="11414433"/>
-            <a:ext cx="1973179" cy="307777"/>
-          </a:xfrm>
-          <a:prstGeom prst="rect">
-            <a:avLst/>
-          </a:prstGeom>
-          <a:solidFill>
-            <a:schemeClr val="bg1"/>
-          </a:solidFill>
-        </p:spPr>
-        <p:txBody>
-          <a:bodyPr wrap="square" rtlCol="0">
-            <a:spAutoFit/>
-          </a:bodyPr>
-          <a:lstStyle/>
-          <a:p>
-            <a:r>
-              <a:rPr lang="en-US" sz="1400" dirty="0">
-                <a:latin typeface="Times New Roman" panose="02020603050405020304" pitchFamily="18" charset="0"/>
-                <a:cs typeface="Times New Roman" panose="02020603050405020304" pitchFamily="18" charset="0"/>
-              </a:rPr>
-              <a:t>Average Performance</a:t>
-            </a:r>
-          </a:p>
-        </p:txBody>
-      </p:sp>
-      <p:sp>
-        <p:nvSpPr>
-          <p:cNvPr id="33" name="TextBox 32">
-            <a:extLst>
-              <a:ext uri="{FF2B5EF4-FFF2-40B4-BE49-F238E27FC236}">
-                <a16:creationId xmlns:a16="http://schemas.microsoft.com/office/drawing/2014/main" id="{C3A5EB90-8569-4A66-A35F-6A57235650EC}"/>
-              </a:ext>
-            </a:extLst>
-          </p:cNvPr>
-          <p:cNvSpPr txBox="1"/>
-          <p:nvPr/>
-        </p:nvSpPr>
-        <p:spPr>
-          <a:xfrm rot="16200000">
-            <a:off x="8502322" y="11414432"/>
-            <a:ext cx="1973179" cy="307777"/>
-          </a:xfrm>
-          <a:prstGeom prst="rect">
-            <a:avLst/>
-          </a:prstGeom>
-          <a:solidFill>
-            <a:schemeClr val="bg1"/>
-          </a:solidFill>
-        </p:spPr>
-        <p:txBody>
-          <a:bodyPr wrap="square" rtlCol="0">
-            <a:spAutoFit/>
-          </a:bodyPr>
-          <a:lstStyle/>
-          <a:p>
-            <a:r>
-              <a:rPr lang="en-US" sz="1400" dirty="0">
-                <a:latin typeface="Times New Roman" panose="02020603050405020304" pitchFamily="18" charset="0"/>
-                <a:cs typeface="Times New Roman" panose="02020603050405020304" pitchFamily="18" charset="0"/>
-              </a:rPr>
-              <a:t>Average Performance</a:t>
-            </a:r>
-          </a:p>
-        </p:txBody>
-      </p:sp>
-      <p:sp>
-        <p:nvSpPr>
-          <p:cNvPr id="37" name="TextBox 36">
-            <a:extLst>
-              <a:ext uri="{FF2B5EF4-FFF2-40B4-BE49-F238E27FC236}">
-                <a16:creationId xmlns:a16="http://schemas.microsoft.com/office/drawing/2014/main" id="{46BF0DD0-D9F6-4CFF-8840-49698AB97F85}"/>
-              </a:ext>
-            </a:extLst>
-          </p:cNvPr>
-          <p:cNvSpPr txBox="1"/>
-          <p:nvPr/>
-        </p:nvSpPr>
-        <p:spPr>
-          <a:xfrm>
-            <a:off x="4206594" y="13538536"/>
-            <a:ext cx="1973179" cy="307777"/>
-          </a:xfrm>
-          <a:prstGeom prst="rect">
-            <a:avLst/>
-          </a:prstGeom>
-          <a:solidFill>
-            <a:schemeClr val="bg1"/>
-          </a:solidFill>
-        </p:spPr>
-        <p:txBody>
-          <a:bodyPr wrap="square" rtlCol="0">
-            <a:spAutoFit/>
-          </a:bodyPr>
-          <a:lstStyle/>
-          <a:p>
-            <a:r>
-              <a:rPr lang="en-US" sz="1400" dirty="0">
-                <a:latin typeface="Times New Roman" panose="02020603050405020304" pitchFamily="18" charset="0"/>
-                <a:cs typeface="Times New Roman" panose="02020603050405020304" pitchFamily="18" charset="0"/>
-              </a:rPr>
-              <a:t>Configuration Model</a:t>
-            </a:r>
-          </a:p>
-        </p:txBody>
-      </p:sp>
-      <p:sp>
-        <p:nvSpPr>
-          <p:cNvPr id="39" name="TextBox 38">
-            <a:extLst>
-              <a:ext uri="{FF2B5EF4-FFF2-40B4-BE49-F238E27FC236}">
-                <a16:creationId xmlns:a16="http://schemas.microsoft.com/office/drawing/2014/main" id="{8D22A34C-1D5C-4047-8FC2-D7AF08A3BBFF}"/>
-              </a:ext>
-            </a:extLst>
-          </p:cNvPr>
-          <p:cNvSpPr txBox="1"/>
-          <p:nvPr/>
-        </p:nvSpPr>
-        <p:spPr>
-          <a:xfrm>
-            <a:off x="6188275" y="13543160"/>
-            <a:ext cx="1973179" cy="523220"/>
-          </a:xfrm>
-          <a:prstGeom prst="rect">
-            <a:avLst/>
-          </a:prstGeom>
-          <a:solidFill>
-            <a:schemeClr val="bg1"/>
-          </a:solidFill>
-        </p:spPr>
-        <p:txBody>
-          <a:bodyPr wrap="square" rtlCol="0">
-            <a:spAutoFit/>
-          </a:bodyPr>
-          <a:lstStyle/>
-          <a:p>
-            <a:r>
-              <a:rPr lang="en-US" sz="1400" dirty="0">
-                <a:latin typeface="Times New Roman" panose="02020603050405020304" pitchFamily="18" charset="0"/>
-                <a:cs typeface="Times New Roman" panose="02020603050405020304" pitchFamily="18" charset="0"/>
-              </a:rPr>
-              <a:t>DeepPurpose</a:t>
-            </a:r>
-          </a:p>
-          <a:p>
-            <a:endParaRPr lang="en-US" sz="1400" dirty="0">
-              <a:latin typeface="Times New Roman" panose="02020603050405020304" pitchFamily="18" charset="0"/>
-              <a:cs typeface="Times New Roman" panose="02020603050405020304" pitchFamily="18" charset="0"/>
-            </a:endParaRPr>
-          </a:p>
-        </p:txBody>
-      </p:sp>
-      <p:sp>
-        <p:nvSpPr>
-          <p:cNvPr id="41" name="TextBox 40">
-            <a:extLst>
-              <a:ext uri="{FF2B5EF4-FFF2-40B4-BE49-F238E27FC236}">
-                <a16:creationId xmlns:a16="http://schemas.microsoft.com/office/drawing/2014/main" id="{93744987-6302-411E-9C3A-A0D9E0290086}"/>
-              </a:ext>
-            </a:extLst>
-          </p:cNvPr>
-          <p:cNvSpPr txBox="1"/>
-          <p:nvPr/>
-        </p:nvSpPr>
-        <p:spPr>
-          <a:xfrm>
-            <a:off x="8150252" y="13549158"/>
-            <a:ext cx="1237409" cy="307777"/>
-          </a:xfrm>
-          <a:prstGeom prst="rect">
-            <a:avLst/>
-          </a:prstGeom>
-          <a:solidFill>
-            <a:schemeClr val="bg1"/>
-          </a:solidFill>
-        </p:spPr>
-        <p:txBody>
-          <a:bodyPr wrap="square" rtlCol="0">
-            <a:spAutoFit/>
-          </a:bodyPr>
-          <a:lstStyle/>
-          <a:p>
-            <a:r>
-              <a:rPr lang="en-US" sz="1400" dirty="0">
-                <a:latin typeface="Times New Roman" panose="02020603050405020304" pitchFamily="18" charset="0"/>
-                <a:cs typeface="Times New Roman" panose="02020603050405020304" pitchFamily="18" charset="0"/>
-              </a:rPr>
-              <a:t>VecNet</a:t>
-            </a:r>
-          </a:p>
-        </p:txBody>
-      </p:sp>
-      <p:sp>
-        <p:nvSpPr>
-          <p:cNvPr id="42" name="TextBox 41">
-            <a:extLst>
-              <a:ext uri="{FF2B5EF4-FFF2-40B4-BE49-F238E27FC236}">
-                <a16:creationId xmlns:a16="http://schemas.microsoft.com/office/drawing/2014/main" id="{8A406C75-5E2D-49F5-8641-5147905CC1FE}"/>
-              </a:ext>
-            </a:extLst>
-          </p:cNvPr>
-          <p:cNvSpPr txBox="1"/>
-          <p:nvPr/>
-        </p:nvSpPr>
-        <p:spPr>
-          <a:xfrm>
-            <a:off x="9873186" y="13549158"/>
-            <a:ext cx="1973179" cy="307777"/>
-          </a:xfrm>
-          <a:prstGeom prst="rect">
-            <a:avLst/>
-          </a:prstGeom>
-          <a:solidFill>
-            <a:schemeClr val="bg1"/>
-          </a:solidFill>
-        </p:spPr>
-        <p:txBody>
-          <a:bodyPr wrap="square" rtlCol="0">
-            <a:spAutoFit/>
-          </a:bodyPr>
-          <a:lstStyle/>
-          <a:p>
-            <a:r>
-              <a:rPr lang="en-US" sz="1400" dirty="0">
-                <a:latin typeface="Times New Roman" panose="02020603050405020304" pitchFamily="18" charset="0"/>
-                <a:cs typeface="Times New Roman" panose="02020603050405020304" pitchFamily="18" charset="0"/>
-              </a:rPr>
-              <a:t>Configuration Model</a:t>
-            </a:r>
-          </a:p>
-        </p:txBody>
-      </p:sp>
-      <p:sp>
-        <p:nvSpPr>
-          <p:cNvPr id="43" name="TextBox 42">
-            <a:extLst>
-              <a:ext uri="{FF2B5EF4-FFF2-40B4-BE49-F238E27FC236}">
-                <a16:creationId xmlns:a16="http://schemas.microsoft.com/office/drawing/2014/main" id="{D0D5D858-4747-4C09-B268-8259D0DEAA9A}"/>
-              </a:ext>
-            </a:extLst>
-          </p:cNvPr>
-          <p:cNvSpPr txBox="1"/>
-          <p:nvPr/>
-        </p:nvSpPr>
-        <p:spPr>
-          <a:xfrm>
-            <a:off x="11889414" y="13538536"/>
-            <a:ext cx="1973179" cy="523220"/>
-          </a:xfrm>
-          <a:prstGeom prst="rect">
-            <a:avLst/>
-          </a:prstGeom>
-          <a:solidFill>
-            <a:schemeClr val="bg1"/>
-          </a:solidFill>
-        </p:spPr>
-        <p:txBody>
-          <a:bodyPr wrap="square" rtlCol="0">
-            <a:spAutoFit/>
-          </a:bodyPr>
-          <a:lstStyle/>
-          <a:p>
-            <a:r>
-              <a:rPr lang="en-US" sz="1400" dirty="0">
-                <a:latin typeface="Times New Roman" panose="02020603050405020304" pitchFamily="18" charset="0"/>
-                <a:cs typeface="Times New Roman" panose="02020603050405020304" pitchFamily="18" charset="0"/>
-              </a:rPr>
-              <a:t>DeepPurpose</a:t>
-            </a:r>
-          </a:p>
-          <a:p>
-            <a:endParaRPr lang="en-US" sz="1400" dirty="0">
-              <a:latin typeface="Times New Roman" panose="02020603050405020304" pitchFamily="18" charset="0"/>
-              <a:cs typeface="Times New Roman" panose="02020603050405020304" pitchFamily="18" charset="0"/>
-            </a:endParaRPr>
-          </a:p>
-        </p:txBody>
-      </p:sp>
-      <p:sp>
-        <p:nvSpPr>
-          <p:cNvPr id="44" name="TextBox 43">
-            <a:extLst>
-              <a:ext uri="{FF2B5EF4-FFF2-40B4-BE49-F238E27FC236}">
-                <a16:creationId xmlns:a16="http://schemas.microsoft.com/office/drawing/2014/main" id="{4860491E-77C9-4A5A-B866-219F8F265AB9}"/>
-              </a:ext>
-            </a:extLst>
-          </p:cNvPr>
-          <p:cNvSpPr txBox="1"/>
-          <p:nvPr/>
-        </p:nvSpPr>
-        <p:spPr>
-          <a:xfrm>
-            <a:off x="13807411" y="13540595"/>
-            <a:ext cx="1237409" cy="307777"/>
-          </a:xfrm>
-          <a:prstGeom prst="rect">
-            <a:avLst/>
-          </a:prstGeom>
-          <a:solidFill>
-            <a:schemeClr val="bg1"/>
-          </a:solidFill>
-        </p:spPr>
-        <p:txBody>
-          <a:bodyPr wrap="square" rtlCol="0">
-            <a:spAutoFit/>
-          </a:bodyPr>
-          <a:lstStyle/>
-          <a:p>
-            <a:r>
-              <a:rPr lang="en-US" sz="1400" dirty="0">
-                <a:latin typeface="Times New Roman" panose="02020603050405020304" pitchFamily="18" charset="0"/>
-                <a:cs typeface="Times New Roman" panose="02020603050405020304" pitchFamily="18" charset="0"/>
-              </a:rPr>
-              <a:t>VecNet</a:t>
-            </a:r>
-          </a:p>
-        </p:txBody>
-      </p:sp>
-      <p:sp>
-        <p:nvSpPr>
-          <p:cNvPr id="45" name="TextBox 44">
-            <a:extLst>
-              <a:ext uri="{FF2B5EF4-FFF2-40B4-BE49-F238E27FC236}">
-                <a16:creationId xmlns:a16="http://schemas.microsoft.com/office/drawing/2014/main" id="{C481605D-84DA-475C-93CC-B4BE53AA438B}"/>
-              </a:ext>
-            </a:extLst>
-          </p:cNvPr>
-          <p:cNvSpPr txBox="1"/>
-          <p:nvPr/>
-        </p:nvSpPr>
-        <p:spPr>
-          <a:xfrm>
-            <a:off x="11904215" y="9447135"/>
-            <a:ext cx="1237409" cy="307777"/>
-          </a:xfrm>
-          <a:prstGeom prst="rect">
-            <a:avLst/>
-          </a:prstGeom>
-          <a:solidFill>
-            <a:schemeClr val="bg1"/>
-          </a:solidFill>
-        </p:spPr>
-        <p:txBody>
-          <a:bodyPr wrap="square" rtlCol="0">
-            <a:spAutoFit/>
-          </a:bodyPr>
-          <a:lstStyle/>
-          <a:p>
-            <a:r>
-              <a:rPr lang="en-US" sz="1400" dirty="0">
-                <a:latin typeface="Times New Roman" panose="02020603050405020304" pitchFamily="18" charset="0"/>
-                <a:cs typeface="Times New Roman" panose="02020603050405020304" pitchFamily="18" charset="0"/>
-              </a:rPr>
-              <a:t>Ligand Type</a:t>
-            </a:r>
-          </a:p>
-        </p:txBody>
-      </p:sp>
-      <p:sp>
-        <p:nvSpPr>
-          <p:cNvPr id="46" name="TextBox 45">
-            <a:extLst>
-              <a:ext uri="{FF2B5EF4-FFF2-40B4-BE49-F238E27FC236}">
-                <a16:creationId xmlns:a16="http://schemas.microsoft.com/office/drawing/2014/main" id="{3E8FF862-00A5-4FF4-B8C3-66E1AB2CDC4A}"/>
-              </a:ext>
-            </a:extLst>
-          </p:cNvPr>
-          <p:cNvSpPr txBox="1"/>
-          <p:nvPr/>
-        </p:nvSpPr>
-        <p:spPr>
-          <a:xfrm>
-            <a:off x="9248614" y="5135197"/>
-            <a:ext cx="444352" cy="523220"/>
-          </a:xfrm>
-          <a:prstGeom prst="rect">
-            <a:avLst/>
-          </a:prstGeom>
-          <a:noFill/>
-        </p:spPr>
-        <p:txBody>
-          <a:bodyPr wrap="none" rtlCol="0">
-            <a:spAutoFit/>
-          </a:bodyPr>
-          <a:lstStyle/>
-          <a:p>
-            <a:r>
-              <a:rPr lang="en-US" sz="2800" b="1" dirty="0">
-                <a:latin typeface="Times New Roman" panose="02020603050405020304" pitchFamily="18" charset="0"/>
-                <a:cs typeface="Times New Roman" panose="02020603050405020304" pitchFamily="18" charset="0"/>
-              </a:rPr>
-              <a:t>D</a:t>
-            </a:r>
-          </a:p>
-        </p:txBody>
-      </p:sp>
-      <p:sp>
-        <p:nvSpPr>
-          <p:cNvPr id="47" name="TextBox 46">
-            <a:extLst>
-              <a:ext uri="{FF2B5EF4-FFF2-40B4-BE49-F238E27FC236}">
-                <a16:creationId xmlns:a16="http://schemas.microsoft.com/office/drawing/2014/main" id="{22EF8DB5-1EF9-4FA8-980A-615E98FEEE59}"/>
-              </a:ext>
-            </a:extLst>
-          </p:cNvPr>
-          <p:cNvSpPr txBox="1"/>
-          <p:nvPr/>
-        </p:nvSpPr>
-        <p:spPr>
-          <a:xfrm>
-            <a:off x="3664317" y="9502537"/>
-            <a:ext cx="423514" cy="523220"/>
-          </a:xfrm>
-          <a:prstGeom prst="rect">
-            <a:avLst/>
-          </a:prstGeom>
-          <a:noFill/>
-        </p:spPr>
-        <p:txBody>
-          <a:bodyPr wrap="none" rtlCol="0">
-            <a:spAutoFit/>
-          </a:bodyPr>
-          <a:lstStyle/>
-          <a:p>
-            <a:r>
-              <a:rPr lang="en-US" sz="2800" b="1" dirty="0">
-                <a:latin typeface="Times New Roman" panose="02020603050405020304" pitchFamily="18" charset="0"/>
-                <a:cs typeface="Times New Roman" panose="02020603050405020304" pitchFamily="18" charset="0"/>
-              </a:rPr>
-              <a:t>E</a:t>
-            </a:r>
-          </a:p>
-        </p:txBody>
-      </p:sp>
-      <p:sp>
-        <p:nvSpPr>
-          <p:cNvPr id="48" name="TextBox 47">
-            <a:extLst>
-              <a:ext uri="{FF2B5EF4-FFF2-40B4-BE49-F238E27FC236}">
-                <a16:creationId xmlns:a16="http://schemas.microsoft.com/office/drawing/2014/main" id="{1D4B13BD-E0B8-49E0-BA93-51D78B0BB6CB}"/>
-              </a:ext>
-            </a:extLst>
-          </p:cNvPr>
-          <p:cNvSpPr txBox="1"/>
-          <p:nvPr/>
-        </p:nvSpPr>
-        <p:spPr>
-          <a:xfrm>
-            <a:off x="9305815" y="9515333"/>
-            <a:ext cx="404278" cy="523220"/>
-          </a:xfrm>
-          <a:prstGeom prst="rect">
-            <a:avLst/>
-          </a:prstGeom>
-          <a:noFill/>
-        </p:spPr>
-        <p:txBody>
-          <a:bodyPr wrap="none" rtlCol="0">
-            <a:spAutoFit/>
-          </a:bodyPr>
-          <a:lstStyle/>
-          <a:p>
-            <a:r>
-              <a:rPr lang="en-US" sz="2800" b="1" dirty="0">
-                <a:latin typeface="Times New Roman" panose="02020603050405020304" pitchFamily="18" charset="0"/>
-                <a:cs typeface="Times New Roman" panose="02020603050405020304" pitchFamily="18" charset="0"/>
-              </a:rPr>
-              <a:t>F</a:t>
+              <a:t>Novel Protein Targets</a:t>
             </a:r>
           </a:p>
         </p:txBody>
       </p:sp>
       <p:cxnSp>
         <p:nvCxnSpPr>
-          <p:cNvPr id="4" name="Straight Arrow Connector 3">
-            <a:extLst>
-              <a:ext uri="{FF2B5EF4-FFF2-40B4-BE49-F238E27FC236}">
-                <a16:creationId xmlns:a16="http://schemas.microsoft.com/office/drawing/2014/main" id="{EB11A17F-C40B-429D-BB9F-0009FF0DDBB9}"/>
+          <p:cNvPr id="54" name="Straight Arrow Connector 53">
+            <a:extLst>
+              <a:ext uri="{FF2B5EF4-FFF2-40B4-BE49-F238E27FC236}">
+                <a16:creationId xmlns:a16="http://schemas.microsoft.com/office/drawing/2014/main" id="{10FFE111-C3D5-4428-B8D4-17302ED0DCD5}"/>
               </a:ext>
             </a:extLst>
           </p:cNvPr>
           <p:cNvCxnSpPr>
             <a:cxnSpLocks/>
+            <a:stCxn id="51" idx="3"/>
+            <a:endCxn id="63" idx="1"/>
           </p:cNvCxnSpPr>
           <p:nvPr/>
         </p:nvCxnSpPr>
         <p:spPr>
           <a:xfrm>
-            <a:off x="9204626" y="6699228"/>
-            <a:ext cx="190865" cy="0"/>
+            <a:off x="4323073" y="355141"/>
+            <a:ext cx="419361" cy="401412"/>
           </a:xfrm>
           <a:prstGeom prst="straightConnector1">
             <a:avLst/>
           </a:prstGeom>
-          <a:ln w="19050">
+          <a:ln>
             <a:solidFill>
-              <a:srgbClr val="548235"/>
+              <a:schemeClr val="tx1"/>
             </a:solidFill>
             <a:tailEnd type="triangle"/>
           </a:ln>
@@ -5003,1367 +5106,2968 @@
           </a:fontRef>
         </p:style>
       </p:cxnSp>
-      <p:grpSp>
-        <p:nvGrpSpPr>
-          <p:cNvPr id="50" name="Group 49">
-            <a:extLst>
-              <a:ext uri="{FF2B5EF4-FFF2-40B4-BE49-F238E27FC236}">
-                <a16:creationId xmlns:a16="http://schemas.microsoft.com/office/drawing/2014/main" id="{D7630B7B-2283-40DD-AB2A-0B91FC118A98}"/>
-              </a:ext>
-            </a:extLst>
-          </p:cNvPr>
-          <p:cNvGrpSpPr/>
-          <p:nvPr/>
-        </p:nvGrpSpPr>
-        <p:grpSpPr>
-          <a:xfrm>
-            <a:off x="1140526" y="380123"/>
-            <a:ext cx="13352693" cy="4637892"/>
-            <a:chOff x="0" y="638029"/>
-            <a:chExt cx="11612876" cy="4329183"/>
-          </a:xfrm>
-        </p:grpSpPr>
-        <p:sp>
-          <p:nvSpPr>
-            <p:cNvPr id="51" name="Rectangle: Rounded Corners 50">
-              <a:extLst>
-                <a:ext uri="{FF2B5EF4-FFF2-40B4-BE49-F238E27FC236}">
-                  <a16:creationId xmlns:a16="http://schemas.microsoft.com/office/drawing/2014/main" id="{F3E016D5-D6B3-4DD0-A954-157DCA48B4A0}"/>
-                </a:ext>
-              </a:extLst>
-            </p:cNvPr>
-            <p:cNvSpPr/>
-            <p:nvPr/>
-          </p:nvSpPr>
-          <p:spPr>
-            <a:xfrm>
-              <a:off x="1015039" y="638029"/>
-              <a:ext cx="1523995" cy="770020"/>
-            </a:xfrm>
-            <a:prstGeom prst="roundRect">
-              <a:avLst/>
-            </a:prstGeom>
-            <a:noFill/>
-            <a:ln>
+      <p:cxnSp>
+        <p:nvCxnSpPr>
+          <p:cNvPr id="56" name="Straight Arrow Connector 55">
+            <a:extLst>
+              <a:ext uri="{FF2B5EF4-FFF2-40B4-BE49-F238E27FC236}">
+                <a16:creationId xmlns:a16="http://schemas.microsoft.com/office/drawing/2014/main" id="{4DF2A576-7916-4CAB-A0E1-B4E42C60826B}"/>
+              </a:ext>
+            </a:extLst>
+          </p:cNvPr>
+          <p:cNvCxnSpPr>
+            <a:cxnSpLocks/>
+            <a:stCxn id="52" idx="3"/>
+            <a:endCxn id="63" idx="1"/>
+          </p:cNvCxnSpPr>
+          <p:nvPr/>
+        </p:nvCxnSpPr>
+        <p:spPr>
+          <a:xfrm flipV="1">
+            <a:off x="4337911" y="756553"/>
+            <a:ext cx="404523" cy="354554"/>
+          </a:xfrm>
+          <a:prstGeom prst="straightConnector1">
+            <a:avLst/>
+          </a:prstGeom>
+          <a:ln>
+            <a:solidFill>
+              <a:schemeClr val="tx1"/>
+            </a:solidFill>
+            <a:tailEnd type="triangle"/>
+          </a:ln>
+        </p:spPr>
+        <p:style>
+          <a:lnRef idx="1">
+            <a:schemeClr val="accent1"/>
+          </a:lnRef>
+          <a:fillRef idx="0">
+            <a:schemeClr val="accent1"/>
+          </a:fillRef>
+          <a:effectRef idx="0">
+            <a:schemeClr val="accent1"/>
+          </a:effectRef>
+          <a:fontRef idx="minor">
+            <a:schemeClr val="tx1"/>
+          </a:fontRef>
+        </p:style>
+      </p:cxnSp>
+      <p:cxnSp>
+        <p:nvCxnSpPr>
+          <p:cNvPr id="57" name="Straight Arrow Connector 56">
+            <a:extLst>
+              <a:ext uri="{FF2B5EF4-FFF2-40B4-BE49-F238E27FC236}">
+                <a16:creationId xmlns:a16="http://schemas.microsoft.com/office/drawing/2014/main" id="{726F516C-1393-4169-946B-1EB2E0C9DB5E}"/>
+              </a:ext>
+            </a:extLst>
+          </p:cNvPr>
+          <p:cNvCxnSpPr>
+            <a:cxnSpLocks/>
+            <a:stCxn id="63" idx="3"/>
+          </p:cNvCxnSpPr>
+          <p:nvPr/>
+        </p:nvCxnSpPr>
+        <p:spPr>
+          <a:xfrm>
+            <a:off x="6156202" y="756551"/>
+            <a:ext cx="377116" cy="401411"/>
+          </a:xfrm>
+          <a:prstGeom prst="straightConnector1">
+            <a:avLst/>
+          </a:prstGeom>
+          <a:ln>
+            <a:solidFill>
+              <a:schemeClr val="tx1"/>
+            </a:solidFill>
+            <a:tailEnd type="triangle"/>
+          </a:ln>
+        </p:spPr>
+        <p:style>
+          <a:lnRef idx="1">
+            <a:schemeClr val="accent1"/>
+          </a:lnRef>
+          <a:fillRef idx="0">
+            <a:schemeClr val="accent1"/>
+          </a:fillRef>
+          <a:effectRef idx="0">
+            <a:schemeClr val="accent1"/>
+          </a:effectRef>
+          <a:fontRef idx="minor">
+            <a:schemeClr val="tx1"/>
+          </a:fontRef>
+        </p:style>
+      </p:cxnSp>
+      <p:cxnSp>
+        <p:nvCxnSpPr>
+          <p:cNvPr id="58" name="Straight Arrow Connector 57">
+            <a:extLst>
+              <a:ext uri="{FF2B5EF4-FFF2-40B4-BE49-F238E27FC236}">
+                <a16:creationId xmlns:a16="http://schemas.microsoft.com/office/drawing/2014/main" id="{684DE8C3-FE51-4675-AEA3-1CCAC6C89627}"/>
+              </a:ext>
+            </a:extLst>
+          </p:cNvPr>
+          <p:cNvCxnSpPr>
+            <a:cxnSpLocks/>
+            <a:stCxn id="53" idx="3"/>
+            <a:endCxn id="64" idx="1"/>
+          </p:cNvCxnSpPr>
+          <p:nvPr/>
+        </p:nvCxnSpPr>
+        <p:spPr>
+          <a:xfrm>
+            <a:off x="4365300" y="2441770"/>
+            <a:ext cx="317508" cy="0"/>
+          </a:xfrm>
+          <a:prstGeom prst="straightConnector1">
+            <a:avLst/>
+          </a:prstGeom>
+          <a:ln>
+            <a:solidFill>
+              <a:schemeClr val="tx1"/>
+            </a:solidFill>
+            <a:tailEnd type="triangle"/>
+          </a:ln>
+        </p:spPr>
+        <p:style>
+          <a:lnRef idx="1">
+            <a:schemeClr val="accent1"/>
+          </a:lnRef>
+          <a:fillRef idx="0">
+            <a:schemeClr val="accent1"/>
+          </a:fillRef>
+          <a:effectRef idx="0">
+            <a:schemeClr val="accent1"/>
+          </a:effectRef>
+          <a:fontRef idx="minor">
+            <a:schemeClr val="tx1"/>
+          </a:fontRef>
+        </p:style>
+      </p:cxnSp>
+      <p:sp>
+        <p:nvSpPr>
+          <p:cNvPr id="59" name="Rectangle: Rounded Corners 58">
+            <a:extLst>
+              <a:ext uri="{FF2B5EF4-FFF2-40B4-BE49-F238E27FC236}">
+                <a16:creationId xmlns:a16="http://schemas.microsoft.com/office/drawing/2014/main" id="{A00B9F74-7CC6-4F80-A55D-31DE035DBE26}"/>
+              </a:ext>
+            </a:extLst>
+          </p:cNvPr>
+          <p:cNvSpPr/>
+          <p:nvPr/>
+        </p:nvSpPr>
+        <p:spPr>
+          <a:xfrm>
+            <a:off x="11731208" y="1386883"/>
+            <a:ext cx="1028373" cy="521110"/>
+          </a:xfrm>
+          <a:prstGeom prst="roundRect">
+            <a:avLst/>
+          </a:prstGeom>
+          <a:noFill/>
+          <a:ln w="9525" cap="flat" cmpd="sng" algn="ctr">
+            <a:solidFill>
+              <a:schemeClr val="tx1"/>
+            </a:solidFill>
+            <a:prstDash val="solid"/>
+            <a:round/>
+            <a:headEnd type="none" w="med" len="med"/>
+            <a:tailEnd type="none" w="med" len="med"/>
+          </a:ln>
+        </p:spPr>
+        <p:style>
+          <a:lnRef idx="0">
+            <a:scrgbClr r="0" g="0" b="0"/>
+          </a:lnRef>
+          <a:fillRef idx="0">
+            <a:scrgbClr r="0" g="0" b="0"/>
+          </a:fillRef>
+          <a:effectRef idx="0">
+            <a:scrgbClr r="0" g="0" b="0"/>
+          </a:effectRef>
+          <a:fontRef idx="minor">
+            <a:schemeClr val="accent6"/>
+          </a:fontRef>
+        </p:style>
+        <p:txBody>
+          <a:bodyPr rtlCol="0" anchor="ctr"/>
+          <a:lstStyle/>
+          <a:p>
+            <a:pPr algn="ctr"/>
+            <a:r>
+              <a:rPr lang="en-US" sz="1413" dirty="0">
+                <a:solidFill>
+                  <a:schemeClr val="tx1"/>
+                </a:solidFill>
+                <a:latin typeface="Times New Roman" panose="02020603050405020304" pitchFamily="18" charset="0"/>
+                <a:cs typeface="Times New Roman" panose="02020603050405020304" pitchFamily="18" charset="0"/>
+              </a:rPr>
+              <a:t>Potential Ligands</a:t>
+            </a:r>
+          </a:p>
+        </p:txBody>
+      </p:sp>
+      <p:sp>
+        <p:nvSpPr>
+          <p:cNvPr id="63" name="Rectangle: Rounded Corners 62">
+            <a:extLst>
+              <a:ext uri="{FF2B5EF4-FFF2-40B4-BE49-F238E27FC236}">
+                <a16:creationId xmlns:a16="http://schemas.microsoft.com/office/drawing/2014/main" id="{90156FC3-62BD-4762-9E8F-72A23E4F1BAE}"/>
+              </a:ext>
+            </a:extLst>
+          </p:cNvPr>
+          <p:cNvSpPr/>
+          <p:nvPr/>
+        </p:nvSpPr>
+        <p:spPr>
+          <a:xfrm>
+            <a:off x="4742435" y="355141"/>
+            <a:ext cx="1413769" cy="802825"/>
+          </a:xfrm>
+          <a:prstGeom prst="roundRect">
+            <a:avLst/>
+          </a:prstGeom>
+          <a:noFill/>
+          <a:ln w="3175">
+            <a:solidFill>
+              <a:schemeClr val="tx1"/>
+            </a:solidFill>
+          </a:ln>
+        </p:spPr>
+        <p:style>
+          <a:lnRef idx="2">
+            <a:schemeClr val="accent1">
+              <a:shade val="50000"/>
+            </a:schemeClr>
+          </a:lnRef>
+          <a:fillRef idx="1">
+            <a:schemeClr val="accent1"/>
+          </a:fillRef>
+          <a:effectRef idx="0">
+            <a:schemeClr val="accent1"/>
+          </a:effectRef>
+          <a:fontRef idx="minor">
+            <a:schemeClr val="lt1"/>
+          </a:fontRef>
+        </p:style>
+        <p:txBody>
+          <a:bodyPr rtlCol="0" anchor="ctr"/>
+          <a:lstStyle/>
+          <a:p>
+            <a:pPr algn="ctr"/>
+            <a:r>
+              <a:rPr lang="en-US" sz="1413" dirty="0">
+                <a:solidFill>
+                  <a:schemeClr val="tx1"/>
+                </a:solidFill>
+                <a:latin typeface="Times New Roman" panose="02020603050405020304" pitchFamily="18" charset="0"/>
+                <a:cs typeface="Times New Roman" panose="02020603050405020304" pitchFamily="18" charset="0"/>
+              </a:rPr>
+              <a:t>Pre-trained Chemical Embeddings</a:t>
+            </a:r>
+          </a:p>
+        </p:txBody>
+      </p:sp>
+      <p:sp>
+        <p:nvSpPr>
+          <p:cNvPr id="64" name="Rectangle: Rounded Corners 63">
+            <a:extLst>
+              <a:ext uri="{FF2B5EF4-FFF2-40B4-BE49-F238E27FC236}">
+                <a16:creationId xmlns:a16="http://schemas.microsoft.com/office/drawing/2014/main" id="{37AA8FAC-26A8-42C7-B723-44417C739D23}"/>
+              </a:ext>
+            </a:extLst>
+          </p:cNvPr>
+          <p:cNvSpPr/>
+          <p:nvPr/>
+        </p:nvSpPr>
+        <p:spPr>
+          <a:xfrm>
+            <a:off x="4682807" y="2040361"/>
+            <a:ext cx="1413769" cy="802825"/>
+          </a:xfrm>
+          <a:prstGeom prst="roundRect">
+            <a:avLst/>
+          </a:prstGeom>
+          <a:noFill/>
+          <a:ln w="3175">
+            <a:solidFill>
+              <a:schemeClr val="tx1"/>
+            </a:solidFill>
+          </a:ln>
+        </p:spPr>
+        <p:style>
+          <a:lnRef idx="2">
+            <a:schemeClr val="accent1">
+              <a:shade val="50000"/>
+            </a:schemeClr>
+          </a:lnRef>
+          <a:fillRef idx="1">
+            <a:schemeClr val="accent1"/>
+          </a:fillRef>
+          <a:effectRef idx="0">
+            <a:schemeClr val="accent1"/>
+          </a:effectRef>
+          <a:fontRef idx="minor">
+            <a:schemeClr val="lt1"/>
+          </a:fontRef>
+        </p:style>
+        <p:txBody>
+          <a:bodyPr rtlCol="0" anchor="ctr"/>
+          <a:lstStyle/>
+          <a:p>
+            <a:pPr algn="ctr"/>
+            <a:r>
+              <a:rPr lang="en-US" sz="1413" dirty="0">
+                <a:solidFill>
+                  <a:schemeClr val="tx1"/>
+                </a:solidFill>
+                <a:latin typeface="Times New Roman" panose="02020603050405020304" pitchFamily="18" charset="0"/>
+                <a:cs typeface="Times New Roman" panose="02020603050405020304" pitchFamily="18" charset="0"/>
+              </a:rPr>
+              <a:t>Pre-trained Protein Embeddings</a:t>
+            </a:r>
+          </a:p>
+        </p:txBody>
+      </p:sp>
+      <p:sp>
+        <p:nvSpPr>
+          <p:cNvPr id="65" name="Rectangle: Rounded Corners 64">
+            <a:extLst>
+              <a:ext uri="{FF2B5EF4-FFF2-40B4-BE49-F238E27FC236}">
+                <a16:creationId xmlns:a16="http://schemas.microsoft.com/office/drawing/2014/main" id="{7FED84ED-FD28-4981-A67A-DF7D13BAF45A}"/>
+              </a:ext>
+            </a:extLst>
+          </p:cNvPr>
+          <p:cNvSpPr/>
+          <p:nvPr/>
+        </p:nvSpPr>
+        <p:spPr>
+          <a:xfrm>
+            <a:off x="6479657" y="1077115"/>
+            <a:ext cx="1798254" cy="1190151"/>
+          </a:xfrm>
+          <a:prstGeom prst="roundRect">
+            <a:avLst/>
+          </a:prstGeom>
+          <a:noFill/>
+          <a:ln w="3175">
+            <a:solidFill>
+              <a:schemeClr val="tx1"/>
+            </a:solidFill>
+          </a:ln>
+        </p:spPr>
+        <p:style>
+          <a:lnRef idx="2">
+            <a:schemeClr val="accent1">
+              <a:shade val="50000"/>
+            </a:schemeClr>
+          </a:lnRef>
+          <a:fillRef idx="1">
+            <a:schemeClr val="accent1"/>
+          </a:fillRef>
+          <a:effectRef idx="0">
+            <a:schemeClr val="accent1"/>
+          </a:effectRef>
+          <a:fontRef idx="minor">
+            <a:schemeClr val="lt1"/>
+          </a:fontRef>
+        </p:style>
+        <p:txBody>
+          <a:bodyPr rtlCol="0" anchor="ctr"/>
+          <a:lstStyle/>
+          <a:p>
+            <a:pPr algn="ctr"/>
+            <a:r>
+              <a:rPr lang="en-US" sz="1413" dirty="0">
+                <a:solidFill>
+                  <a:schemeClr val="tx1"/>
+                </a:solidFill>
+                <a:latin typeface="Times New Roman" panose="02020603050405020304" pitchFamily="18" charset="0"/>
+                <a:cs typeface="Times New Roman" panose="02020603050405020304" pitchFamily="18" charset="0"/>
+              </a:rPr>
+              <a:t>Neural Network trained on Network-Derived Negatives</a:t>
+            </a:r>
+          </a:p>
+        </p:txBody>
+      </p:sp>
+      <p:cxnSp>
+        <p:nvCxnSpPr>
+          <p:cNvPr id="66" name="Straight Arrow Connector 65">
+            <a:extLst>
+              <a:ext uri="{FF2B5EF4-FFF2-40B4-BE49-F238E27FC236}">
+                <a16:creationId xmlns:a16="http://schemas.microsoft.com/office/drawing/2014/main" id="{0CBEC940-495B-41A9-BDB8-ED73A7FBFE58}"/>
+              </a:ext>
+            </a:extLst>
+          </p:cNvPr>
+          <p:cNvCxnSpPr>
+            <a:cxnSpLocks/>
+          </p:cNvCxnSpPr>
+          <p:nvPr/>
+        </p:nvCxnSpPr>
+        <p:spPr>
+          <a:xfrm flipV="1">
+            <a:off x="6084038" y="2112300"/>
+            <a:ext cx="417043" cy="354969"/>
+          </a:xfrm>
+          <a:prstGeom prst="straightConnector1">
+            <a:avLst/>
+          </a:prstGeom>
+          <a:ln>
+            <a:solidFill>
+              <a:schemeClr val="tx1"/>
+            </a:solidFill>
+            <a:tailEnd type="triangle"/>
+          </a:ln>
+        </p:spPr>
+        <p:style>
+          <a:lnRef idx="1">
+            <a:schemeClr val="accent1"/>
+          </a:lnRef>
+          <a:fillRef idx="0">
+            <a:schemeClr val="accent1"/>
+          </a:fillRef>
+          <a:effectRef idx="0">
+            <a:schemeClr val="accent1"/>
+          </a:effectRef>
+          <a:fontRef idx="minor">
+            <a:schemeClr val="tx1"/>
+          </a:fontRef>
+        </p:style>
+      </p:cxnSp>
+      <p:sp>
+        <p:nvSpPr>
+          <p:cNvPr id="67" name="Flowchart: Decision 66">
+            <a:extLst>
+              <a:ext uri="{FF2B5EF4-FFF2-40B4-BE49-F238E27FC236}">
+                <a16:creationId xmlns:a16="http://schemas.microsoft.com/office/drawing/2014/main" id="{4809463A-5E2B-4A47-9B08-177C5DD6EC4D}"/>
+              </a:ext>
+            </a:extLst>
+          </p:cNvPr>
+          <p:cNvSpPr/>
+          <p:nvPr/>
+        </p:nvSpPr>
+        <p:spPr>
+          <a:xfrm>
+            <a:off x="8452785" y="1074297"/>
+            <a:ext cx="1413768" cy="1190152"/>
+          </a:xfrm>
+          <a:prstGeom prst="flowChartDecision">
+            <a:avLst/>
+          </a:prstGeom>
+          <a:noFill/>
+          <a:ln w="3175">
+            <a:solidFill>
+              <a:schemeClr val="tx1"/>
+            </a:solidFill>
+          </a:ln>
+        </p:spPr>
+        <p:style>
+          <a:lnRef idx="2">
+            <a:schemeClr val="accent1">
+              <a:shade val="50000"/>
+            </a:schemeClr>
+          </a:lnRef>
+          <a:fillRef idx="1">
+            <a:schemeClr val="accent1"/>
+          </a:fillRef>
+          <a:effectRef idx="0">
+            <a:schemeClr val="accent1"/>
+          </a:effectRef>
+          <a:fontRef idx="minor">
+            <a:schemeClr val="lt1"/>
+          </a:fontRef>
+        </p:style>
+        <p:txBody>
+          <a:bodyPr rtlCol="0" anchor="ctr"/>
+          <a:lstStyle/>
+          <a:p>
+            <a:pPr algn="ctr"/>
+            <a:r>
+              <a:rPr lang="en-US" sz="1413" dirty="0">
+                <a:solidFill>
+                  <a:schemeClr val="tx1"/>
+                </a:solidFill>
+                <a:latin typeface="Times New Roman" panose="02020603050405020304" pitchFamily="18" charset="0"/>
+                <a:cs typeface="Times New Roman" panose="02020603050405020304" pitchFamily="18" charset="0"/>
+              </a:rPr>
+              <a:t>Select top-N pairs</a:t>
+            </a:r>
+          </a:p>
+        </p:txBody>
+      </p:sp>
+      <p:cxnSp>
+        <p:nvCxnSpPr>
+          <p:cNvPr id="68" name="Straight Arrow Connector 67">
+            <a:extLst>
+              <a:ext uri="{FF2B5EF4-FFF2-40B4-BE49-F238E27FC236}">
+                <a16:creationId xmlns:a16="http://schemas.microsoft.com/office/drawing/2014/main" id="{1721C1E7-ED9C-4CEF-9254-EB9EABB14111}"/>
+              </a:ext>
+            </a:extLst>
+          </p:cNvPr>
+          <p:cNvCxnSpPr>
+            <a:cxnSpLocks/>
+            <a:stCxn id="65" idx="3"/>
+            <a:endCxn id="67" idx="1"/>
+          </p:cNvCxnSpPr>
+          <p:nvPr/>
+        </p:nvCxnSpPr>
+        <p:spPr>
+          <a:xfrm flipV="1">
+            <a:off x="8277911" y="1669373"/>
+            <a:ext cx="174873" cy="2820"/>
+          </a:xfrm>
+          <a:prstGeom prst="straightConnector1">
+            <a:avLst/>
+          </a:prstGeom>
+          <a:ln>
+            <a:solidFill>
+              <a:schemeClr val="tx1"/>
+            </a:solidFill>
+            <a:tailEnd type="triangle"/>
+          </a:ln>
+        </p:spPr>
+        <p:style>
+          <a:lnRef idx="1">
+            <a:schemeClr val="accent1"/>
+          </a:lnRef>
+          <a:fillRef idx="0">
+            <a:schemeClr val="accent1"/>
+          </a:fillRef>
+          <a:effectRef idx="0">
+            <a:schemeClr val="accent1"/>
+          </a:effectRef>
+          <a:fontRef idx="minor">
+            <a:schemeClr val="tx1"/>
+          </a:fontRef>
+        </p:style>
+      </p:cxnSp>
+      <p:sp>
+        <p:nvSpPr>
+          <p:cNvPr id="69" name="Rectangle: Rounded Corners 68">
+            <a:extLst>
+              <a:ext uri="{FF2B5EF4-FFF2-40B4-BE49-F238E27FC236}">
+                <a16:creationId xmlns:a16="http://schemas.microsoft.com/office/drawing/2014/main" id="{244ED1DB-38E3-476A-9FA4-E3A8F7BB1A14}"/>
+              </a:ext>
+            </a:extLst>
+          </p:cNvPr>
+          <p:cNvSpPr/>
+          <p:nvPr/>
+        </p:nvSpPr>
+        <p:spPr>
+          <a:xfrm>
+            <a:off x="10020031" y="1126076"/>
+            <a:ext cx="1413768" cy="1085219"/>
+          </a:xfrm>
+          <a:prstGeom prst="roundRect">
+            <a:avLst/>
+          </a:prstGeom>
+          <a:noFill/>
+          <a:ln w="3175">
+            <a:solidFill>
+              <a:schemeClr val="tx1"/>
+            </a:solidFill>
+          </a:ln>
+        </p:spPr>
+        <p:style>
+          <a:lnRef idx="2">
+            <a:schemeClr val="accent1">
+              <a:shade val="50000"/>
+            </a:schemeClr>
+          </a:lnRef>
+          <a:fillRef idx="1">
+            <a:schemeClr val="accent1"/>
+          </a:fillRef>
+          <a:effectRef idx="0">
+            <a:schemeClr val="accent1"/>
+          </a:effectRef>
+          <a:fontRef idx="minor">
+            <a:schemeClr val="lt1"/>
+          </a:fontRef>
+        </p:style>
+        <p:txBody>
+          <a:bodyPr rtlCol="0" anchor="ctr"/>
+          <a:lstStyle/>
+          <a:p>
+            <a:pPr algn="ctr"/>
+            <a:r>
+              <a:rPr lang="en-US" sz="1413" dirty="0">
+                <a:solidFill>
+                  <a:schemeClr val="tx1"/>
+                </a:solidFill>
+                <a:latin typeface="Times New Roman" panose="02020603050405020304" pitchFamily="18" charset="0"/>
+                <a:cs typeface="Times New Roman" panose="02020603050405020304" pitchFamily="18" charset="0"/>
+              </a:rPr>
+              <a:t>Blind Auto Docking and Thresholding</a:t>
+            </a:r>
+          </a:p>
+        </p:txBody>
+      </p:sp>
+      <p:cxnSp>
+        <p:nvCxnSpPr>
+          <p:cNvPr id="70" name="Straight Arrow Connector 69">
+            <a:extLst>
+              <a:ext uri="{FF2B5EF4-FFF2-40B4-BE49-F238E27FC236}">
+                <a16:creationId xmlns:a16="http://schemas.microsoft.com/office/drawing/2014/main" id="{A7A50AF3-732A-4E65-A67E-F6BEEA641781}"/>
+              </a:ext>
+            </a:extLst>
+          </p:cNvPr>
+          <p:cNvCxnSpPr>
+            <a:cxnSpLocks/>
+            <a:stCxn id="67" idx="3"/>
+            <a:endCxn id="69" idx="1"/>
+          </p:cNvCxnSpPr>
+          <p:nvPr/>
+        </p:nvCxnSpPr>
+        <p:spPr>
+          <a:xfrm flipV="1">
+            <a:off x="9866554" y="1668681"/>
+            <a:ext cx="153477" cy="690"/>
+          </a:xfrm>
+          <a:prstGeom prst="straightConnector1">
+            <a:avLst/>
+          </a:prstGeom>
+          <a:ln>
+            <a:solidFill>
+              <a:schemeClr val="tx1"/>
+            </a:solidFill>
+            <a:tailEnd type="triangle"/>
+          </a:ln>
+        </p:spPr>
+        <p:style>
+          <a:lnRef idx="1">
+            <a:schemeClr val="accent1"/>
+          </a:lnRef>
+          <a:fillRef idx="0">
+            <a:schemeClr val="accent1"/>
+          </a:fillRef>
+          <a:effectRef idx="0">
+            <a:schemeClr val="accent1"/>
+          </a:effectRef>
+          <a:fontRef idx="minor">
+            <a:schemeClr val="tx1"/>
+          </a:fontRef>
+        </p:style>
+      </p:cxnSp>
+      <p:cxnSp>
+        <p:nvCxnSpPr>
+          <p:cNvPr id="71" name="Straight Arrow Connector 70">
+            <a:extLst>
+              <a:ext uri="{FF2B5EF4-FFF2-40B4-BE49-F238E27FC236}">
+                <a16:creationId xmlns:a16="http://schemas.microsoft.com/office/drawing/2014/main" id="{6B37855C-3203-44D5-A664-3358304114F0}"/>
+              </a:ext>
+            </a:extLst>
+          </p:cNvPr>
+          <p:cNvCxnSpPr>
+            <a:cxnSpLocks/>
+            <a:endCxn id="59" idx="1"/>
+          </p:cNvCxnSpPr>
+          <p:nvPr/>
+        </p:nvCxnSpPr>
+        <p:spPr>
+          <a:xfrm>
+            <a:off x="11433797" y="1647438"/>
+            <a:ext cx="297409" cy="0"/>
+          </a:xfrm>
+          <a:prstGeom prst="straightConnector1">
+            <a:avLst/>
+          </a:prstGeom>
+          <a:ln>
+            <a:solidFill>
+              <a:schemeClr val="tx1"/>
+            </a:solidFill>
+            <a:tailEnd type="triangle"/>
+          </a:ln>
+        </p:spPr>
+        <p:style>
+          <a:lnRef idx="1">
+            <a:schemeClr val="accent1"/>
+          </a:lnRef>
+          <a:fillRef idx="0">
+            <a:schemeClr val="accent1"/>
+          </a:fillRef>
+          <a:effectRef idx="0">
+            <a:schemeClr val="accent1"/>
+          </a:effectRef>
+          <a:fontRef idx="minor">
+            <a:schemeClr val="tx1"/>
+          </a:fontRef>
+        </p:style>
+      </p:cxnSp>
+      <p:sp>
+        <p:nvSpPr>
+          <p:cNvPr id="72" name="TextBox 71">
+            <a:extLst>
+              <a:ext uri="{FF2B5EF4-FFF2-40B4-BE49-F238E27FC236}">
+                <a16:creationId xmlns:a16="http://schemas.microsoft.com/office/drawing/2014/main" id="{E279F4B8-A2BE-43B6-B877-59BB8610A3AD}"/>
+              </a:ext>
+            </a:extLst>
+          </p:cNvPr>
+          <p:cNvSpPr txBox="1"/>
+          <p:nvPr/>
+        </p:nvSpPr>
+        <p:spPr>
+          <a:xfrm>
+            <a:off x="4515054" y="1178687"/>
+            <a:ext cx="1678665" cy="382284"/>
+          </a:xfrm>
+          <a:prstGeom prst="rect">
+            <a:avLst/>
+          </a:prstGeom>
+          <a:noFill/>
+        </p:spPr>
+        <p:txBody>
+          <a:bodyPr wrap="none" rtlCol="0">
+            <a:spAutoFit/>
+          </a:bodyPr>
+          <a:lstStyle/>
+          <a:p>
+            <a:r>
+              <a:rPr lang="en-US" sz="942" i="1" dirty="0">
+                <a:latin typeface="Times New Roman" panose="02020603050405020304" pitchFamily="18" charset="0"/>
+                <a:cs typeface="Times New Roman" panose="02020603050405020304" pitchFamily="18" charset="0"/>
+              </a:rPr>
+              <a:t>e.g., Mol2vec, VAE embedding</a:t>
+            </a:r>
+          </a:p>
+          <a:p>
+            <a:r>
+              <a:rPr lang="en-US" sz="942" i="1" dirty="0">
+                <a:latin typeface="Times New Roman" panose="02020603050405020304" pitchFamily="18" charset="0"/>
+                <a:cs typeface="Times New Roman" panose="02020603050405020304" pitchFamily="18" charset="0"/>
+              </a:rPr>
+              <a:t>Siamese embedding</a:t>
+            </a:r>
+          </a:p>
+        </p:txBody>
+      </p:sp>
+      <p:sp>
+        <p:nvSpPr>
+          <p:cNvPr id="73" name="TextBox 72">
+            <a:extLst>
+              <a:ext uri="{FF2B5EF4-FFF2-40B4-BE49-F238E27FC236}">
+                <a16:creationId xmlns:a16="http://schemas.microsoft.com/office/drawing/2014/main" id="{C8A39B68-2AA3-4949-A904-3276638CF624}"/>
+              </a:ext>
+            </a:extLst>
+          </p:cNvPr>
+          <p:cNvSpPr txBox="1"/>
+          <p:nvPr/>
+        </p:nvSpPr>
+        <p:spPr>
+          <a:xfrm>
+            <a:off x="4507613" y="2861725"/>
+            <a:ext cx="1830950" cy="382284"/>
+          </a:xfrm>
+          <a:prstGeom prst="rect">
+            <a:avLst/>
+          </a:prstGeom>
+          <a:noFill/>
+        </p:spPr>
+        <p:txBody>
+          <a:bodyPr wrap="none" rtlCol="0">
+            <a:spAutoFit/>
+          </a:bodyPr>
+          <a:lstStyle/>
+          <a:p>
+            <a:r>
+              <a:rPr lang="en-US" sz="942" i="1" dirty="0">
+                <a:latin typeface="Times New Roman" panose="02020603050405020304" pitchFamily="18" charset="0"/>
+                <a:cs typeface="Times New Roman" panose="02020603050405020304" pitchFamily="18" charset="0"/>
+              </a:rPr>
+              <a:t>e.g., ProtVec, Siamese embedding</a:t>
+            </a:r>
+          </a:p>
+          <a:p>
+            <a:endParaRPr lang="en-US" sz="942" i="1" dirty="0">
+              <a:latin typeface="Times New Roman" panose="02020603050405020304" pitchFamily="18" charset="0"/>
+              <a:cs typeface="Times New Roman" panose="02020603050405020304" pitchFamily="18" charset="0"/>
+            </a:endParaRPr>
+          </a:p>
+        </p:txBody>
+      </p:sp>
+      <p:sp>
+        <p:nvSpPr>
+          <p:cNvPr id="74" name="TextBox 73">
+            <a:extLst>
+              <a:ext uri="{FF2B5EF4-FFF2-40B4-BE49-F238E27FC236}">
+                <a16:creationId xmlns:a16="http://schemas.microsoft.com/office/drawing/2014/main" id="{FFBBEE41-A870-4185-B4C9-5E779B7743E7}"/>
+              </a:ext>
+            </a:extLst>
+          </p:cNvPr>
+          <p:cNvSpPr txBox="1"/>
+          <p:nvPr/>
+        </p:nvSpPr>
+        <p:spPr>
+          <a:xfrm>
+            <a:off x="6408893" y="2272184"/>
+            <a:ext cx="2010487" cy="237309"/>
+          </a:xfrm>
+          <a:prstGeom prst="rect">
+            <a:avLst/>
+          </a:prstGeom>
+          <a:noFill/>
+        </p:spPr>
+        <p:txBody>
+          <a:bodyPr wrap="none" rtlCol="0">
+            <a:spAutoFit/>
+          </a:bodyPr>
+          <a:lstStyle/>
+          <a:p>
+            <a:r>
+              <a:rPr lang="en-US" sz="942" i="1" dirty="0">
+                <a:latin typeface="Times New Roman" panose="02020603050405020304" pitchFamily="18" charset="0"/>
+                <a:cs typeface="Times New Roman" panose="02020603050405020304" pitchFamily="18" charset="0"/>
+              </a:rPr>
+              <a:t>e.g., VecNet, VAENet, Siamese Model</a:t>
+            </a:r>
+          </a:p>
+        </p:txBody>
+      </p:sp>
+      <p:sp>
+        <p:nvSpPr>
+          <p:cNvPr id="75" name="TextBox 74">
+            <a:extLst>
+              <a:ext uri="{FF2B5EF4-FFF2-40B4-BE49-F238E27FC236}">
+                <a16:creationId xmlns:a16="http://schemas.microsoft.com/office/drawing/2014/main" id="{FFCE8083-A875-42CA-AEDF-3F93AE962A45}"/>
+              </a:ext>
+            </a:extLst>
+          </p:cNvPr>
+          <p:cNvSpPr txBox="1"/>
+          <p:nvPr/>
+        </p:nvSpPr>
+        <p:spPr>
+          <a:xfrm>
+            <a:off x="9948160" y="2213391"/>
+            <a:ext cx="1783046" cy="382284"/>
+          </a:xfrm>
+          <a:prstGeom prst="rect">
+            <a:avLst/>
+          </a:prstGeom>
+          <a:noFill/>
+        </p:spPr>
+        <p:txBody>
+          <a:bodyPr wrap="square" rtlCol="0">
+            <a:spAutoFit/>
+          </a:bodyPr>
+          <a:lstStyle/>
+          <a:p>
+            <a:r>
+              <a:rPr lang="en-US" sz="942" i="1" dirty="0">
+                <a:latin typeface="Times New Roman" panose="02020603050405020304" pitchFamily="18" charset="0"/>
+                <a:cs typeface="Times New Roman" panose="02020603050405020304" pitchFamily="18" charset="0"/>
+              </a:rPr>
+              <a:t>Pairs with binding affinity less than -1.75 kcal/mole are selected</a:t>
+            </a:r>
+          </a:p>
+        </p:txBody>
+      </p:sp>
+      <p:sp>
+        <p:nvSpPr>
+          <p:cNvPr id="76" name="Left Brace 75">
+            <a:extLst>
+              <a:ext uri="{FF2B5EF4-FFF2-40B4-BE49-F238E27FC236}">
+                <a16:creationId xmlns:a16="http://schemas.microsoft.com/office/drawing/2014/main" id="{23A7CAFF-B190-42D4-9339-26E1D2504ED5}"/>
+              </a:ext>
+            </a:extLst>
+          </p:cNvPr>
+          <p:cNvSpPr/>
+          <p:nvPr/>
+        </p:nvSpPr>
+        <p:spPr>
+          <a:xfrm rot="16200000">
+            <a:off x="5257663" y="2420049"/>
+            <a:ext cx="341156" cy="1833041"/>
+          </a:xfrm>
+          <a:prstGeom prst="leftBrace">
+            <a:avLst/>
+          </a:prstGeom>
+          <a:ln>
+            <a:solidFill>
+              <a:schemeClr val="tx1"/>
+            </a:solidFill>
+          </a:ln>
+        </p:spPr>
+        <p:style>
+          <a:lnRef idx="1">
+            <a:schemeClr val="accent1"/>
+          </a:lnRef>
+          <a:fillRef idx="0">
+            <a:schemeClr val="accent1"/>
+          </a:fillRef>
+          <a:effectRef idx="0">
+            <a:schemeClr val="accent1"/>
+          </a:effectRef>
+          <a:fontRef idx="minor">
+            <a:schemeClr val="tx1"/>
+          </a:fontRef>
+        </p:style>
+        <p:txBody>
+          <a:bodyPr rtlCol="0" anchor="ctr"/>
+          <a:lstStyle/>
+          <a:p>
+            <a:pPr algn="ctr"/>
+            <a:endParaRPr lang="en-US" sz="1413"/>
+          </a:p>
+        </p:txBody>
+      </p:sp>
+      <p:sp>
+        <p:nvSpPr>
+          <p:cNvPr id="77" name="Left Brace 76">
+            <a:extLst>
+              <a:ext uri="{FF2B5EF4-FFF2-40B4-BE49-F238E27FC236}">
+                <a16:creationId xmlns:a16="http://schemas.microsoft.com/office/drawing/2014/main" id="{7670E122-2771-40C0-A7B4-DC493DF6070E}"/>
+              </a:ext>
+            </a:extLst>
+          </p:cNvPr>
+          <p:cNvSpPr/>
+          <p:nvPr/>
+        </p:nvSpPr>
+        <p:spPr>
+          <a:xfrm rot="16200000">
+            <a:off x="7320998" y="2435219"/>
+            <a:ext cx="341156" cy="1833041"/>
+          </a:xfrm>
+          <a:prstGeom prst="leftBrace">
+            <a:avLst/>
+          </a:prstGeom>
+          <a:ln>
+            <a:solidFill>
+              <a:schemeClr val="tx1"/>
+            </a:solidFill>
+          </a:ln>
+        </p:spPr>
+        <p:style>
+          <a:lnRef idx="1">
+            <a:schemeClr val="accent1"/>
+          </a:lnRef>
+          <a:fillRef idx="0">
+            <a:schemeClr val="accent1"/>
+          </a:fillRef>
+          <a:effectRef idx="0">
+            <a:schemeClr val="accent1"/>
+          </a:effectRef>
+          <a:fontRef idx="minor">
+            <a:schemeClr val="tx1"/>
+          </a:fontRef>
+        </p:style>
+        <p:txBody>
+          <a:bodyPr rtlCol="0" anchor="ctr"/>
+          <a:lstStyle/>
+          <a:p>
+            <a:pPr algn="ctr"/>
+            <a:endParaRPr lang="en-US" sz="1413"/>
+          </a:p>
+        </p:txBody>
+      </p:sp>
+      <p:sp>
+        <p:nvSpPr>
+          <p:cNvPr id="78" name="TextBox 77">
+            <a:extLst>
+              <a:ext uri="{FF2B5EF4-FFF2-40B4-BE49-F238E27FC236}">
+                <a16:creationId xmlns:a16="http://schemas.microsoft.com/office/drawing/2014/main" id="{A0454310-BB7C-4FB0-B0B3-DD5FD1D91569}"/>
+              </a:ext>
+            </a:extLst>
+          </p:cNvPr>
+          <p:cNvSpPr txBox="1"/>
+          <p:nvPr/>
+        </p:nvSpPr>
+        <p:spPr>
+          <a:xfrm>
+            <a:off x="4606243" y="3530169"/>
+            <a:ext cx="1553630" cy="237309"/>
+          </a:xfrm>
+          <a:prstGeom prst="rect">
+            <a:avLst/>
+          </a:prstGeom>
+          <a:noFill/>
+        </p:spPr>
+        <p:txBody>
+          <a:bodyPr wrap="none" rtlCol="0">
+            <a:spAutoFit/>
+          </a:bodyPr>
+          <a:lstStyle/>
+          <a:p>
+            <a:r>
+              <a:rPr lang="en-US" sz="942" b="1" dirty="0">
+                <a:latin typeface="Times New Roman" panose="02020603050405020304" pitchFamily="18" charset="0"/>
+                <a:cs typeface="Times New Roman" panose="02020603050405020304" pitchFamily="18" charset="0"/>
+              </a:rPr>
+              <a:t>Unsupervised Pre-training</a:t>
+            </a:r>
+          </a:p>
+        </p:txBody>
+      </p:sp>
+      <p:sp>
+        <p:nvSpPr>
+          <p:cNvPr id="79" name="TextBox 78">
+            <a:extLst>
+              <a:ext uri="{FF2B5EF4-FFF2-40B4-BE49-F238E27FC236}">
+                <a16:creationId xmlns:a16="http://schemas.microsoft.com/office/drawing/2014/main" id="{10CFC081-72FE-4624-9AD1-5E72AB115E24}"/>
+              </a:ext>
+            </a:extLst>
+          </p:cNvPr>
+          <p:cNvSpPr txBox="1"/>
+          <p:nvPr/>
+        </p:nvSpPr>
+        <p:spPr>
+          <a:xfrm>
+            <a:off x="6830666" y="3530169"/>
+            <a:ext cx="1260281" cy="237309"/>
+          </a:xfrm>
+          <a:prstGeom prst="rect">
+            <a:avLst/>
+          </a:prstGeom>
+          <a:noFill/>
+        </p:spPr>
+        <p:txBody>
+          <a:bodyPr wrap="none" rtlCol="0">
+            <a:spAutoFit/>
+          </a:bodyPr>
+          <a:lstStyle/>
+          <a:p>
+            <a:r>
+              <a:rPr lang="en-US" sz="942" b="1" dirty="0">
+                <a:latin typeface="Times New Roman" panose="02020603050405020304" pitchFamily="18" charset="0"/>
+                <a:cs typeface="Times New Roman" panose="02020603050405020304" pitchFamily="18" charset="0"/>
+              </a:rPr>
+              <a:t>Supervised Learning</a:t>
+            </a:r>
+          </a:p>
+        </p:txBody>
+      </p:sp>
+      <p:sp>
+        <p:nvSpPr>
+          <p:cNvPr id="3" name="TextBox 2">
+            <a:extLst>
+              <a:ext uri="{FF2B5EF4-FFF2-40B4-BE49-F238E27FC236}">
+                <a16:creationId xmlns:a16="http://schemas.microsoft.com/office/drawing/2014/main" id="{91A519CF-9C83-4B3E-8462-53366E42816E}"/>
+              </a:ext>
+            </a:extLst>
+          </p:cNvPr>
+          <p:cNvSpPr txBox="1"/>
+          <p:nvPr/>
+        </p:nvSpPr>
+        <p:spPr>
+          <a:xfrm>
+            <a:off x="1020940" y="1095845"/>
+            <a:ext cx="1790345" cy="478849"/>
+          </a:xfrm>
+          <a:prstGeom prst="rect">
+            <a:avLst/>
+          </a:prstGeom>
+          <a:noFill/>
+        </p:spPr>
+        <p:txBody>
+          <a:bodyPr wrap="square" rtlCol="0">
+            <a:spAutoFit/>
+          </a:bodyPr>
+          <a:lstStyle/>
+          <a:p>
+            <a:pPr algn="ctr"/>
+            <a:r>
+              <a:rPr lang="en-US" sz="628" i="1" dirty="0">
+                <a:solidFill>
+                  <a:srgbClr val="212121"/>
+                </a:solidFill>
+                <a:latin typeface="Times New Roman" panose="02020603050405020304" pitchFamily="18" charset="0"/>
+                <a:cs typeface="Times New Roman" panose="02020603050405020304" pitchFamily="18" charset="0"/>
+              </a:rPr>
+              <a:t>Isomeric SMILE</a:t>
+            </a:r>
+          </a:p>
+          <a:p>
+            <a:r>
+              <a:rPr lang="en-US" sz="628" dirty="0">
+                <a:solidFill>
+                  <a:srgbClr val="212121"/>
+                </a:solidFill>
+                <a:latin typeface="Times New Roman" panose="02020603050405020304" pitchFamily="18" charset="0"/>
+                <a:cs typeface="Times New Roman" panose="02020603050405020304" pitchFamily="18" charset="0"/>
+              </a:rPr>
+              <a:t>CC(=O)S[C@@H]1CC2=CC(=O)CC[C@@]2([C@@H]3[C@@H]1[C@@H]4CC[C@]5([C@]4(CC3)C)CCC(=O)O5)C</a:t>
+            </a:r>
+            <a:endParaRPr lang="en-US" sz="628" dirty="0">
+              <a:latin typeface="Times New Roman" panose="02020603050405020304" pitchFamily="18" charset="0"/>
+              <a:cs typeface="Times New Roman" panose="02020603050405020304" pitchFamily="18" charset="0"/>
+            </a:endParaRPr>
+          </a:p>
+        </p:txBody>
+      </p:sp>
+      <p:sp>
+        <p:nvSpPr>
+          <p:cNvPr id="8" name="TextBox 7">
+            <a:extLst>
+              <a:ext uri="{FF2B5EF4-FFF2-40B4-BE49-F238E27FC236}">
+                <a16:creationId xmlns:a16="http://schemas.microsoft.com/office/drawing/2014/main" id="{A9828D28-1B5C-4014-91BC-6D3694A281E9}"/>
+              </a:ext>
+            </a:extLst>
+          </p:cNvPr>
+          <p:cNvSpPr txBox="1"/>
+          <p:nvPr/>
+        </p:nvSpPr>
+        <p:spPr>
+          <a:xfrm>
+            <a:off x="629176" y="2784333"/>
+            <a:ext cx="3267032" cy="1541769"/>
+          </a:xfrm>
+          <a:prstGeom prst="rect">
+            <a:avLst/>
+          </a:prstGeom>
+          <a:noFill/>
+        </p:spPr>
+        <p:txBody>
+          <a:bodyPr wrap="square" rtlCol="0">
+            <a:spAutoFit/>
+          </a:bodyPr>
+          <a:lstStyle/>
+          <a:p>
+            <a:pPr algn="ctr"/>
+            <a:r>
+              <a:rPr lang="en-US" sz="628" dirty="0">
+                <a:solidFill>
+                  <a:srgbClr val="000000"/>
+                </a:solidFill>
+                <a:latin typeface="Times New Roman" panose="02020603050405020304" pitchFamily="18" charset="0"/>
+                <a:cs typeface="Times New Roman" panose="02020603050405020304" pitchFamily="18" charset="0"/>
+              </a:rPr>
+              <a:t>Amino Acid Sequence</a:t>
+            </a:r>
+          </a:p>
+          <a:p>
+            <a:r>
+              <a:rPr lang="en-US" sz="628" dirty="0">
+                <a:solidFill>
+                  <a:srgbClr val="000000"/>
+                </a:solidFill>
+                <a:latin typeface="Times New Roman" panose="02020603050405020304" pitchFamily="18" charset="0"/>
+                <a:cs typeface="Times New Roman" panose="02020603050405020304" pitchFamily="18" charset="0"/>
+              </a:rPr>
+              <a:t>MDQREILQKFLDEAQSKKITKEEFANEFLKLKRQSTKYKADKTYPTTVAEKPKNIKKNRYKDILPYDYSRVELSLITSDEDSSYINANFIKGVYGPKAYIATQGPLSTTLLDFWRMIWEYSVLIIVMACMEYEMGKKKCERYWAEPGEMQLEFGPFSVSCEAEKRKSDYIIRTLKVKFNSETRTIYQFHYKNWPDHDVPSSIDPILELIWDVRCYQEDDSVPICIHCSAGCGRTGVICAIDYTWMLLKDGIIPENFSVFSLIREMRTQRPSLVQTQEQYELVYNAVLELFKRQMDVIRDKHSGTESQAKHCIPEKNHTLQADSYSPNLPKSTTKAAKMMNQQRTKMEIKESSSFDFRTSEISAKEELVLHPAKSSTSFDFLELNYSFDKNADTTMKWQTKAFPIVGEPLQKHQSLDLGSLLFEGCSNSKPVNAAGRYFNSKVPITRTKSTPFELIQQRETKEVDSKENFSYLESQPHDSCFVEMQAQKVMHVSSAELNYSLPYDSKHQIRNASNVKHHDSSALGVYSYIPLVENPYFSSWPPSGTSSKMSLDLPEKQDGTVFPSSLLPTSSTSLFSYYNSHDSLSLNSPTNISSLLNQESAVLATAPRIDDEIPPPLPVRTPESFIVVEEAGEFSPNVPKSLSSAVKVKIGTSLEWGGTSEPKKFDDSVILRPSKSVKLRSPKSELHQDRSSPPPPLPERTLESFFLADEDCMQAQSIETYSTSYPDTMENSTSSKQTLKTPGKSFTRSKSLKILRNMKKSICNSCPPNKPAESVQSNNSSSFLNFGFANRFSKPKGPRNPPPTWNI</a:t>
+            </a:r>
+            <a:r>
+              <a:rPr lang="en-US" sz="628" dirty="0">
+                <a:latin typeface="Times New Roman" panose="02020603050405020304" pitchFamily="18" charset="0"/>
+                <a:cs typeface="Times New Roman" panose="02020603050405020304" pitchFamily="18" charset="0"/>
+              </a:rPr>
+              <a:t> </a:t>
+            </a:r>
+          </a:p>
+        </p:txBody>
+      </p:sp>
+      <p:pic>
+        <p:nvPicPr>
+          <p:cNvPr id="16" name="Picture 15" descr="A picture containing text&#10;&#10;Description automatically generated">
+            <a:extLst>
+              <a:ext uri="{FF2B5EF4-FFF2-40B4-BE49-F238E27FC236}">
+                <a16:creationId xmlns:a16="http://schemas.microsoft.com/office/drawing/2014/main" id="{1CF394EC-C470-49F5-BD4F-FF5D7CFFA9F8}"/>
+              </a:ext>
+            </a:extLst>
+          </p:cNvPr>
+          <p:cNvPicPr>
+            <a:picLocks noChangeAspect="1"/>
+          </p:cNvPicPr>
+          <p:nvPr/>
+        </p:nvPicPr>
+        <p:blipFill>
+          <a:blip r:embed="rId7">
+            <a:extLst>
+              <a:ext uri="{28A0092B-C50C-407E-A947-70E740481C1C}">
+                <a14:useLocalDpi xmlns:a14="http://schemas.microsoft.com/office/drawing/2010/main" val="0"/>
+              </a:ext>
+            </a:extLst>
+          </a:blip>
+          <a:stretch>
+            <a:fillRect/>
+          </a:stretch>
+        </p:blipFill>
+        <p:spPr>
+          <a:xfrm>
+            <a:off x="1108648" y="1440616"/>
+            <a:ext cx="1682866" cy="1402570"/>
+          </a:xfrm>
+          <a:prstGeom prst="rect">
+            <a:avLst/>
+          </a:prstGeom>
+        </p:spPr>
+      </p:pic>
+      <p:pic>
+        <p:nvPicPr>
+          <p:cNvPr id="85" name="Picture 84" descr="A picture containing text&#10;&#10;Description automatically generated">
+            <a:extLst>
+              <a:ext uri="{FF2B5EF4-FFF2-40B4-BE49-F238E27FC236}">
+                <a16:creationId xmlns:a16="http://schemas.microsoft.com/office/drawing/2014/main" id="{EAC3F4BB-9B38-4D36-9926-B14A22E1EA17}"/>
+              </a:ext>
+            </a:extLst>
+          </p:cNvPr>
+          <p:cNvPicPr>
+            <a:picLocks noChangeAspect="1"/>
+          </p:cNvPicPr>
+          <p:nvPr/>
+        </p:nvPicPr>
+        <p:blipFill>
+          <a:blip r:embed="rId7">
+            <a:extLst>
+              <a:ext uri="{28A0092B-C50C-407E-A947-70E740481C1C}">
+                <a14:useLocalDpi xmlns:a14="http://schemas.microsoft.com/office/drawing/2010/main" val="0"/>
+              </a:ext>
+            </a:extLst>
+          </a:blip>
+          <a:stretch>
+            <a:fillRect/>
+          </a:stretch>
+        </p:blipFill>
+        <p:spPr>
+          <a:xfrm>
+            <a:off x="11403957" y="34143"/>
+            <a:ext cx="1682866" cy="1402570"/>
+          </a:xfrm>
+          <a:prstGeom prst="rect">
+            <a:avLst/>
+          </a:prstGeom>
+        </p:spPr>
+      </p:pic>
+      <p:pic>
+        <p:nvPicPr>
+          <p:cNvPr id="50" name="Picture 49" descr="A picture containing light&#10;&#10;Description automatically generated">
+            <a:extLst>
+              <a:ext uri="{FF2B5EF4-FFF2-40B4-BE49-F238E27FC236}">
+                <a16:creationId xmlns:a16="http://schemas.microsoft.com/office/drawing/2014/main" id="{8899B012-894C-44D2-9886-B8079B42E628}"/>
+              </a:ext>
+            </a:extLst>
+          </p:cNvPr>
+          <p:cNvPicPr>
+            <a:picLocks noChangeAspect="1"/>
+          </p:cNvPicPr>
+          <p:nvPr/>
+        </p:nvPicPr>
+        <p:blipFill>
+          <a:blip r:embed="rId8">
+            <a:extLst>
+              <a:ext uri="{28A0092B-C50C-407E-A947-70E740481C1C}">
+                <a14:useLocalDpi xmlns:a14="http://schemas.microsoft.com/office/drawing/2010/main" val="0"/>
+              </a:ext>
+            </a:extLst>
+          </a:blip>
+          <a:stretch>
+            <a:fillRect/>
+          </a:stretch>
+        </p:blipFill>
+        <p:spPr>
+          <a:xfrm>
+            <a:off x="12043834" y="460003"/>
+            <a:ext cx="336914" cy="347498"/>
+          </a:xfrm>
+          <a:prstGeom prst="rect">
+            <a:avLst/>
+          </a:prstGeom>
+        </p:spPr>
+      </p:pic>
+      <p:sp>
+        <p:nvSpPr>
+          <p:cNvPr id="94" name="Rectangle: Rounded Corners 93">
+            <a:extLst>
+              <a:ext uri="{FF2B5EF4-FFF2-40B4-BE49-F238E27FC236}">
+                <a16:creationId xmlns:a16="http://schemas.microsoft.com/office/drawing/2014/main" id="{CF9C866B-B4F3-4614-90BB-E2F0B65415B0}"/>
+              </a:ext>
+            </a:extLst>
+          </p:cNvPr>
+          <p:cNvSpPr/>
+          <p:nvPr/>
+        </p:nvSpPr>
+        <p:spPr>
+          <a:xfrm>
+            <a:off x="1049798" y="5257788"/>
+            <a:ext cx="1197531" cy="676062"/>
+          </a:xfrm>
+          <a:prstGeom prst="roundRect">
+            <a:avLst/>
+          </a:prstGeom>
+          <a:noFill/>
+          <a:ln>
+            <a:solidFill>
+              <a:schemeClr val="tx1"/>
+            </a:solidFill>
+          </a:ln>
+        </p:spPr>
+        <p:style>
+          <a:lnRef idx="0">
+            <a:scrgbClr r="0" g="0" b="0"/>
+          </a:lnRef>
+          <a:fillRef idx="0">
+            <a:scrgbClr r="0" g="0" b="0"/>
+          </a:fillRef>
+          <a:effectRef idx="0">
+            <a:scrgbClr r="0" g="0" b="0"/>
+          </a:effectRef>
+          <a:fontRef idx="minor">
+            <a:schemeClr val="lt1"/>
+          </a:fontRef>
+        </p:style>
+        <p:txBody>
+          <a:bodyPr rtlCol="0" anchor="ctr"/>
+          <a:lstStyle/>
+          <a:p>
+            <a:pPr algn="ctr"/>
+            <a:r>
+              <a:rPr lang="en-US" sz="1413" dirty="0">
+                <a:solidFill>
+                  <a:schemeClr val="tx1"/>
+                </a:solidFill>
+                <a:latin typeface="Times New Roman" panose="02020603050405020304" pitchFamily="18" charset="0"/>
+                <a:cs typeface="Times New Roman" panose="02020603050405020304" pitchFamily="18" charset="0"/>
+              </a:rPr>
+              <a:t>Morgan Fingerprints</a:t>
+            </a:r>
+          </a:p>
+        </p:txBody>
+      </p:sp>
+      <p:sp>
+        <p:nvSpPr>
+          <p:cNvPr id="95" name="Rectangle: Rounded Corners 94">
+            <a:extLst>
+              <a:ext uri="{FF2B5EF4-FFF2-40B4-BE49-F238E27FC236}">
+                <a16:creationId xmlns:a16="http://schemas.microsoft.com/office/drawing/2014/main" id="{4D4D4207-AA22-4A43-AF02-48A0B7E41CAE}"/>
+              </a:ext>
+            </a:extLst>
+          </p:cNvPr>
+          <p:cNvSpPr/>
+          <p:nvPr/>
+        </p:nvSpPr>
+        <p:spPr>
+          <a:xfrm>
+            <a:off x="1049795" y="6561970"/>
+            <a:ext cx="1235593" cy="676062"/>
+          </a:xfrm>
+          <a:prstGeom prst="roundRect">
+            <a:avLst/>
+          </a:prstGeom>
+          <a:noFill/>
+          <a:ln>
+            <a:solidFill>
+              <a:schemeClr val="tx1"/>
+            </a:solidFill>
+          </a:ln>
+        </p:spPr>
+        <p:style>
+          <a:lnRef idx="0">
+            <a:scrgbClr r="0" g="0" b="0"/>
+          </a:lnRef>
+          <a:fillRef idx="0">
+            <a:scrgbClr r="0" g="0" b="0"/>
+          </a:fillRef>
+          <a:effectRef idx="0">
+            <a:scrgbClr r="0" g="0" b="0"/>
+          </a:effectRef>
+          <a:fontRef idx="minor">
+            <a:schemeClr val="lt1"/>
+          </a:fontRef>
+        </p:style>
+        <p:txBody>
+          <a:bodyPr rtlCol="0" anchor="ctr"/>
+          <a:lstStyle/>
+          <a:p>
+            <a:pPr algn="ctr"/>
+            <a:r>
+              <a:rPr lang="en-US" sz="1413" dirty="0">
+                <a:solidFill>
+                  <a:schemeClr val="tx1"/>
+                </a:solidFill>
+                <a:latin typeface="Times New Roman" panose="02020603050405020304" pitchFamily="18" charset="0"/>
+                <a:cs typeface="Times New Roman" panose="02020603050405020304" pitchFamily="18" charset="0"/>
+              </a:rPr>
+              <a:t>Amino Acid Sequence</a:t>
+            </a:r>
+          </a:p>
+        </p:txBody>
+      </p:sp>
+      <p:sp>
+        <p:nvSpPr>
+          <p:cNvPr id="96" name="Rectangle: Rounded Corners 95">
+            <a:extLst>
+              <a:ext uri="{FF2B5EF4-FFF2-40B4-BE49-F238E27FC236}">
+                <a16:creationId xmlns:a16="http://schemas.microsoft.com/office/drawing/2014/main" id="{D4329331-628C-45F9-91A9-9E283CD026E4}"/>
+              </a:ext>
+            </a:extLst>
+          </p:cNvPr>
+          <p:cNvSpPr/>
+          <p:nvPr/>
+        </p:nvSpPr>
+        <p:spPr>
+          <a:xfrm>
+            <a:off x="2663148" y="5244845"/>
+            <a:ext cx="1017565" cy="676062"/>
+          </a:xfrm>
+          <a:prstGeom prst="roundRect">
+            <a:avLst/>
+          </a:prstGeom>
+          <a:noFill/>
+          <a:ln>
+            <a:solidFill>
+              <a:schemeClr val="tx1"/>
+            </a:solidFill>
+          </a:ln>
+        </p:spPr>
+        <p:style>
+          <a:lnRef idx="0">
+            <a:scrgbClr r="0" g="0" b="0"/>
+          </a:lnRef>
+          <a:fillRef idx="0">
+            <a:scrgbClr r="0" g="0" b="0"/>
+          </a:fillRef>
+          <a:effectRef idx="0">
+            <a:scrgbClr r="0" g="0" b="0"/>
+          </a:effectRef>
+          <a:fontRef idx="minor">
+            <a:schemeClr val="lt1"/>
+          </a:fontRef>
+        </p:style>
+        <p:txBody>
+          <a:bodyPr rtlCol="0" anchor="ctr"/>
+          <a:lstStyle/>
+          <a:p>
+            <a:pPr algn="ctr"/>
+            <a:r>
+              <a:rPr lang="en-US" sz="1413" dirty="0">
+                <a:solidFill>
+                  <a:schemeClr val="tx1"/>
+                </a:solidFill>
+                <a:latin typeface="Times New Roman" panose="02020603050405020304" pitchFamily="18" charset="0"/>
+                <a:cs typeface="Times New Roman" panose="02020603050405020304" pitchFamily="18" charset="0"/>
+              </a:rPr>
+              <a:t>Mol2vec</a:t>
+            </a:r>
+          </a:p>
+        </p:txBody>
+      </p:sp>
+      <p:sp>
+        <p:nvSpPr>
+          <p:cNvPr id="98" name="Rectangle: Rounded Corners 97">
+            <a:extLst>
+              <a:ext uri="{FF2B5EF4-FFF2-40B4-BE49-F238E27FC236}">
+                <a16:creationId xmlns:a16="http://schemas.microsoft.com/office/drawing/2014/main" id="{80A8F4F3-AA79-4550-92B9-7B84B7837A02}"/>
+              </a:ext>
+            </a:extLst>
+          </p:cNvPr>
+          <p:cNvSpPr/>
+          <p:nvPr/>
+        </p:nvSpPr>
+        <p:spPr>
+          <a:xfrm>
+            <a:off x="2698158" y="6561970"/>
+            <a:ext cx="1035097" cy="676062"/>
+          </a:xfrm>
+          <a:prstGeom prst="roundRect">
+            <a:avLst/>
+          </a:prstGeom>
+          <a:noFill/>
+          <a:ln>
+            <a:solidFill>
+              <a:schemeClr val="tx1"/>
+            </a:solidFill>
+          </a:ln>
+        </p:spPr>
+        <p:style>
+          <a:lnRef idx="0">
+            <a:scrgbClr r="0" g="0" b="0"/>
+          </a:lnRef>
+          <a:fillRef idx="0">
+            <a:scrgbClr r="0" g="0" b="0"/>
+          </a:fillRef>
+          <a:effectRef idx="0">
+            <a:scrgbClr r="0" g="0" b="0"/>
+          </a:effectRef>
+          <a:fontRef idx="minor">
+            <a:schemeClr val="lt1"/>
+          </a:fontRef>
+        </p:style>
+        <p:txBody>
+          <a:bodyPr rtlCol="0" anchor="ctr"/>
+          <a:lstStyle/>
+          <a:p>
+            <a:pPr algn="ctr"/>
+            <a:r>
+              <a:rPr lang="en-US" sz="1413" dirty="0">
+                <a:solidFill>
+                  <a:schemeClr val="tx1"/>
+                </a:solidFill>
+                <a:latin typeface="Times New Roman" panose="02020603050405020304" pitchFamily="18" charset="0"/>
+                <a:cs typeface="Times New Roman" panose="02020603050405020304" pitchFamily="18" charset="0"/>
+              </a:rPr>
+              <a:t>ProtVec</a:t>
+            </a:r>
+          </a:p>
+        </p:txBody>
+      </p:sp>
+      <p:sp>
+        <p:nvSpPr>
+          <p:cNvPr id="105" name="Rectangle: Rounded Corners 104">
+            <a:extLst>
+              <a:ext uri="{FF2B5EF4-FFF2-40B4-BE49-F238E27FC236}">
+                <a16:creationId xmlns:a16="http://schemas.microsoft.com/office/drawing/2014/main" id="{5D89C430-2B37-4AC8-B8E6-68C44E917936}"/>
+              </a:ext>
+            </a:extLst>
+          </p:cNvPr>
+          <p:cNvSpPr/>
+          <p:nvPr/>
+        </p:nvSpPr>
+        <p:spPr>
+          <a:xfrm>
+            <a:off x="4096536" y="5254918"/>
+            <a:ext cx="1197531" cy="676062"/>
+          </a:xfrm>
+          <a:prstGeom prst="roundRect">
+            <a:avLst/>
+          </a:prstGeom>
+          <a:noFill/>
+          <a:ln>
+            <a:solidFill>
+              <a:schemeClr val="tx1"/>
+            </a:solidFill>
+          </a:ln>
+        </p:spPr>
+        <p:style>
+          <a:lnRef idx="0">
+            <a:scrgbClr r="0" g="0" b="0"/>
+          </a:lnRef>
+          <a:fillRef idx="0">
+            <a:scrgbClr r="0" g="0" b="0"/>
+          </a:fillRef>
+          <a:effectRef idx="0">
+            <a:scrgbClr r="0" g="0" b="0"/>
+          </a:effectRef>
+          <a:fontRef idx="minor">
+            <a:schemeClr val="lt1"/>
+          </a:fontRef>
+        </p:style>
+        <p:txBody>
+          <a:bodyPr rtlCol="0" anchor="ctr"/>
+          <a:lstStyle/>
+          <a:p>
+            <a:pPr algn="ctr"/>
+            <a:r>
+              <a:rPr lang="en-US" sz="1413" dirty="0">
+                <a:solidFill>
+                  <a:srgbClr val="404040"/>
+                </a:solidFill>
+                <a:latin typeface="-apple-system"/>
+              </a:rPr>
+              <a:t>ℝ</a:t>
+            </a:r>
+            <a:r>
+              <a:rPr lang="en-US" sz="1413" baseline="30000" dirty="0">
+                <a:solidFill>
+                  <a:schemeClr val="tx1"/>
+                </a:solidFill>
+                <a:latin typeface="Times New Roman" panose="02020603050405020304" pitchFamily="18" charset="0"/>
+                <a:ea typeface="Calibri" panose="020F0502020204030204" pitchFamily="34" charset="0"/>
+                <a:cs typeface="Times New Roman" panose="02020603050405020304" pitchFamily="18" charset="0"/>
+              </a:rPr>
+              <a:t>300 </a:t>
+            </a:r>
+            <a:r>
+              <a:rPr lang="en-US" sz="1413" dirty="0">
+                <a:solidFill>
+                  <a:schemeClr val="tx1"/>
+                </a:solidFill>
+                <a:latin typeface="Times New Roman" panose="02020603050405020304" pitchFamily="18" charset="0"/>
+                <a:cs typeface="Times New Roman" panose="02020603050405020304" pitchFamily="18" charset="0"/>
+              </a:rPr>
+              <a:t>Embeddings</a:t>
+            </a:r>
+          </a:p>
+        </p:txBody>
+      </p:sp>
+      <p:sp>
+        <p:nvSpPr>
+          <p:cNvPr id="106" name="Rectangle: Rounded Corners 105">
+            <a:extLst>
+              <a:ext uri="{FF2B5EF4-FFF2-40B4-BE49-F238E27FC236}">
+                <a16:creationId xmlns:a16="http://schemas.microsoft.com/office/drawing/2014/main" id="{3E017564-2D3D-4298-B072-A0ACCFF2490D}"/>
+              </a:ext>
+            </a:extLst>
+          </p:cNvPr>
+          <p:cNvSpPr/>
+          <p:nvPr/>
+        </p:nvSpPr>
+        <p:spPr>
+          <a:xfrm>
+            <a:off x="4153869" y="6546615"/>
+            <a:ext cx="1197532" cy="676062"/>
+          </a:xfrm>
+          <a:prstGeom prst="roundRect">
+            <a:avLst/>
+          </a:prstGeom>
+          <a:noFill/>
+          <a:ln>
+            <a:solidFill>
+              <a:schemeClr val="tx1"/>
+            </a:solidFill>
+          </a:ln>
+        </p:spPr>
+        <p:style>
+          <a:lnRef idx="0">
+            <a:scrgbClr r="0" g="0" b="0"/>
+          </a:lnRef>
+          <a:fillRef idx="0">
+            <a:scrgbClr r="0" g="0" b="0"/>
+          </a:fillRef>
+          <a:effectRef idx="0">
+            <a:scrgbClr r="0" g="0" b="0"/>
+          </a:effectRef>
+          <a:fontRef idx="minor">
+            <a:schemeClr val="lt1"/>
+          </a:fontRef>
+        </p:style>
+        <p:txBody>
+          <a:bodyPr rtlCol="0" anchor="ctr"/>
+          <a:lstStyle/>
+          <a:p>
+            <a:pPr algn="ctr"/>
+            <a:r>
+              <a:rPr lang="en-US" sz="1413" dirty="0">
+                <a:solidFill>
+                  <a:srgbClr val="404040"/>
+                </a:solidFill>
+                <a:latin typeface="-apple-system"/>
+              </a:rPr>
+              <a:t>ℝ</a:t>
+            </a:r>
+            <a:r>
+              <a:rPr lang="en-US" sz="1413" baseline="30000" dirty="0">
+                <a:solidFill>
+                  <a:schemeClr val="tx1"/>
+                </a:solidFill>
+                <a:latin typeface="Times New Roman" panose="02020603050405020304" pitchFamily="18" charset="0"/>
+                <a:ea typeface="Calibri" panose="020F0502020204030204" pitchFamily="34" charset="0"/>
+                <a:cs typeface="Times New Roman" panose="02020603050405020304" pitchFamily="18" charset="0"/>
+              </a:rPr>
+              <a:t>300 </a:t>
+            </a:r>
+            <a:r>
+              <a:rPr lang="en-US" sz="1413" dirty="0">
+                <a:solidFill>
+                  <a:schemeClr val="tx1"/>
+                </a:solidFill>
+                <a:latin typeface="Times New Roman" panose="02020603050405020304" pitchFamily="18" charset="0"/>
+                <a:cs typeface="Times New Roman" panose="02020603050405020304" pitchFamily="18" charset="0"/>
+              </a:rPr>
+              <a:t>Embeddings</a:t>
+            </a:r>
+          </a:p>
+        </p:txBody>
+      </p:sp>
+      <p:sp>
+        <p:nvSpPr>
+          <p:cNvPr id="107" name="Rectangle: Rounded Corners 106">
+            <a:extLst>
+              <a:ext uri="{FF2B5EF4-FFF2-40B4-BE49-F238E27FC236}">
+                <a16:creationId xmlns:a16="http://schemas.microsoft.com/office/drawing/2014/main" id="{D2ECC5E8-EB2D-4163-AF4A-46E538931909}"/>
+              </a:ext>
+            </a:extLst>
+          </p:cNvPr>
+          <p:cNvSpPr/>
+          <p:nvPr/>
+        </p:nvSpPr>
+        <p:spPr>
+          <a:xfrm>
+            <a:off x="5760195" y="6545363"/>
+            <a:ext cx="1089630" cy="676062"/>
+          </a:xfrm>
+          <a:prstGeom prst="roundRect">
+            <a:avLst/>
+          </a:prstGeom>
+          <a:noFill/>
+          <a:ln>
+            <a:solidFill>
+              <a:schemeClr val="tx1"/>
+            </a:solidFill>
+          </a:ln>
+        </p:spPr>
+        <p:style>
+          <a:lnRef idx="0">
+            <a:scrgbClr r="0" g="0" b="0"/>
+          </a:lnRef>
+          <a:fillRef idx="0">
+            <a:scrgbClr r="0" g="0" b="0"/>
+          </a:fillRef>
+          <a:effectRef idx="0">
+            <a:scrgbClr r="0" g="0" b="0"/>
+          </a:effectRef>
+          <a:fontRef idx="minor">
+            <a:schemeClr val="lt1"/>
+          </a:fontRef>
+        </p:style>
+        <p:txBody>
+          <a:bodyPr rtlCol="0" anchor="ctr"/>
+          <a:lstStyle/>
+          <a:p>
+            <a:pPr algn="ctr"/>
+            <a:r>
+              <a:rPr lang="en-US" sz="1413" dirty="0">
+                <a:solidFill>
+                  <a:srgbClr val="404040"/>
+                </a:solidFill>
+                <a:latin typeface="-apple-system"/>
+              </a:rPr>
+              <a:t>Dense (2048)</a:t>
+            </a:r>
+            <a:endParaRPr lang="en-US" sz="1413" dirty="0">
               <a:solidFill>
                 <a:schemeClr val="tx1"/>
               </a:solidFill>
-            </a:ln>
-          </p:spPr>
-          <p:style>
-            <a:lnRef idx="0">
-              <a:scrgbClr r="0" g="0" b="0"/>
-            </a:lnRef>
-            <a:fillRef idx="0">
-              <a:scrgbClr r="0" g="0" b="0"/>
-            </a:fillRef>
-            <a:effectRef idx="0">
-              <a:scrgbClr r="0" g="0" b="0"/>
-            </a:effectRef>
-            <a:fontRef idx="minor">
-              <a:schemeClr val="lt1"/>
-            </a:fontRef>
-          </p:style>
-          <p:txBody>
-            <a:bodyPr rtlCol="0" anchor="ctr"/>
-            <a:lstStyle/>
-            <a:p>
-              <a:pPr algn="ctr"/>
-              <a:r>
-                <a:rPr lang="en-US" dirty="0">
-                  <a:solidFill>
-                    <a:schemeClr val="tx1"/>
-                  </a:solidFill>
-                  <a:latin typeface="Times New Roman" panose="02020603050405020304" pitchFamily="18" charset="0"/>
-                  <a:cs typeface="Times New Roman" panose="02020603050405020304" pitchFamily="18" charset="0"/>
-                </a:rPr>
-                <a:t>Drugs from DrugBank</a:t>
-              </a:r>
-            </a:p>
-          </p:txBody>
-        </p:sp>
-        <p:sp>
-          <p:nvSpPr>
-            <p:cNvPr id="52" name="Rectangle: Rounded Corners 51">
-              <a:extLst>
-                <a:ext uri="{FF2B5EF4-FFF2-40B4-BE49-F238E27FC236}">
-                  <a16:creationId xmlns:a16="http://schemas.microsoft.com/office/drawing/2014/main" id="{3671A2B0-9379-4F15-A6E5-1AFC4052E915}"/>
-                </a:ext>
-              </a:extLst>
-            </p:cNvPr>
-            <p:cNvSpPr/>
-            <p:nvPr/>
-          </p:nvSpPr>
-          <p:spPr>
-            <a:xfrm>
-              <a:off x="1010604" y="1509838"/>
-              <a:ext cx="1523993" cy="850231"/>
-            </a:xfrm>
-            <a:prstGeom prst="roundRect">
-              <a:avLst/>
-            </a:prstGeom>
-            <a:noFill/>
-            <a:ln>
+              <a:latin typeface="Times New Roman" panose="02020603050405020304" pitchFamily="18" charset="0"/>
+              <a:cs typeface="Times New Roman" panose="02020603050405020304" pitchFamily="18" charset="0"/>
+            </a:endParaRPr>
+          </a:p>
+        </p:txBody>
+      </p:sp>
+      <p:sp>
+        <p:nvSpPr>
+          <p:cNvPr id="108" name="Rectangle: Rounded Corners 107">
+            <a:extLst>
+              <a:ext uri="{FF2B5EF4-FFF2-40B4-BE49-F238E27FC236}">
+                <a16:creationId xmlns:a16="http://schemas.microsoft.com/office/drawing/2014/main" id="{52C0F00E-B924-487F-9A8F-8CA2C4B012A9}"/>
+              </a:ext>
+            </a:extLst>
+          </p:cNvPr>
+          <p:cNvSpPr/>
+          <p:nvPr/>
+        </p:nvSpPr>
+        <p:spPr>
+          <a:xfrm>
+            <a:off x="5708611" y="5252794"/>
+            <a:ext cx="1098372" cy="676062"/>
+          </a:xfrm>
+          <a:prstGeom prst="roundRect">
+            <a:avLst/>
+          </a:prstGeom>
+          <a:noFill/>
+          <a:ln>
+            <a:solidFill>
+              <a:schemeClr val="tx1"/>
+            </a:solidFill>
+          </a:ln>
+        </p:spPr>
+        <p:style>
+          <a:lnRef idx="0">
+            <a:scrgbClr r="0" g="0" b="0"/>
+          </a:lnRef>
+          <a:fillRef idx="0">
+            <a:scrgbClr r="0" g="0" b="0"/>
+          </a:fillRef>
+          <a:effectRef idx="0">
+            <a:scrgbClr r="0" g="0" b="0"/>
+          </a:effectRef>
+          <a:fontRef idx="minor">
+            <a:schemeClr val="lt1"/>
+          </a:fontRef>
+        </p:style>
+        <p:txBody>
+          <a:bodyPr rtlCol="0" anchor="ctr"/>
+          <a:lstStyle/>
+          <a:p>
+            <a:pPr algn="ctr"/>
+            <a:r>
+              <a:rPr lang="en-US" sz="1413" dirty="0">
+                <a:solidFill>
+                  <a:srgbClr val="404040"/>
+                </a:solidFill>
+                <a:latin typeface="-apple-system"/>
+              </a:rPr>
+              <a:t>Dense (2048)</a:t>
+            </a:r>
+            <a:endParaRPr lang="en-US" sz="1413" dirty="0">
               <a:solidFill>
                 <a:schemeClr val="tx1"/>
               </a:solidFill>
-            </a:ln>
-          </p:spPr>
-          <p:style>
-            <a:lnRef idx="0">
-              <a:scrgbClr r="0" g="0" b="0"/>
-            </a:lnRef>
-            <a:fillRef idx="0">
-              <a:scrgbClr r="0" g="0" b="0"/>
-            </a:fillRef>
-            <a:effectRef idx="0">
-              <a:scrgbClr r="0" g="0" b="0"/>
-            </a:effectRef>
-            <a:fontRef idx="minor">
-              <a:schemeClr val="lt1"/>
-            </a:fontRef>
-          </p:style>
-          <p:txBody>
-            <a:bodyPr rtlCol="0" anchor="ctr"/>
-            <a:lstStyle/>
-            <a:p>
-              <a:pPr algn="ctr"/>
-              <a:r>
-                <a:rPr lang="en-US" dirty="0">
-                  <a:solidFill>
-                    <a:schemeClr val="tx1"/>
-                  </a:solidFill>
-                  <a:latin typeface="Times New Roman" panose="02020603050405020304" pitchFamily="18" charset="0"/>
-                  <a:cs typeface="Times New Roman" panose="02020603050405020304" pitchFamily="18" charset="0"/>
-                </a:rPr>
-                <a:t>Natural Compounds from NCFD</a:t>
-              </a:r>
-            </a:p>
-          </p:txBody>
-        </p:sp>
-        <p:sp>
-          <p:nvSpPr>
-            <p:cNvPr id="53" name="Rectangle: Rounded Corners 52">
-              <a:extLst>
-                <a:ext uri="{FF2B5EF4-FFF2-40B4-BE49-F238E27FC236}">
-                  <a16:creationId xmlns:a16="http://schemas.microsoft.com/office/drawing/2014/main" id="{8AB8278A-C747-4799-8A69-8AF597EB0DF4}"/>
-                </a:ext>
-              </a:extLst>
-            </p:cNvPr>
-            <p:cNvSpPr/>
-            <p:nvPr/>
-          </p:nvSpPr>
-          <p:spPr>
-            <a:xfrm>
-              <a:off x="1015039" y="3065545"/>
-              <a:ext cx="1549079" cy="770020"/>
-            </a:xfrm>
-            <a:prstGeom prst="roundRect">
-              <a:avLst/>
-            </a:prstGeom>
-            <a:noFill/>
-            <a:ln>
+              <a:latin typeface="Times New Roman" panose="02020603050405020304" pitchFamily="18" charset="0"/>
+              <a:cs typeface="Times New Roman" panose="02020603050405020304" pitchFamily="18" charset="0"/>
+            </a:endParaRPr>
+          </a:p>
+        </p:txBody>
+      </p:sp>
+      <p:sp>
+        <p:nvSpPr>
+          <p:cNvPr id="109" name="Rectangle: Rounded Corners 108">
+            <a:extLst>
+              <a:ext uri="{FF2B5EF4-FFF2-40B4-BE49-F238E27FC236}">
+                <a16:creationId xmlns:a16="http://schemas.microsoft.com/office/drawing/2014/main" id="{6E308112-5D86-4138-94AF-EC7166E90B37}"/>
+              </a:ext>
+            </a:extLst>
+          </p:cNvPr>
+          <p:cNvSpPr/>
+          <p:nvPr/>
+        </p:nvSpPr>
+        <p:spPr>
+          <a:xfrm>
+            <a:off x="7576853" y="5969090"/>
+            <a:ext cx="1182958" cy="676062"/>
+          </a:xfrm>
+          <a:prstGeom prst="roundRect">
+            <a:avLst/>
+          </a:prstGeom>
+          <a:noFill/>
+          <a:ln>
+            <a:solidFill>
+              <a:schemeClr val="tx1"/>
+            </a:solidFill>
+          </a:ln>
+        </p:spPr>
+        <p:style>
+          <a:lnRef idx="0">
+            <a:scrgbClr r="0" g="0" b="0"/>
+          </a:lnRef>
+          <a:fillRef idx="0">
+            <a:scrgbClr r="0" g="0" b="0"/>
+          </a:fillRef>
+          <a:effectRef idx="0">
+            <a:scrgbClr r="0" g="0" b="0"/>
+          </a:effectRef>
+          <a:fontRef idx="minor">
+            <a:schemeClr val="lt1"/>
+          </a:fontRef>
+        </p:style>
+        <p:txBody>
+          <a:bodyPr rtlCol="0" anchor="ctr"/>
+          <a:lstStyle/>
+          <a:p>
+            <a:pPr algn="ctr"/>
+            <a:r>
+              <a:rPr lang="en-US" sz="1413" dirty="0">
+                <a:solidFill>
+                  <a:srgbClr val="404040"/>
+                </a:solidFill>
+                <a:latin typeface="-apple-system"/>
+              </a:rPr>
+              <a:t>Concatenate</a:t>
+            </a:r>
+            <a:endParaRPr lang="en-US" sz="1413" dirty="0">
               <a:solidFill>
                 <a:schemeClr val="tx1"/>
               </a:solidFill>
-            </a:ln>
-          </p:spPr>
-          <p:style>
-            <a:lnRef idx="0">
-              <a:scrgbClr r="0" g="0" b="0"/>
-            </a:lnRef>
-            <a:fillRef idx="0">
-              <a:scrgbClr r="0" g="0" b="0"/>
-            </a:fillRef>
-            <a:effectRef idx="0">
-              <a:scrgbClr r="0" g="0" b="0"/>
-            </a:effectRef>
-            <a:fontRef idx="minor">
-              <a:schemeClr val="lt1"/>
-            </a:fontRef>
-          </p:style>
-          <p:txBody>
-            <a:bodyPr rtlCol="0" anchor="ctr"/>
-            <a:lstStyle/>
-            <a:p>
-              <a:pPr algn="ctr"/>
-              <a:r>
-                <a:rPr lang="en-US" dirty="0">
-                  <a:solidFill>
-                    <a:schemeClr val="tx1"/>
-                  </a:solidFill>
-                  <a:latin typeface="Times New Roman" panose="02020603050405020304" pitchFamily="18" charset="0"/>
-                  <a:cs typeface="Times New Roman" panose="02020603050405020304" pitchFamily="18" charset="0"/>
-                </a:rPr>
-                <a:t>Novel Protein Targets</a:t>
-              </a:r>
-            </a:p>
-          </p:txBody>
-        </p:sp>
-        <p:cxnSp>
-          <p:nvCxnSpPr>
-            <p:cNvPr id="54" name="Straight Arrow Connector 53">
-              <a:extLst>
-                <a:ext uri="{FF2B5EF4-FFF2-40B4-BE49-F238E27FC236}">
-                  <a16:creationId xmlns:a16="http://schemas.microsoft.com/office/drawing/2014/main" id="{10FFE111-C3D5-4428-B8D4-17302ED0DCD5}"/>
-                </a:ext>
-              </a:extLst>
-            </p:cNvPr>
-            <p:cNvCxnSpPr>
-              <a:cxnSpLocks/>
-              <a:stCxn id="51" idx="3"/>
-              <a:endCxn id="63" idx="1"/>
-            </p:cNvCxnSpPr>
-            <p:nvPr/>
-          </p:nvCxnSpPr>
-          <p:spPr>
-            <a:xfrm>
-              <a:off x="2539034" y="1023039"/>
-              <a:ext cx="431625" cy="508085"/>
-            </a:xfrm>
-            <a:prstGeom prst="straightConnector1">
-              <a:avLst/>
-            </a:prstGeom>
-            <a:ln>
+              <a:latin typeface="Times New Roman" panose="02020603050405020304" pitchFamily="18" charset="0"/>
+              <a:cs typeface="Times New Roman" panose="02020603050405020304" pitchFamily="18" charset="0"/>
+            </a:endParaRPr>
+          </a:p>
+        </p:txBody>
+      </p:sp>
+      <p:sp>
+        <p:nvSpPr>
+          <p:cNvPr id="110" name="Rectangle: Rounded Corners 109">
+            <a:extLst>
+              <a:ext uri="{FF2B5EF4-FFF2-40B4-BE49-F238E27FC236}">
+                <a16:creationId xmlns:a16="http://schemas.microsoft.com/office/drawing/2014/main" id="{73563AA9-B114-488F-9530-47AC99B75F42}"/>
+              </a:ext>
+            </a:extLst>
+          </p:cNvPr>
+          <p:cNvSpPr/>
+          <p:nvPr/>
+        </p:nvSpPr>
+        <p:spPr>
+          <a:xfrm>
+            <a:off x="9026879" y="5989446"/>
+            <a:ext cx="1126972" cy="676062"/>
+          </a:xfrm>
+          <a:prstGeom prst="roundRect">
+            <a:avLst/>
+          </a:prstGeom>
+          <a:noFill/>
+          <a:ln>
+            <a:solidFill>
+              <a:schemeClr val="tx1"/>
+            </a:solidFill>
+          </a:ln>
+        </p:spPr>
+        <p:style>
+          <a:lnRef idx="0">
+            <a:scrgbClr r="0" g="0" b="0"/>
+          </a:lnRef>
+          <a:fillRef idx="0">
+            <a:scrgbClr r="0" g="0" b="0"/>
+          </a:fillRef>
+          <a:effectRef idx="0">
+            <a:scrgbClr r="0" g="0" b="0"/>
+          </a:effectRef>
+          <a:fontRef idx="minor">
+            <a:schemeClr val="lt1"/>
+          </a:fontRef>
+        </p:style>
+        <p:txBody>
+          <a:bodyPr rtlCol="0" anchor="ctr"/>
+          <a:lstStyle/>
+          <a:p>
+            <a:pPr algn="ctr"/>
+            <a:r>
+              <a:rPr lang="en-US" sz="1413" dirty="0">
+                <a:solidFill>
+                  <a:srgbClr val="404040"/>
+                </a:solidFill>
+                <a:latin typeface="-apple-system"/>
+              </a:rPr>
+              <a:t>Dense (512)</a:t>
+            </a:r>
+            <a:endParaRPr lang="en-US" sz="1413" dirty="0">
               <a:solidFill>
                 <a:schemeClr val="tx1"/>
               </a:solidFill>
-              <a:tailEnd type="triangle"/>
-            </a:ln>
-          </p:spPr>
-          <p:style>
-            <a:lnRef idx="1">
-              <a:schemeClr val="accent1"/>
-            </a:lnRef>
-            <a:fillRef idx="0">
-              <a:schemeClr val="accent1"/>
-            </a:fillRef>
-            <a:effectRef idx="0">
-              <a:schemeClr val="accent1"/>
-            </a:effectRef>
-            <a:fontRef idx="minor">
+              <a:latin typeface="Times New Roman" panose="02020603050405020304" pitchFamily="18" charset="0"/>
+              <a:cs typeface="Times New Roman" panose="02020603050405020304" pitchFamily="18" charset="0"/>
+            </a:endParaRPr>
+          </a:p>
+        </p:txBody>
+      </p:sp>
+      <p:sp>
+        <p:nvSpPr>
+          <p:cNvPr id="111" name="Rectangle: Rounded Corners 110">
+            <a:extLst>
+              <a:ext uri="{FF2B5EF4-FFF2-40B4-BE49-F238E27FC236}">
+                <a16:creationId xmlns:a16="http://schemas.microsoft.com/office/drawing/2014/main" id="{DABC7C3B-6F07-408A-8599-68C805542A06}"/>
+              </a:ext>
+            </a:extLst>
+          </p:cNvPr>
+          <p:cNvSpPr/>
+          <p:nvPr/>
+        </p:nvSpPr>
+        <p:spPr>
+          <a:xfrm>
+            <a:off x="10385785" y="6002588"/>
+            <a:ext cx="1126973" cy="676062"/>
+          </a:xfrm>
+          <a:prstGeom prst="roundRect">
+            <a:avLst/>
+          </a:prstGeom>
+          <a:noFill/>
+          <a:ln>
+            <a:solidFill>
               <a:schemeClr val="tx1"/>
-            </a:fontRef>
-          </p:style>
-        </p:cxnSp>
-        <p:cxnSp>
-          <p:nvCxnSpPr>
-            <p:cNvPr id="56" name="Straight Arrow Connector 55">
-              <a:extLst>
-                <a:ext uri="{FF2B5EF4-FFF2-40B4-BE49-F238E27FC236}">
-                  <a16:creationId xmlns:a16="http://schemas.microsoft.com/office/drawing/2014/main" id="{4DF2A576-7916-4CAB-A0E1-B4E42C60826B}"/>
-                </a:ext>
-              </a:extLst>
-            </p:cNvPr>
-            <p:cNvCxnSpPr>
-              <a:cxnSpLocks/>
-              <a:stCxn id="52" idx="3"/>
-              <a:endCxn id="63" idx="1"/>
-            </p:cNvCxnSpPr>
-            <p:nvPr/>
-          </p:nvCxnSpPr>
-          <p:spPr>
-            <a:xfrm flipV="1">
-              <a:off x="2534597" y="1531124"/>
-              <a:ext cx="436062" cy="403830"/>
-            </a:xfrm>
-            <a:prstGeom prst="straightConnector1">
-              <a:avLst/>
-            </a:prstGeom>
-            <a:ln>
+            </a:solidFill>
+          </a:ln>
+        </p:spPr>
+        <p:style>
+          <a:lnRef idx="0">
+            <a:scrgbClr r="0" g="0" b="0"/>
+          </a:lnRef>
+          <a:fillRef idx="0">
+            <a:scrgbClr r="0" g="0" b="0"/>
+          </a:fillRef>
+          <a:effectRef idx="0">
+            <a:scrgbClr r="0" g="0" b="0"/>
+          </a:effectRef>
+          <a:fontRef idx="minor">
+            <a:schemeClr val="lt1"/>
+          </a:fontRef>
+        </p:style>
+        <p:txBody>
+          <a:bodyPr rtlCol="0" anchor="ctr"/>
+          <a:lstStyle/>
+          <a:p>
+            <a:pPr algn="ctr"/>
+            <a:r>
+              <a:rPr lang="en-US" sz="1413" dirty="0">
+                <a:solidFill>
+                  <a:srgbClr val="404040"/>
+                </a:solidFill>
+                <a:latin typeface="-apple-system"/>
+              </a:rPr>
+              <a:t>Dense (512)</a:t>
+            </a:r>
+            <a:endParaRPr lang="en-US" sz="1413" dirty="0">
               <a:solidFill>
                 <a:schemeClr val="tx1"/>
               </a:solidFill>
-              <a:tailEnd type="triangle"/>
-            </a:ln>
-          </p:spPr>
-          <p:style>
-            <a:lnRef idx="1">
-              <a:schemeClr val="accent1"/>
-            </a:lnRef>
-            <a:fillRef idx="0">
-              <a:schemeClr val="accent1"/>
-            </a:fillRef>
-            <a:effectRef idx="0">
-              <a:schemeClr val="accent1"/>
-            </a:effectRef>
-            <a:fontRef idx="minor">
+              <a:latin typeface="Times New Roman" panose="02020603050405020304" pitchFamily="18" charset="0"/>
+              <a:cs typeface="Times New Roman" panose="02020603050405020304" pitchFamily="18" charset="0"/>
+            </a:endParaRPr>
+          </a:p>
+        </p:txBody>
+      </p:sp>
+      <p:sp>
+        <p:nvSpPr>
+          <p:cNvPr id="112" name="Rectangle: Rounded Corners 111">
+            <a:extLst>
+              <a:ext uri="{FF2B5EF4-FFF2-40B4-BE49-F238E27FC236}">
+                <a16:creationId xmlns:a16="http://schemas.microsoft.com/office/drawing/2014/main" id="{E122B8EC-D883-4F89-B3DA-8CDFB8B924C2}"/>
+              </a:ext>
+            </a:extLst>
+          </p:cNvPr>
+          <p:cNvSpPr/>
+          <p:nvPr/>
+        </p:nvSpPr>
+        <p:spPr>
+          <a:xfrm>
+            <a:off x="11864998" y="5989446"/>
+            <a:ext cx="943985" cy="676062"/>
+          </a:xfrm>
+          <a:prstGeom prst="roundRect">
+            <a:avLst/>
+          </a:prstGeom>
+          <a:noFill/>
+          <a:ln>
+            <a:solidFill>
               <a:schemeClr val="tx1"/>
-            </a:fontRef>
-          </p:style>
-        </p:cxnSp>
-        <p:cxnSp>
-          <p:nvCxnSpPr>
-            <p:cNvPr id="57" name="Straight Arrow Connector 56">
-              <a:extLst>
-                <a:ext uri="{FF2B5EF4-FFF2-40B4-BE49-F238E27FC236}">
-                  <a16:creationId xmlns:a16="http://schemas.microsoft.com/office/drawing/2014/main" id="{726F516C-1393-4169-946B-1EB2E0C9DB5E}"/>
-                </a:ext>
-              </a:extLst>
-            </p:cNvPr>
-            <p:cNvCxnSpPr>
-              <a:cxnSpLocks/>
-              <a:stCxn id="63" idx="3"/>
-            </p:cNvCxnSpPr>
-            <p:nvPr/>
-          </p:nvCxnSpPr>
-          <p:spPr>
-            <a:xfrm>
-              <a:off x="4494655" y="1531124"/>
-              <a:ext cx="406520" cy="457200"/>
-            </a:xfrm>
-            <a:prstGeom prst="straightConnector1">
-              <a:avLst/>
-            </a:prstGeom>
-            <a:ln>
+            </a:solidFill>
+          </a:ln>
+        </p:spPr>
+        <p:style>
+          <a:lnRef idx="0">
+            <a:scrgbClr r="0" g="0" b="0"/>
+          </a:lnRef>
+          <a:fillRef idx="0">
+            <a:scrgbClr r="0" g="0" b="0"/>
+          </a:fillRef>
+          <a:effectRef idx="0">
+            <a:scrgbClr r="0" g="0" b="0"/>
+          </a:effectRef>
+          <a:fontRef idx="minor">
+            <a:schemeClr val="lt1"/>
+          </a:fontRef>
+        </p:style>
+        <p:txBody>
+          <a:bodyPr rtlCol="0" anchor="ctr"/>
+          <a:lstStyle/>
+          <a:p>
+            <a:pPr algn="ctr"/>
+            <a:r>
+              <a:rPr lang="en-US" sz="1413" dirty="0">
+                <a:solidFill>
+                  <a:srgbClr val="404040"/>
+                </a:solidFill>
+                <a:latin typeface="-apple-system"/>
+              </a:rPr>
+              <a:t>Dense (1)</a:t>
+            </a:r>
+            <a:endParaRPr lang="en-US" sz="1413" dirty="0">
               <a:solidFill>
                 <a:schemeClr val="tx1"/>
               </a:solidFill>
-              <a:tailEnd type="triangle"/>
-            </a:ln>
-          </p:spPr>
-          <p:style>
-            <a:lnRef idx="1">
-              <a:schemeClr val="accent1"/>
-            </a:lnRef>
-            <a:fillRef idx="0">
-              <a:schemeClr val="accent1"/>
-            </a:fillRef>
-            <a:effectRef idx="0">
-              <a:schemeClr val="accent1"/>
-            </a:effectRef>
-            <a:fontRef idx="minor">
+              <a:latin typeface="Times New Roman" panose="02020603050405020304" pitchFamily="18" charset="0"/>
+              <a:cs typeface="Times New Roman" panose="02020603050405020304" pitchFamily="18" charset="0"/>
+            </a:endParaRPr>
+          </a:p>
+        </p:txBody>
+      </p:sp>
+      <p:cxnSp>
+        <p:nvCxnSpPr>
+          <p:cNvPr id="113" name="Straight Arrow Connector 112">
+            <a:extLst>
+              <a:ext uri="{FF2B5EF4-FFF2-40B4-BE49-F238E27FC236}">
+                <a16:creationId xmlns:a16="http://schemas.microsoft.com/office/drawing/2014/main" id="{1C6D9BFF-F129-4D99-95E3-989F394679D4}"/>
+              </a:ext>
+            </a:extLst>
+          </p:cNvPr>
+          <p:cNvCxnSpPr>
+            <a:cxnSpLocks/>
+            <a:endCxn id="96" idx="1"/>
+          </p:cNvCxnSpPr>
+          <p:nvPr/>
+        </p:nvCxnSpPr>
+        <p:spPr>
+          <a:xfrm>
+            <a:off x="2247330" y="5582872"/>
+            <a:ext cx="415820" cy="0"/>
+          </a:xfrm>
+          <a:prstGeom prst="straightConnector1">
+            <a:avLst/>
+          </a:prstGeom>
+          <a:ln>
+            <a:solidFill>
               <a:schemeClr val="tx1"/>
-            </a:fontRef>
-          </p:style>
-        </p:cxnSp>
-        <p:cxnSp>
-          <p:nvCxnSpPr>
-            <p:cNvPr id="58" name="Straight Arrow Connector 57">
-              <a:extLst>
-                <a:ext uri="{FF2B5EF4-FFF2-40B4-BE49-F238E27FC236}">
-                  <a16:creationId xmlns:a16="http://schemas.microsoft.com/office/drawing/2014/main" id="{684DE8C3-FE51-4675-AEA3-1CCAC6C89627}"/>
-                </a:ext>
-              </a:extLst>
-            </p:cNvPr>
-            <p:cNvCxnSpPr>
-              <a:cxnSpLocks/>
-              <a:stCxn id="53" idx="3"/>
-              <a:endCxn id="64" idx="1"/>
-            </p:cNvCxnSpPr>
-            <p:nvPr/>
-          </p:nvCxnSpPr>
-          <p:spPr>
-            <a:xfrm>
-              <a:off x="2564118" y="3450555"/>
-              <a:ext cx="342264" cy="0"/>
-            </a:xfrm>
-            <a:prstGeom prst="straightConnector1">
-              <a:avLst/>
-            </a:prstGeom>
-            <a:ln>
-              <a:solidFill>
-                <a:schemeClr val="tx1"/>
-              </a:solidFill>
-              <a:tailEnd type="triangle"/>
-            </a:ln>
-          </p:spPr>
-          <p:style>
-            <a:lnRef idx="1">
-              <a:schemeClr val="accent1"/>
-            </a:lnRef>
-            <a:fillRef idx="0">
-              <a:schemeClr val="accent1"/>
-            </a:fillRef>
-            <a:effectRef idx="0">
-              <a:schemeClr val="accent1"/>
-            </a:effectRef>
-            <a:fontRef idx="minor">
+            </a:solidFill>
+            <a:tailEnd type="triangle"/>
+          </a:ln>
+        </p:spPr>
+        <p:style>
+          <a:lnRef idx="1">
+            <a:schemeClr val="accent1"/>
+          </a:lnRef>
+          <a:fillRef idx="0">
+            <a:schemeClr val="accent1"/>
+          </a:fillRef>
+          <a:effectRef idx="0">
+            <a:schemeClr val="accent1"/>
+          </a:effectRef>
+          <a:fontRef idx="minor">
+            <a:schemeClr val="tx1"/>
+          </a:fontRef>
+        </p:style>
+      </p:cxnSp>
+      <p:cxnSp>
+        <p:nvCxnSpPr>
+          <p:cNvPr id="114" name="Straight Arrow Connector 113">
+            <a:extLst>
+              <a:ext uri="{FF2B5EF4-FFF2-40B4-BE49-F238E27FC236}">
+                <a16:creationId xmlns:a16="http://schemas.microsoft.com/office/drawing/2014/main" id="{6D9ABDFE-A32F-41A9-843D-328C9F0BEF45}"/>
+              </a:ext>
+            </a:extLst>
+          </p:cNvPr>
+          <p:cNvCxnSpPr>
+            <a:cxnSpLocks/>
+          </p:cNvCxnSpPr>
+          <p:nvPr/>
+        </p:nvCxnSpPr>
+        <p:spPr>
+          <a:xfrm>
+            <a:off x="2285391" y="6884642"/>
+            <a:ext cx="415820" cy="0"/>
+          </a:xfrm>
+          <a:prstGeom prst="straightConnector1">
+            <a:avLst/>
+          </a:prstGeom>
+          <a:ln>
+            <a:solidFill>
               <a:schemeClr val="tx1"/>
-            </a:fontRef>
-          </p:style>
-        </p:cxnSp>
-        <p:sp>
-          <p:nvSpPr>
-            <p:cNvPr id="59" name="Rectangle: Rounded Corners 58">
-              <a:extLst>
-                <a:ext uri="{FF2B5EF4-FFF2-40B4-BE49-F238E27FC236}">
-                  <a16:creationId xmlns:a16="http://schemas.microsoft.com/office/drawing/2014/main" id="{A00B9F74-7CC6-4F80-A55D-31DE035DBE26}"/>
-                </a:ext>
-              </a:extLst>
-            </p:cNvPr>
-            <p:cNvSpPr/>
-            <p:nvPr/>
-          </p:nvSpPr>
-          <p:spPr>
-            <a:xfrm>
-              <a:off x="10504324" y="2249059"/>
-              <a:ext cx="1108552" cy="593534"/>
-            </a:xfrm>
-            <a:prstGeom prst="roundRect">
-              <a:avLst/>
-            </a:prstGeom>
-            <a:noFill/>
-            <a:ln w="9525" cap="flat" cmpd="sng" algn="ctr">
-              <a:solidFill>
-                <a:schemeClr val="tx1"/>
-              </a:solidFill>
-              <a:prstDash val="solid"/>
-              <a:round/>
-              <a:headEnd type="none" w="med" len="med"/>
-              <a:tailEnd type="none" w="med" len="med"/>
-            </a:ln>
-          </p:spPr>
-          <p:style>
-            <a:lnRef idx="0">
-              <a:scrgbClr r="0" g="0" b="0"/>
-            </a:lnRef>
-            <a:fillRef idx="0">
-              <a:scrgbClr r="0" g="0" b="0"/>
-            </a:fillRef>
-            <a:effectRef idx="0">
-              <a:scrgbClr r="0" g="0" b="0"/>
-            </a:effectRef>
-            <a:fontRef idx="minor">
-              <a:schemeClr val="accent6"/>
-            </a:fontRef>
-          </p:style>
-          <p:txBody>
-            <a:bodyPr rtlCol="0" anchor="ctr"/>
-            <a:lstStyle/>
-            <a:p>
-              <a:pPr algn="ctr"/>
-              <a:r>
-                <a:rPr lang="en-US" dirty="0">
-                  <a:solidFill>
-                    <a:schemeClr val="tx1"/>
-                  </a:solidFill>
-                  <a:latin typeface="Times New Roman" panose="02020603050405020304" pitchFamily="18" charset="0"/>
-                  <a:cs typeface="Times New Roman" panose="02020603050405020304" pitchFamily="18" charset="0"/>
-                </a:rPr>
-                <a:t>Potential Ligands</a:t>
-              </a:r>
-            </a:p>
-          </p:txBody>
-        </p:sp>
-        <p:pic>
-          <p:nvPicPr>
-            <p:cNvPr id="60" name="Picture 59">
-              <a:extLst>
-                <a:ext uri="{FF2B5EF4-FFF2-40B4-BE49-F238E27FC236}">
-                  <a16:creationId xmlns:a16="http://schemas.microsoft.com/office/drawing/2014/main" id="{C43A0CA4-8CDA-4600-8733-393757952DDE}"/>
-                </a:ext>
-              </a:extLst>
-            </p:cNvPr>
-            <p:cNvPicPr>
-              <a:picLocks noChangeAspect="1"/>
-            </p:cNvPicPr>
-            <p:nvPr/>
-          </p:nvPicPr>
-          <p:blipFill>
-            <a:blip r:embed="rId8"/>
-            <a:stretch>
-              <a:fillRect/>
-            </a:stretch>
-          </p:blipFill>
-          <p:spPr>
-            <a:xfrm>
-              <a:off x="0" y="1151205"/>
-              <a:ext cx="977523" cy="745783"/>
-            </a:xfrm>
-            <a:prstGeom prst="rect">
-              <a:avLst/>
-            </a:prstGeom>
-          </p:spPr>
-        </p:pic>
-        <p:pic>
-          <p:nvPicPr>
-            <p:cNvPr id="61" name="Picture 60">
-              <a:extLst>
-                <a:ext uri="{FF2B5EF4-FFF2-40B4-BE49-F238E27FC236}">
-                  <a16:creationId xmlns:a16="http://schemas.microsoft.com/office/drawing/2014/main" id="{1D5C0EA1-FAE1-4C72-B501-71F1CB0E9A8D}"/>
-                </a:ext>
-              </a:extLst>
-            </p:cNvPr>
-            <p:cNvPicPr>
-              <a:picLocks noChangeAspect="1"/>
-            </p:cNvPicPr>
-            <p:nvPr/>
-          </p:nvPicPr>
-          <p:blipFill>
-            <a:blip r:embed="rId9"/>
-            <a:stretch>
-              <a:fillRect/>
-            </a:stretch>
-          </p:blipFill>
-          <p:spPr>
-            <a:xfrm>
-              <a:off x="15992" y="2927689"/>
-              <a:ext cx="961532" cy="1153971"/>
-            </a:xfrm>
-            <a:prstGeom prst="rect">
-              <a:avLst/>
-            </a:prstGeom>
-          </p:spPr>
-        </p:pic>
-        <p:pic>
-          <p:nvPicPr>
-            <p:cNvPr id="62" name="Picture 61">
-              <a:extLst>
-                <a:ext uri="{FF2B5EF4-FFF2-40B4-BE49-F238E27FC236}">
-                  <a16:creationId xmlns:a16="http://schemas.microsoft.com/office/drawing/2014/main" id="{BFF1A4D1-4EE7-44D2-B19D-1C343C3DF462}"/>
-                </a:ext>
-              </a:extLst>
-            </p:cNvPr>
-            <p:cNvPicPr>
-              <a:picLocks noChangeAspect="1"/>
-            </p:cNvPicPr>
-            <p:nvPr/>
-          </p:nvPicPr>
-          <p:blipFill>
-            <a:blip r:embed="rId10"/>
-            <a:stretch>
-              <a:fillRect/>
-            </a:stretch>
-          </p:blipFill>
-          <p:spPr>
-            <a:xfrm>
-              <a:off x="10504324" y="845607"/>
-              <a:ext cx="1108552" cy="1347552"/>
-            </a:xfrm>
-            <a:prstGeom prst="rect">
-              <a:avLst/>
-            </a:prstGeom>
-          </p:spPr>
-        </p:pic>
-        <p:sp>
-          <p:nvSpPr>
-            <p:cNvPr id="63" name="Rectangle: Rounded Corners 62">
-              <a:extLst>
-                <a:ext uri="{FF2B5EF4-FFF2-40B4-BE49-F238E27FC236}">
-                  <a16:creationId xmlns:a16="http://schemas.microsoft.com/office/drawing/2014/main" id="{90156FC3-62BD-4762-9E8F-72A23E4F1BAE}"/>
-                </a:ext>
-              </a:extLst>
-            </p:cNvPr>
-            <p:cNvSpPr/>
-            <p:nvPr/>
-          </p:nvSpPr>
-          <p:spPr>
-            <a:xfrm>
-              <a:off x="2970659" y="1073924"/>
-              <a:ext cx="1523996" cy="914400"/>
-            </a:xfrm>
-            <a:prstGeom prst="roundRect">
-              <a:avLst/>
-            </a:prstGeom>
-            <a:noFill/>
-            <a:ln w="3175">
-              <a:solidFill>
-                <a:schemeClr val="tx1"/>
-              </a:solidFill>
-            </a:ln>
-          </p:spPr>
-          <p:style>
-            <a:lnRef idx="2">
-              <a:schemeClr val="accent1">
-                <a:shade val="50000"/>
-              </a:schemeClr>
-            </a:lnRef>
-            <a:fillRef idx="1">
-              <a:schemeClr val="accent1"/>
-            </a:fillRef>
-            <a:effectRef idx="0">
-              <a:schemeClr val="accent1"/>
-            </a:effectRef>
-            <a:fontRef idx="minor">
-              <a:schemeClr val="lt1"/>
-            </a:fontRef>
-          </p:style>
-          <p:txBody>
-            <a:bodyPr rtlCol="0" anchor="ctr"/>
-            <a:lstStyle/>
-            <a:p>
-              <a:pPr algn="ctr"/>
-              <a:r>
-                <a:rPr lang="en-US" dirty="0">
-                  <a:solidFill>
-                    <a:schemeClr val="tx1"/>
-                  </a:solidFill>
-                  <a:latin typeface="Times New Roman" panose="02020603050405020304" pitchFamily="18" charset="0"/>
-                  <a:cs typeface="Times New Roman" panose="02020603050405020304" pitchFamily="18" charset="0"/>
-                </a:rPr>
-                <a:t>Pre-trained Chemical Embeddings</a:t>
-              </a:r>
-            </a:p>
-          </p:txBody>
-        </p:sp>
-        <p:sp>
-          <p:nvSpPr>
-            <p:cNvPr id="64" name="Rectangle: Rounded Corners 63">
-              <a:extLst>
-                <a:ext uri="{FF2B5EF4-FFF2-40B4-BE49-F238E27FC236}">
-                  <a16:creationId xmlns:a16="http://schemas.microsoft.com/office/drawing/2014/main" id="{37AA8FAC-26A8-42C7-B723-44417C739D23}"/>
-                </a:ext>
-              </a:extLst>
-            </p:cNvPr>
-            <p:cNvSpPr/>
-            <p:nvPr/>
-          </p:nvSpPr>
-          <p:spPr>
-            <a:xfrm>
-              <a:off x="2906382" y="2993355"/>
-              <a:ext cx="1523996" cy="914400"/>
-            </a:xfrm>
-            <a:prstGeom prst="roundRect">
-              <a:avLst/>
-            </a:prstGeom>
-            <a:noFill/>
-            <a:ln w="3175">
-              <a:solidFill>
-                <a:schemeClr val="tx1"/>
-              </a:solidFill>
-            </a:ln>
-          </p:spPr>
-          <p:style>
-            <a:lnRef idx="2">
-              <a:schemeClr val="accent1">
-                <a:shade val="50000"/>
-              </a:schemeClr>
-            </a:lnRef>
-            <a:fillRef idx="1">
-              <a:schemeClr val="accent1"/>
-            </a:fillRef>
-            <a:effectRef idx="0">
-              <a:schemeClr val="accent1"/>
-            </a:effectRef>
-            <a:fontRef idx="minor">
-              <a:schemeClr val="lt1"/>
-            </a:fontRef>
-          </p:style>
-          <p:txBody>
-            <a:bodyPr rtlCol="0" anchor="ctr"/>
-            <a:lstStyle/>
-            <a:p>
-              <a:pPr algn="ctr"/>
-              <a:r>
-                <a:rPr lang="en-US" dirty="0">
-                  <a:solidFill>
-                    <a:schemeClr val="tx1"/>
-                  </a:solidFill>
-                  <a:latin typeface="Times New Roman" panose="02020603050405020304" pitchFamily="18" charset="0"/>
-                  <a:cs typeface="Times New Roman" panose="02020603050405020304" pitchFamily="18" charset="0"/>
-                </a:rPr>
-                <a:t>Pre-trained Protein Embeddings</a:t>
-              </a:r>
-            </a:p>
-          </p:txBody>
-        </p:sp>
-        <p:sp>
-          <p:nvSpPr>
-            <p:cNvPr id="65" name="Rectangle: Rounded Corners 64">
-              <a:extLst>
-                <a:ext uri="{FF2B5EF4-FFF2-40B4-BE49-F238E27FC236}">
-                  <a16:creationId xmlns:a16="http://schemas.microsoft.com/office/drawing/2014/main" id="{7FED84ED-FD28-4981-A67A-DF7D13BAF45A}"/>
-                </a:ext>
-              </a:extLst>
-            </p:cNvPr>
-            <p:cNvSpPr/>
-            <p:nvPr/>
-          </p:nvSpPr>
-          <p:spPr>
-            <a:xfrm>
-              <a:off x="4843328" y="1896240"/>
-              <a:ext cx="1938458" cy="1355557"/>
-            </a:xfrm>
-            <a:prstGeom prst="roundRect">
-              <a:avLst/>
-            </a:prstGeom>
-            <a:noFill/>
-            <a:ln w="3175">
-              <a:solidFill>
-                <a:schemeClr val="tx1"/>
-              </a:solidFill>
-            </a:ln>
-          </p:spPr>
-          <p:style>
-            <a:lnRef idx="2">
-              <a:schemeClr val="accent1">
-                <a:shade val="50000"/>
-              </a:schemeClr>
-            </a:lnRef>
-            <a:fillRef idx="1">
-              <a:schemeClr val="accent1"/>
-            </a:fillRef>
-            <a:effectRef idx="0">
-              <a:schemeClr val="accent1"/>
-            </a:effectRef>
-            <a:fontRef idx="minor">
-              <a:schemeClr val="lt1"/>
-            </a:fontRef>
-          </p:style>
-          <p:txBody>
-            <a:bodyPr rtlCol="0" anchor="ctr"/>
-            <a:lstStyle/>
-            <a:p>
-              <a:pPr algn="ctr"/>
-              <a:r>
-                <a:rPr lang="en-US" dirty="0">
-                  <a:solidFill>
-                    <a:schemeClr val="tx1"/>
-                  </a:solidFill>
-                  <a:latin typeface="Times New Roman" panose="02020603050405020304" pitchFamily="18" charset="0"/>
-                  <a:cs typeface="Times New Roman" panose="02020603050405020304" pitchFamily="18" charset="0"/>
-                </a:rPr>
-                <a:t>Neural Network trained on Network-Derived Negatives</a:t>
-              </a:r>
-            </a:p>
-          </p:txBody>
-        </p:sp>
-        <p:cxnSp>
-          <p:nvCxnSpPr>
-            <p:cNvPr id="66" name="Straight Arrow Connector 65">
-              <a:extLst>
-                <a:ext uri="{FF2B5EF4-FFF2-40B4-BE49-F238E27FC236}">
-                  <a16:creationId xmlns:a16="http://schemas.microsoft.com/office/drawing/2014/main" id="{0CBEC940-495B-41A9-BDB8-ED73A7FBFE58}"/>
-                </a:ext>
-              </a:extLst>
-            </p:cNvPr>
-            <p:cNvCxnSpPr>
-              <a:cxnSpLocks/>
-            </p:cNvCxnSpPr>
-            <p:nvPr/>
-          </p:nvCxnSpPr>
-          <p:spPr>
-            <a:xfrm flipV="1">
-              <a:off x="4416860" y="3075291"/>
-              <a:ext cx="449559" cy="404302"/>
-            </a:xfrm>
-            <a:prstGeom prst="straightConnector1">
-              <a:avLst/>
-            </a:prstGeom>
-            <a:ln>
-              <a:solidFill>
-                <a:schemeClr val="tx1"/>
-              </a:solidFill>
-              <a:tailEnd type="triangle"/>
-            </a:ln>
-          </p:spPr>
-          <p:style>
-            <a:lnRef idx="1">
-              <a:schemeClr val="accent1"/>
-            </a:lnRef>
-            <a:fillRef idx="0">
-              <a:schemeClr val="accent1"/>
-            </a:fillRef>
-            <a:effectRef idx="0">
-              <a:schemeClr val="accent1"/>
-            </a:effectRef>
-            <a:fontRef idx="minor">
+            </a:solidFill>
+            <a:tailEnd type="triangle"/>
+          </a:ln>
+        </p:spPr>
+        <p:style>
+          <a:lnRef idx="1">
+            <a:schemeClr val="accent1"/>
+          </a:lnRef>
+          <a:fillRef idx="0">
+            <a:schemeClr val="accent1"/>
+          </a:fillRef>
+          <a:effectRef idx="0">
+            <a:schemeClr val="accent1"/>
+          </a:effectRef>
+          <a:fontRef idx="minor">
+            <a:schemeClr val="tx1"/>
+          </a:fontRef>
+        </p:style>
+      </p:cxnSp>
+      <p:cxnSp>
+        <p:nvCxnSpPr>
+          <p:cNvPr id="115" name="Straight Arrow Connector 114">
+            <a:extLst>
+              <a:ext uri="{FF2B5EF4-FFF2-40B4-BE49-F238E27FC236}">
+                <a16:creationId xmlns:a16="http://schemas.microsoft.com/office/drawing/2014/main" id="{E2DD18BB-56AB-4FEC-B0C6-6B7DF950433A}"/>
+              </a:ext>
+            </a:extLst>
+          </p:cNvPr>
+          <p:cNvCxnSpPr>
+            <a:cxnSpLocks/>
+          </p:cNvCxnSpPr>
+          <p:nvPr/>
+        </p:nvCxnSpPr>
+        <p:spPr>
+          <a:xfrm>
+            <a:off x="3681990" y="5582870"/>
+            <a:ext cx="415820" cy="0"/>
+          </a:xfrm>
+          <a:prstGeom prst="straightConnector1">
+            <a:avLst/>
+          </a:prstGeom>
+          <a:ln>
+            <a:solidFill>
               <a:schemeClr val="tx1"/>
-            </a:fontRef>
-          </p:style>
-        </p:cxnSp>
-        <p:sp>
-          <p:nvSpPr>
-            <p:cNvPr id="67" name="Flowchart: Decision 66">
-              <a:extLst>
-                <a:ext uri="{FF2B5EF4-FFF2-40B4-BE49-F238E27FC236}">
-                  <a16:creationId xmlns:a16="http://schemas.microsoft.com/office/drawing/2014/main" id="{4809463A-5E2B-4A47-9B08-177C5DD6EC4D}"/>
-                </a:ext>
-              </a:extLst>
-            </p:cNvPr>
-            <p:cNvSpPr/>
-            <p:nvPr/>
-          </p:nvSpPr>
-          <p:spPr>
-            <a:xfrm>
-              <a:off x="6970294" y="1893028"/>
-              <a:ext cx="1523995" cy="1355558"/>
-            </a:xfrm>
-            <a:prstGeom prst="flowChartDecision">
-              <a:avLst/>
-            </a:prstGeom>
-            <a:noFill/>
-            <a:ln w="3175">
-              <a:solidFill>
-                <a:schemeClr val="tx1"/>
-              </a:solidFill>
-            </a:ln>
-          </p:spPr>
-          <p:style>
-            <a:lnRef idx="2">
-              <a:schemeClr val="accent1">
-                <a:shade val="50000"/>
-              </a:schemeClr>
-            </a:lnRef>
-            <a:fillRef idx="1">
-              <a:schemeClr val="accent1"/>
-            </a:fillRef>
-            <a:effectRef idx="0">
-              <a:schemeClr val="accent1"/>
-            </a:effectRef>
-            <a:fontRef idx="minor">
-              <a:schemeClr val="lt1"/>
-            </a:fontRef>
-          </p:style>
-          <p:txBody>
-            <a:bodyPr rtlCol="0" anchor="ctr"/>
-            <a:lstStyle/>
-            <a:p>
-              <a:pPr algn="ctr"/>
-              <a:r>
-                <a:rPr lang="en-US" dirty="0">
-                  <a:solidFill>
-                    <a:schemeClr val="tx1"/>
-                  </a:solidFill>
-                  <a:latin typeface="Times New Roman" panose="02020603050405020304" pitchFamily="18" charset="0"/>
-                  <a:cs typeface="Times New Roman" panose="02020603050405020304" pitchFamily="18" charset="0"/>
-                </a:rPr>
-                <a:t>Select top-N pairs</a:t>
-              </a:r>
-            </a:p>
-          </p:txBody>
-        </p:sp>
-        <p:cxnSp>
-          <p:nvCxnSpPr>
-            <p:cNvPr id="68" name="Straight Arrow Connector 67">
-              <a:extLst>
-                <a:ext uri="{FF2B5EF4-FFF2-40B4-BE49-F238E27FC236}">
-                  <a16:creationId xmlns:a16="http://schemas.microsoft.com/office/drawing/2014/main" id="{1721C1E7-ED9C-4CEF-9254-EB9EABB14111}"/>
-                </a:ext>
-              </a:extLst>
-            </p:cNvPr>
-            <p:cNvCxnSpPr>
-              <a:cxnSpLocks/>
-              <a:stCxn id="65" idx="3"/>
-              <a:endCxn id="67" idx="1"/>
-            </p:cNvCxnSpPr>
-            <p:nvPr/>
-          </p:nvCxnSpPr>
-          <p:spPr>
-            <a:xfrm flipV="1">
-              <a:off x="6781786" y="2570807"/>
-              <a:ext cx="188508" cy="3212"/>
-            </a:xfrm>
-            <a:prstGeom prst="straightConnector1">
-              <a:avLst/>
-            </a:prstGeom>
-            <a:ln>
-              <a:solidFill>
-                <a:schemeClr val="tx1"/>
-              </a:solidFill>
-              <a:tailEnd type="triangle"/>
-            </a:ln>
-          </p:spPr>
-          <p:style>
-            <a:lnRef idx="1">
-              <a:schemeClr val="accent1"/>
-            </a:lnRef>
-            <a:fillRef idx="0">
-              <a:schemeClr val="accent1"/>
-            </a:fillRef>
-            <a:effectRef idx="0">
-              <a:schemeClr val="accent1"/>
-            </a:effectRef>
-            <a:fontRef idx="minor">
+            </a:solidFill>
+            <a:tailEnd type="triangle"/>
+          </a:ln>
+        </p:spPr>
+        <p:style>
+          <a:lnRef idx="1">
+            <a:schemeClr val="accent1"/>
+          </a:lnRef>
+          <a:fillRef idx="0">
+            <a:schemeClr val="accent1"/>
+          </a:fillRef>
+          <a:effectRef idx="0">
+            <a:schemeClr val="accent1"/>
+          </a:effectRef>
+          <a:fontRef idx="minor">
+            <a:schemeClr val="tx1"/>
+          </a:fontRef>
+        </p:style>
+      </p:cxnSp>
+      <p:cxnSp>
+        <p:nvCxnSpPr>
+          <p:cNvPr id="116" name="Straight Arrow Connector 115">
+            <a:extLst>
+              <a:ext uri="{FF2B5EF4-FFF2-40B4-BE49-F238E27FC236}">
+                <a16:creationId xmlns:a16="http://schemas.microsoft.com/office/drawing/2014/main" id="{DCB13C31-9E28-471F-A329-55D464A70870}"/>
+              </a:ext>
+            </a:extLst>
+          </p:cNvPr>
+          <p:cNvCxnSpPr>
+            <a:cxnSpLocks/>
+          </p:cNvCxnSpPr>
+          <p:nvPr/>
+        </p:nvCxnSpPr>
+        <p:spPr>
+          <a:xfrm>
+            <a:off x="3730207" y="6884642"/>
+            <a:ext cx="415820" cy="0"/>
+          </a:xfrm>
+          <a:prstGeom prst="straightConnector1">
+            <a:avLst/>
+          </a:prstGeom>
+          <a:ln>
+            <a:solidFill>
               <a:schemeClr val="tx1"/>
-            </a:fontRef>
-          </p:style>
-        </p:cxnSp>
-        <p:sp>
-          <p:nvSpPr>
-            <p:cNvPr id="69" name="Rectangle: Rounded Corners 68">
-              <a:extLst>
-                <a:ext uri="{FF2B5EF4-FFF2-40B4-BE49-F238E27FC236}">
-                  <a16:creationId xmlns:a16="http://schemas.microsoft.com/office/drawing/2014/main" id="{244ED1DB-38E3-476A-9FA4-E3A8F7BB1A14}"/>
-                </a:ext>
-              </a:extLst>
-            </p:cNvPr>
-            <p:cNvSpPr/>
-            <p:nvPr/>
-          </p:nvSpPr>
-          <p:spPr>
-            <a:xfrm>
-              <a:off x="8659732" y="1952000"/>
-              <a:ext cx="1523995" cy="1236042"/>
-            </a:xfrm>
-            <a:prstGeom prst="roundRect">
-              <a:avLst/>
-            </a:prstGeom>
-            <a:noFill/>
-            <a:ln w="3175">
-              <a:solidFill>
-                <a:schemeClr val="tx1"/>
-              </a:solidFill>
-            </a:ln>
-          </p:spPr>
-          <p:style>
-            <a:lnRef idx="2">
-              <a:schemeClr val="accent1">
-                <a:shade val="50000"/>
-              </a:schemeClr>
-            </a:lnRef>
-            <a:fillRef idx="1">
-              <a:schemeClr val="accent1"/>
-            </a:fillRef>
-            <a:effectRef idx="0">
-              <a:schemeClr val="accent1"/>
-            </a:effectRef>
-            <a:fontRef idx="minor">
-              <a:schemeClr val="lt1"/>
-            </a:fontRef>
-          </p:style>
-          <p:txBody>
-            <a:bodyPr rtlCol="0" anchor="ctr"/>
-            <a:lstStyle/>
-            <a:p>
-              <a:pPr algn="ctr"/>
-              <a:r>
-                <a:rPr lang="en-US" dirty="0">
-                  <a:solidFill>
-                    <a:schemeClr val="tx1"/>
-                  </a:solidFill>
-                  <a:latin typeface="Times New Roman" panose="02020603050405020304" pitchFamily="18" charset="0"/>
-                  <a:cs typeface="Times New Roman" panose="02020603050405020304" pitchFamily="18" charset="0"/>
-                </a:rPr>
-                <a:t>Blind Auto Docking and Thresholding</a:t>
-              </a:r>
-            </a:p>
-          </p:txBody>
-        </p:sp>
-        <p:cxnSp>
-          <p:nvCxnSpPr>
-            <p:cNvPr id="70" name="Straight Arrow Connector 69">
-              <a:extLst>
-                <a:ext uri="{FF2B5EF4-FFF2-40B4-BE49-F238E27FC236}">
-                  <a16:creationId xmlns:a16="http://schemas.microsoft.com/office/drawing/2014/main" id="{A7A50AF3-732A-4E65-A67E-F6BEEA641781}"/>
-                </a:ext>
-              </a:extLst>
-            </p:cNvPr>
-            <p:cNvCxnSpPr>
-              <a:cxnSpLocks/>
-              <a:stCxn id="67" idx="3"/>
-              <a:endCxn id="69" idx="1"/>
-            </p:cNvCxnSpPr>
-            <p:nvPr/>
-          </p:nvCxnSpPr>
-          <p:spPr>
-            <a:xfrm flipV="1">
-              <a:off x="8494289" y="2570021"/>
-              <a:ext cx="165443" cy="786"/>
-            </a:xfrm>
-            <a:prstGeom prst="straightConnector1">
-              <a:avLst/>
-            </a:prstGeom>
-            <a:ln>
-              <a:solidFill>
-                <a:schemeClr val="tx1"/>
-              </a:solidFill>
-              <a:tailEnd type="triangle"/>
-            </a:ln>
-          </p:spPr>
-          <p:style>
-            <a:lnRef idx="1">
-              <a:schemeClr val="accent1"/>
-            </a:lnRef>
-            <a:fillRef idx="0">
-              <a:schemeClr val="accent1"/>
-            </a:fillRef>
-            <a:effectRef idx="0">
-              <a:schemeClr val="accent1"/>
-            </a:effectRef>
-            <a:fontRef idx="minor">
+            </a:solidFill>
+            <a:tailEnd type="triangle"/>
+          </a:ln>
+        </p:spPr>
+        <p:style>
+          <a:lnRef idx="1">
+            <a:schemeClr val="accent1"/>
+          </a:lnRef>
+          <a:fillRef idx="0">
+            <a:schemeClr val="accent1"/>
+          </a:fillRef>
+          <a:effectRef idx="0">
+            <a:schemeClr val="accent1"/>
+          </a:effectRef>
+          <a:fontRef idx="minor">
+            <a:schemeClr val="tx1"/>
+          </a:fontRef>
+        </p:style>
+      </p:cxnSp>
+      <p:cxnSp>
+        <p:nvCxnSpPr>
+          <p:cNvPr id="117" name="Straight Arrow Connector 116">
+            <a:extLst>
+              <a:ext uri="{FF2B5EF4-FFF2-40B4-BE49-F238E27FC236}">
+                <a16:creationId xmlns:a16="http://schemas.microsoft.com/office/drawing/2014/main" id="{C25B0B2D-16CD-480B-A022-6EBAD8A3F4C1}"/>
+              </a:ext>
+            </a:extLst>
+          </p:cNvPr>
+          <p:cNvCxnSpPr>
+            <a:cxnSpLocks/>
+          </p:cNvCxnSpPr>
+          <p:nvPr/>
+        </p:nvCxnSpPr>
+        <p:spPr>
+          <a:xfrm>
+            <a:off x="5295294" y="5574731"/>
+            <a:ext cx="415820" cy="0"/>
+          </a:xfrm>
+          <a:prstGeom prst="straightConnector1">
+            <a:avLst/>
+          </a:prstGeom>
+          <a:ln>
+            <a:solidFill>
               <a:schemeClr val="tx1"/>
-            </a:fontRef>
-          </p:style>
-        </p:cxnSp>
-        <p:cxnSp>
-          <p:nvCxnSpPr>
-            <p:cNvPr id="71" name="Straight Arrow Connector 70">
-              <a:extLst>
-                <a:ext uri="{FF2B5EF4-FFF2-40B4-BE49-F238E27FC236}">
-                  <a16:creationId xmlns:a16="http://schemas.microsoft.com/office/drawing/2014/main" id="{6B37855C-3203-44D5-A664-3358304114F0}"/>
-                </a:ext>
-              </a:extLst>
-            </p:cNvPr>
-            <p:cNvCxnSpPr>
-              <a:cxnSpLocks/>
-              <a:endCxn id="59" idx="1"/>
-            </p:cNvCxnSpPr>
-            <p:nvPr/>
-          </p:nvCxnSpPr>
-          <p:spPr>
-            <a:xfrm>
-              <a:off x="10183727" y="2545826"/>
-              <a:ext cx="320597" cy="0"/>
-            </a:xfrm>
-            <a:prstGeom prst="straightConnector1">
-              <a:avLst/>
-            </a:prstGeom>
-            <a:ln>
-              <a:solidFill>
-                <a:schemeClr val="tx1"/>
-              </a:solidFill>
-              <a:tailEnd type="triangle"/>
-            </a:ln>
-          </p:spPr>
-          <p:style>
-            <a:lnRef idx="1">
-              <a:schemeClr val="accent1"/>
-            </a:lnRef>
-            <a:fillRef idx="0">
-              <a:schemeClr val="accent1"/>
-            </a:fillRef>
-            <a:effectRef idx="0">
-              <a:schemeClr val="accent1"/>
-            </a:effectRef>
-            <a:fontRef idx="minor">
+            </a:solidFill>
+            <a:tailEnd type="triangle"/>
+          </a:ln>
+        </p:spPr>
+        <p:style>
+          <a:lnRef idx="1">
+            <a:schemeClr val="accent1"/>
+          </a:lnRef>
+          <a:fillRef idx="0">
+            <a:schemeClr val="accent1"/>
+          </a:fillRef>
+          <a:effectRef idx="0">
+            <a:schemeClr val="accent1"/>
+          </a:effectRef>
+          <a:fontRef idx="minor">
+            <a:schemeClr val="tx1"/>
+          </a:fontRef>
+        </p:style>
+      </p:cxnSp>
+      <p:cxnSp>
+        <p:nvCxnSpPr>
+          <p:cNvPr id="118" name="Straight Arrow Connector 117">
+            <a:extLst>
+              <a:ext uri="{FF2B5EF4-FFF2-40B4-BE49-F238E27FC236}">
+                <a16:creationId xmlns:a16="http://schemas.microsoft.com/office/drawing/2014/main" id="{58C2F0FF-FD07-4C4E-97C3-00C007FE6A4C}"/>
+              </a:ext>
+            </a:extLst>
+          </p:cNvPr>
+          <p:cNvCxnSpPr>
+            <a:cxnSpLocks/>
+          </p:cNvCxnSpPr>
+          <p:nvPr/>
+        </p:nvCxnSpPr>
+        <p:spPr>
+          <a:xfrm>
+            <a:off x="5356214" y="6884641"/>
+            <a:ext cx="415820" cy="0"/>
+          </a:xfrm>
+          <a:prstGeom prst="straightConnector1">
+            <a:avLst/>
+          </a:prstGeom>
+          <a:ln>
+            <a:solidFill>
               <a:schemeClr val="tx1"/>
-            </a:fontRef>
-          </p:style>
-        </p:cxnSp>
-        <p:sp>
-          <p:nvSpPr>
-            <p:cNvPr id="72" name="TextBox 71">
-              <a:extLst>
-                <a:ext uri="{FF2B5EF4-FFF2-40B4-BE49-F238E27FC236}">
-                  <a16:creationId xmlns:a16="http://schemas.microsoft.com/office/drawing/2014/main" id="{E279F4B8-A2BE-43B6-B877-59BB8610A3AD}"/>
-                </a:ext>
-              </a:extLst>
-            </p:cNvPr>
-            <p:cNvSpPr txBox="1"/>
-            <p:nvPr/>
-          </p:nvSpPr>
-          <p:spPr>
-            <a:xfrm>
-              <a:off x="2725551" y="2011925"/>
-              <a:ext cx="2127377" cy="461665"/>
-            </a:xfrm>
-            <a:prstGeom prst="rect">
-              <a:avLst/>
-            </a:prstGeom>
-            <a:noFill/>
-          </p:spPr>
-          <p:txBody>
-            <a:bodyPr wrap="none" rtlCol="0">
-              <a:spAutoFit/>
-            </a:bodyPr>
-            <a:lstStyle/>
-            <a:p>
-              <a:r>
-                <a:rPr lang="en-US" sz="1200" i="1" dirty="0">
-                  <a:latin typeface="Times New Roman" panose="02020603050405020304" pitchFamily="18" charset="0"/>
-                  <a:cs typeface="Times New Roman" panose="02020603050405020304" pitchFamily="18" charset="0"/>
-                </a:rPr>
-                <a:t>e.g., Mol2vec, VAE embedding</a:t>
-              </a:r>
-            </a:p>
-            <a:p>
-              <a:r>
-                <a:rPr lang="en-US" sz="1200" i="1" dirty="0">
-                  <a:latin typeface="Times New Roman" panose="02020603050405020304" pitchFamily="18" charset="0"/>
-                  <a:cs typeface="Times New Roman" panose="02020603050405020304" pitchFamily="18" charset="0"/>
-                </a:rPr>
-                <a:t>Siamese embedding</a:t>
-              </a:r>
-            </a:p>
-          </p:txBody>
-        </p:sp>
-        <p:sp>
-          <p:nvSpPr>
-            <p:cNvPr id="73" name="TextBox 72">
-              <a:extLst>
-                <a:ext uri="{FF2B5EF4-FFF2-40B4-BE49-F238E27FC236}">
-                  <a16:creationId xmlns:a16="http://schemas.microsoft.com/office/drawing/2014/main" id="{C8A39B68-2AA3-4949-A904-3276638CF624}"/>
-                </a:ext>
-              </a:extLst>
-            </p:cNvPr>
-            <p:cNvSpPr txBox="1"/>
-            <p:nvPr/>
-          </p:nvSpPr>
-          <p:spPr>
-            <a:xfrm>
-              <a:off x="2717530" y="3928871"/>
-              <a:ext cx="2288383" cy="461665"/>
-            </a:xfrm>
-            <a:prstGeom prst="rect">
-              <a:avLst/>
-            </a:prstGeom>
-            <a:noFill/>
-          </p:spPr>
-          <p:txBody>
-            <a:bodyPr wrap="none" rtlCol="0">
-              <a:spAutoFit/>
-            </a:bodyPr>
-            <a:lstStyle/>
-            <a:p>
-              <a:r>
-                <a:rPr lang="en-US" sz="1200" i="1" dirty="0">
-                  <a:latin typeface="Times New Roman" panose="02020603050405020304" pitchFamily="18" charset="0"/>
-                  <a:cs typeface="Times New Roman" panose="02020603050405020304" pitchFamily="18" charset="0"/>
-                </a:rPr>
-                <a:t>e.g., ProtVec, Siamese embedding</a:t>
-              </a:r>
-            </a:p>
-            <a:p>
-              <a:endParaRPr lang="en-US" sz="1200" i="1" dirty="0">
+            </a:solidFill>
+            <a:tailEnd type="triangle"/>
+          </a:ln>
+        </p:spPr>
+        <p:style>
+          <a:lnRef idx="1">
+            <a:schemeClr val="accent1"/>
+          </a:lnRef>
+          <a:fillRef idx="0">
+            <a:schemeClr val="accent1"/>
+          </a:fillRef>
+          <a:effectRef idx="0">
+            <a:schemeClr val="accent1"/>
+          </a:effectRef>
+          <a:fontRef idx="minor">
+            <a:schemeClr val="tx1"/>
+          </a:fontRef>
+        </p:style>
+      </p:cxnSp>
+      <p:cxnSp>
+        <p:nvCxnSpPr>
+          <p:cNvPr id="119" name="Straight Arrow Connector 118">
+            <a:extLst>
+              <a:ext uri="{FF2B5EF4-FFF2-40B4-BE49-F238E27FC236}">
+                <a16:creationId xmlns:a16="http://schemas.microsoft.com/office/drawing/2014/main" id="{B5AFEC65-E029-4D00-9E99-FAAD35BEBA98}"/>
+              </a:ext>
+            </a:extLst>
+          </p:cNvPr>
+          <p:cNvCxnSpPr>
+            <a:cxnSpLocks/>
+            <a:endCxn id="109" idx="1"/>
+          </p:cNvCxnSpPr>
+          <p:nvPr/>
+        </p:nvCxnSpPr>
+        <p:spPr>
+          <a:xfrm>
+            <a:off x="6806981" y="5574734"/>
+            <a:ext cx="769870" cy="732387"/>
+          </a:xfrm>
+          <a:prstGeom prst="straightConnector1">
+            <a:avLst/>
+          </a:prstGeom>
+          <a:ln>
+            <a:solidFill>
+              <a:schemeClr val="tx1"/>
+            </a:solidFill>
+            <a:tailEnd type="triangle"/>
+          </a:ln>
+        </p:spPr>
+        <p:style>
+          <a:lnRef idx="1">
+            <a:schemeClr val="accent1"/>
+          </a:lnRef>
+          <a:fillRef idx="0">
+            <a:schemeClr val="accent1"/>
+          </a:fillRef>
+          <a:effectRef idx="0">
+            <a:schemeClr val="accent1"/>
+          </a:effectRef>
+          <a:fontRef idx="minor">
+            <a:schemeClr val="tx1"/>
+          </a:fontRef>
+        </p:style>
+      </p:cxnSp>
+      <p:cxnSp>
+        <p:nvCxnSpPr>
+          <p:cNvPr id="120" name="Straight Arrow Connector 119">
+            <a:extLst>
+              <a:ext uri="{FF2B5EF4-FFF2-40B4-BE49-F238E27FC236}">
+                <a16:creationId xmlns:a16="http://schemas.microsoft.com/office/drawing/2014/main" id="{ED9D5FED-A066-419F-936F-E87F4A4F78AC}"/>
+              </a:ext>
+            </a:extLst>
+          </p:cNvPr>
+          <p:cNvCxnSpPr>
+            <a:cxnSpLocks/>
+            <a:endCxn id="109" idx="1"/>
+          </p:cNvCxnSpPr>
+          <p:nvPr/>
+        </p:nvCxnSpPr>
+        <p:spPr>
+          <a:xfrm flipV="1">
+            <a:off x="6860228" y="6307120"/>
+            <a:ext cx="716626" cy="576273"/>
+          </a:xfrm>
+          <a:prstGeom prst="straightConnector1">
+            <a:avLst/>
+          </a:prstGeom>
+          <a:ln>
+            <a:solidFill>
+              <a:schemeClr val="tx1"/>
+            </a:solidFill>
+            <a:tailEnd type="triangle"/>
+          </a:ln>
+        </p:spPr>
+        <p:style>
+          <a:lnRef idx="1">
+            <a:schemeClr val="accent1"/>
+          </a:lnRef>
+          <a:fillRef idx="0">
+            <a:schemeClr val="accent1"/>
+          </a:fillRef>
+          <a:effectRef idx="0">
+            <a:schemeClr val="accent1"/>
+          </a:effectRef>
+          <a:fontRef idx="minor">
+            <a:schemeClr val="tx1"/>
+          </a:fontRef>
+        </p:style>
+      </p:cxnSp>
+      <p:cxnSp>
+        <p:nvCxnSpPr>
+          <p:cNvPr id="121" name="Straight Arrow Connector 120">
+            <a:extLst>
+              <a:ext uri="{FF2B5EF4-FFF2-40B4-BE49-F238E27FC236}">
+                <a16:creationId xmlns:a16="http://schemas.microsoft.com/office/drawing/2014/main" id="{8F717EBF-0199-405F-A3DF-F1706D693666}"/>
+              </a:ext>
+            </a:extLst>
+          </p:cNvPr>
+          <p:cNvCxnSpPr>
+            <a:cxnSpLocks/>
+            <a:stCxn id="109" idx="3"/>
+          </p:cNvCxnSpPr>
+          <p:nvPr/>
+        </p:nvCxnSpPr>
+        <p:spPr>
+          <a:xfrm>
+            <a:off x="8759811" y="6307121"/>
+            <a:ext cx="269188" cy="7838"/>
+          </a:xfrm>
+          <a:prstGeom prst="straightConnector1">
+            <a:avLst/>
+          </a:prstGeom>
+          <a:ln>
+            <a:solidFill>
+              <a:schemeClr val="tx1"/>
+            </a:solidFill>
+            <a:tailEnd type="triangle"/>
+          </a:ln>
+        </p:spPr>
+        <p:style>
+          <a:lnRef idx="1">
+            <a:schemeClr val="accent1"/>
+          </a:lnRef>
+          <a:fillRef idx="0">
+            <a:schemeClr val="accent1"/>
+          </a:fillRef>
+          <a:effectRef idx="0">
+            <a:schemeClr val="accent1"/>
+          </a:effectRef>
+          <a:fontRef idx="minor">
+            <a:schemeClr val="tx1"/>
+          </a:fontRef>
+        </p:style>
+      </p:cxnSp>
+      <p:cxnSp>
+        <p:nvCxnSpPr>
+          <p:cNvPr id="122" name="Straight Arrow Connector 121">
+            <a:extLst>
+              <a:ext uri="{FF2B5EF4-FFF2-40B4-BE49-F238E27FC236}">
+                <a16:creationId xmlns:a16="http://schemas.microsoft.com/office/drawing/2014/main" id="{E9B26378-BEC7-45C2-B3BA-D90C6C3F1C8F}"/>
+              </a:ext>
+            </a:extLst>
+          </p:cNvPr>
+          <p:cNvCxnSpPr>
+            <a:cxnSpLocks/>
+          </p:cNvCxnSpPr>
+          <p:nvPr/>
+        </p:nvCxnSpPr>
+        <p:spPr>
+          <a:xfrm>
+            <a:off x="10153851" y="6348109"/>
+            <a:ext cx="225234" cy="227"/>
+          </a:xfrm>
+          <a:prstGeom prst="straightConnector1">
+            <a:avLst/>
+          </a:prstGeom>
+          <a:ln>
+            <a:solidFill>
+              <a:schemeClr val="tx1"/>
+            </a:solidFill>
+            <a:tailEnd type="triangle"/>
+          </a:ln>
+        </p:spPr>
+        <p:style>
+          <a:lnRef idx="1">
+            <a:schemeClr val="accent1"/>
+          </a:lnRef>
+          <a:fillRef idx="0">
+            <a:schemeClr val="accent1"/>
+          </a:fillRef>
+          <a:effectRef idx="0">
+            <a:schemeClr val="accent1"/>
+          </a:effectRef>
+          <a:fontRef idx="minor">
+            <a:schemeClr val="tx1"/>
+          </a:fontRef>
+        </p:style>
+      </p:cxnSp>
+      <p:cxnSp>
+        <p:nvCxnSpPr>
+          <p:cNvPr id="123" name="Straight Arrow Connector 122">
+            <a:extLst>
+              <a:ext uri="{FF2B5EF4-FFF2-40B4-BE49-F238E27FC236}">
+                <a16:creationId xmlns:a16="http://schemas.microsoft.com/office/drawing/2014/main" id="{4F4C53F7-0006-4B3F-9AAE-89288092D38C}"/>
+              </a:ext>
+            </a:extLst>
+          </p:cNvPr>
+          <p:cNvCxnSpPr>
+            <a:cxnSpLocks/>
+            <a:stCxn id="111" idx="3"/>
+          </p:cNvCxnSpPr>
+          <p:nvPr/>
+        </p:nvCxnSpPr>
+        <p:spPr>
+          <a:xfrm>
+            <a:off x="11512758" y="6340619"/>
+            <a:ext cx="342012" cy="0"/>
+          </a:xfrm>
+          <a:prstGeom prst="straightConnector1">
+            <a:avLst/>
+          </a:prstGeom>
+          <a:ln>
+            <a:solidFill>
+              <a:schemeClr val="tx1"/>
+            </a:solidFill>
+            <a:tailEnd type="triangle"/>
+          </a:ln>
+        </p:spPr>
+        <p:style>
+          <a:lnRef idx="1">
+            <a:schemeClr val="accent1"/>
+          </a:lnRef>
+          <a:fillRef idx="0">
+            <a:schemeClr val="accent1"/>
+          </a:fillRef>
+          <a:effectRef idx="0">
+            <a:schemeClr val="accent1"/>
+          </a:effectRef>
+          <a:fontRef idx="minor">
+            <a:schemeClr val="tx1"/>
+          </a:fontRef>
+        </p:style>
+      </p:cxnSp>
+      <p:cxnSp>
+        <p:nvCxnSpPr>
+          <p:cNvPr id="92" name="Straight Connector 91">
+            <a:extLst>
+              <a:ext uri="{FF2B5EF4-FFF2-40B4-BE49-F238E27FC236}">
+                <a16:creationId xmlns:a16="http://schemas.microsoft.com/office/drawing/2014/main" id="{C841AAAF-2E96-4027-815F-AE322BCD2CEC}"/>
+              </a:ext>
+            </a:extLst>
+          </p:cNvPr>
+          <p:cNvCxnSpPr>
+            <a:cxnSpLocks/>
+            <a:stCxn id="131" idx="0"/>
+          </p:cNvCxnSpPr>
+          <p:nvPr/>
+        </p:nvCxnSpPr>
+        <p:spPr>
+          <a:xfrm flipV="1">
+            <a:off x="3207618" y="3780196"/>
+            <a:ext cx="2086448" cy="1125999"/>
+          </a:xfrm>
+          <a:prstGeom prst="line">
+            <a:avLst/>
+          </a:prstGeom>
+        </p:spPr>
+        <p:style>
+          <a:lnRef idx="1">
+            <a:schemeClr val="accent1"/>
+          </a:lnRef>
+          <a:fillRef idx="0">
+            <a:schemeClr val="accent1"/>
+          </a:fillRef>
+          <a:effectRef idx="0">
+            <a:schemeClr val="accent1"/>
+          </a:effectRef>
+          <a:fontRef idx="minor">
+            <a:schemeClr val="tx1"/>
+          </a:fontRef>
+        </p:style>
+      </p:cxnSp>
+      <p:sp>
+        <p:nvSpPr>
+          <p:cNvPr id="131" name="Rectangle: Rounded Corners 130">
+            <a:extLst>
+              <a:ext uri="{FF2B5EF4-FFF2-40B4-BE49-F238E27FC236}">
+                <a16:creationId xmlns:a16="http://schemas.microsoft.com/office/drawing/2014/main" id="{4752659E-92F0-49C7-8ADB-4145D8A01B30}"/>
+              </a:ext>
+            </a:extLst>
+          </p:cNvPr>
+          <p:cNvSpPr/>
+          <p:nvPr/>
+        </p:nvSpPr>
+        <p:spPr>
+          <a:xfrm>
+            <a:off x="2493299" y="4906196"/>
+            <a:ext cx="1428635" cy="2653124"/>
+          </a:xfrm>
+          <a:prstGeom prst="roundRect">
+            <a:avLst/>
+          </a:prstGeom>
+          <a:noFill/>
+        </p:spPr>
+        <p:style>
+          <a:lnRef idx="2">
+            <a:schemeClr val="accent1">
+              <a:shade val="50000"/>
+            </a:schemeClr>
+          </a:lnRef>
+          <a:fillRef idx="1">
+            <a:schemeClr val="accent1"/>
+          </a:fillRef>
+          <a:effectRef idx="0">
+            <a:schemeClr val="accent1"/>
+          </a:effectRef>
+          <a:fontRef idx="minor">
+            <a:schemeClr val="lt1"/>
+          </a:fontRef>
+        </p:style>
+        <p:txBody>
+          <a:bodyPr rtlCol="0" anchor="ctr"/>
+          <a:lstStyle/>
+          <a:p>
+            <a:pPr algn="ctr"/>
+            <a:endParaRPr lang="en-US" sz="1413"/>
+          </a:p>
+        </p:txBody>
+      </p:sp>
+      <p:sp>
+        <p:nvSpPr>
+          <p:cNvPr id="134" name="Rectangle: Rounded Corners 133">
+            <a:extLst>
+              <a:ext uri="{FF2B5EF4-FFF2-40B4-BE49-F238E27FC236}">
+                <a16:creationId xmlns:a16="http://schemas.microsoft.com/office/drawing/2014/main" id="{D283A59E-6CB2-47B4-8700-8A348E5D819A}"/>
+              </a:ext>
+            </a:extLst>
+          </p:cNvPr>
+          <p:cNvSpPr/>
+          <p:nvPr/>
+        </p:nvSpPr>
+        <p:spPr>
+          <a:xfrm>
+            <a:off x="5468669" y="4917940"/>
+            <a:ext cx="7494113" cy="2612216"/>
+          </a:xfrm>
+          <a:prstGeom prst="roundRect">
+            <a:avLst/>
+          </a:prstGeom>
+          <a:noFill/>
+        </p:spPr>
+        <p:style>
+          <a:lnRef idx="2">
+            <a:schemeClr val="accent1">
+              <a:shade val="50000"/>
+            </a:schemeClr>
+          </a:lnRef>
+          <a:fillRef idx="1">
+            <a:schemeClr val="accent1"/>
+          </a:fillRef>
+          <a:effectRef idx="0">
+            <a:schemeClr val="accent1"/>
+          </a:effectRef>
+          <a:fontRef idx="minor">
+            <a:schemeClr val="lt1"/>
+          </a:fontRef>
+        </p:style>
+        <p:txBody>
+          <a:bodyPr rtlCol="0" anchor="ctr"/>
+          <a:lstStyle/>
+          <a:p>
+            <a:pPr algn="ctr"/>
+            <a:endParaRPr lang="en-US" sz="1413"/>
+          </a:p>
+        </p:txBody>
+      </p:sp>
+      <p:cxnSp>
+        <p:nvCxnSpPr>
+          <p:cNvPr id="135" name="Straight Connector 134">
+            <a:extLst>
+              <a:ext uri="{FF2B5EF4-FFF2-40B4-BE49-F238E27FC236}">
+                <a16:creationId xmlns:a16="http://schemas.microsoft.com/office/drawing/2014/main" id="{A0568C27-DE7C-47C8-BCC8-336BB245BF92}"/>
+              </a:ext>
+            </a:extLst>
+          </p:cNvPr>
+          <p:cNvCxnSpPr>
+            <a:cxnSpLocks/>
+            <a:stCxn id="134" idx="0"/>
+          </p:cNvCxnSpPr>
+          <p:nvPr/>
+        </p:nvCxnSpPr>
+        <p:spPr>
+          <a:xfrm flipH="1" flipV="1">
+            <a:off x="7498428" y="3849772"/>
+            <a:ext cx="1717298" cy="1068168"/>
+          </a:xfrm>
+          <a:prstGeom prst="line">
+            <a:avLst/>
+          </a:prstGeom>
+        </p:spPr>
+        <p:style>
+          <a:lnRef idx="1">
+            <a:schemeClr val="accent1"/>
+          </a:lnRef>
+          <a:fillRef idx="0">
+            <a:schemeClr val="accent1"/>
+          </a:fillRef>
+          <a:effectRef idx="0">
+            <a:schemeClr val="accent1"/>
+          </a:effectRef>
+          <a:fontRef idx="minor">
+            <a:schemeClr val="tx1"/>
+          </a:fontRef>
+        </p:style>
+      </p:cxnSp>
+      <p:pic>
+        <p:nvPicPr>
+          <p:cNvPr id="138" name="Picture 137" descr="A picture containing light&#10;&#10;Description automatically generated">
+            <a:extLst>
+              <a:ext uri="{FF2B5EF4-FFF2-40B4-BE49-F238E27FC236}">
+                <a16:creationId xmlns:a16="http://schemas.microsoft.com/office/drawing/2014/main" id="{B39AD690-C559-4F38-9133-C5E6DB78463A}"/>
+              </a:ext>
+            </a:extLst>
+          </p:cNvPr>
+          <p:cNvPicPr>
+            <a:picLocks noChangeAspect="1"/>
+          </p:cNvPicPr>
+          <p:nvPr/>
+        </p:nvPicPr>
+        <p:blipFill>
+          <a:blip r:embed="rId8">
+            <a:extLst>
+              <a:ext uri="{28A0092B-C50C-407E-A947-70E740481C1C}">
+                <a14:useLocalDpi xmlns:a14="http://schemas.microsoft.com/office/drawing/2010/main" val="0"/>
+              </a:ext>
+            </a:extLst>
+          </a:blip>
+          <a:stretch>
+            <a:fillRect/>
+          </a:stretch>
+        </p:blipFill>
+        <p:spPr>
+          <a:xfrm>
+            <a:off x="1237032" y="-68882"/>
+            <a:ext cx="1447851" cy="1493339"/>
+          </a:xfrm>
+          <a:prstGeom prst="rect">
+            <a:avLst/>
+          </a:prstGeom>
+        </p:spPr>
+      </p:pic>
+      <p:cxnSp>
+        <p:nvCxnSpPr>
+          <p:cNvPr id="140" name="Straight Arrow Connector 139">
+            <a:extLst>
+              <a:ext uri="{FF2B5EF4-FFF2-40B4-BE49-F238E27FC236}">
+                <a16:creationId xmlns:a16="http://schemas.microsoft.com/office/drawing/2014/main" id="{994208C5-0979-4C9F-86CE-1C090AD76E15}"/>
+              </a:ext>
+            </a:extLst>
+          </p:cNvPr>
+          <p:cNvCxnSpPr>
+            <a:cxnSpLocks/>
+          </p:cNvCxnSpPr>
+          <p:nvPr/>
+        </p:nvCxnSpPr>
+        <p:spPr>
+          <a:xfrm>
+            <a:off x="792687" y="5582870"/>
+            <a:ext cx="252311" cy="0"/>
+          </a:xfrm>
+          <a:prstGeom prst="straightConnector1">
+            <a:avLst/>
+          </a:prstGeom>
+          <a:ln>
+            <a:solidFill>
+              <a:schemeClr val="tx1"/>
+            </a:solidFill>
+            <a:tailEnd type="triangle"/>
+          </a:ln>
+        </p:spPr>
+        <p:style>
+          <a:lnRef idx="1">
+            <a:schemeClr val="accent1"/>
+          </a:lnRef>
+          <a:fillRef idx="0">
+            <a:schemeClr val="accent1"/>
+          </a:fillRef>
+          <a:effectRef idx="0">
+            <a:schemeClr val="accent1"/>
+          </a:effectRef>
+          <a:fontRef idx="minor">
+            <a:schemeClr val="tx1"/>
+          </a:fontRef>
+        </p:style>
+      </p:cxnSp>
+      <p:cxnSp>
+        <p:nvCxnSpPr>
+          <p:cNvPr id="142" name="Straight Arrow Connector 141">
+            <a:extLst>
+              <a:ext uri="{FF2B5EF4-FFF2-40B4-BE49-F238E27FC236}">
+                <a16:creationId xmlns:a16="http://schemas.microsoft.com/office/drawing/2014/main" id="{E6BBEDCC-7834-4A91-926B-31BC99D75528}"/>
+              </a:ext>
+            </a:extLst>
+          </p:cNvPr>
+          <p:cNvCxnSpPr>
+            <a:cxnSpLocks/>
+          </p:cNvCxnSpPr>
+          <p:nvPr/>
+        </p:nvCxnSpPr>
+        <p:spPr>
+          <a:xfrm>
+            <a:off x="792687" y="6883393"/>
+            <a:ext cx="252311" cy="0"/>
+          </a:xfrm>
+          <a:prstGeom prst="straightConnector1">
+            <a:avLst/>
+          </a:prstGeom>
+          <a:ln>
+            <a:solidFill>
+              <a:schemeClr val="tx1"/>
+            </a:solidFill>
+            <a:tailEnd type="triangle"/>
+          </a:ln>
+        </p:spPr>
+        <p:style>
+          <a:lnRef idx="1">
+            <a:schemeClr val="accent1"/>
+          </a:lnRef>
+          <a:fillRef idx="0">
+            <a:schemeClr val="accent1"/>
+          </a:fillRef>
+          <a:effectRef idx="0">
+            <a:schemeClr val="accent1"/>
+          </a:effectRef>
+          <a:fontRef idx="minor">
+            <a:schemeClr val="tx1"/>
+          </a:fontRef>
+        </p:style>
+      </p:cxnSp>
+      <p:cxnSp>
+        <p:nvCxnSpPr>
+          <p:cNvPr id="143" name="Straight Arrow Connector 142">
+            <a:extLst>
+              <a:ext uri="{FF2B5EF4-FFF2-40B4-BE49-F238E27FC236}">
+                <a16:creationId xmlns:a16="http://schemas.microsoft.com/office/drawing/2014/main" id="{8D61FCD4-EC90-40A4-99A9-45274C83600B}"/>
+              </a:ext>
+            </a:extLst>
+          </p:cNvPr>
+          <p:cNvCxnSpPr>
+            <a:cxnSpLocks/>
+          </p:cNvCxnSpPr>
+          <p:nvPr/>
+        </p:nvCxnSpPr>
+        <p:spPr>
+          <a:xfrm flipV="1">
+            <a:off x="12819212" y="6340620"/>
+            <a:ext cx="495810" cy="1"/>
+          </a:xfrm>
+          <a:prstGeom prst="straightConnector1">
+            <a:avLst/>
+          </a:prstGeom>
+          <a:ln>
+            <a:solidFill>
+              <a:schemeClr val="tx1"/>
+            </a:solidFill>
+            <a:tailEnd type="triangle"/>
+          </a:ln>
+        </p:spPr>
+        <p:style>
+          <a:lnRef idx="1">
+            <a:schemeClr val="accent1"/>
+          </a:lnRef>
+          <a:fillRef idx="0">
+            <a:schemeClr val="accent1"/>
+          </a:fillRef>
+          <a:effectRef idx="0">
+            <a:schemeClr val="accent1"/>
+          </a:effectRef>
+          <a:fontRef idx="minor">
+            <a:schemeClr val="tx1"/>
+          </a:fontRef>
+        </p:style>
+      </p:cxnSp>
+      <p:sp>
+        <p:nvSpPr>
+          <p:cNvPr id="149" name="Arrow: Right 148">
+            <a:extLst>
+              <a:ext uri="{FF2B5EF4-FFF2-40B4-BE49-F238E27FC236}">
+                <a16:creationId xmlns:a16="http://schemas.microsoft.com/office/drawing/2014/main" id="{F55A8633-A0DE-496D-A63A-E9A6DF9AA425}"/>
+              </a:ext>
+            </a:extLst>
+          </p:cNvPr>
+          <p:cNvSpPr/>
+          <p:nvPr/>
+        </p:nvSpPr>
+        <p:spPr>
+          <a:xfrm>
+            <a:off x="6058091" y="8689483"/>
+            <a:ext cx="524537" cy="392693"/>
+          </a:xfrm>
+          <a:prstGeom prst="rightArrow">
+            <a:avLst/>
+          </a:prstGeom>
+          <a:solidFill>
+            <a:srgbClr val="548235"/>
+          </a:solidFill>
+        </p:spPr>
+        <p:style>
+          <a:lnRef idx="2">
+            <a:schemeClr val="accent1">
+              <a:shade val="50000"/>
+            </a:schemeClr>
+          </a:lnRef>
+          <a:fillRef idx="1">
+            <a:schemeClr val="accent1"/>
+          </a:fillRef>
+          <a:effectRef idx="0">
+            <a:schemeClr val="accent1"/>
+          </a:effectRef>
+          <a:fontRef idx="minor">
+            <a:schemeClr val="lt1"/>
+          </a:fontRef>
+        </p:style>
+        <p:txBody>
+          <a:bodyPr rtlCol="0" anchor="ctr"/>
+          <a:lstStyle/>
+          <a:p>
+            <a:pPr algn="ctr"/>
+            <a:endParaRPr lang="en-US"/>
+          </a:p>
+        </p:txBody>
+      </p:sp>
+      <p:sp>
+        <p:nvSpPr>
+          <p:cNvPr id="150" name="TextBox 149">
+            <a:extLst>
+              <a:ext uri="{FF2B5EF4-FFF2-40B4-BE49-F238E27FC236}">
+                <a16:creationId xmlns:a16="http://schemas.microsoft.com/office/drawing/2014/main" id="{00DCCE95-B147-4B82-823F-63D4E22E9B7C}"/>
+              </a:ext>
+            </a:extLst>
+          </p:cNvPr>
+          <p:cNvSpPr txBox="1"/>
+          <p:nvPr/>
+        </p:nvSpPr>
+        <p:spPr>
+          <a:xfrm>
+            <a:off x="3572502" y="15045461"/>
+            <a:ext cx="1655453" cy="430631"/>
+          </a:xfrm>
+          <a:prstGeom prst="rect">
+            <a:avLst/>
+          </a:prstGeom>
+          <a:solidFill>
+            <a:schemeClr val="bg1"/>
+          </a:solidFill>
+        </p:spPr>
+        <p:txBody>
+          <a:bodyPr wrap="square" rtlCol="0">
+            <a:spAutoFit/>
+          </a:bodyPr>
+          <a:lstStyle/>
+          <a:p>
+            <a:r>
+              <a:rPr lang="en-US" sz="1099" dirty="0">
                 <a:latin typeface="Times New Roman" panose="02020603050405020304" pitchFamily="18" charset="0"/>
                 <a:cs typeface="Times New Roman" panose="02020603050405020304" pitchFamily="18" charset="0"/>
-              </a:endParaRPr>
-            </a:p>
-          </p:txBody>
-        </p:sp>
-        <p:sp>
-          <p:nvSpPr>
-            <p:cNvPr id="74" name="TextBox 73">
-              <a:extLst>
-                <a:ext uri="{FF2B5EF4-FFF2-40B4-BE49-F238E27FC236}">
-                  <a16:creationId xmlns:a16="http://schemas.microsoft.com/office/drawing/2014/main" id="{FFBBEE41-A870-4185-B4C9-5E779B7743E7}"/>
-                </a:ext>
-              </a:extLst>
-            </p:cNvPr>
-            <p:cNvSpPr txBox="1"/>
-            <p:nvPr/>
-          </p:nvSpPr>
-          <p:spPr>
-            <a:xfrm>
-              <a:off x="4811176" y="3188042"/>
-              <a:ext cx="2561214" cy="276999"/>
-            </a:xfrm>
-            <a:prstGeom prst="rect">
-              <a:avLst/>
-            </a:prstGeom>
-            <a:noFill/>
-          </p:spPr>
-          <p:txBody>
-            <a:bodyPr wrap="none" rtlCol="0">
-              <a:spAutoFit/>
-            </a:bodyPr>
-            <a:lstStyle/>
-            <a:p>
-              <a:r>
-                <a:rPr lang="en-US" sz="1200" i="1" dirty="0">
-                  <a:latin typeface="Times New Roman" panose="02020603050405020304" pitchFamily="18" charset="0"/>
-                  <a:cs typeface="Times New Roman" panose="02020603050405020304" pitchFamily="18" charset="0"/>
-                </a:rPr>
-                <a:t>e.g., VecNet, VAENet, Siamese Model</a:t>
-              </a:r>
-            </a:p>
-          </p:txBody>
-        </p:sp>
-        <p:sp>
-          <p:nvSpPr>
-            <p:cNvPr id="75" name="TextBox 74">
-              <a:extLst>
-                <a:ext uri="{FF2B5EF4-FFF2-40B4-BE49-F238E27FC236}">
-                  <a16:creationId xmlns:a16="http://schemas.microsoft.com/office/drawing/2014/main" id="{FFCE8083-A875-42CA-AEDF-3F93AE962A45}"/>
-                </a:ext>
-              </a:extLst>
-            </p:cNvPr>
-            <p:cNvSpPr txBox="1"/>
-            <p:nvPr/>
-          </p:nvSpPr>
-          <p:spPr>
-            <a:xfrm>
-              <a:off x="8582259" y="3190431"/>
-              <a:ext cx="1922065" cy="646331"/>
-            </a:xfrm>
-            <a:prstGeom prst="rect">
-              <a:avLst/>
-            </a:prstGeom>
-            <a:noFill/>
-          </p:spPr>
-          <p:txBody>
-            <a:bodyPr wrap="square" rtlCol="0">
-              <a:spAutoFit/>
-            </a:bodyPr>
-            <a:lstStyle/>
-            <a:p>
-              <a:r>
-                <a:rPr lang="en-US" sz="1200" i="1" dirty="0">
-                  <a:latin typeface="Times New Roman" panose="02020603050405020304" pitchFamily="18" charset="0"/>
-                  <a:cs typeface="Times New Roman" panose="02020603050405020304" pitchFamily="18" charset="0"/>
-                </a:rPr>
-                <a:t>Pairs with binding affinity less than -1.75 kcal/mole are selected</a:t>
-              </a:r>
-            </a:p>
-          </p:txBody>
-        </p:sp>
-        <p:sp>
-          <p:nvSpPr>
-            <p:cNvPr id="76" name="Left Brace 75">
-              <a:extLst>
-                <a:ext uri="{FF2B5EF4-FFF2-40B4-BE49-F238E27FC236}">
-                  <a16:creationId xmlns:a16="http://schemas.microsoft.com/office/drawing/2014/main" id="{23A7CAFF-B190-42D4-9339-26E1D2504ED5}"/>
-                </a:ext>
-              </a:extLst>
-            </p:cNvPr>
-            <p:cNvSpPr/>
-            <p:nvPr/>
-          </p:nvSpPr>
-          <p:spPr>
-            <a:xfrm rot="16200000">
-              <a:off x="3515651" y="3481732"/>
-              <a:ext cx="388570" cy="1975958"/>
-            </a:xfrm>
-            <a:prstGeom prst="leftBrace">
-              <a:avLst/>
-            </a:prstGeom>
-            <a:ln>
-              <a:solidFill>
-                <a:schemeClr val="tx1"/>
-              </a:solidFill>
-            </a:ln>
-          </p:spPr>
-          <p:style>
-            <a:lnRef idx="1">
-              <a:schemeClr val="accent1"/>
-            </a:lnRef>
-            <a:fillRef idx="0">
-              <a:schemeClr val="accent1"/>
-            </a:fillRef>
-            <a:effectRef idx="0">
-              <a:schemeClr val="accent1"/>
-            </a:effectRef>
-            <a:fontRef idx="minor">
-              <a:schemeClr val="tx1"/>
-            </a:fontRef>
-          </p:style>
-          <p:txBody>
-            <a:bodyPr rtlCol="0" anchor="ctr"/>
-            <a:lstStyle/>
-            <a:p>
-              <a:pPr algn="ctr"/>
-              <a:endParaRPr lang="en-US"/>
-            </a:p>
-          </p:txBody>
-        </p:sp>
-        <p:sp>
-          <p:nvSpPr>
-            <p:cNvPr id="77" name="Left Brace 76">
-              <a:extLst>
-                <a:ext uri="{FF2B5EF4-FFF2-40B4-BE49-F238E27FC236}">
-                  <a16:creationId xmlns:a16="http://schemas.microsoft.com/office/drawing/2014/main" id="{7670E122-2771-40C0-A7B4-DC493DF6070E}"/>
-                </a:ext>
-              </a:extLst>
-            </p:cNvPr>
-            <p:cNvSpPr/>
-            <p:nvPr/>
-          </p:nvSpPr>
-          <p:spPr>
-            <a:xfrm rot="16200000">
-              <a:off x="5739858" y="3499012"/>
-              <a:ext cx="388570" cy="1975958"/>
-            </a:xfrm>
-            <a:prstGeom prst="leftBrace">
-              <a:avLst/>
-            </a:prstGeom>
-            <a:ln>
-              <a:solidFill>
-                <a:schemeClr val="tx1"/>
-              </a:solidFill>
-            </a:ln>
-          </p:spPr>
-          <p:style>
-            <a:lnRef idx="1">
-              <a:schemeClr val="accent1"/>
-            </a:lnRef>
-            <a:fillRef idx="0">
-              <a:schemeClr val="accent1"/>
-            </a:fillRef>
-            <a:effectRef idx="0">
-              <a:schemeClr val="accent1"/>
-            </a:effectRef>
-            <a:fontRef idx="minor">
-              <a:schemeClr val="tx1"/>
-            </a:fontRef>
-          </p:style>
-          <p:txBody>
-            <a:bodyPr rtlCol="0" anchor="ctr"/>
-            <a:lstStyle/>
-            <a:p>
-              <a:pPr algn="ctr"/>
-              <a:endParaRPr lang="en-US"/>
-            </a:p>
-          </p:txBody>
-        </p:sp>
-        <p:sp>
-          <p:nvSpPr>
-            <p:cNvPr id="78" name="TextBox 77">
-              <a:extLst>
-                <a:ext uri="{FF2B5EF4-FFF2-40B4-BE49-F238E27FC236}">
-                  <a16:creationId xmlns:a16="http://schemas.microsoft.com/office/drawing/2014/main" id="{A0454310-BB7C-4FB0-B0B3-DD5FD1D91569}"/>
-                </a:ext>
-              </a:extLst>
-            </p:cNvPr>
-            <p:cNvSpPr txBox="1"/>
-            <p:nvPr/>
-          </p:nvSpPr>
-          <p:spPr>
-            <a:xfrm>
-              <a:off x="2823846" y="4690213"/>
-              <a:ext cx="1930785" cy="276999"/>
-            </a:xfrm>
-            <a:prstGeom prst="rect">
-              <a:avLst/>
-            </a:prstGeom>
-            <a:noFill/>
-          </p:spPr>
-          <p:txBody>
-            <a:bodyPr wrap="none" rtlCol="0">
-              <a:spAutoFit/>
-            </a:bodyPr>
-            <a:lstStyle/>
-            <a:p>
-              <a:r>
-                <a:rPr lang="en-US" sz="1200" b="1" dirty="0">
-                  <a:latin typeface="Times New Roman" panose="02020603050405020304" pitchFamily="18" charset="0"/>
-                  <a:cs typeface="Times New Roman" panose="02020603050405020304" pitchFamily="18" charset="0"/>
-                </a:rPr>
-                <a:t>Unsupervised Pre-training</a:t>
-              </a:r>
-            </a:p>
-          </p:txBody>
-        </p:sp>
-        <p:sp>
-          <p:nvSpPr>
-            <p:cNvPr id="79" name="TextBox 78">
-              <a:extLst>
-                <a:ext uri="{FF2B5EF4-FFF2-40B4-BE49-F238E27FC236}">
-                  <a16:creationId xmlns:a16="http://schemas.microsoft.com/office/drawing/2014/main" id="{10CFC081-72FE-4624-9AD1-5E72AB115E24}"/>
-                </a:ext>
-              </a:extLst>
-            </p:cNvPr>
-            <p:cNvSpPr txBox="1"/>
-            <p:nvPr/>
-          </p:nvSpPr>
-          <p:spPr>
-            <a:xfrm>
-              <a:off x="5221705" y="4690213"/>
-              <a:ext cx="1556836" cy="276999"/>
-            </a:xfrm>
-            <a:prstGeom prst="rect">
-              <a:avLst/>
-            </a:prstGeom>
-            <a:noFill/>
-          </p:spPr>
-          <p:txBody>
-            <a:bodyPr wrap="none" rtlCol="0">
-              <a:spAutoFit/>
-            </a:bodyPr>
-            <a:lstStyle/>
-            <a:p>
-              <a:r>
-                <a:rPr lang="en-US" sz="1200" b="1" dirty="0">
-                  <a:latin typeface="Times New Roman" panose="02020603050405020304" pitchFamily="18" charset="0"/>
-                  <a:cs typeface="Times New Roman" panose="02020603050405020304" pitchFamily="18" charset="0"/>
-                </a:rPr>
-                <a:t>Supervised Learning</a:t>
-              </a:r>
-            </a:p>
-          </p:txBody>
-        </p:sp>
-      </p:grpSp>
+              </a:rPr>
+              <a:t>DeepPurpose</a:t>
+            </a:r>
+          </a:p>
+          <a:p>
+            <a:endParaRPr lang="en-US" sz="1099" dirty="0">
+              <a:latin typeface="Times New Roman" panose="02020603050405020304" pitchFamily="18" charset="0"/>
+              <a:cs typeface="Times New Roman" panose="02020603050405020304" pitchFamily="18" charset="0"/>
+            </a:endParaRPr>
+          </a:p>
+        </p:txBody>
+      </p:sp>
     </p:spTree>
     <p:extLst>
       <p:ext uri="{BB962C8B-B14F-4D97-AF65-F5344CB8AC3E}">

--- a/Images/fig3.pptx
+++ b/Images/fig3.pptx
@@ -197,7 +197,7 @@
           <a:p>
             <a:fld id="{D34CEA9E-E5A5-49C8-A578-AF124664FEC0}" type="datetimeFigureOut">
               <a:rPr lang="en-US" smtClean="0"/>
-              <a:t>11/9/2021</a:t>
+              <a:t>11/23/2021</a:t>
             </a:fld>
             <a:endParaRPr lang="en-US"/>
           </a:p>
@@ -684,7 +684,7 @@
           <a:p>
             <a:fld id="{BA05AF01-4F0E-4718-A4C1-DFCBB47EE5F2}" type="datetimeFigureOut">
               <a:rPr lang="en-US" smtClean="0"/>
-              <a:t>11/9/2021</a:t>
+              <a:t>11/23/2021</a:t>
             </a:fld>
             <a:endParaRPr lang="en-US"/>
           </a:p>
@@ -854,7 +854,7 @@
           <a:p>
             <a:fld id="{BA05AF01-4F0E-4718-A4C1-DFCBB47EE5F2}" type="datetimeFigureOut">
               <a:rPr lang="en-US" smtClean="0"/>
-              <a:t>11/9/2021</a:t>
+              <a:t>11/23/2021</a:t>
             </a:fld>
             <a:endParaRPr lang="en-US"/>
           </a:p>
@@ -1034,7 +1034,7 @@
           <a:p>
             <a:fld id="{BA05AF01-4F0E-4718-A4C1-DFCBB47EE5F2}" type="datetimeFigureOut">
               <a:rPr lang="en-US" smtClean="0"/>
-              <a:t>11/9/2021</a:t>
+              <a:t>11/23/2021</a:t>
             </a:fld>
             <a:endParaRPr lang="en-US"/>
           </a:p>
@@ -1204,7 +1204,7 @@
           <a:p>
             <a:fld id="{BA05AF01-4F0E-4718-A4C1-DFCBB47EE5F2}" type="datetimeFigureOut">
               <a:rPr lang="en-US" smtClean="0"/>
-              <a:t>11/9/2021</a:t>
+              <a:t>11/23/2021</a:t>
             </a:fld>
             <a:endParaRPr lang="en-US"/>
           </a:p>
@@ -1448,7 +1448,7 @@
           <a:p>
             <a:fld id="{BA05AF01-4F0E-4718-A4C1-DFCBB47EE5F2}" type="datetimeFigureOut">
               <a:rPr lang="en-US" smtClean="0"/>
-              <a:t>11/9/2021</a:t>
+              <a:t>11/23/2021</a:t>
             </a:fld>
             <a:endParaRPr lang="en-US"/>
           </a:p>
@@ -1680,7 +1680,7 @@
           <a:p>
             <a:fld id="{BA05AF01-4F0E-4718-A4C1-DFCBB47EE5F2}" type="datetimeFigureOut">
               <a:rPr lang="en-US" smtClean="0"/>
-              <a:t>11/9/2021</a:t>
+              <a:t>11/23/2021</a:t>
             </a:fld>
             <a:endParaRPr lang="en-US"/>
           </a:p>
@@ -2047,7 +2047,7 @@
           <a:p>
             <a:fld id="{BA05AF01-4F0E-4718-A4C1-DFCBB47EE5F2}" type="datetimeFigureOut">
               <a:rPr lang="en-US" smtClean="0"/>
-              <a:t>11/9/2021</a:t>
+              <a:t>11/23/2021</a:t>
             </a:fld>
             <a:endParaRPr lang="en-US"/>
           </a:p>
@@ -2165,7 +2165,7 @@
           <a:p>
             <a:fld id="{BA05AF01-4F0E-4718-A4C1-DFCBB47EE5F2}" type="datetimeFigureOut">
               <a:rPr lang="en-US" smtClean="0"/>
-              <a:t>11/9/2021</a:t>
+              <a:t>11/23/2021</a:t>
             </a:fld>
             <a:endParaRPr lang="en-US"/>
           </a:p>
@@ -2260,7 +2260,7 @@
           <a:p>
             <a:fld id="{BA05AF01-4F0E-4718-A4C1-DFCBB47EE5F2}" type="datetimeFigureOut">
               <a:rPr lang="en-US" smtClean="0"/>
-              <a:t>11/9/2021</a:t>
+              <a:t>11/23/2021</a:t>
             </a:fld>
             <a:endParaRPr lang="en-US"/>
           </a:p>
@@ -2537,7 +2537,7 @@
           <a:p>
             <a:fld id="{BA05AF01-4F0E-4718-A4C1-DFCBB47EE5F2}" type="datetimeFigureOut">
               <a:rPr lang="en-US" smtClean="0"/>
-              <a:t>11/9/2021</a:t>
+              <a:t>11/23/2021</a:t>
             </a:fld>
             <a:endParaRPr lang="en-US"/>
           </a:p>
@@ -2794,7 +2794,7 @@
           <a:p>
             <a:fld id="{BA05AF01-4F0E-4718-A4C1-DFCBB47EE5F2}" type="datetimeFigureOut">
               <a:rPr lang="en-US" smtClean="0"/>
-              <a:t>11/9/2021</a:t>
+              <a:t>11/23/2021</a:t>
             </a:fld>
             <a:endParaRPr lang="en-US"/>
           </a:p>
@@ -3007,7 +3007,7 @@
           <a:p>
             <a:fld id="{BA05AF01-4F0E-4718-A4C1-DFCBB47EE5F2}" type="datetimeFigureOut">
               <a:rPr lang="en-US" smtClean="0"/>
-              <a:t>11/9/2021</a:t>
+              <a:t>11/23/2021</a:t>
             </a:fld>
             <a:endParaRPr lang="en-US"/>
           </a:p>
@@ -4147,7 +4147,7 @@
         </p:nvSpPr>
         <p:spPr>
           <a:xfrm>
-            <a:off x="8954242" y="11090871"/>
+            <a:off x="8936286" y="11076328"/>
             <a:ext cx="1038157" cy="261482"/>
           </a:xfrm>
           <a:prstGeom prst="rect">
@@ -4547,7 +4547,7 @@
         </p:nvSpPr>
         <p:spPr>
           <a:xfrm>
-            <a:off x="5140084" y="15067911"/>
+            <a:off x="5152327" y="15039417"/>
             <a:ext cx="1038157" cy="261482"/>
           </a:xfrm>
           <a:prstGeom prst="rect">

--- a/Images/fig3.pptx
+++ b/Images/fig3.pptx
@@ -197,7 +197,7 @@
           <a:p>
             <a:fld id="{D34CEA9E-E5A5-49C8-A578-AF124664FEC0}" type="datetimeFigureOut">
               <a:rPr lang="en-US" smtClean="0"/>
-              <a:t>11/23/2021</a:t>
+              <a:t>11/29/2021</a:t>
             </a:fld>
             <a:endParaRPr lang="en-US"/>
           </a:p>
@@ -684,7 +684,7 @@
           <a:p>
             <a:fld id="{BA05AF01-4F0E-4718-A4C1-DFCBB47EE5F2}" type="datetimeFigureOut">
               <a:rPr lang="en-US" smtClean="0"/>
-              <a:t>11/23/2021</a:t>
+              <a:t>11/29/2021</a:t>
             </a:fld>
             <a:endParaRPr lang="en-US"/>
           </a:p>
@@ -854,7 +854,7 @@
           <a:p>
             <a:fld id="{BA05AF01-4F0E-4718-A4C1-DFCBB47EE5F2}" type="datetimeFigureOut">
               <a:rPr lang="en-US" smtClean="0"/>
-              <a:t>11/23/2021</a:t>
+              <a:t>11/29/2021</a:t>
             </a:fld>
             <a:endParaRPr lang="en-US"/>
           </a:p>
@@ -1034,7 +1034,7 @@
           <a:p>
             <a:fld id="{BA05AF01-4F0E-4718-A4C1-DFCBB47EE5F2}" type="datetimeFigureOut">
               <a:rPr lang="en-US" smtClean="0"/>
-              <a:t>11/23/2021</a:t>
+              <a:t>11/29/2021</a:t>
             </a:fld>
             <a:endParaRPr lang="en-US"/>
           </a:p>
@@ -1204,7 +1204,7 @@
           <a:p>
             <a:fld id="{BA05AF01-4F0E-4718-A4C1-DFCBB47EE5F2}" type="datetimeFigureOut">
               <a:rPr lang="en-US" smtClean="0"/>
-              <a:t>11/23/2021</a:t>
+              <a:t>11/29/2021</a:t>
             </a:fld>
             <a:endParaRPr lang="en-US"/>
           </a:p>
@@ -1448,7 +1448,7 @@
           <a:p>
             <a:fld id="{BA05AF01-4F0E-4718-A4C1-DFCBB47EE5F2}" type="datetimeFigureOut">
               <a:rPr lang="en-US" smtClean="0"/>
-              <a:t>11/23/2021</a:t>
+              <a:t>11/29/2021</a:t>
             </a:fld>
             <a:endParaRPr lang="en-US"/>
           </a:p>
@@ -1680,7 +1680,7 @@
           <a:p>
             <a:fld id="{BA05AF01-4F0E-4718-A4C1-DFCBB47EE5F2}" type="datetimeFigureOut">
               <a:rPr lang="en-US" smtClean="0"/>
-              <a:t>11/23/2021</a:t>
+              <a:t>11/29/2021</a:t>
             </a:fld>
             <a:endParaRPr lang="en-US"/>
           </a:p>
@@ -2047,7 +2047,7 @@
           <a:p>
             <a:fld id="{BA05AF01-4F0E-4718-A4C1-DFCBB47EE5F2}" type="datetimeFigureOut">
               <a:rPr lang="en-US" smtClean="0"/>
-              <a:t>11/23/2021</a:t>
+              <a:t>11/29/2021</a:t>
             </a:fld>
             <a:endParaRPr lang="en-US"/>
           </a:p>
@@ -2165,7 +2165,7 @@
           <a:p>
             <a:fld id="{BA05AF01-4F0E-4718-A4C1-DFCBB47EE5F2}" type="datetimeFigureOut">
               <a:rPr lang="en-US" smtClean="0"/>
-              <a:t>11/23/2021</a:t>
+              <a:t>11/29/2021</a:t>
             </a:fld>
             <a:endParaRPr lang="en-US"/>
           </a:p>
@@ -2260,7 +2260,7 @@
           <a:p>
             <a:fld id="{BA05AF01-4F0E-4718-A4C1-DFCBB47EE5F2}" type="datetimeFigureOut">
               <a:rPr lang="en-US" smtClean="0"/>
-              <a:t>11/23/2021</a:t>
+              <a:t>11/29/2021</a:t>
             </a:fld>
             <a:endParaRPr lang="en-US"/>
           </a:p>
@@ -2537,7 +2537,7 @@
           <a:p>
             <a:fld id="{BA05AF01-4F0E-4718-A4C1-DFCBB47EE5F2}" type="datetimeFigureOut">
               <a:rPr lang="en-US" smtClean="0"/>
-              <a:t>11/23/2021</a:t>
+              <a:t>11/29/2021</a:t>
             </a:fld>
             <a:endParaRPr lang="en-US"/>
           </a:p>
@@ -2794,7 +2794,7 @@
           <a:p>
             <a:fld id="{BA05AF01-4F0E-4718-A4C1-DFCBB47EE5F2}" type="datetimeFigureOut">
               <a:rPr lang="en-US" smtClean="0"/>
-              <a:t>11/23/2021</a:t>
+              <a:t>11/29/2021</a:t>
             </a:fld>
             <a:endParaRPr lang="en-US"/>
           </a:p>
@@ -3007,7 +3007,7 @@
           <a:p>
             <a:fld id="{BA05AF01-4F0E-4718-A4C1-DFCBB47EE5F2}" type="datetimeFigureOut">
               <a:rPr lang="en-US" smtClean="0"/>
-              <a:t>11/23/2021</a:t>
+              <a:t>11/29/2021</a:t>
             </a:fld>
             <a:endParaRPr lang="en-US"/>
           </a:p>
@@ -3566,61 +3566,6 @@
           </a:prstGeom>
         </p:spPr>
       </p:pic>
-      <p:sp>
-        <p:nvSpPr>
-          <p:cNvPr id="97" name="Rectangle: Rounded Corners 96">
-            <a:extLst>
-              <a:ext uri="{FF2B5EF4-FFF2-40B4-BE49-F238E27FC236}">
-                <a16:creationId xmlns:a16="http://schemas.microsoft.com/office/drawing/2014/main" id="{5E0DA875-29C0-4A50-BF06-662CF07532B2}"/>
-              </a:ext>
-            </a:extLst>
-          </p:cNvPr>
-          <p:cNvSpPr/>
-          <p:nvPr/>
-        </p:nvSpPr>
-        <p:spPr>
-          <a:xfrm>
-            <a:off x="4890335" y="8673252"/>
-            <a:ext cx="1127653" cy="465036"/>
-          </a:xfrm>
-          <a:prstGeom prst="roundRect">
-            <a:avLst/>
-          </a:prstGeom>
-          <a:noFill/>
-          <a:ln w="38100">
-            <a:solidFill>
-              <a:schemeClr val="accent6">
-                <a:lumMod val="75000"/>
-              </a:schemeClr>
-            </a:solidFill>
-            <a:prstDash val="sysDash"/>
-          </a:ln>
-        </p:spPr>
-        <p:style>
-          <a:lnRef idx="2">
-            <a:schemeClr val="accent1">
-              <a:shade val="50000"/>
-            </a:schemeClr>
-          </a:lnRef>
-          <a:fillRef idx="1">
-            <a:schemeClr val="accent1"/>
-          </a:fillRef>
-          <a:effectRef idx="0">
-            <a:schemeClr val="accent1"/>
-          </a:effectRef>
-          <a:fontRef idx="minor">
-            <a:schemeClr val="lt1"/>
-          </a:fontRef>
-        </p:style>
-        <p:txBody>
-          <a:bodyPr rtlCol="0" anchor="ctr"/>
-          <a:lstStyle/>
-          <a:p>
-            <a:pPr algn="ctr"/>
-            <a:endParaRPr lang="en-US" sz="1413"/>
-          </a:p>
-        </p:txBody>
-      </p:sp>
       <p:cxnSp>
         <p:nvCxnSpPr>
           <p:cNvPr id="99" name="Straight Arrow Connector 98">
@@ -7973,55 +7918,6 @@
           </a:fontRef>
         </p:style>
       </p:cxnSp>
-      <p:sp>
-        <p:nvSpPr>
-          <p:cNvPr id="149" name="Arrow: Right 148">
-            <a:extLst>
-              <a:ext uri="{FF2B5EF4-FFF2-40B4-BE49-F238E27FC236}">
-                <a16:creationId xmlns:a16="http://schemas.microsoft.com/office/drawing/2014/main" id="{F55A8633-A0DE-496D-A63A-E9A6DF9AA425}"/>
-              </a:ext>
-            </a:extLst>
-          </p:cNvPr>
-          <p:cNvSpPr/>
-          <p:nvPr/>
-        </p:nvSpPr>
-        <p:spPr>
-          <a:xfrm>
-            <a:off x="6058091" y="8689483"/>
-            <a:ext cx="524537" cy="392693"/>
-          </a:xfrm>
-          <a:prstGeom prst="rightArrow">
-            <a:avLst/>
-          </a:prstGeom>
-          <a:solidFill>
-            <a:srgbClr val="548235"/>
-          </a:solidFill>
-        </p:spPr>
-        <p:style>
-          <a:lnRef idx="2">
-            <a:schemeClr val="accent1">
-              <a:shade val="50000"/>
-            </a:schemeClr>
-          </a:lnRef>
-          <a:fillRef idx="1">
-            <a:schemeClr val="accent1"/>
-          </a:fillRef>
-          <a:effectRef idx="0">
-            <a:schemeClr val="accent1"/>
-          </a:effectRef>
-          <a:fontRef idx="minor">
-            <a:schemeClr val="lt1"/>
-          </a:fontRef>
-        </p:style>
-        <p:txBody>
-          <a:bodyPr rtlCol="0" anchor="ctr"/>
-          <a:lstStyle/>
-          <a:p>
-            <a:pPr algn="ctr"/>
-            <a:endParaRPr lang="en-US"/>
-          </a:p>
-        </p:txBody>
-      </p:sp>
       <p:sp>
         <p:nvSpPr>
           <p:cNvPr id="150" name="TextBox 149">
